--- a/data/my_dcm/DCM.pptx
+++ b/data/my_dcm/DCM.pptx
@@ -6,20 +6,25 @@
     <p:sldMasterId id="2147483674" r:id="rId2"/>
   </p:sldMasterIdLst>
   <p:notesMasterIdLst>
-    <p:notesMasterId r:id="rId14"/>
+    <p:notesMasterId r:id="rId19"/>
   </p:notesMasterIdLst>
   <p:sldIdLst>
     <p:sldId id="256" r:id="rId3"/>
     <p:sldId id="265" r:id="rId4"/>
-    <p:sldId id="344" r:id="rId5"/>
-    <p:sldId id="345" r:id="rId6"/>
-    <p:sldId id="348" r:id="rId7"/>
-    <p:sldId id="349" r:id="rId8"/>
-    <p:sldId id="342" r:id="rId9"/>
-    <p:sldId id="347" r:id="rId10"/>
-    <p:sldId id="346" r:id="rId11"/>
-    <p:sldId id="343" r:id="rId12"/>
-    <p:sldId id="350" r:id="rId13"/>
+    <p:sldId id="355" r:id="rId5"/>
+    <p:sldId id="354" r:id="rId6"/>
+    <p:sldId id="351" r:id="rId7"/>
+    <p:sldId id="353" r:id="rId8"/>
+    <p:sldId id="344" r:id="rId9"/>
+    <p:sldId id="352" r:id="rId10"/>
+    <p:sldId id="345" r:id="rId11"/>
+    <p:sldId id="348" r:id="rId12"/>
+    <p:sldId id="349" r:id="rId13"/>
+    <p:sldId id="342" r:id="rId14"/>
+    <p:sldId id="347" r:id="rId15"/>
+    <p:sldId id="346" r:id="rId16"/>
+    <p:sldId id="343" r:id="rId17"/>
+    <p:sldId id="350" r:id="rId18"/>
   </p:sldIdLst>
   <p:sldSz cx="9144000" cy="6858000" type="screen4x3"/>
   <p:notesSz cx="6858000" cy="9144000"/>
@@ -203,7 +208,7 @@
           <a:p>
             <a:fld id="{777965BA-FF15-44DF-AE82-5E4066B4D283}" type="datetimeFigureOut">
               <a:rPr lang="zh-TW" altLang="en-US" smtClean="0"/>
-              <a:t>2015/12/8</a:t>
+              <a:t>2015/12/14</a:t>
             </a:fld>
             <a:endParaRPr lang="zh-TW" altLang="en-US"/>
           </a:p>
@@ -515,6 +520,132 @@
           <a:bodyPr/>
           <a:lstStyle/>
           <a:p>
+            <a:pPr rtl="0"/>
+            <a:r>
+              <a:rPr lang="zh-TW" altLang="en-US" sz="1200" b="0" i="0" u="none" strike="noStrike" kern="1200" dirty="0" smtClean="0">
+                <a:solidFill>
+                  <a:schemeClr val="tx1"/>
+                </a:solidFill>
+                <a:effectLst/>
+                <a:latin typeface="+mn-lt"/>
+                <a:ea typeface="+mn-ea"/>
+                <a:cs typeface="+mn-cs"/>
+              </a:rPr>
+              <a:t>歐拉角</a:t>
+            </a:r>
+            <a:r>
+              <a:rPr lang="en-US" altLang="zh-TW" sz="1200" b="0" i="0" u="none" strike="noStrike" kern="1200" dirty="0" smtClean="0">
+                <a:solidFill>
+                  <a:schemeClr val="tx1"/>
+                </a:solidFill>
+                <a:effectLst/>
+                <a:latin typeface="+mn-lt"/>
+                <a:ea typeface="+mn-ea"/>
+                <a:cs typeface="+mn-cs"/>
+              </a:rPr>
+              <a:t>? </a:t>
+            </a:r>
+            <a:endParaRPr lang="zh-TW" altLang="en-US" b="0" dirty="0" smtClean="0">
+              <a:effectLst/>
+            </a:endParaRPr>
+          </a:p>
+          <a:p>
+            <a:r>
+              <a:rPr lang="zh-TW" altLang="en-US" sz="1200" b="0" i="0" u="none" strike="noStrike" kern="1200" dirty="0" smtClean="0">
+                <a:solidFill>
+                  <a:schemeClr val="tx1"/>
+                </a:solidFill>
+                <a:effectLst/>
+                <a:latin typeface="+mn-lt"/>
+                <a:ea typeface="+mn-ea"/>
+                <a:cs typeface="+mn-cs"/>
+              </a:rPr>
+              <a:t>用一句話說</a:t>
+            </a:r>
+            <a:r>
+              <a:rPr lang="en-US" altLang="zh-TW" sz="1200" b="0" i="0" u="none" strike="noStrike" kern="1200" dirty="0" smtClean="0">
+                <a:solidFill>
+                  <a:schemeClr val="tx1"/>
+                </a:solidFill>
+                <a:effectLst/>
+                <a:latin typeface="+mn-lt"/>
+                <a:ea typeface="+mn-ea"/>
+                <a:cs typeface="+mn-cs"/>
+              </a:rPr>
+              <a:t>,</a:t>
+            </a:r>
+            <a:r>
+              <a:rPr lang="zh-TW" altLang="en-US" sz="1200" b="0" i="0" u="none" strike="noStrike" kern="1200" dirty="0" smtClean="0">
+                <a:solidFill>
+                  <a:schemeClr val="tx1"/>
+                </a:solidFill>
+                <a:effectLst/>
+                <a:latin typeface="+mn-lt"/>
+                <a:ea typeface="+mn-ea"/>
+                <a:cs typeface="+mn-cs"/>
+              </a:rPr>
+              <a:t>歐拉角就是物體繞坐標系三個坐標軸</a:t>
+            </a:r>
+            <a:r>
+              <a:rPr lang="en-US" altLang="zh-TW" sz="1200" b="0" i="0" u="none" strike="noStrike" kern="1200" dirty="0" smtClean="0">
+                <a:solidFill>
+                  <a:schemeClr val="tx1"/>
+                </a:solidFill>
+                <a:effectLst/>
+                <a:latin typeface="+mn-lt"/>
+                <a:ea typeface="+mn-ea"/>
+                <a:cs typeface="+mn-cs"/>
+              </a:rPr>
+              <a:t>(</a:t>
+            </a:r>
+            <a:r>
+              <a:rPr lang="en-US" altLang="zh-TW" sz="1200" b="0" i="0" u="none" strike="noStrike" kern="1200" dirty="0" err="1" smtClean="0">
+                <a:solidFill>
+                  <a:schemeClr val="tx1"/>
+                </a:solidFill>
+                <a:effectLst/>
+                <a:latin typeface="+mn-lt"/>
+                <a:ea typeface="+mn-ea"/>
+                <a:cs typeface="+mn-cs"/>
+              </a:rPr>
+              <a:t>x,y,z</a:t>
+            </a:r>
+            <a:r>
+              <a:rPr lang="zh-TW" altLang="en-US" sz="1200" b="0" i="0" u="none" strike="noStrike" kern="1200" dirty="0" smtClean="0">
+                <a:solidFill>
+                  <a:schemeClr val="tx1"/>
+                </a:solidFill>
+                <a:effectLst/>
+                <a:latin typeface="+mn-lt"/>
+                <a:ea typeface="+mn-ea"/>
+                <a:cs typeface="+mn-cs"/>
+              </a:rPr>
+              <a:t>軸</a:t>
+            </a:r>
+            <a:r>
+              <a:rPr lang="en-US" altLang="zh-TW" sz="1200" b="0" i="0" u="none" strike="noStrike" kern="1200" dirty="0" smtClean="0">
+                <a:solidFill>
+                  <a:schemeClr val="tx1"/>
+                </a:solidFill>
+                <a:effectLst/>
+                <a:latin typeface="+mn-lt"/>
+                <a:ea typeface="+mn-ea"/>
+                <a:cs typeface="+mn-cs"/>
+              </a:rPr>
+              <a:t>)</a:t>
+            </a:r>
+            <a:r>
+              <a:rPr lang="zh-TW" altLang="en-US" sz="1200" b="0" i="0" u="none" strike="noStrike" kern="1200" dirty="0" smtClean="0">
+                <a:solidFill>
+                  <a:schemeClr val="tx1"/>
+                </a:solidFill>
+                <a:effectLst/>
+                <a:latin typeface="+mn-lt"/>
+                <a:ea typeface="+mn-ea"/>
+                <a:cs typeface="+mn-cs"/>
+              </a:rPr>
+              <a:t>的旋轉角度。 </a:t>
+            </a:r>
             <a:endParaRPr lang="zh-TW" altLang="en-US" dirty="0"/>
           </a:p>
         </p:txBody>
@@ -536,7 +667,7 @@
           <a:p>
             <a:fld id="{AD6B8D79-020F-4B69-94FB-407519CE69A6}" type="slidenum">
               <a:rPr lang="zh-TW" altLang="en-US" smtClean="0"/>
-              <a:t>3</a:t>
+              <a:t>5</a:t>
             </a:fld>
             <a:endParaRPr lang="zh-TW" altLang="en-US"/>
           </a:p>
@@ -545,7 +676,7 @@
     </p:spTree>
     <p:extLst>
       <p:ext uri="{BB962C8B-B14F-4D97-AF65-F5344CB8AC3E}">
-        <p14:creationId xmlns:p14="http://schemas.microsoft.com/office/powerpoint/2010/main" val="3802326668"/>
+        <p14:creationId xmlns:p14="http://schemas.microsoft.com/office/powerpoint/2010/main" val="3480478473"/>
       </p:ext>
     </p:extLst>
   </p:cSld>
@@ -599,89 +730,6 @@
           <a:bodyPr/>
           <a:lstStyle/>
           <a:p>
-            <a:pPr algn="just">
-              <a:spcBef>
-                <a:spcPct val="50000"/>
-              </a:spcBef>
-              <a:buFont typeface="Wingdings" pitchFamily="2" charset="2"/>
-              <a:buChar char="Ø"/>
-            </a:pPr>
-            <a:r>
-              <a:rPr lang="zh-CN" altLang="en-US" dirty="0" smtClean="0">
-                <a:solidFill>
-                  <a:srgbClr val="FF0000"/>
-                </a:solidFill>
-              </a:rPr>
-              <a:t>坐标系</a:t>
-            </a:r>
-          </a:p>
-          <a:p>
-            <a:pPr lvl="1" algn="just">
-              <a:spcBef>
-                <a:spcPct val="50000"/>
-              </a:spcBef>
-              <a:buFont typeface="Wingdings" pitchFamily="2" charset="2"/>
-              <a:buChar char="Ø"/>
-            </a:pPr>
-            <a:r>
-              <a:rPr lang="zh-CN" altLang="en-US" dirty="0" smtClean="0"/>
-              <a:t>转子（动）坐标系</a:t>
-            </a:r>
-            <a:r>
-              <a:rPr lang="en-US" altLang="zh-CN" dirty="0" err="1" smtClean="0"/>
-              <a:t>ox’y’z</a:t>
-            </a:r>
-            <a:r>
-              <a:rPr lang="en-US" altLang="zh-CN" dirty="0" smtClean="0"/>
-              <a:t>’</a:t>
-            </a:r>
-          </a:p>
-          <a:p>
-            <a:pPr lvl="1" algn="just">
-              <a:spcBef>
-                <a:spcPct val="50000"/>
-              </a:spcBef>
-              <a:buFont typeface="Wingdings" pitchFamily="2" charset="2"/>
-              <a:buChar char="Ø"/>
-            </a:pPr>
-            <a:r>
-              <a:rPr lang="zh-CN" altLang="en-US" dirty="0" smtClean="0"/>
-              <a:t>基座（固定）坐标系</a:t>
-            </a:r>
-            <a:r>
-              <a:rPr lang="en-US" altLang="zh-CN" dirty="0" smtClean="0"/>
-              <a:t>OXYZ</a:t>
-            </a:r>
-          </a:p>
-          <a:p>
-            <a:pPr>
-              <a:spcBef>
-                <a:spcPct val="50000"/>
-              </a:spcBef>
-              <a:buFont typeface="Wingdings" pitchFamily="2" charset="2"/>
-              <a:buChar char="Ø"/>
-            </a:pPr>
-            <a:r>
-              <a:rPr lang="zh-CN" altLang="en-US" dirty="0" smtClean="0">
-                <a:solidFill>
-                  <a:srgbClr val="FF0000"/>
-                </a:solidFill>
-                <a:latin typeface="宋体" pitchFamily="2" charset="-122"/>
-              </a:rPr>
-              <a:t>方向余弦矩阵</a:t>
-            </a:r>
-            <a:r>
-              <a:rPr lang="zh-CN" altLang="en-US" dirty="0" smtClean="0">
-                <a:latin typeface="宋体" pitchFamily="2" charset="-122"/>
-              </a:rPr>
-              <a:t>（坐标变换阵）</a:t>
-            </a:r>
-            <a:r>
-              <a:rPr lang="zh-CN" altLang="en-US" dirty="0" smtClean="0"/>
-              <a:t> </a:t>
-            </a:r>
-          </a:p>
-          <a:p>
             <a:endParaRPr lang="zh-TW" altLang="en-US" dirty="0"/>
           </a:p>
         </p:txBody>
@@ -703,7 +751,7 @@
           <a:p>
             <a:fld id="{AD6B8D79-020F-4B69-94FB-407519CE69A6}" type="slidenum">
               <a:rPr lang="zh-TW" altLang="en-US" smtClean="0"/>
-              <a:t>6</a:t>
+              <a:t>7</a:t>
             </a:fld>
             <a:endParaRPr lang="zh-TW" altLang="en-US"/>
           </a:p>
@@ -712,7 +760,7 @@
     </p:spTree>
     <p:extLst>
       <p:ext uri="{BB962C8B-B14F-4D97-AF65-F5344CB8AC3E}">
-        <p14:creationId xmlns:p14="http://schemas.microsoft.com/office/powerpoint/2010/main" val="3845587390"/>
+        <p14:creationId xmlns:p14="http://schemas.microsoft.com/office/powerpoint/2010/main" val="3802326668"/>
       </p:ext>
     </p:extLst>
   </p:cSld>
@@ -767,353 +815,49 @@
           <a:lstStyle/>
           <a:p>
             <a:r>
-              <a:rPr lang="zh-TW" altLang="en-US" sz="1200" b="0" i="0" kern="1200" dirty="0" smtClean="0">
+              <a:rPr lang="zh-TW" altLang="en-US" sz="1200" b="0" i="0" u="none" strike="noStrike" kern="1200" baseline="0" dirty="0" smtClean="0">
                 <a:solidFill>
                   <a:schemeClr val="tx1"/>
                 </a:solidFill>
-                <a:effectLst/>
                 <a:latin typeface="+mn-lt"/>
                 <a:ea typeface="+mn-ea"/>
                 <a:cs typeface="+mn-cs"/>
               </a:rPr>
-              <a:t>正交基底的定義：基底元素向量中，它的純量為</a:t>
-            </a:r>
-            <a:r>
-              <a:rPr lang="en-US" altLang="zh-TW" sz="1200" b="0" i="0" kern="1200" dirty="0" smtClean="0">
+              <a:t>為陀螺儀於理想狀況下訊號輸出值， 為陀螺儀量測訊號飄移量， 為陀螺儀量測雜訊， </a:t>
+            </a:r>
+            <a:r>
+              <a:rPr lang="en-US" altLang="zh-TW" sz="1200" b="0" i="1" u="none" strike="noStrike" kern="1200" baseline="0" dirty="0" smtClean="0">
                 <a:solidFill>
                   <a:schemeClr val="tx1"/>
                 </a:solidFill>
-                <a:effectLst/>
                 <a:latin typeface="+mn-lt"/>
                 <a:ea typeface="+mn-ea"/>
                 <a:cs typeface="+mn-cs"/>
               </a:rPr>
-              <a:t>1</a:t>
-            </a:r>
-            <a:r>
-              <a:rPr lang="zh-TW" altLang="en-US" sz="1200" b="0" i="0" kern="1200" dirty="0" smtClean="0">
+              <a:t>d w </a:t>
+            </a:r>
+            <a:r>
+              <a:rPr lang="en-US" altLang="zh-TW" sz="1200" b="0" i="0" u="none" strike="noStrike" kern="1200" baseline="0" dirty="0" smtClean="0">
                 <a:solidFill>
                   <a:schemeClr val="tx1"/>
                 </a:solidFill>
-                <a:effectLst/>
                 <a:latin typeface="+mn-lt"/>
                 <a:ea typeface="+mn-ea"/>
                 <a:cs typeface="+mn-cs"/>
               </a:rPr>
-              <a:t>者為正交基底</a:t>
-            </a:r>
-            <a:endParaRPr lang="en-US" altLang="zh-TW" sz="1200" b="0" i="0" kern="1200" dirty="0" smtClean="0">
-              <a:solidFill>
-                <a:schemeClr val="tx1"/>
-              </a:solidFill>
-              <a:effectLst/>
-              <a:latin typeface="+mn-lt"/>
-              <a:ea typeface="+mn-ea"/>
-              <a:cs typeface="+mn-cs"/>
-            </a:endParaRPr>
-          </a:p>
-          <a:p>
-            <a:r>
-              <a:rPr lang="zh-TW" altLang="en-US" sz="1200" b="0" i="0" kern="1200" dirty="0" smtClean="0">
+              <a:t>misalignment ε </a:t>
+            </a:r>
+            <a:r>
+              <a:rPr lang="zh-TW" altLang="en-US" sz="1200" b="0" i="0" u="none" strike="noStrike" kern="1200" baseline="0" dirty="0" smtClean="0">
                 <a:solidFill>
                   <a:schemeClr val="tx1"/>
                 </a:solidFill>
-                <a:effectLst/>
                 <a:latin typeface="+mn-lt"/>
                 <a:ea typeface="+mn-ea"/>
                 <a:cs typeface="+mn-cs"/>
               </a:rPr>
-              <a:t>正交基底</a:t>
-            </a:r>
-            <a:r>
-              <a:rPr lang="en-US" altLang="zh-TW" sz="1200" b="0" i="0" kern="1200" dirty="0" smtClean="0">
-                <a:solidFill>
-                  <a:schemeClr val="tx1"/>
-                </a:solidFill>
-                <a:effectLst/>
-                <a:latin typeface="+mn-lt"/>
-                <a:ea typeface="+mn-ea"/>
-                <a:cs typeface="+mn-cs"/>
-              </a:rPr>
-              <a:t>"</a:t>
-            </a:r>
-            <a:r>
-              <a:rPr lang="zh-TW" altLang="en-US" sz="1200" b="0" i="0" kern="1200" dirty="0" smtClean="0">
-                <a:solidFill>
-                  <a:schemeClr val="tx1"/>
-                </a:solidFill>
-                <a:effectLst/>
-                <a:latin typeface="+mn-lt"/>
-                <a:ea typeface="+mn-ea"/>
-                <a:cs typeface="+mn-cs"/>
-              </a:rPr>
-              <a:t>顧名思義 </a:t>
-            </a:r>
-            <a:r>
-              <a:rPr lang="en-US" altLang="zh-TW" sz="1200" b="0" i="0" kern="1200" dirty="0" smtClean="0">
-                <a:solidFill>
-                  <a:schemeClr val="tx1"/>
-                </a:solidFill>
-                <a:effectLst/>
-                <a:latin typeface="+mn-lt"/>
-                <a:ea typeface="+mn-ea"/>
-                <a:cs typeface="+mn-cs"/>
-              </a:rPr>
-              <a:t>1.</a:t>
-            </a:r>
-            <a:r>
-              <a:rPr lang="zh-TW" altLang="en-US" sz="1200" b="0" i="0" kern="1200" dirty="0" smtClean="0">
-                <a:solidFill>
-                  <a:schemeClr val="tx1"/>
-                </a:solidFill>
-                <a:effectLst/>
-                <a:latin typeface="+mn-lt"/>
-                <a:ea typeface="+mn-ea"/>
-                <a:cs typeface="+mn-cs"/>
-              </a:rPr>
-              <a:t>是基底 </a:t>
-            </a:r>
-            <a:r>
-              <a:rPr lang="en-US" altLang="zh-TW" sz="1200" b="0" i="0" kern="1200" dirty="0" smtClean="0">
-                <a:solidFill>
-                  <a:schemeClr val="tx1"/>
-                </a:solidFill>
-                <a:effectLst/>
-                <a:latin typeface="+mn-lt"/>
-                <a:ea typeface="+mn-ea"/>
-                <a:cs typeface="+mn-cs"/>
-              </a:rPr>
-              <a:t>2.</a:t>
-            </a:r>
-            <a:r>
-              <a:rPr lang="zh-TW" altLang="en-US" sz="1200" b="0" i="0" kern="1200" dirty="0" smtClean="0">
-                <a:solidFill>
-                  <a:schemeClr val="tx1"/>
-                </a:solidFill>
-                <a:effectLst/>
-                <a:latin typeface="+mn-lt"/>
-                <a:ea typeface="+mn-ea"/>
-                <a:cs typeface="+mn-cs"/>
-              </a:rPr>
-              <a:t>其中向量兩兩正交</a:t>
-            </a:r>
-            <a:endParaRPr lang="en-US" altLang="zh-TW" sz="1200" b="0" i="0" kern="1200" dirty="0" smtClean="0">
-              <a:solidFill>
-                <a:schemeClr val="tx1"/>
-              </a:solidFill>
-              <a:effectLst/>
-              <a:latin typeface="+mn-lt"/>
-              <a:ea typeface="+mn-ea"/>
-              <a:cs typeface="+mn-cs"/>
-            </a:endParaRPr>
-          </a:p>
-          <a:p>
-            <a:endParaRPr lang="en-US" altLang="zh-CN" sz="1200" b="0" i="0" kern="1200" dirty="0" smtClean="0">
-              <a:solidFill>
-                <a:schemeClr val="tx1"/>
-              </a:solidFill>
-              <a:effectLst/>
-              <a:latin typeface="+mn-lt"/>
-              <a:ea typeface="+mn-ea"/>
-              <a:cs typeface="+mn-cs"/>
-            </a:endParaRPr>
-          </a:p>
-          <a:p>
-            <a:endParaRPr lang="en-US" altLang="zh-CN" sz="1200" b="0" i="0" kern="1200" dirty="0" smtClean="0">
-              <a:solidFill>
-                <a:schemeClr val="tx1"/>
-              </a:solidFill>
-              <a:effectLst/>
-              <a:latin typeface="+mn-lt"/>
-              <a:ea typeface="+mn-ea"/>
-              <a:cs typeface="+mn-cs"/>
-            </a:endParaRPr>
-          </a:p>
-          <a:p>
-            <a:endParaRPr lang="en-US" altLang="zh-CN" sz="1200" b="0" i="0" kern="1200" dirty="0" smtClean="0">
-              <a:solidFill>
-                <a:schemeClr val="tx1"/>
-              </a:solidFill>
-              <a:effectLst/>
-              <a:latin typeface="+mn-lt"/>
-              <a:ea typeface="+mn-ea"/>
-              <a:cs typeface="+mn-cs"/>
-            </a:endParaRPr>
-          </a:p>
-          <a:p>
-            <a:endParaRPr lang="en-US" altLang="zh-CN" sz="1200" b="0" i="0" kern="1200" dirty="0" smtClean="0">
-              <a:solidFill>
-                <a:schemeClr val="tx1"/>
-              </a:solidFill>
-              <a:effectLst/>
-              <a:latin typeface="+mn-lt"/>
-              <a:ea typeface="+mn-ea"/>
-              <a:cs typeface="+mn-cs"/>
-            </a:endParaRPr>
-          </a:p>
-          <a:p>
-            <a:r>
-              <a:rPr lang="zh-CN" altLang="en-US" sz="1200" b="0" i="0" kern="1200" dirty="0" smtClean="0">
-                <a:solidFill>
-                  <a:schemeClr val="tx1"/>
-                </a:solidFill>
-                <a:effectLst/>
-                <a:latin typeface="+mn-lt"/>
-                <a:ea typeface="+mn-ea"/>
-                <a:cs typeface="+mn-cs"/>
-              </a:rPr>
-              <a:t>“方向余弦矩阵”是由两组不同的</a:t>
-            </a:r>
-            <a:r>
-              <a:rPr lang="zh-CN" altLang="en-US" sz="1200" b="0" i="0" u="none" strike="noStrike" kern="1200" dirty="0" smtClean="0">
-                <a:solidFill>
-                  <a:schemeClr val="tx1"/>
-                </a:solidFill>
-                <a:effectLst/>
-                <a:latin typeface="+mn-lt"/>
-                <a:ea typeface="+mn-ea"/>
-                <a:cs typeface="+mn-cs"/>
-                <a:hlinkClick r:id="rId3" tooltip="标准正交基"/>
-              </a:rPr>
-              <a:t>标准正交基</a:t>
-            </a:r>
-            <a:r>
-              <a:rPr lang="zh-CN" altLang="en-US" sz="1200" b="0" i="0" kern="1200" dirty="0" smtClean="0">
-                <a:solidFill>
-                  <a:schemeClr val="tx1"/>
-                </a:solidFill>
-                <a:effectLst/>
-                <a:latin typeface="+mn-lt"/>
-                <a:ea typeface="+mn-ea"/>
-                <a:cs typeface="+mn-cs"/>
-              </a:rPr>
-              <a:t>的</a:t>
-            </a:r>
-            <a:r>
-              <a:rPr lang="zh-CN" altLang="en-US" sz="1200" b="0" i="0" u="none" strike="noStrike" kern="1200" dirty="0" smtClean="0">
-                <a:solidFill>
-                  <a:schemeClr val="tx1"/>
-                </a:solidFill>
-                <a:effectLst/>
-                <a:latin typeface="+mn-lt"/>
-                <a:ea typeface="+mn-ea"/>
-                <a:cs typeface="+mn-cs"/>
-                <a:hlinkClick r:id="rId4" tooltip="基底"/>
-              </a:rPr>
-              <a:t>基底</a:t>
-            </a:r>
-            <a:r>
-              <a:rPr lang="zh-CN" altLang="en-US" sz="1200" b="0" i="0" kern="1200" dirty="0" smtClean="0">
-                <a:solidFill>
-                  <a:schemeClr val="tx1"/>
-                </a:solidFill>
-                <a:effectLst/>
-                <a:latin typeface="+mn-lt"/>
-                <a:ea typeface="+mn-ea"/>
-                <a:cs typeface="+mn-cs"/>
-              </a:rPr>
-              <a:t>向量之间的方向余弦所形成的矩阵。方向余弦矩阵可以用来表达一组标准正交基与另一组标准正交基之间的关系，也可以用来表达一个向量对于另一组标准正交基的方向余弦</a:t>
-            </a:r>
-          </a:p>
-          <a:p>
-            <a:r>
-              <a:rPr lang="zh-CN" altLang="en-US" sz="1200" b="1" i="0" kern="1200" dirty="0" smtClean="0">
-                <a:solidFill>
-                  <a:schemeClr val="tx1"/>
-                </a:solidFill>
-                <a:effectLst/>
-                <a:latin typeface="+mn-lt"/>
-                <a:ea typeface="+mn-ea"/>
-                <a:cs typeface="+mn-cs"/>
-              </a:rPr>
-              <a:t>方向余弦</a:t>
-            </a:r>
-            <a:r>
-              <a:rPr lang="zh-CN" altLang="en-US" sz="1200" b="0" i="0" kern="1200" dirty="0" smtClean="0">
-                <a:solidFill>
-                  <a:schemeClr val="tx1"/>
-                </a:solidFill>
-                <a:effectLst/>
-                <a:latin typeface="+mn-lt"/>
-                <a:ea typeface="+mn-ea"/>
-                <a:cs typeface="+mn-cs"/>
-              </a:rPr>
-              <a:t>方法可以用来设定附体参考系</a:t>
-            </a:r>
-            <a:r>
-              <a:rPr lang="en-US" altLang="zh-CN" sz="1200" b="0" i="0" kern="1200" dirty="0" smtClean="0">
-                <a:solidFill>
-                  <a:schemeClr val="tx1"/>
-                </a:solidFill>
-                <a:effectLst/>
-                <a:latin typeface="+mn-lt"/>
-                <a:ea typeface="+mn-ea"/>
-                <a:cs typeface="+mn-cs"/>
-              </a:rPr>
-              <a:t>B</a:t>
-            </a:r>
-            <a:r>
-              <a:rPr lang="zh-CN" altLang="en-US" sz="1200" b="0" i="0" kern="1200" dirty="0" smtClean="0">
-                <a:solidFill>
-                  <a:schemeClr val="tx1"/>
-                </a:solidFill>
-                <a:effectLst/>
-                <a:latin typeface="+mn-lt"/>
-                <a:ea typeface="+mn-ea"/>
-                <a:cs typeface="+mn-cs"/>
-              </a:rPr>
-              <a:t>的取向，即刚体的取向。假设沿着参考系</a:t>
-            </a:r>
-            <a:r>
-              <a:rPr lang="en-US" altLang="zh-CN" sz="1200" b="0" i="0" kern="1200" dirty="0" smtClean="0">
-                <a:solidFill>
-                  <a:schemeClr val="tx1"/>
-                </a:solidFill>
-                <a:effectLst/>
-                <a:latin typeface="+mn-lt"/>
-                <a:ea typeface="+mn-ea"/>
-                <a:cs typeface="+mn-cs"/>
-              </a:rPr>
-              <a:t>S</a:t>
-            </a:r>
-            <a:r>
-              <a:rPr lang="zh-CN" altLang="en-US" sz="1200" b="0" i="0" kern="1200" dirty="0" smtClean="0">
-                <a:solidFill>
-                  <a:schemeClr val="tx1"/>
-                </a:solidFill>
-                <a:effectLst/>
-                <a:latin typeface="+mn-lt"/>
-                <a:ea typeface="+mn-ea"/>
-                <a:cs typeface="+mn-cs"/>
-              </a:rPr>
-              <a:t>的坐标轴的三个单位向量分别为                         、 、 ，沿着参考系</a:t>
-            </a:r>
-            <a:r>
-              <a:rPr lang="en-US" altLang="zh-CN" sz="1200" b="0" i="0" kern="1200" dirty="0" smtClean="0">
-                <a:solidFill>
-                  <a:schemeClr val="tx1"/>
-                </a:solidFill>
-                <a:effectLst/>
-                <a:latin typeface="+mn-lt"/>
-                <a:ea typeface="+mn-ea"/>
-                <a:cs typeface="+mn-cs"/>
-              </a:rPr>
-              <a:t>B</a:t>
-            </a:r>
-            <a:r>
-              <a:rPr lang="zh-CN" altLang="en-US" sz="1200" b="0" i="0" kern="1200" dirty="0" smtClean="0">
-                <a:solidFill>
-                  <a:schemeClr val="tx1"/>
-                </a:solidFill>
-                <a:effectLst/>
-                <a:latin typeface="+mn-lt"/>
-                <a:ea typeface="+mn-ea"/>
-                <a:cs typeface="+mn-cs"/>
-              </a:rPr>
-              <a:t>的坐标轴的三个单位向量分别为 、 、 。定义 与 之间的方向余弦 为</a:t>
-            </a:r>
-          </a:p>
-          <a:p>
+              <a:t>為溫度影響或是配置問題所造成之量測方向誤差，其中當誤差角度為極小值時，其值為一單位矩陣。 </a:t>
+            </a:r>
             <a:endParaRPr lang="zh-TW" altLang="en-US" dirty="0"/>
           </a:p>
         </p:txBody>
@@ -1135,7 +879,7 @@
           <a:p>
             <a:fld id="{AD6B8D79-020F-4B69-94FB-407519CE69A6}" type="slidenum">
               <a:rPr lang="zh-TW" altLang="en-US" smtClean="0"/>
-              <a:t>7</a:t>
+              <a:t>8</a:t>
             </a:fld>
             <a:endParaRPr lang="zh-TW" altLang="en-US"/>
           </a:p>
@@ -1144,7 +888,7 @@
     </p:spTree>
     <p:extLst>
       <p:ext uri="{BB962C8B-B14F-4D97-AF65-F5344CB8AC3E}">
-        <p14:creationId xmlns:p14="http://schemas.microsoft.com/office/powerpoint/2010/main" val="983543290"/>
+        <p14:creationId xmlns:p14="http://schemas.microsoft.com/office/powerpoint/2010/main" val="3926474750"/>
       </p:ext>
     </p:extLst>
   </p:cSld>
@@ -1198,6 +942,89 @@
           <a:bodyPr/>
           <a:lstStyle/>
           <a:p>
+            <a:pPr algn="just">
+              <a:spcBef>
+                <a:spcPct val="50000"/>
+              </a:spcBef>
+              <a:buFont typeface="Wingdings" pitchFamily="2" charset="2"/>
+              <a:buChar char="Ø"/>
+            </a:pPr>
+            <a:r>
+              <a:rPr lang="zh-CN" altLang="en-US" dirty="0" smtClean="0">
+                <a:solidFill>
+                  <a:srgbClr val="FF0000"/>
+                </a:solidFill>
+              </a:rPr>
+              <a:t>坐标系</a:t>
+            </a:r>
+          </a:p>
+          <a:p>
+            <a:pPr lvl="1" algn="just">
+              <a:spcBef>
+                <a:spcPct val="50000"/>
+              </a:spcBef>
+              <a:buFont typeface="Wingdings" pitchFamily="2" charset="2"/>
+              <a:buChar char="Ø"/>
+            </a:pPr>
+            <a:r>
+              <a:rPr lang="zh-CN" altLang="en-US" dirty="0" smtClean="0"/>
+              <a:t>转子（动）坐标系</a:t>
+            </a:r>
+            <a:r>
+              <a:rPr lang="en-US" altLang="zh-CN" dirty="0" err="1" smtClean="0"/>
+              <a:t>ox’y’z</a:t>
+            </a:r>
+            <a:r>
+              <a:rPr lang="en-US" altLang="zh-CN" dirty="0" smtClean="0"/>
+              <a:t>’</a:t>
+            </a:r>
+          </a:p>
+          <a:p>
+            <a:pPr lvl="1" algn="just">
+              <a:spcBef>
+                <a:spcPct val="50000"/>
+              </a:spcBef>
+              <a:buFont typeface="Wingdings" pitchFamily="2" charset="2"/>
+              <a:buChar char="Ø"/>
+            </a:pPr>
+            <a:r>
+              <a:rPr lang="zh-CN" altLang="en-US" dirty="0" smtClean="0"/>
+              <a:t>基座（固定）坐标系</a:t>
+            </a:r>
+            <a:r>
+              <a:rPr lang="en-US" altLang="zh-CN" dirty="0" smtClean="0"/>
+              <a:t>OXYZ</a:t>
+            </a:r>
+          </a:p>
+          <a:p>
+            <a:pPr>
+              <a:spcBef>
+                <a:spcPct val="50000"/>
+              </a:spcBef>
+              <a:buFont typeface="Wingdings" pitchFamily="2" charset="2"/>
+              <a:buChar char="Ø"/>
+            </a:pPr>
+            <a:r>
+              <a:rPr lang="zh-CN" altLang="en-US" dirty="0" smtClean="0">
+                <a:solidFill>
+                  <a:srgbClr val="FF0000"/>
+                </a:solidFill>
+                <a:latin typeface="宋体" pitchFamily="2" charset="-122"/>
+              </a:rPr>
+              <a:t>方向余弦矩阵</a:t>
+            </a:r>
+            <a:r>
+              <a:rPr lang="zh-CN" altLang="en-US" dirty="0" smtClean="0">
+                <a:latin typeface="宋体" pitchFamily="2" charset="-122"/>
+              </a:rPr>
+              <a:t>（坐标变换阵）</a:t>
+            </a:r>
+            <a:r>
+              <a:rPr lang="zh-CN" altLang="en-US" dirty="0" smtClean="0"/>
+              <a:t> </a:t>
+            </a:r>
+          </a:p>
+          <a:p>
             <a:endParaRPr lang="zh-TW" altLang="en-US" dirty="0"/>
           </a:p>
         </p:txBody>
@@ -1219,7 +1046,7 @@
           <a:p>
             <a:fld id="{AD6B8D79-020F-4B69-94FB-407519CE69A6}" type="slidenum">
               <a:rPr lang="zh-TW" altLang="en-US" smtClean="0"/>
-              <a:t>10</a:t>
+              <a:t>11</a:t>
             </a:fld>
             <a:endParaRPr lang="zh-TW" altLang="en-US"/>
           </a:p>
@@ -1228,7 +1055,7 @@
     </p:spTree>
     <p:extLst>
       <p:ext uri="{BB962C8B-B14F-4D97-AF65-F5344CB8AC3E}">
-        <p14:creationId xmlns:p14="http://schemas.microsoft.com/office/powerpoint/2010/main" val="1010374436"/>
+        <p14:creationId xmlns:p14="http://schemas.microsoft.com/office/powerpoint/2010/main" val="3845587390"/>
       </p:ext>
     </p:extLst>
   </p:cSld>
@@ -1283,6 +1110,192 @@
           <a:lstStyle/>
           <a:p>
             <a:r>
+              <a:rPr lang="zh-TW" altLang="en-US" sz="1200" b="0" i="0" kern="1200" dirty="0" smtClean="0">
+                <a:solidFill>
+                  <a:schemeClr val="tx1"/>
+                </a:solidFill>
+                <a:effectLst/>
+                <a:latin typeface="+mn-lt"/>
+                <a:ea typeface="+mn-ea"/>
+                <a:cs typeface="+mn-cs"/>
+              </a:rPr>
+              <a:t>正交基底的定義：基底元素向量中，它的純量為</a:t>
+            </a:r>
+            <a:r>
+              <a:rPr lang="en-US" altLang="zh-TW" sz="1200" b="0" i="0" kern="1200" dirty="0" smtClean="0">
+                <a:solidFill>
+                  <a:schemeClr val="tx1"/>
+                </a:solidFill>
+                <a:effectLst/>
+                <a:latin typeface="+mn-lt"/>
+                <a:ea typeface="+mn-ea"/>
+                <a:cs typeface="+mn-cs"/>
+              </a:rPr>
+              <a:t>1</a:t>
+            </a:r>
+            <a:r>
+              <a:rPr lang="zh-TW" altLang="en-US" sz="1200" b="0" i="0" kern="1200" dirty="0" smtClean="0">
+                <a:solidFill>
+                  <a:schemeClr val="tx1"/>
+                </a:solidFill>
+                <a:effectLst/>
+                <a:latin typeface="+mn-lt"/>
+                <a:ea typeface="+mn-ea"/>
+                <a:cs typeface="+mn-cs"/>
+              </a:rPr>
+              <a:t>者為正交基底</a:t>
+            </a:r>
+            <a:endParaRPr lang="en-US" altLang="zh-TW" sz="1200" b="0" i="0" kern="1200" dirty="0" smtClean="0">
+              <a:solidFill>
+                <a:schemeClr val="tx1"/>
+              </a:solidFill>
+              <a:effectLst/>
+              <a:latin typeface="+mn-lt"/>
+              <a:ea typeface="+mn-ea"/>
+              <a:cs typeface="+mn-cs"/>
+            </a:endParaRPr>
+          </a:p>
+          <a:p>
+            <a:r>
+              <a:rPr lang="zh-TW" altLang="en-US" sz="1200" b="0" i="0" kern="1200" dirty="0" smtClean="0">
+                <a:solidFill>
+                  <a:schemeClr val="tx1"/>
+                </a:solidFill>
+                <a:effectLst/>
+                <a:latin typeface="+mn-lt"/>
+                <a:ea typeface="+mn-ea"/>
+                <a:cs typeface="+mn-cs"/>
+              </a:rPr>
+              <a:t>正交基底</a:t>
+            </a:r>
+            <a:r>
+              <a:rPr lang="en-US" altLang="zh-TW" sz="1200" b="0" i="0" kern="1200" dirty="0" smtClean="0">
+                <a:solidFill>
+                  <a:schemeClr val="tx1"/>
+                </a:solidFill>
+                <a:effectLst/>
+                <a:latin typeface="+mn-lt"/>
+                <a:ea typeface="+mn-ea"/>
+                <a:cs typeface="+mn-cs"/>
+              </a:rPr>
+              <a:t>"</a:t>
+            </a:r>
+            <a:r>
+              <a:rPr lang="zh-TW" altLang="en-US" sz="1200" b="0" i="0" kern="1200" dirty="0" smtClean="0">
+                <a:solidFill>
+                  <a:schemeClr val="tx1"/>
+                </a:solidFill>
+                <a:effectLst/>
+                <a:latin typeface="+mn-lt"/>
+                <a:ea typeface="+mn-ea"/>
+                <a:cs typeface="+mn-cs"/>
+              </a:rPr>
+              <a:t>顧名思義 </a:t>
+            </a:r>
+            <a:r>
+              <a:rPr lang="en-US" altLang="zh-TW" sz="1200" b="0" i="0" kern="1200" dirty="0" smtClean="0">
+                <a:solidFill>
+                  <a:schemeClr val="tx1"/>
+                </a:solidFill>
+                <a:effectLst/>
+                <a:latin typeface="+mn-lt"/>
+                <a:ea typeface="+mn-ea"/>
+                <a:cs typeface="+mn-cs"/>
+              </a:rPr>
+              <a:t>1.</a:t>
+            </a:r>
+            <a:r>
+              <a:rPr lang="zh-TW" altLang="en-US" sz="1200" b="0" i="0" kern="1200" dirty="0" smtClean="0">
+                <a:solidFill>
+                  <a:schemeClr val="tx1"/>
+                </a:solidFill>
+                <a:effectLst/>
+                <a:latin typeface="+mn-lt"/>
+                <a:ea typeface="+mn-ea"/>
+                <a:cs typeface="+mn-cs"/>
+              </a:rPr>
+              <a:t>是基底 </a:t>
+            </a:r>
+            <a:r>
+              <a:rPr lang="en-US" altLang="zh-TW" sz="1200" b="0" i="0" kern="1200" dirty="0" smtClean="0">
+                <a:solidFill>
+                  <a:schemeClr val="tx1"/>
+                </a:solidFill>
+                <a:effectLst/>
+                <a:latin typeface="+mn-lt"/>
+                <a:ea typeface="+mn-ea"/>
+                <a:cs typeface="+mn-cs"/>
+              </a:rPr>
+              <a:t>2.</a:t>
+            </a:r>
+            <a:r>
+              <a:rPr lang="zh-TW" altLang="en-US" sz="1200" b="0" i="0" kern="1200" dirty="0" smtClean="0">
+                <a:solidFill>
+                  <a:schemeClr val="tx1"/>
+                </a:solidFill>
+                <a:effectLst/>
+                <a:latin typeface="+mn-lt"/>
+                <a:ea typeface="+mn-ea"/>
+                <a:cs typeface="+mn-cs"/>
+              </a:rPr>
+              <a:t>其中向量兩兩正交</a:t>
+            </a:r>
+            <a:endParaRPr lang="en-US" altLang="zh-TW" sz="1200" b="0" i="0" kern="1200" dirty="0" smtClean="0">
+              <a:solidFill>
+                <a:schemeClr val="tx1"/>
+              </a:solidFill>
+              <a:effectLst/>
+              <a:latin typeface="+mn-lt"/>
+              <a:ea typeface="+mn-ea"/>
+              <a:cs typeface="+mn-cs"/>
+            </a:endParaRPr>
+          </a:p>
+          <a:p>
+            <a:endParaRPr lang="en-US" altLang="zh-CN" sz="1200" b="0" i="0" kern="1200" dirty="0" smtClean="0">
+              <a:solidFill>
+                <a:schemeClr val="tx1"/>
+              </a:solidFill>
+              <a:effectLst/>
+              <a:latin typeface="+mn-lt"/>
+              <a:ea typeface="+mn-ea"/>
+              <a:cs typeface="+mn-cs"/>
+            </a:endParaRPr>
+          </a:p>
+          <a:p>
+            <a:endParaRPr lang="en-US" altLang="zh-CN" sz="1200" b="0" i="0" kern="1200" dirty="0" smtClean="0">
+              <a:solidFill>
+                <a:schemeClr val="tx1"/>
+              </a:solidFill>
+              <a:effectLst/>
+              <a:latin typeface="+mn-lt"/>
+              <a:ea typeface="+mn-ea"/>
+              <a:cs typeface="+mn-cs"/>
+            </a:endParaRPr>
+          </a:p>
+          <a:p>
+            <a:endParaRPr lang="en-US" altLang="zh-CN" sz="1200" b="0" i="0" kern="1200" dirty="0" smtClean="0">
+              <a:solidFill>
+                <a:schemeClr val="tx1"/>
+              </a:solidFill>
+              <a:effectLst/>
+              <a:latin typeface="+mn-lt"/>
+              <a:ea typeface="+mn-ea"/>
+              <a:cs typeface="+mn-cs"/>
+            </a:endParaRPr>
+          </a:p>
+          <a:p>
+            <a:endParaRPr lang="en-US" altLang="zh-CN" sz="1200" b="0" i="0" kern="1200" dirty="0" smtClean="0">
+              <a:solidFill>
+                <a:schemeClr val="tx1"/>
+              </a:solidFill>
+              <a:effectLst/>
+              <a:latin typeface="+mn-lt"/>
+              <a:ea typeface="+mn-ea"/>
+              <a:cs typeface="+mn-cs"/>
+            </a:endParaRPr>
+          </a:p>
+          <a:p>
+            <a:r>
               <a:rPr lang="zh-CN" altLang="en-US" sz="1200" b="0" i="0" kern="1200" dirty="0" smtClean="0">
                 <a:solidFill>
                   <a:schemeClr val="tx1"/>
@@ -1292,7 +1305,83 @@
                 <a:ea typeface="+mn-ea"/>
                 <a:cs typeface="+mn-cs"/>
               </a:rPr>
-              <a:t>三轴陀螺仪的输入信号通过运动学方程计算出方向余弦矩阵，三轴加速度计信号与三轴电子罗盘信号结合</a:t>
+              <a:t>“方向余弦矩阵”是由两组不同的</a:t>
+            </a:r>
+            <a:r>
+              <a:rPr lang="zh-CN" altLang="en-US" sz="1200" b="0" i="0" u="none" strike="noStrike" kern="1200" dirty="0" smtClean="0">
+                <a:solidFill>
+                  <a:schemeClr val="tx1"/>
+                </a:solidFill>
+                <a:effectLst/>
+                <a:latin typeface="+mn-lt"/>
+                <a:ea typeface="+mn-ea"/>
+                <a:cs typeface="+mn-cs"/>
+                <a:hlinkClick r:id="rId3" tooltip="标准正交基"/>
+              </a:rPr>
+              <a:t>标准正交基</a:t>
+            </a:r>
+            <a:r>
+              <a:rPr lang="zh-CN" altLang="en-US" sz="1200" b="0" i="0" kern="1200" dirty="0" smtClean="0">
+                <a:solidFill>
+                  <a:schemeClr val="tx1"/>
+                </a:solidFill>
+                <a:effectLst/>
+                <a:latin typeface="+mn-lt"/>
+                <a:ea typeface="+mn-ea"/>
+                <a:cs typeface="+mn-cs"/>
+              </a:rPr>
+              <a:t>的</a:t>
+            </a:r>
+            <a:r>
+              <a:rPr lang="zh-CN" altLang="en-US" sz="1200" b="0" i="0" u="none" strike="noStrike" kern="1200" dirty="0" smtClean="0">
+                <a:solidFill>
+                  <a:schemeClr val="tx1"/>
+                </a:solidFill>
+                <a:effectLst/>
+                <a:latin typeface="+mn-lt"/>
+                <a:ea typeface="+mn-ea"/>
+                <a:cs typeface="+mn-cs"/>
+                <a:hlinkClick r:id="rId4" tooltip="基底"/>
+              </a:rPr>
+              <a:t>基底</a:t>
+            </a:r>
+            <a:r>
+              <a:rPr lang="zh-CN" altLang="en-US" sz="1200" b="0" i="0" kern="1200" dirty="0" smtClean="0">
+                <a:solidFill>
+                  <a:schemeClr val="tx1"/>
+                </a:solidFill>
+                <a:effectLst/>
+                <a:latin typeface="+mn-lt"/>
+                <a:ea typeface="+mn-ea"/>
+                <a:cs typeface="+mn-cs"/>
+              </a:rPr>
+              <a:t>向量之间的方向余弦所形成的矩阵。方向余弦矩阵可以用来表达一组标准正交基与另一组标准正交基之间的关系，也可以用来表达一个向量对于另一组标准正交基的方向余弦</a:t>
+            </a:r>
+          </a:p>
+          <a:p>
+            <a:r>
+              <a:rPr lang="zh-CN" altLang="en-US" sz="1200" b="1" i="0" kern="1200" dirty="0" smtClean="0">
+                <a:solidFill>
+                  <a:schemeClr val="tx1"/>
+                </a:solidFill>
+                <a:effectLst/>
+                <a:latin typeface="+mn-lt"/>
+                <a:ea typeface="+mn-ea"/>
+                <a:cs typeface="+mn-cs"/>
+              </a:rPr>
+              <a:t>方向余弦</a:t>
+            </a:r>
+            <a:r>
+              <a:rPr lang="zh-CN" altLang="en-US" sz="1200" b="0" i="0" kern="1200" dirty="0" smtClean="0">
+                <a:solidFill>
+                  <a:schemeClr val="tx1"/>
+                </a:solidFill>
+                <a:effectLst/>
+                <a:latin typeface="+mn-lt"/>
+                <a:ea typeface="+mn-ea"/>
+                <a:cs typeface="+mn-cs"/>
+              </a:rPr>
+              <a:t>方法可以用来设定附体参考系</a:t>
             </a:r>
             <a:r>
               <a:rPr lang="en-US" altLang="zh-CN" sz="1200" b="0" i="0" kern="1200" dirty="0" smtClean="0">
@@ -1304,7 +1393,7 @@
                 <a:ea typeface="+mn-ea"/>
                 <a:cs typeface="+mn-cs"/>
               </a:rPr>
-              <a:t>PI</a:t>
+              <a:t>B</a:t>
             </a:r>
             <a:r>
               <a:rPr lang="zh-CN" altLang="en-US" sz="1200" b="0" i="0" kern="1200" dirty="0" smtClean="0">
@@ -1316,31 +1405,20 @@
                 <a:ea typeface="+mn-ea"/>
                 <a:cs typeface="+mn-cs"/>
               </a:rPr>
-              <a:t>反馈控制对陀螺仪信号进行修正。</a:t>
-            </a:r>
-            <a:endParaRPr lang="en-US" altLang="zh-CN" sz="1200" b="0" i="0" kern="1200" dirty="0" smtClean="0">
-              <a:solidFill>
-                <a:schemeClr val="tx1"/>
-              </a:solidFill>
-              <a:effectLst/>
-              <a:latin typeface="+mn-lt"/>
-              <a:ea typeface="+mn-ea"/>
-              <a:cs typeface="+mn-cs"/>
-            </a:endParaRPr>
-          </a:p>
-          <a:p>
-            <a:endParaRPr lang="en-US" altLang="zh-TW" sz="1200" b="0" i="0" kern="1200" dirty="0" smtClean="0">
-              <a:solidFill>
-                <a:schemeClr val="tx1"/>
-              </a:solidFill>
-              <a:effectLst/>
-              <a:latin typeface="+mn-lt"/>
-              <a:ea typeface="+mn-ea"/>
-              <a:cs typeface="+mn-cs"/>
-            </a:endParaRPr>
-          </a:p>
-          <a:p>
-            <a:pPr fontAlgn="base"/>
+              <a:t>的取向，即刚体的取向。假设沿着参考系</a:t>
+            </a:r>
+            <a:r>
+              <a:rPr lang="en-US" altLang="zh-CN" sz="1200" b="0" i="0" kern="1200" dirty="0" smtClean="0">
+                <a:solidFill>
+                  <a:schemeClr val="tx1"/>
+                </a:solidFill>
+                <a:effectLst/>
+                <a:latin typeface="+mn-lt"/>
+                <a:ea typeface="+mn-ea"/>
+                <a:cs typeface="+mn-cs"/>
+              </a:rPr>
+              <a:t>S</a:t>
+            </a:r>
             <a:r>
               <a:rPr lang="zh-CN" altLang="en-US" sz="1200" b="0" i="0" kern="1200" dirty="0" smtClean="0">
                 <a:solidFill>
@@ -1351,7 +1429,7 @@
                 <a:ea typeface="+mn-ea"/>
                 <a:cs typeface="+mn-cs"/>
               </a:rPr>
-              <a:t>既然加速度计和磁力计可以给出任意时刻的</a:t>
+              <a:t>的坐标轴的三个单位向量分别为                         、 、 ，沿着参考系</a:t>
             </a:r>
             <a:r>
               <a:rPr lang="en-US" altLang="zh-CN" sz="1200" b="0" i="0" kern="1200" dirty="0" smtClean="0">
@@ -1363,7 +1441,7 @@
                 <a:ea typeface="+mn-ea"/>
                 <a:cs typeface="+mn-cs"/>
               </a:rPr>
-              <a:t>DCM</a:t>
+              <a:t>B</a:t>
             </a:r>
             <a:r>
               <a:rPr lang="zh-CN" altLang="en-US" sz="1200" b="0" i="0" kern="1200" dirty="0" smtClean="0">
@@ -1375,215 +1453,8 @@
                 <a:ea typeface="+mn-ea"/>
                 <a:cs typeface="+mn-cs"/>
               </a:rPr>
-              <a:t>矩阵，为什么还需要陀螺仪呢，</a:t>
-            </a:r>
-          </a:p>
-          <a:p>
-            <a:pPr fontAlgn="base"/>
-            <a:r>
-              <a:rPr lang="zh-CN" altLang="en-US" sz="1200" b="0" i="0" kern="1200" dirty="0" smtClean="0">
-                <a:solidFill>
-                  <a:schemeClr val="tx1"/>
-                </a:solidFill>
-                <a:effectLst/>
-                <a:latin typeface="+mn-lt"/>
-                <a:ea typeface="+mn-ea"/>
-                <a:cs typeface="+mn-cs"/>
-              </a:rPr>
-              <a:t>其实陀螺仪是更精确的仪器，被用来调整由加速度计和磁力计得到的</a:t>
-            </a:r>
-            <a:r>
-              <a:rPr lang="en-US" altLang="zh-CN" sz="1200" b="0" i="0" kern="1200" dirty="0" smtClean="0">
-                <a:solidFill>
-                  <a:schemeClr val="tx1"/>
-                </a:solidFill>
-                <a:effectLst/>
-                <a:latin typeface="+mn-lt"/>
-                <a:ea typeface="+mn-ea"/>
-                <a:cs typeface="+mn-cs"/>
-              </a:rPr>
-              <a:t>DCM</a:t>
-            </a:r>
-            <a:r>
-              <a:rPr lang="zh-CN" altLang="en-US" sz="1200" b="0" i="0" kern="1200" dirty="0" smtClean="0">
-                <a:solidFill>
-                  <a:schemeClr val="tx1"/>
-                </a:solidFill>
-                <a:effectLst/>
-                <a:latin typeface="+mn-lt"/>
-                <a:ea typeface="+mn-ea"/>
-                <a:cs typeface="+mn-cs"/>
-              </a:rPr>
-              <a:t>矩阵。</a:t>
-            </a:r>
-          </a:p>
-          <a:p>
-            <a:pPr fontAlgn="base"/>
-            <a:r>
-              <a:rPr lang="zh-CN" altLang="en-US" sz="1200" b="0" i="0" kern="1200" dirty="0" smtClean="0">
-                <a:solidFill>
-                  <a:schemeClr val="tx1"/>
-                </a:solidFill>
-                <a:effectLst/>
-                <a:latin typeface="+mn-lt"/>
-                <a:ea typeface="+mn-ea"/>
-                <a:cs typeface="+mn-cs"/>
-              </a:rPr>
-              <a:t>陀螺仪不能给出设备绝对的方位角，但是如果我们知道 </a:t>
-            </a:r>
-            <a:r>
-              <a:rPr lang="en-US" altLang="zh-CN" sz="1200" b="0" i="0" kern="1200" dirty="0" smtClean="0">
-                <a:solidFill>
-                  <a:schemeClr val="tx1"/>
-                </a:solidFill>
-                <a:effectLst/>
-                <a:latin typeface="+mn-lt"/>
-                <a:ea typeface="+mn-ea"/>
-                <a:cs typeface="+mn-cs"/>
-              </a:rPr>
-              <a:t>t </a:t>
-            </a:r>
-            <a:r>
-              <a:rPr lang="zh-CN" altLang="en-US" sz="1200" b="0" i="0" kern="1200" dirty="0" smtClean="0">
-                <a:solidFill>
-                  <a:schemeClr val="tx1"/>
-                </a:solidFill>
-                <a:effectLst/>
-                <a:latin typeface="+mn-lt"/>
-                <a:ea typeface="+mn-ea"/>
-                <a:cs typeface="+mn-cs"/>
-              </a:rPr>
-              <a:t>时刻的设备方位，表示为</a:t>
-            </a:r>
-            <a:r>
-              <a:rPr lang="en-US" altLang="zh-CN" sz="1200" b="0" i="0" kern="1200" dirty="0" smtClean="0">
-                <a:solidFill>
-                  <a:schemeClr val="tx1"/>
-                </a:solidFill>
-                <a:effectLst/>
-                <a:latin typeface="+mn-lt"/>
-                <a:ea typeface="+mn-ea"/>
-                <a:cs typeface="+mn-cs"/>
-              </a:rPr>
-              <a:t>DCM</a:t>
-            </a:r>
-            <a:r>
-              <a:rPr lang="zh-CN" altLang="en-US" sz="1200" b="0" i="0" kern="1200" dirty="0" smtClean="0">
-                <a:solidFill>
-                  <a:schemeClr val="tx1"/>
-                </a:solidFill>
-                <a:effectLst/>
-                <a:latin typeface="+mn-lt"/>
-                <a:ea typeface="+mn-ea"/>
-                <a:cs typeface="+mn-cs"/>
-              </a:rPr>
-              <a:t>（</a:t>
-            </a:r>
-            <a:r>
-              <a:rPr lang="en-US" altLang="zh-CN" sz="1200" b="0" i="0" kern="1200" dirty="0" smtClean="0">
-                <a:solidFill>
-                  <a:schemeClr val="tx1"/>
-                </a:solidFill>
-                <a:effectLst/>
-                <a:latin typeface="+mn-lt"/>
-                <a:ea typeface="+mn-ea"/>
-                <a:cs typeface="+mn-cs"/>
-              </a:rPr>
-              <a:t>t</a:t>
-            </a:r>
-            <a:r>
-              <a:rPr lang="zh-CN" altLang="en-US" sz="1200" b="0" i="0" kern="1200" dirty="0" smtClean="0">
-                <a:solidFill>
-                  <a:schemeClr val="tx1"/>
-                </a:solidFill>
-                <a:effectLst/>
-                <a:latin typeface="+mn-lt"/>
-                <a:ea typeface="+mn-ea"/>
-                <a:cs typeface="+mn-cs"/>
-              </a:rPr>
-              <a:t>），则通过陀螺仪，</a:t>
-            </a:r>
-          </a:p>
-          <a:p>
-            <a:pPr fontAlgn="base"/>
-            <a:r>
-              <a:rPr lang="zh-CN" altLang="en-US" sz="1200" b="0" i="0" kern="1200" dirty="0" smtClean="0">
-                <a:solidFill>
-                  <a:schemeClr val="tx1"/>
-                </a:solidFill>
-                <a:effectLst/>
-                <a:latin typeface="+mn-lt"/>
-                <a:ea typeface="+mn-ea"/>
-                <a:cs typeface="+mn-cs"/>
-              </a:rPr>
-              <a:t>可以计算出一个更精确的方位</a:t>
-            </a:r>
-            <a:r>
-              <a:rPr lang="en-US" altLang="zh-CN" sz="1200" b="0" i="0" kern="1200" dirty="0" smtClean="0">
-                <a:solidFill>
-                  <a:schemeClr val="tx1"/>
-                </a:solidFill>
-                <a:effectLst/>
-                <a:latin typeface="+mn-lt"/>
-                <a:ea typeface="+mn-ea"/>
-                <a:cs typeface="+mn-cs"/>
-              </a:rPr>
-              <a:t>DCM</a:t>
-            </a:r>
-            <a:r>
-              <a:rPr lang="zh-CN" altLang="en-US" sz="1200" b="0" i="0" kern="1200" dirty="0" smtClean="0">
-                <a:solidFill>
-                  <a:schemeClr val="tx1"/>
-                </a:solidFill>
-                <a:effectLst/>
-                <a:latin typeface="+mn-lt"/>
-                <a:ea typeface="+mn-ea"/>
-                <a:cs typeface="+mn-cs"/>
-              </a:rPr>
-              <a:t>（</a:t>
-            </a:r>
-            <a:r>
-              <a:rPr lang="en-US" altLang="zh-CN" sz="1200" b="0" i="0" kern="1200" dirty="0" err="1" smtClean="0">
-                <a:solidFill>
-                  <a:schemeClr val="tx1"/>
-                </a:solidFill>
-                <a:effectLst/>
-                <a:latin typeface="+mn-lt"/>
-                <a:ea typeface="+mn-ea"/>
-                <a:cs typeface="+mn-cs"/>
-              </a:rPr>
-              <a:t>t+dt</a:t>
-            </a:r>
-            <a:r>
-              <a:rPr lang="zh-CN" altLang="en-US" sz="1200" b="0" i="0" kern="1200" dirty="0" smtClean="0">
-                <a:solidFill>
-                  <a:schemeClr val="tx1"/>
-                </a:solidFill>
-                <a:effectLst/>
-                <a:latin typeface="+mn-lt"/>
-                <a:ea typeface="+mn-ea"/>
-                <a:cs typeface="+mn-cs"/>
-              </a:rPr>
-              <a:t>）</a:t>
-            </a:r>
-          </a:p>
-          <a:p>
-            <a:pPr fontAlgn="base"/>
-            <a:r>
-              <a:rPr lang="zh-CN" altLang="en-US" sz="1200" b="0" i="0" kern="1200" dirty="0" smtClean="0">
-                <a:solidFill>
-                  <a:schemeClr val="tx1"/>
-                </a:solidFill>
-                <a:effectLst/>
-                <a:latin typeface="+mn-lt"/>
-                <a:ea typeface="+mn-ea"/>
-                <a:cs typeface="+mn-cs"/>
-              </a:rPr>
-              <a:t>现在需要寻找一个算法，它能够结合三个传感器的数据以给出设备方位角更好的估算。</a:t>
-            </a:r>
-          </a:p>
-          <a:p>
-            <a:endParaRPr lang="zh-TW" altLang="en-US" dirty="0" smtClean="0"/>
+              <a:t>的坐标轴的三个单位向量分别为 、 、 。定义 与 之间的方向余弦 为</a:t>
+            </a:r>
           </a:p>
           <a:p>
             <a:endParaRPr lang="zh-TW" altLang="en-US" dirty="0"/>
@@ -1607,7 +1478,479 @@
           <a:p>
             <a:fld id="{AD6B8D79-020F-4B69-94FB-407519CE69A6}" type="slidenum">
               <a:rPr lang="zh-TW" altLang="en-US" smtClean="0"/>
-              <a:t>11</a:t>
+              <a:t>12</a:t>
+            </a:fld>
+            <a:endParaRPr lang="zh-TW" altLang="en-US"/>
+          </a:p>
+        </p:txBody>
+      </p:sp>
+    </p:spTree>
+    <p:extLst>
+      <p:ext uri="{BB962C8B-B14F-4D97-AF65-F5344CB8AC3E}">
+        <p14:creationId xmlns:p14="http://schemas.microsoft.com/office/powerpoint/2010/main" val="983543290"/>
+      </p:ext>
+    </p:extLst>
+  </p:cSld>
+  <p:clrMapOvr>
+    <a:masterClrMapping/>
+  </p:clrMapOvr>
+</p:notes>
+</file>
+
+<file path=ppt/notesSlides/notesSlide6.xml><?xml version="1.0" encoding="utf-8"?>
+<p:notes xmlns:a="http://schemas.openxmlformats.org/drawingml/2006/main" xmlns:r="http://schemas.openxmlformats.org/officeDocument/2006/relationships" xmlns:p="http://schemas.openxmlformats.org/presentationml/2006/main">
+  <p:cSld>
+    <p:spTree>
+      <p:nvGrpSpPr>
+        <p:cNvPr id="1" name=""/>
+        <p:cNvGrpSpPr/>
+        <p:nvPr/>
+      </p:nvGrpSpPr>
+      <p:grpSpPr>
+        <a:xfrm>
+          <a:off x="0" y="0"/>
+          <a:ext cx="0" cy="0"/>
+          <a:chOff x="0" y="0"/>
+          <a:chExt cx="0" cy="0"/>
+        </a:xfrm>
+      </p:grpSpPr>
+      <p:sp>
+        <p:nvSpPr>
+          <p:cNvPr id="2" name="投影片圖像版面配置區 1"/>
+          <p:cNvSpPr>
+            <a:spLocks noGrp="1" noRot="1" noChangeAspect="1"/>
+          </p:cNvSpPr>
+          <p:nvPr>
+            <p:ph type="sldImg"/>
+          </p:nvPr>
+        </p:nvSpPr>
+        <p:spPr/>
+      </p:sp>
+      <p:sp>
+        <p:nvSpPr>
+          <p:cNvPr id="3" name="備忘稿版面配置區 2"/>
+          <p:cNvSpPr>
+            <a:spLocks noGrp="1"/>
+          </p:cNvSpPr>
+          <p:nvPr>
+            <p:ph type="body" idx="1"/>
+          </p:nvPr>
+        </p:nvSpPr>
+        <p:spPr/>
+        <p:txBody>
+          <a:bodyPr/>
+          <a:lstStyle/>
+          <a:p>
+            <a:endParaRPr lang="zh-TW" altLang="en-US" dirty="0"/>
+          </a:p>
+        </p:txBody>
+      </p:sp>
+      <p:sp>
+        <p:nvSpPr>
+          <p:cNvPr id="4" name="投影片編號版面配置區 3"/>
+          <p:cNvSpPr>
+            <a:spLocks noGrp="1"/>
+          </p:cNvSpPr>
+          <p:nvPr>
+            <p:ph type="sldNum" sz="quarter" idx="10"/>
+          </p:nvPr>
+        </p:nvSpPr>
+        <p:spPr/>
+        <p:txBody>
+          <a:bodyPr/>
+          <a:lstStyle/>
+          <a:p>
+            <a:fld id="{AD6B8D79-020F-4B69-94FB-407519CE69A6}" type="slidenum">
+              <a:rPr lang="zh-TW" altLang="en-US" smtClean="0"/>
+              <a:t>15</a:t>
+            </a:fld>
+            <a:endParaRPr lang="zh-TW" altLang="en-US"/>
+          </a:p>
+        </p:txBody>
+      </p:sp>
+    </p:spTree>
+    <p:extLst>
+      <p:ext uri="{BB962C8B-B14F-4D97-AF65-F5344CB8AC3E}">
+        <p14:creationId xmlns:p14="http://schemas.microsoft.com/office/powerpoint/2010/main" val="1010374436"/>
+      </p:ext>
+    </p:extLst>
+  </p:cSld>
+  <p:clrMapOvr>
+    <a:masterClrMapping/>
+  </p:clrMapOvr>
+</p:notes>
+</file>
+
+<file path=ppt/notesSlides/notesSlide7.xml><?xml version="1.0" encoding="utf-8"?>
+<p:notes xmlns:a="http://schemas.openxmlformats.org/drawingml/2006/main" xmlns:r="http://schemas.openxmlformats.org/officeDocument/2006/relationships" xmlns:p="http://schemas.openxmlformats.org/presentationml/2006/main">
+  <p:cSld>
+    <p:spTree>
+      <p:nvGrpSpPr>
+        <p:cNvPr id="1" name=""/>
+        <p:cNvGrpSpPr/>
+        <p:nvPr/>
+      </p:nvGrpSpPr>
+      <p:grpSpPr>
+        <a:xfrm>
+          <a:off x="0" y="0"/>
+          <a:ext cx="0" cy="0"/>
+          <a:chOff x="0" y="0"/>
+          <a:chExt cx="0" cy="0"/>
+        </a:xfrm>
+      </p:grpSpPr>
+      <p:sp>
+        <p:nvSpPr>
+          <p:cNvPr id="2" name="投影片圖像版面配置區 1"/>
+          <p:cNvSpPr>
+            <a:spLocks noGrp="1" noRot="1" noChangeAspect="1"/>
+          </p:cNvSpPr>
+          <p:nvPr>
+            <p:ph type="sldImg"/>
+          </p:nvPr>
+        </p:nvSpPr>
+        <p:spPr/>
+      </p:sp>
+      <p:sp>
+        <p:nvSpPr>
+          <p:cNvPr id="3" name="備忘稿版面配置區 2"/>
+          <p:cNvSpPr>
+            <a:spLocks noGrp="1"/>
+          </p:cNvSpPr>
+          <p:nvPr>
+            <p:ph type="body" idx="1"/>
+          </p:nvPr>
+        </p:nvSpPr>
+        <p:spPr/>
+        <p:txBody>
+          <a:bodyPr/>
+          <a:lstStyle/>
+          <a:p>
+            <a:r>
+              <a:rPr lang="zh-CN" altLang="en-US" sz="1200" b="0" i="0" kern="1200" dirty="0" smtClean="0">
+                <a:solidFill>
+                  <a:schemeClr val="tx1"/>
+                </a:solidFill>
+                <a:effectLst/>
+                <a:latin typeface="+mn-lt"/>
+                <a:ea typeface="+mn-ea"/>
+                <a:cs typeface="+mn-cs"/>
+              </a:rPr>
+              <a:t>三轴陀螺仪的输入信号通过运动学方程计算出方向余弦矩阵，三轴加速度计信号与三轴电子罗盘信号结合</a:t>
+            </a:r>
+            <a:r>
+              <a:rPr lang="en-US" altLang="zh-CN" sz="1200" b="0" i="0" kern="1200" dirty="0" smtClean="0">
+                <a:solidFill>
+                  <a:schemeClr val="tx1"/>
+                </a:solidFill>
+                <a:effectLst/>
+                <a:latin typeface="+mn-lt"/>
+                <a:ea typeface="+mn-ea"/>
+                <a:cs typeface="+mn-cs"/>
+              </a:rPr>
+              <a:t>PI</a:t>
+            </a:r>
+            <a:r>
+              <a:rPr lang="zh-CN" altLang="en-US" sz="1200" b="0" i="0" kern="1200" dirty="0" smtClean="0">
+                <a:solidFill>
+                  <a:schemeClr val="tx1"/>
+                </a:solidFill>
+                <a:effectLst/>
+                <a:latin typeface="+mn-lt"/>
+                <a:ea typeface="+mn-ea"/>
+                <a:cs typeface="+mn-cs"/>
+              </a:rPr>
+              <a:t>反馈控制对陀螺仪信号进行修正。</a:t>
+            </a:r>
+            <a:endParaRPr lang="en-US" altLang="zh-CN" sz="1200" b="0" i="0" kern="1200" dirty="0" smtClean="0">
+              <a:solidFill>
+                <a:schemeClr val="tx1"/>
+              </a:solidFill>
+              <a:effectLst/>
+              <a:latin typeface="+mn-lt"/>
+              <a:ea typeface="+mn-ea"/>
+              <a:cs typeface="+mn-cs"/>
+            </a:endParaRPr>
+          </a:p>
+          <a:p>
+            <a:endParaRPr lang="en-US" altLang="zh-TW" sz="1200" b="0" i="0" kern="1200" dirty="0" smtClean="0">
+              <a:solidFill>
+                <a:schemeClr val="tx1"/>
+              </a:solidFill>
+              <a:effectLst/>
+              <a:latin typeface="+mn-lt"/>
+              <a:ea typeface="+mn-ea"/>
+              <a:cs typeface="+mn-cs"/>
+            </a:endParaRPr>
+          </a:p>
+          <a:p>
+            <a:pPr fontAlgn="base"/>
+            <a:r>
+              <a:rPr lang="zh-CN" altLang="en-US" sz="1200" b="0" i="0" kern="1200" dirty="0" smtClean="0">
+                <a:solidFill>
+                  <a:schemeClr val="tx1"/>
+                </a:solidFill>
+                <a:effectLst/>
+                <a:latin typeface="+mn-lt"/>
+                <a:ea typeface="+mn-ea"/>
+                <a:cs typeface="+mn-cs"/>
+              </a:rPr>
+              <a:t>既然加速度计和磁力计可以给出任意时刻的</a:t>
+            </a:r>
+            <a:r>
+              <a:rPr lang="en-US" altLang="zh-CN" sz="1200" b="0" i="0" kern="1200" dirty="0" smtClean="0">
+                <a:solidFill>
+                  <a:schemeClr val="tx1"/>
+                </a:solidFill>
+                <a:effectLst/>
+                <a:latin typeface="+mn-lt"/>
+                <a:ea typeface="+mn-ea"/>
+                <a:cs typeface="+mn-cs"/>
+              </a:rPr>
+              <a:t>DCM</a:t>
+            </a:r>
+            <a:r>
+              <a:rPr lang="zh-CN" altLang="en-US" sz="1200" b="0" i="0" kern="1200" dirty="0" smtClean="0">
+                <a:solidFill>
+                  <a:schemeClr val="tx1"/>
+                </a:solidFill>
+                <a:effectLst/>
+                <a:latin typeface="+mn-lt"/>
+                <a:ea typeface="+mn-ea"/>
+                <a:cs typeface="+mn-cs"/>
+              </a:rPr>
+              <a:t>矩阵，为什么还需要陀螺仪呢，</a:t>
+            </a:r>
+          </a:p>
+          <a:p>
+            <a:pPr fontAlgn="base"/>
+            <a:r>
+              <a:rPr lang="zh-CN" altLang="en-US" sz="1200" b="0" i="0" kern="1200" dirty="0" smtClean="0">
+                <a:solidFill>
+                  <a:schemeClr val="tx1"/>
+                </a:solidFill>
+                <a:effectLst/>
+                <a:latin typeface="+mn-lt"/>
+                <a:ea typeface="+mn-ea"/>
+                <a:cs typeface="+mn-cs"/>
+              </a:rPr>
+              <a:t>其实陀螺仪是更精确的仪器，被用来调整由加速度计和磁力计得到的</a:t>
+            </a:r>
+            <a:r>
+              <a:rPr lang="en-US" altLang="zh-CN" sz="1200" b="0" i="0" kern="1200" dirty="0" smtClean="0">
+                <a:solidFill>
+                  <a:schemeClr val="tx1"/>
+                </a:solidFill>
+                <a:effectLst/>
+                <a:latin typeface="+mn-lt"/>
+                <a:ea typeface="+mn-ea"/>
+                <a:cs typeface="+mn-cs"/>
+              </a:rPr>
+              <a:t>DCM</a:t>
+            </a:r>
+            <a:r>
+              <a:rPr lang="zh-CN" altLang="en-US" sz="1200" b="0" i="0" kern="1200" dirty="0" smtClean="0">
+                <a:solidFill>
+                  <a:schemeClr val="tx1"/>
+                </a:solidFill>
+                <a:effectLst/>
+                <a:latin typeface="+mn-lt"/>
+                <a:ea typeface="+mn-ea"/>
+                <a:cs typeface="+mn-cs"/>
+              </a:rPr>
+              <a:t>矩阵。</a:t>
+            </a:r>
+          </a:p>
+          <a:p>
+            <a:pPr fontAlgn="base"/>
+            <a:r>
+              <a:rPr lang="zh-CN" altLang="en-US" sz="1200" b="0" i="0" kern="1200" dirty="0" smtClean="0">
+                <a:solidFill>
+                  <a:schemeClr val="tx1"/>
+                </a:solidFill>
+                <a:effectLst/>
+                <a:latin typeface="+mn-lt"/>
+                <a:ea typeface="+mn-ea"/>
+                <a:cs typeface="+mn-cs"/>
+              </a:rPr>
+              <a:t>陀螺仪不能给出设备绝对的方位角，但是如果我们知道 </a:t>
+            </a:r>
+            <a:r>
+              <a:rPr lang="en-US" altLang="zh-CN" sz="1200" b="0" i="0" kern="1200" dirty="0" smtClean="0">
+                <a:solidFill>
+                  <a:schemeClr val="tx1"/>
+                </a:solidFill>
+                <a:effectLst/>
+                <a:latin typeface="+mn-lt"/>
+                <a:ea typeface="+mn-ea"/>
+                <a:cs typeface="+mn-cs"/>
+              </a:rPr>
+              <a:t>t </a:t>
+            </a:r>
+            <a:r>
+              <a:rPr lang="zh-CN" altLang="en-US" sz="1200" b="0" i="0" kern="1200" dirty="0" smtClean="0">
+                <a:solidFill>
+                  <a:schemeClr val="tx1"/>
+                </a:solidFill>
+                <a:effectLst/>
+                <a:latin typeface="+mn-lt"/>
+                <a:ea typeface="+mn-ea"/>
+                <a:cs typeface="+mn-cs"/>
+              </a:rPr>
+              <a:t>时刻的设备方位，表示为</a:t>
+            </a:r>
+            <a:r>
+              <a:rPr lang="en-US" altLang="zh-CN" sz="1200" b="0" i="0" kern="1200" dirty="0" smtClean="0">
+                <a:solidFill>
+                  <a:schemeClr val="tx1"/>
+                </a:solidFill>
+                <a:effectLst/>
+                <a:latin typeface="+mn-lt"/>
+                <a:ea typeface="+mn-ea"/>
+                <a:cs typeface="+mn-cs"/>
+              </a:rPr>
+              <a:t>DCM</a:t>
+            </a:r>
+            <a:r>
+              <a:rPr lang="zh-CN" altLang="en-US" sz="1200" b="0" i="0" kern="1200" dirty="0" smtClean="0">
+                <a:solidFill>
+                  <a:schemeClr val="tx1"/>
+                </a:solidFill>
+                <a:effectLst/>
+                <a:latin typeface="+mn-lt"/>
+                <a:ea typeface="+mn-ea"/>
+                <a:cs typeface="+mn-cs"/>
+              </a:rPr>
+              <a:t>（</a:t>
+            </a:r>
+            <a:r>
+              <a:rPr lang="en-US" altLang="zh-CN" sz="1200" b="0" i="0" kern="1200" dirty="0" smtClean="0">
+                <a:solidFill>
+                  <a:schemeClr val="tx1"/>
+                </a:solidFill>
+                <a:effectLst/>
+                <a:latin typeface="+mn-lt"/>
+                <a:ea typeface="+mn-ea"/>
+                <a:cs typeface="+mn-cs"/>
+              </a:rPr>
+              <a:t>t</a:t>
+            </a:r>
+            <a:r>
+              <a:rPr lang="zh-CN" altLang="en-US" sz="1200" b="0" i="0" kern="1200" dirty="0" smtClean="0">
+                <a:solidFill>
+                  <a:schemeClr val="tx1"/>
+                </a:solidFill>
+                <a:effectLst/>
+                <a:latin typeface="+mn-lt"/>
+                <a:ea typeface="+mn-ea"/>
+                <a:cs typeface="+mn-cs"/>
+              </a:rPr>
+              <a:t>），则通过陀螺仪，</a:t>
+            </a:r>
+          </a:p>
+          <a:p>
+            <a:pPr fontAlgn="base"/>
+            <a:r>
+              <a:rPr lang="zh-CN" altLang="en-US" sz="1200" b="0" i="0" kern="1200" dirty="0" smtClean="0">
+                <a:solidFill>
+                  <a:schemeClr val="tx1"/>
+                </a:solidFill>
+                <a:effectLst/>
+                <a:latin typeface="+mn-lt"/>
+                <a:ea typeface="+mn-ea"/>
+                <a:cs typeface="+mn-cs"/>
+              </a:rPr>
+              <a:t>可以计算出一个更精确的方位</a:t>
+            </a:r>
+            <a:r>
+              <a:rPr lang="en-US" altLang="zh-CN" sz="1200" b="0" i="0" kern="1200" dirty="0" smtClean="0">
+                <a:solidFill>
+                  <a:schemeClr val="tx1"/>
+                </a:solidFill>
+                <a:effectLst/>
+                <a:latin typeface="+mn-lt"/>
+                <a:ea typeface="+mn-ea"/>
+                <a:cs typeface="+mn-cs"/>
+              </a:rPr>
+              <a:t>DCM</a:t>
+            </a:r>
+            <a:r>
+              <a:rPr lang="zh-CN" altLang="en-US" sz="1200" b="0" i="0" kern="1200" dirty="0" smtClean="0">
+                <a:solidFill>
+                  <a:schemeClr val="tx1"/>
+                </a:solidFill>
+                <a:effectLst/>
+                <a:latin typeface="+mn-lt"/>
+                <a:ea typeface="+mn-ea"/>
+                <a:cs typeface="+mn-cs"/>
+              </a:rPr>
+              <a:t>（</a:t>
+            </a:r>
+            <a:r>
+              <a:rPr lang="en-US" altLang="zh-CN" sz="1200" b="0" i="0" kern="1200" dirty="0" err="1" smtClean="0">
+                <a:solidFill>
+                  <a:schemeClr val="tx1"/>
+                </a:solidFill>
+                <a:effectLst/>
+                <a:latin typeface="+mn-lt"/>
+                <a:ea typeface="+mn-ea"/>
+                <a:cs typeface="+mn-cs"/>
+              </a:rPr>
+              <a:t>t+dt</a:t>
+            </a:r>
+            <a:r>
+              <a:rPr lang="zh-CN" altLang="en-US" sz="1200" b="0" i="0" kern="1200" dirty="0" smtClean="0">
+                <a:solidFill>
+                  <a:schemeClr val="tx1"/>
+                </a:solidFill>
+                <a:effectLst/>
+                <a:latin typeface="+mn-lt"/>
+                <a:ea typeface="+mn-ea"/>
+                <a:cs typeface="+mn-cs"/>
+              </a:rPr>
+              <a:t>）</a:t>
+            </a:r>
+          </a:p>
+          <a:p>
+            <a:pPr fontAlgn="base"/>
+            <a:r>
+              <a:rPr lang="zh-CN" altLang="en-US" sz="1200" b="0" i="0" kern="1200" dirty="0" smtClean="0">
+                <a:solidFill>
+                  <a:schemeClr val="tx1"/>
+                </a:solidFill>
+                <a:effectLst/>
+                <a:latin typeface="+mn-lt"/>
+                <a:ea typeface="+mn-ea"/>
+                <a:cs typeface="+mn-cs"/>
+              </a:rPr>
+              <a:t>现在需要寻找一个算法，它能够结合三个传感器的数据以给出设备方位角更好的估算。</a:t>
+            </a:r>
+          </a:p>
+          <a:p>
+            <a:endParaRPr lang="zh-TW" altLang="en-US" dirty="0" smtClean="0"/>
+          </a:p>
+          <a:p>
+            <a:endParaRPr lang="zh-TW" altLang="en-US" dirty="0"/>
+          </a:p>
+        </p:txBody>
+      </p:sp>
+      <p:sp>
+        <p:nvSpPr>
+          <p:cNvPr id="4" name="投影片編號版面配置區 3"/>
+          <p:cNvSpPr>
+            <a:spLocks noGrp="1"/>
+          </p:cNvSpPr>
+          <p:nvPr>
+            <p:ph type="sldNum" sz="quarter" idx="10"/>
+          </p:nvPr>
+        </p:nvSpPr>
+        <p:spPr/>
+        <p:txBody>
+          <a:bodyPr/>
+          <a:lstStyle/>
+          <a:p>
+            <a:fld id="{AD6B8D79-020F-4B69-94FB-407519CE69A6}" type="slidenum">
+              <a:rPr lang="zh-TW" altLang="en-US" smtClean="0"/>
+              <a:t>16</a:t>
             </a:fld>
             <a:endParaRPr lang="zh-TW" altLang="en-US"/>
           </a:p>
@@ -1889,7 +2232,7 @@
           <a:p>
             <a:fld id="{5BBEAD13-0566-4C6C-97E7-55F17F24B09F}" type="datetimeFigureOut">
               <a:rPr lang="zh-TW" altLang="en-US" smtClean="0"/>
-              <a:t>2015/12/8</a:t>
+              <a:t>2015/12/14</a:t>
             </a:fld>
             <a:endParaRPr lang="zh-TW" altLang="en-US"/>
           </a:p>
@@ -2047,7 +2390,7 @@
           <a:p>
             <a:fld id="{5BBEAD13-0566-4C6C-97E7-55F17F24B09F}" type="datetimeFigureOut">
               <a:rPr lang="zh-TW" altLang="en-US" smtClean="0"/>
-              <a:t>2015/12/8</a:t>
+              <a:t>2015/12/14</a:t>
             </a:fld>
             <a:endParaRPr lang="zh-TW" altLang="en-US"/>
           </a:p>
@@ -2215,7 +2558,7 @@
           <a:p>
             <a:fld id="{5BBEAD13-0566-4C6C-97E7-55F17F24B09F}" type="datetimeFigureOut">
               <a:rPr lang="zh-TW" altLang="en-US" smtClean="0"/>
-              <a:t>2015/12/8</a:t>
+              <a:t>2015/12/14</a:t>
             </a:fld>
             <a:endParaRPr lang="zh-TW" altLang="en-US"/>
           </a:p>
@@ -2355,7 +2698,7 @@
           <a:p>
             <a:fld id="{5BBEAD13-0566-4C6C-97E7-55F17F24B09F}" type="datetimeFigureOut">
               <a:rPr lang="zh-TW" altLang="en-US" smtClean="0"/>
-              <a:t>2015/12/8</a:t>
+              <a:t>2015/12/14</a:t>
             </a:fld>
             <a:endParaRPr lang="zh-TW" altLang="en-US"/>
           </a:p>
@@ -2637,7 +2980,7 @@
           <a:p>
             <a:fld id="{5BBEAD13-0566-4C6C-97E7-55F17F24B09F}" type="datetimeFigureOut">
               <a:rPr lang="zh-TW" altLang="en-US" smtClean="0"/>
-              <a:t>2015/12/8</a:t>
+              <a:t>2015/12/14</a:t>
             </a:fld>
             <a:endParaRPr lang="zh-TW" altLang="en-US"/>
           </a:p>
@@ -2832,7 +3175,7 @@
               <a:pPr>
                 <a:defRPr/>
               </a:pPr>
-              <a:t>2015/12/8</a:t>
+              <a:t>2015/12/14</a:t>
             </a:fld>
             <a:endParaRPr lang="en-GB" altLang="zh-TW"/>
           </a:p>
@@ -3009,7 +3352,7 @@
               <a:pPr>
                 <a:defRPr/>
               </a:pPr>
-              <a:t>2015/12/8</a:t>
+              <a:t>2015/12/14</a:t>
             </a:fld>
             <a:endParaRPr lang="en-GB" altLang="zh-TW"/>
           </a:p>
@@ -3208,7 +3551,7 @@
               <a:pPr>
                 <a:defRPr/>
               </a:pPr>
-              <a:t>2015/12/8</a:t>
+              <a:t>2015/12/14</a:t>
             </a:fld>
             <a:endParaRPr lang="en-GB" altLang="zh-TW"/>
           </a:p>
@@ -3503,7 +3846,7 @@
               <a:pPr>
                 <a:defRPr/>
               </a:pPr>
-              <a:t>2015/12/8</a:t>
+              <a:t>2015/12/14</a:t>
             </a:fld>
             <a:endParaRPr lang="en-GB" altLang="zh-TW"/>
           </a:p>
@@ -3937,7 +4280,7 @@
               <a:pPr>
                 <a:defRPr/>
               </a:pPr>
-              <a:t>2015/12/8</a:t>
+              <a:t>2015/12/14</a:t>
             </a:fld>
             <a:endParaRPr lang="en-GB" altLang="zh-TW"/>
           </a:p>
@@ -4062,7 +4405,7 @@
               <a:pPr>
                 <a:defRPr/>
               </a:pPr>
-              <a:t>2015/12/8</a:t>
+              <a:t>2015/12/14</a:t>
             </a:fld>
             <a:endParaRPr lang="en-GB" altLang="zh-TW"/>
           </a:p>
@@ -4220,7 +4563,7 @@
           <a:p>
             <a:fld id="{5BBEAD13-0566-4C6C-97E7-55F17F24B09F}" type="datetimeFigureOut">
               <a:rPr lang="zh-TW" altLang="en-US" smtClean="0"/>
-              <a:t>2015/12/8</a:t>
+              <a:t>2015/12/14</a:t>
             </a:fld>
             <a:endParaRPr lang="zh-TW" altLang="en-US"/>
           </a:p>
@@ -4322,7 +4665,7 @@
               <a:pPr>
                 <a:defRPr/>
               </a:pPr>
-              <a:t>2015/12/8</a:t>
+              <a:t>2015/12/14</a:t>
             </a:fld>
             <a:endParaRPr lang="en-GB" altLang="zh-TW"/>
           </a:p>
@@ -4606,7 +4949,7 @@
               <a:pPr>
                 <a:defRPr/>
               </a:pPr>
-              <a:t>2015/12/8</a:t>
+              <a:t>2015/12/14</a:t>
             </a:fld>
             <a:endParaRPr lang="en-GB" altLang="zh-TW"/>
           </a:p>
@@ -4871,7 +5214,7 @@
               <a:pPr>
                 <a:defRPr/>
               </a:pPr>
-              <a:t>2015/12/8</a:t>
+              <a:t>2015/12/14</a:t>
             </a:fld>
             <a:endParaRPr lang="en-GB" altLang="zh-TW"/>
           </a:p>
@@ -5048,7 +5391,7 @@
               <a:pPr>
                 <a:defRPr/>
               </a:pPr>
-              <a:t>2015/12/8</a:t>
+              <a:t>2015/12/14</a:t>
             </a:fld>
             <a:endParaRPr lang="en-GB" altLang="zh-TW"/>
           </a:p>
@@ -5235,7 +5578,7 @@
               <a:pPr>
                 <a:defRPr/>
               </a:pPr>
-              <a:t>2015/12/8</a:t>
+              <a:t>2015/12/14</a:t>
             </a:fld>
             <a:endParaRPr lang="en-GB" altLang="zh-TW"/>
           </a:p>
@@ -5415,7 +5758,7 @@
           <a:p>
             <a:fld id="{5BBEAD13-0566-4C6C-97E7-55F17F24B09F}" type="datetimeFigureOut">
               <a:rPr lang="zh-TW" altLang="en-US" smtClean="0"/>
-              <a:t>2015/12/8</a:t>
+              <a:t>2015/12/14</a:t>
             </a:fld>
             <a:endParaRPr lang="zh-TW" altLang="en-US"/>
           </a:p>
@@ -5691,7 +6034,7 @@
           <a:p>
             <a:fld id="{5BBEAD13-0566-4C6C-97E7-55F17F24B09F}" type="datetimeFigureOut">
               <a:rPr lang="zh-TW" altLang="en-US" smtClean="0"/>
-              <a:t>2015/12/8</a:t>
+              <a:t>2015/12/14</a:t>
             </a:fld>
             <a:endParaRPr lang="zh-TW" altLang="en-US"/>
           </a:p>
@@ -6106,7 +6449,7 @@
           <a:p>
             <a:fld id="{5BBEAD13-0566-4C6C-97E7-55F17F24B09F}" type="datetimeFigureOut">
               <a:rPr lang="zh-TW" altLang="en-US" smtClean="0"/>
-              <a:t>2015/12/8</a:t>
+              <a:t>2015/12/14</a:t>
             </a:fld>
             <a:endParaRPr lang="zh-TW" altLang="en-US"/>
           </a:p>
@@ -6212,7 +6555,7 @@
           <a:p>
             <a:fld id="{5BBEAD13-0566-4C6C-97E7-55F17F24B09F}" type="datetimeFigureOut">
               <a:rPr lang="zh-TW" altLang="en-US" smtClean="0"/>
-              <a:t>2015/12/8</a:t>
+              <a:t>2015/12/14</a:t>
             </a:fld>
             <a:endParaRPr lang="zh-TW" altLang="en-US"/>
           </a:p>
@@ -6295,7 +6638,7 @@
           <a:p>
             <a:fld id="{5BBEAD13-0566-4C6C-97E7-55F17F24B09F}" type="datetimeFigureOut">
               <a:rPr lang="zh-TW" altLang="en-US" smtClean="0"/>
-              <a:t>2015/12/8</a:t>
+              <a:t>2015/12/14</a:t>
             </a:fld>
             <a:endParaRPr lang="zh-TW" altLang="en-US"/>
           </a:p>
@@ -6560,7 +6903,7 @@
           <a:p>
             <a:fld id="{5BBEAD13-0566-4C6C-97E7-55F17F24B09F}" type="datetimeFigureOut">
               <a:rPr lang="zh-TW" altLang="en-US" smtClean="0"/>
-              <a:t>2015/12/8</a:t>
+              <a:t>2015/12/14</a:t>
             </a:fld>
             <a:endParaRPr lang="zh-TW" altLang="en-US"/>
           </a:p>
@@ -6806,7 +7149,7 @@
           <a:p>
             <a:fld id="{5BBEAD13-0566-4C6C-97E7-55F17F24B09F}" type="datetimeFigureOut">
               <a:rPr lang="zh-TW" altLang="en-US" smtClean="0"/>
-              <a:t>2015/12/8</a:t>
+              <a:t>2015/12/14</a:t>
             </a:fld>
             <a:endParaRPr lang="zh-TW" altLang="en-US"/>
           </a:p>
@@ -7253,7 +7596,7 @@
           <a:p>
             <a:fld id="{5BBEAD13-0566-4C6C-97E7-55F17F24B09F}" type="datetimeFigureOut">
               <a:rPr lang="zh-TW" altLang="en-US" smtClean="0"/>
-              <a:t>2015/12/8</a:t>
+              <a:t>2015/12/14</a:t>
             </a:fld>
             <a:endParaRPr lang="zh-TW" altLang="en-US"/>
           </a:p>
@@ -8185,7 +8528,7 @@
               <a:pPr>
                 <a:defRPr/>
               </a:pPr>
-              <a:t>2015/12/8</a:t>
+              <a:t>2015/12/14</a:t>
             </a:fld>
             <a:endParaRPr lang="en-GB" altLang="zh-TW"/>
           </a:p>
@@ -8780,1540 +9123,6 @@
           <a:lstStyle/>
           <a:p>
             <a:r>
-              <a:rPr lang="en-US" altLang="zh-TW" dirty="0"/>
-              <a:t>properties</a:t>
-            </a:r>
-            <a:endParaRPr lang="zh-TW" altLang="en-US" dirty="0"/>
-          </a:p>
-        </p:txBody>
-      </p:sp>
-      <p:sp>
-        <p:nvSpPr>
-          <p:cNvPr id="3" name="內容版面配置區 2"/>
-          <p:cNvSpPr>
-            <a:spLocks noGrp="1"/>
-          </p:cNvSpPr>
-          <p:nvPr>
-            <p:ph idx="1"/>
-          </p:nvPr>
-        </p:nvSpPr>
-        <p:spPr/>
-        <p:txBody>
-          <a:bodyPr/>
-          <a:lstStyle/>
-          <a:p>
-            <a:endParaRPr lang="zh-TW" altLang="en-US" dirty="0"/>
-          </a:p>
-        </p:txBody>
-      </p:sp>
-      <p:graphicFrame>
-        <p:nvGraphicFramePr>
-          <p:cNvPr id="5" name="物件 4"/>
-          <p:cNvGraphicFramePr>
-            <a:graphicFrameLocks noChangeAspect="1"/>
-          </p:cNvGraphicFramePr>
-          <p:nvPr>
-            <p:extLst>
-              <p:ext uri="{D42A27DB-BD31-4B8C-83A1-F6EECF244321}">
-                <p14:modId xmlns:p14="http://schemas.microsoft.com/office/powerpoint/2010/main" val="2952421823"/>
-              </p:ext>
-            </p:extLst>
-          </p:nvPr>
-        </p:nvGraphicFramePr>
-        <p:xfrm>
-          <a:off x="419100" y="2455863"/>
-          <a:ext cx="2987675" cy="752475"/>
-        </p:xfrm>
-        <a:graphic>
-          <a:graphicData uri="http://schemas.openxmlformats.org/presentationml/2006/ole">
-            <mc:AlternateContent xmlns:mc="http://schemas.openxmlformats.org/markup-compatibility/2006">
-              <mc:Choice xmlns:v="urn:schemas-microsoft-com:vml" Requires="v">
-                <p:oleObj spid="_x0000_s4233" name="方程式" r:id="rId4" imgW="799920" imgH="203040" progId="Equation.3">
-                  <p:embed/>
-                </p:oleObj>
-              </mc:Choice>
-              <mc:Fallback>
-                <p:oleObj name="方程式" r:id="rId4" imgW="799920" imgH="203040" progId="Equation.3">
-                  <p:embed/>
-                  <p:pic>
-                    <p:nvPicPr>
-                      <p:cNvPr id="0" name="Object 20"/>
-                      <p:cNvPicPr>
-                        <a:picLocks noChangeAspect="1" noChangeArrowheads="1"/>
-                      </p:cNvPicPr>
-                      <p:nvPr/>
-                    </p:nvPicPr>
-                    <p:blipFill>
-                      <a:blip r:embed="rId5"/>
-                      <a:srcRect/>
-                      <a:stretch>
-                        <a:fillRect/>
-                      </a:stretch>
-                    </p:blipFill>
-                    <p:spPr bwMode="auto">
-                      <a:xfrm>
-                        <a:off x="419100" y="2455863"/>
-                        <a:ext cx="2987675" cy="752475"/>
-                      </a:xfrm>
-                      <a:prstGeom prst="rect">
-                        <a:avLst/>
-                      </a:prstGeom>
-                      <a:noFill/>
-                      <a:ln>
-                        <a:noFill/>
-                      </a:ln>
-                      <a:extLst>
-                        <a:ext uri="{909E8E84-426E-40DD-AFC4-6F175D3DCCD1}">
-                          <a14:hiddenFill xmlns:a14="http://schemas.microsoft.com/office/drawing/2010/main">
-                            <a:solidFill>
-                              <a:srgbClr val="FFFFFF"/>
-                            </a:solidFill>
-                          </a14:hiddenFill>
-                        </a:ext>
-                        <a:ext uri="{91240B29-F687-4F45-9708-019B960494DF}">
-                          <a14:hiddenLine xmlns:a14="http://schemas.microsoft.com/office/drawing/2010/main" w="9525">
-                            <a:solidFill>
-                              <a:srgbClr val="000000"/>
-                            </a:solidFill>
-                            <a:miter lim="800000"/>
-                            <a:headEnd/>
-                            <a:tailEnd/>
-                          </a14:hiddenLine>
-                        </a:ext>
-                      </a:extLst>
-                    </p:spPr>
-                  </p:pic>
-                </p:oleObj>
-              </mc:Fallback>
-            </mc:AlternateContent>
-          </a:graphicData>
-        </a:graphic>
-      </p:graphicFrame>
-      <p:grpSp>
-        <p:nvGrpSpPr>
-          <p:cNvPr id="6" name="Group 6"/>
-          <p:cNvGrpSpPr>
-            <a:grpSpLocks/>
-          </p:cNvGrpSpPr>
-          <p:nvPr/>
-        </p:nvGrpSpPr>
-        <p:grpSpPr bwMode="auto">
-          <a:xfrm>
-            <a:off x="3619500" y="1412776"/>
-            <a:ext cx="3886200" cy="4635500"/>
-            <a:chOff x="3120" y="1400"/>
-            <a:chExt cx="2448" cy="2920"/>
-          </a:xfrm>
-        </p:grpSpPr>
-        <p:graphicFrame>
-          <p:nvGraphicFramePr>
-            <p:cNvPr id="7" name="Object 7"/>
-            <p:cNvGraphicFramePr>
-              <a:graphicFrameLocks noChangeAspect="1"/>
-            </p:cNvGraphicFramePr>
-            <p:nvPr/>
-          </p:nvGraphicFramePr>
-          <p:xfrm>
-            <a:off x="3264" y="1448"/>
-            <a:ext cx="284" cy="377"/>
-          </p:xfrm>
-          <a:graphic>
-            <a:graphicData uri="http://schemas.openxmlformats.org/presentationml/2006/ole">
-              <mc:AlternateContent xmlns:mc="http://schemas.openxmlformats.org/markup-compatibility/2006">
-                <mc:Choice xmlns:v="urn:schemas-microsoft-com:vml" Requires="v">
-                  <p:oleObj spid="_x0000_s4234" name="公式" r:id="rId6" imgW="164880" imgH="215640" progId="Equation.3">
-                    <p:embed/>
-                  </p:oleObj>
-                </mc:Choice>
-                <mc:Fallback>
-                  <p:oleObj name="公式" r:id="rId6" imgW="164880" imgH="215640" progId="Equation.3">
-                    <p:embed/>
-                    <p:pic>
-                      <p:nvPicPr>
-                        <p:cNvPr id="0" name=""/>
-                        <p:cNvPicPr>
-                          <a:picLocks noChangeAspect="1" noChangeArrowheads="1"/>
-                        </p:cNvPicPr>
-                        <p:nvPr/>
-                      </p:nvPicPr>
-                      <p:blipFill>
-                        <a:blip r:embed="rId7">
-                          <a:extLst>
-                            <a:ext uri="{28A0092B-C50C-407E-A947-70E740481C1C}">
-                              <a14:useLocalDpi xmlns:a14="http://schemas.microsoft.com/office/drawing/2010/main" val="0"/>
-                            </a:ext>
-                          </a:extLst>
-                        </a:blip>
-                        <a:srcRect/>
-                        <a:stretch>
-                          <a:fillRect/>
-                        </a:stretch>
-                      </p:blipFill>
-                      <p:spPr bwMode="auto">
-                        <a:xfrm>
-                          <a:off x="3264" y="1448"/>
-                          <a:ext cx="284" cy="377"/>
-                        </a:xfrm>
-                        <a:prstGeom prst="rect">
-                          <a:avLst/>
-                        </a:prstGeom>
-                        <a:noFill/>
-                        <a:extLst>
-                          <a:ext uri="{909E8E84-426E-40DD-AFC4-6F175D3DCCD1}">
-                            <a14:hiddenFill xmlns:a14="http://schemas.microsoft.com/office/drawing/2010/main">
-                              <a:solidFill>
-                                <a:srgbClr val="FFFFFF"/>
-                              </a:solidFill>
-                            </a14:hiddenFill>
-                          </a:ext>
-                        </a:extLst>
-                      </p:spPr>
-                    </p:pic>
-                  </p:oleObj>
-                </mc:Fallback>
-              </mc:AlternateContent>
-            </a:graphicData>
-          </a:graphic>
-        </p:graphicFrame>
-        <p:graphicFrame>
-          <p:nvGraphicFramePr>
-            <p:cNvPr id="8" name="Object 8"/>
-            <p:cNvGraphicFramePr>
-              <a:graphicFrameLocks noChangeAspect="1"/>
-            </p:cNvGraphicFramePr>
-            <p:nvPr/>
-          </p:nvGraphicFramePr>
-          <p:xfrm>
-            <a:off x="5280" y="2216"/>
-            <a:ext cx="288" cy="376"/>
-          </p:xfrm>
-          <a:graphic>
-            <a:graphicData uri="http://schemas.openxmlformats.org/presentationml/2006/ole">
-              <mc:AlternateContent xmlns:mc="http://schemas.openxmlformats.org/markup-compatibility/2006">
-                <mc:Choice xmlns:v="urn:schemas-microsoft-com:vml" Requires="v">
-                  <p:oleObj spid="_x0000_s4235" name="Equation" r:id="rId8" imgW="164880" imgH="215640" progId="Equation.3">
-                    <p:embed/>
-                  </p:oleObj>
-                </mc:Choice>
-                <mc:Fallback>
-                  <p:oleObj name="Equation" r:id="rId8" imgW="164880" imgH="215640" progId="Equation.3">
-                    <p:embed/>
-                    <p:pic>
-                      <p:nvPicPr>
-                        <p:cNvPr id="0" name=""/>
-                        <p:cNvPicPr>
-                          <a:picLocks noChangeAspect="1" noChangeArrowheads="1"/>
-                        </p:cNvPicPr>
-                        <p:nvPr/>
-                      </p:nvPicPr>
-                      <p:blipFill>
-                        <a:blip r:embed="rId9">
-                          <a:extLst>
-                            <a:ext uri="{28A0092B-C50C-407E-A947-70E740481C1C}">
-                              <a14:useLocalDpi xmlns:a14="http://schemas.microsoft.com/office/drawing/2010/main" val="0"/>
-                            </a:ext>
-                          </a:extLst>
-                        </a:blip>
-                        <a:srcRect/>
-                        <a:stretch>
-                          <a:fillRect/>
-                        </a:stretch>
-                      </p:blipFill>
-                      <p:spPr bwMode="auto">
-                        <a:xfrm>
-                          <a:off x="5280" y="2216"/>
-                          <a:ext cx="288" cy="376"/>
-                        </a:xfrm>
-                        <a:prstGeom prst="rect">
-                          <a:avLst/>
-                        </a:prstGeom>
-                        <a:noFill/>
-                        <a:extLst>
-                          <a:ext uri="{909E8E84-426E-40DD-AFC4-6F175D3DCCD1}">
-                            <a14:hiddenFill xmlns:a14="http://schemas.microsoft.com/office/drawing/2010/main">
-                              <a:solidFill>
-                                <a:srgbClr val="FFFFFF"/>
-                              </a:solidFill>
-                            </a14:hiddenFill>
-                          </a:ext>
-                        </a:extLst>
-                      </p:spPr>
-                    </p:pic>
-                  </p:oleObj>
-                </mc:Fallback>
-              </mc:AlternateContent>
-            </a:graphicData>
-          </a:graphic>
-        </p:graphicFrame>
-        <p:graphicFrame>
-          <p:nvGraphicFramePr>
-            <p:cNvPr id="9" name="Object 9"/>
-            <p:cNvGraphicFramePr>
-              <a:graphicFrameLocks noChangeAspect="1"/>
-            </p:cNvGraphicFramePr>
-            <p:nvPr/>
-          </p:nvGraphicFramePr>
-          <p:xfrm>
-            <a:off x="3456" y="3944"/>
-            <a:ext cx="284" cy="376"/>
-          </p:xfrm>
-          <a:graphic>
-            <a:graphicData uri="http://schemas.openxmlformats.org/presentationml/2006/ole">
-              <mc:AlternateContent xmlns:mc="http://schemas.openxmlformats.org/markup-compatibility/2006">
-                <mc:Choice xmlns:v="urn:schemas-microsoft-com:vml" Requires="v">
-                  <p:oleObj spid="_x0000_s4236" name="Equation" r:id="rId10" imgW="164880" imgH="215640" progId="Equation.3">
-                    <p:embed/>
-                  </p:oleObj>
-                </mc:Choice>
-                <mc:Fallback>
-                  <p:oleObj name="Equation" r:id="rId10" imgW="164880" imgH="215640" progId="Equation.3">
-                    <p:embed/>
-                    <p:pic>
-                      <p:nvPicPr>
-                        <p:cNvPr id="0" name=""/>
-                        <p:cNvPicPr>
-                          <a:picLocks noChangeAspect="1" noChangeArrowheads="1"/>
-                        </p:cNvPicPr>
-                        <p:nvPr/>
-                      </p:nvPicPr>
-                      <p:blipFill>
-                        <a:blip r:embed="rId11">
-                          <a:extLst>
-                            <a:ext uri="{28A0092B-C50C-407E-A947-70E740481C1C}">
-                              <a14:useLocalDpi xmlns:a14="http://schemas.microsoft.com/office/drawing/2010/main" val="0"/>
-                            </a:ext>
-                          </a:extLst>
-                        </a:blip>
-                        <a:srcRect/>
-                        <a:stretch>
-                          <a:fillRect/>
-                        </a:stretch>
-                      </p:blipFill>
-                      <p:spPr bwMode="auto">
-                        <a:xfrm>
-                          <a:off x="3456" y="3944"/>
-                          <a:ext cx="284" cy="376"/>
-                        </a:xfrm>
-                        <a:prstGeom prst="rect">
-                          <a:avLst/>
-                        </a:prstGeom>
-                        <a:noFill/>
-                        <a:extLst>
-                          <a:ext uri="{909E8E84-426E-40DD-AFC4-6F175D3DCCD1}">
-                            <a14:hiddenFill xmlns:a14="http://schemas.microsoft.com/office/drawing/2010/main">
-                              <a:solidFill>
-                                <a:srgbClr val="FFFFFF"/>
-                              </a:solidFill>
-                            </a14:hiddenFill>
-                          </a:ext>
-                        </a:extLst>
-                      </p:spPr>
-                    </p:pic>
-                  </p:oleObj>
-                </mc:Fallback>
-              </mc:AlternateContent>
-            </a:graphicData>
-          </a:graphic>
-        </p:graphicFrame>
-        <p:sp>
-          <p:nvSpPr>
-            <p:cNvPr id="10" name="Line 10"/>
-            <p:cNvSpPr>
-              <a:spLocks noChangeShapeType="1"/>
-            </p:cNvSpPr>
-            <p:nvPr/>
-          </p:nvSpPr>
-          <p:spPr bwMode="auto">
-            <a:xfrm flipH="1" flipV="1">
-              <a:off x="3456" y="1880"/>
-              <a:ext cx="441" cy="1259"/>
-            </a:xfrm>
-            <a:prstGeom prst="line">
-              <a:avLst/>
-            </a:prstGeom>
-            <a:noFill/>
-            <a:ln w="38100">
-              <a:solidFill>
-                <a:schemeClr val="accent2"/>
-              </a:solidFill>
-              <a:round/>
-              <a:headEnd/>
-              <a:tailEnd type="stealth" w="sm" len="lg"/>
-            </a:ln>
-            <a:effectLst/>
-            <a:extLst>
-              <a:ext uri="{909E8E84-426E-40DD-AFC4-6F175D3DCCD1}">
-                <a14:hiddenFill xmlns:a14="http://schemas.microsoft.com/office/drawing/2010/main">
-                  <a:noFill/>
-                </a14:hiddenFill>
-              </a:ext>
-              <a:ext uri="{AF507438-7753-43E0-B8FC-AC1667EBCBE1}">
-                <a14:hiddenEffects xmlns:a14="http://schemas.microsoft.com/office/drawing/2010/main">
-                  <a:effectLst>
-                    <a:outerShdw dist="35921" dir="2700000" algn="ctr" rotWithShape="0">
-                      <a:srgbClr val="808080"/>
-                    </a:outerShdw>
-                  </a:effectLst>
-                </a14:hiddenEffects>
-              </a:ext>
-            </a:extLst>
-          </p:spPr>
-          <p:txBody>
-            <a:bodyPr tIns="0"/>
-            <a:lstStyle/>
-            <a:p>
-              <a:endParaRPr lang="zh-TW" altLang="en-US"/>
-            </a:p>
-          </p:txBody>
-        </p:sp>
-        <p:sp>
-          <p:nvSpPr>
-            <p:cNvPr id="11" name="Line 11"/>
-            <p:cNvSpPr>
-              <a:spLocks noChangeShapeType="1"/>
-            </p:cNvSpPr>
-            <p:nvPr/>
-          </p:nvSpPr>
-          <p:spPr bwMode="auto">
-            <a:xfrm flipH="1">
-              <a:off x="3504" y="3128"/>
-              <a:ext cx="384" cy="768"/>
-            </a:xfrm>
-            <a:prstGeom prst="line">
-              <a:avLst/>
-            </a:prstGeom>
-            <a:noFill/>
-            <a:ln w="38100">
-              <a:solidFill>
-                <a:schemeClr val="accent2"/>
-              </a:solidFill>
-              <a:round/>
-              <a:headEnd/>
-              <a:tailEnd type="stealth" w="sm" len="lg"/>
-            </a:ln>
-            <a:effectLst/>
-            <a:extLst>
-              <a:ext uri="{909E8E84-426E-40DD-AFC4-6F175D3DCCD1}">
-                <a14:hiddenFill xmlns:a14="http://schemas.microsoft.com/office/drawing/2010/main">
-                  <a:noFill/>
-                </a14:hiddenFill>
-              </a:ext>
-              <a:ext uri="{AF507438-7753-43E0-B8FC-AC1667EBCBE1}">
-                <a14:hiddenEffects xmlns:a14="http://schemas.microsoft.com/office/drawing/2010/main">
-                  <a:effectLst>
-                    <a:outerShdw dist="35921" dir="2700000" algn="ctr" rotWithShape="0">
-                      <a:srgbClr val="808080"/>
-                    </a:outerShdw>
-                  </a:effectLst>
-                </a14:hiddenEffects>
-              </a:ext>
-            </a:extLst>
-          </p:spPr>
-          <p:txBody>
-            <a:bodyPr tIns="0"/>
-            <a:lstStyle/>
-            <a:p>
-              <a:endParaRPr lang="zh-TW" altLang="en-US"/>
-            </a:p>
-          </p:txBody>
-        </p:sp>
-        <p:sp>
-          <p:nvSpPr>
-            <p:cNvPr id="12" name="Line 12"/>
-            <p:cNvSpPr>
-              <a:spLocks noChangeShapeType="1"/>
-            </p:cNvSpPr>
-            <p:nvPr/>
-          </p:nvSpPr>
-          <p:spPr bwMode="auto">
-            <a:xfrm flipV="1">
-              <a:off x="3888" y="2696"/>
-              <a:ext cx="1440" cy="443"/>
-            </a:xfrm>
-            <a:prstGeom prst="line">
-              <a:avLst/>
-            </a:prstGeom>
-            <a:noFill/>
-            <a:ln w="38100">
-              <a:solidFill>
-                <a:schemeClr val="accent2"/>
-              </a:solidFill>
-              <a:round/>
-              <a:headEnd/>
-              <a:tailEnd type="stealth" w="sm" len="lg"/>
-            </a:ln>
-            <a:effectLst/>
-            <a:extLst>
-              <a:ext uri="{909E8E84-426E-40DD-AFC4-6F175D3DCCD1}">
-                <a14:hiddenFill xmlns:a14="http://schemas.microsoft.com/office/drawing/2010/main">
-                  <a:noFill/>
-                </a14:hiddenFill>
-              </a:ext>
-              <a:ext uri="{AF507438-7753-43E0-B8FC-AC1667EBCBE1}">
-                <a14:hiddenEffects xmlns:a14="http://schemas.microsoft.com/office/drawing/2010/main">
-                  <a:effectLst>
-                    <a:outerShdw dist="35921" dir="2700000" algn="ctr" rotWithShape="0">
-                      <a:srgbClr val="808080"/>
-                    </a:outerShdw>
-                  </a:effectLst>
-                </a14:hiddenEffects>
-              </a:ext>
-            </a:extLst>
-          </p:spPr>
-          <p:txBody>
-            <a:bodyPr tIns="0"/>
-            <a:lstStyle/>
-            <a:p>
-              <a:endParaRPr lang="zh-TW" altLang="en-US"/>
-            </a:p>
-          </p:txBody>
-        </p:sp>
-        <p:sp>
-          <p:nvSpPr>
-            <p:cNvPr id="13" name="Line 13"/>
-            <p:cNvSpPr>
-              <a:spLocks noChangeShapeType="1"/>
-            </p:cNvSpPr>
-            <p:nvPr/>
-          </p:nvSpPr>
-          <p:spPr bwMode="auto">
-            <a:xfrm flipV="1">
-              <a:off x="3888" y="1784"/>
-              <a:ext cx="0" cy="1355"/>
-            </a:xfrm>
-            <a:prstGeom prst="line">
-              <a:avLst/>
-            </a:prstGeom>
-            <a:noFill/>
-            <a:ln w="38100">
-              <a:solidFill>
-                <a:srgbClr val="800080"/>
-              </a:solidFill>
-              <a:round/>
-              <a:headEnd/>
-              <a:tailEnd type="stealth" w="sm" len="lg"/>
-            </a:ln>
-            <a:effectLst/>
-            <a:extLst>
-              <a:ext uri="{909E8E84-426E-40DD-AFC4-6F175D3DCCD1}">
-                <a14:hiddenFill xmlns:a14="http://schemas.microsoft.com/office/drawing/2010/main">
-                  <a:noFill/>
-                </a14:hiddenFill>
-              </a:ext>
-              <a:ext uri="{AF507438-7753-43E0-B8FC-AC1667EBCBE1}">
-                <a14:hiddenEffects xmlns:a14="http://schemas.microsoft.com/office/drawing/2010/main">
-                  <a:effectLst>
-                    <a:outerShdw dist="35921" dir="2700000" algn="ctr" rotWithShape="0">
-                      <a:srgbClr val="808080"/>
-                    </a:outerShdw>
-                  </a:effectLst>
-                </a14:hiddenEffects>
-              </a:ext>
-            </a:extLst>
-          </p:spPr>
-          <p:txBody>
-            <a:bodyPr tIns="0"/>
-            <a:lstStyle/>
-            <a:p>
-              <a:endParaRPr lang="zh-TW" altLang="en-US"/>
-            </a:p>
-          </p:txBody>
-        </p:sp>
-        <p:sp>
-          <p:nvSpPr>
-            <p:cNvPr id="14" name="Line 14"/>
-            <p:cNvSpPr>
-              <a:spLocks noChangeShapeType="1"/>
-            </p:cNvSpPr>
-            <p:nvPr/>
-          </p:nvSpPr>
-          <p:spPr bwMode="auto">
-            <a:xfrm flipH="1">
-              <a:off x="3360" y="3128"/>
-              <a:ext cx="537" cy="528"/>
-            </a:xfrm>
-            <a:prstGeom prst="line">
-              <a:avLst/>
-            </a:prstGeom>
-            <a:noFill/>
-            <a:ln w="38100">
-              <a:solidFill>
-                <a:srgbClr val="800080"/>
-              </a:solidFill>
-              <a:round/>
-              <a:headEnd/>
-              <a:tailEnd type="stealth" w="sm" len="lg"/>
-            </a:ln>
-            <a:effectLst/>
-            <a:extLst>
-              <a:ext uri="{909E8E84-426E-40DD-AFC4-6F175D3DCCD1}">
-                <a14:hiddenFill xmlns:a14="http://schemas.microsoft.com/office/drawing/2010/main">
-                  <a:noFill/>
-                </a14:hiddenFill>
-              </a:ext>
-              <a:ext uri="{AF507438-7753-43E0-B8FC-AC1667EBCBE1}">
-                <a14:hiddenEffects xmlns:a14="http://schemas.microsoft.com/office/drawing/2010/main">
-                  <a:effectLst>
-                    <a:outerShdw dist="35921" dir="2700000" algn="ctr" rotWithShape="0">
-                      <a:srgbClr val="808080"/>
-                    </a:outerShdw>
-                  </a:effectLst>
-                </a14:hiddenEffects>
-              </a:ext>
-            </a:extLst>
-          </p:spPr>
-          <p:txBody>
-            <a:bodyPr tIns="0"/>
-            <a:lstStyle/>
-            <a:p>
-              <a:endParaRPr lang="zh-TW" altLang="en-US"/>
-            </a:p>
-          </p:txBody>
-        </p:sp>
-        <p:sp>
-          <p:nvSpPr>
-            <p:cNvPr id="15" name="Line 15"/>
-            <p:cNvSpPr>
-              <a:spLocks noChangeShapeType="1"/>
-            </p:cNvSpPr>
-            <p:nvPr/>
-          </p:nvSpPr>
-          <p:spPr bwMode="auto">
-            <a:xfrm>
-              <a:off x="3888" y="3128"/>
-              <a:ext cx="1392" cy="0"/>
-            </a:xfrm>
-            <a:prstGeom prst="line">
-              <a:avLst/>
-            </a:prstGeom>
-            <a:noFill/>
-            <a:ln w="38100">
-              <a:solidFill>
-                <a:srgbClr val="800080"/>
-              </a:solidFill>
-              <a:round/>
-              <a:headEnd/>
-              <a:tailEnd type="stealth" w="sm" len="lg"/>
-            </a:ln>
-            <a:effectLst/>
-            <a:extLst>
-              <a:ext uri="{909E8E84-426E-40DD-AFC4-6F175D3DCCD1}">
-                <a14:hiddenFill xmlns:a14="http://schemas.microsoft.com/office/drawing/2010/main">
-                  <a:noFill/>
-                </a14:hiddenFill>
-              </a:ext>
-              <a:ext uri="{AF507438-7753-43E0-B8FC-AC1667EBCBE1}">
-                <a14:hiddenEffects xmlns:a14="http://schemas.microsoft.com/office/drawing/2010/main">
-                  <a:effectLst>
-                    <a:outerShdw dist="35921" dir="2700000" algn="ctr" rotWithShape="0">
-                      <a:srgbClr val="808080"/>
-                    </a:outerShdw>
-                  </a:effectLst>
-                </a14:hiddenEffects>
-              </a:ext>
-            </a:extLst>
-          </p:spPr>
-          <p:txBody>
-            <a:bodyPr tIns="0"/>
-            <a:lstStyle/>
-            <a:p>
-              <a:endParaRPr lang="zh-TW" altLang="en-US"/>
-            </a:p>
-          </p:txBody>
-        </p:sp>
-        <p:graphicFrame>
-          <p:nvGraphicFramePr>
-            <p:cNvPr id="16" name="Object 16"/>
-            <p:cNvGraphicFramePr>
-              <a:graphicFrameLocks noChangeAspect="1"/>
-            </p:cNvGraphicFramePr>
-            <p:nvPr/>
-          </p:nvGraphicFramePr>
-          <p:xfrm>
-            <a:off x="3744" y="1400"/>
-            <a:ext cx="262" cy="377"/>
-          </p:xfrm>
-          <a:graphic>
-            <a:graphicData uri="http://schemas.openxmlformats.org/presentationml/2006/ole">
-              <mc:AlternateContent xmlns:mc="http://schemas.openxmlformats.org/markup-compatibility/2006">
-                <mc:Choice xmlns:v="urn:schemas-microsoft-com:vml" Requires="v">
-                  <p:oleObj spid="_x0000_s4237" name="公式" r:id="rId12" imgW="152280" imgH="215640" progId="Equation.3">
-                    <p:embed/>
-                  </p:oleObj>
-                </mc:Choice>
-                <mc:Fallback>
-                  <p:oleObj name="公式" r:id="rId12" imgW="152280" imgH="215640" progId="Equation.3">
-                    <p:embed/>
-                    <p:pic>
-                      <p:nvPicPr>
-                        <p:cNvPr id="0" name=""/>
-                        <p:cNvPicPr>
-                          <a:picLocks noChangeAspect="1" noChangeArrowheads="1"/>
-                        </p:cNvPicPr>
-                        <p:nvPr/>
-                      </p:nvPicPr>
-                      <p:blipFill>
-                        <a:blip r:embed="rId13">
-                          <a:extLst>
-                            <a:ext uri="{28A0092B-C50C-407E-A947-70E740481C1C}">
-                              <a14:useLocalDpi xmlns:a14="http://schemas.microsoft.com/office/drawing/2010/main" val="0"/>
-                            </a:ext>
-                          </a:extLst>
-                        </a:blip>
-                        <a:srcRect/>
-                        <a:stretch>
-                          <a:fillRect/>
-                        </a:stretch>
-                      </p:blipFill>
-                      <p:spPr bwMode="auto">
-                        <a:xfrm>
-                          <a:off x="3744" y="1400"/>
-                          <a:ext cx="262" cy="377"/>
-                        </a:xfrm>
-                        <a:prstGeom prst="rect">
-                          <a:avLst/>
-                        </a:prstGeom>
-                        <a:noFill/>
-                        <a:extLst>
-                          <a:ext uri="{909E8E84-426E-40DD-AFC4-6F175D3DCCD1}">
-                            <a14:hiddenFill xmlns:a14="http://schemas.microsoft.com/office/drawing/2010/main">
-                              <a:solidFill>
-                                <a:srgbClr val="FFFFFF"/>
-                              </a:solidFill>
-                            </a14:hiddenFill>
-                          </a:ext>
-                        </a:extLst>
-                      </p:spPr>
-                    </p:pic>
-                  </p:oleObj>
-                </mc:Fallback>
-              </mc:AlternateContent>
-            </a:graphicData>
-          </a:graphic>
-        </p:graphicFrame>
-        <p:graphicFrame>
-          <p:nvGraphicFramePr>
-            <p:cNvPr id="17" name="Object 17"/>
-            <p:cNvGraphicFramePr>
-              <a:graphicFrameLocks noChangeAspect="1"/>
-            </p:cNvGraphicFramePr>
-            <p:nvPr/>
-          </p:nvGraphicFramePr>
-          <p:xfrm>
-            <a:off x="5303" y="2936"/>
-            <a:ext cx="265" cy="376"/>
-          </p:xfrm>
-          <a:graphic>
-            <a:graphicData uri="http://schemas.openxmlformats.org/presentationml/2006/ole">
-              <mc:AlternateContent xmlns:mc="http://schemas.openxmlformats.org/markup-compatibility/2006">
-                <mc:Choice xmlns:v="urn:schemas-microsoft-com:vml" Requires="v">
-                  <p:oleObj spid="_x0000_s4238" name="Equation" r:id="rId14" imgW="152280" imgH="215640" progId="Equation.3">
-                    <p:embed/>
-                  </p:oleObj>
-                </mc:Choice>
-                <mc:Fallback>
-                  <p:oleObj name="Equation" r:id="rId14" imgW="152280" imgH="215640" progId="Equation.3">
-                    <p:embed/>
-                    <p:pic>
-                      <p:nvPicPr>
-                        <p:cNvPr id="0" name=""/>
-                        <p:cNvPicPr>
-                          <a:picLocks noChangeAspect="1" noChangeArrowheads="1"/>
-                        </p:cNvPicPr>
-                        <p:nvPr/>
-                      </p:nvPicPr>
-                      <p:blipFill>
-                        <a:blip r:embed="rId15">
-                          <a:extLst>
-                            <a:ext uri="{28A0092B-C50C-407E-A947-70E740481C1C}">
-                              <a14:useLocalDpi xmlns:a14="http://schemas.microsoft.com/office/drawing/2010/main" val="0"/>
-                            </a:ext>
-                          </a:extLst>
-                        </a:blip>
-                        <a:srcRect/>
-                        <a:stretch>
-                          <a:fillRect/>
-                        </a:stretch>
-                      </p:blipFill>
-                      <p:spPr bwMode="auto">
-                        <a:xfrm>
-                          <a:off x="5303" y="2936"/>
-                          <a:ext cx="265" cy="376"/>
-                        </a:xfrm>
-                        <a:prstGeom prst="rect">
-                          <a:avLst/>
-                        </a:prstGeom>
-                        <a:noFill/>
-                        <a:extLst>
-                          <a:ext uri="{909E8E84-426E-40DD-AFC4-6F175D3DCCD1}">
-                            <a14:hiddenFill xmlns:a14="http://schemas.microsoft.com/office/drawing/2010/main">
-                              <a:solidFill>
-                                <a:srgbClr val="FFFFFF"/>
-                              </a:solidFill>
-                            </a14:hiddenFill>
-                          </a:ext>
-                        </a:extLst>
-                      </p:spPr>
-                    </p:pic>
-                  </p:oleObj>
-                </mc:Fallback>
-              </mc:AlternateContent>
-            </a:graphicData>
-          </a:graphic>
-        </p:graphicFrame>
-        <p:graphicFrame>
-          <p:nvGraphicFramePr>
-            <p:cNvPr id="18" name="Object 18"/>
-            <p:cNvGraphicFramePr>
-              <a:graphicFrameLocks noChangeAspect="1"/>
-            </p:cNvGraphicFramePr>
-            <p:nvPr/>
-          </p:nvGraphicFramePr>
-          <p:xfrm>
-            <a:off x="3120" y="3608"/>
-            <a:ext cx="262" cy="376"/>
-          </p:xfrm>
-          <a:graphic>
-            <a:graphicData uri="http://schemas.openxmlformats.org/presentationml/2006/ole">
-              <mc:AlternateContent xmlns:mc="http://schemas.openxmlformats.org/markup-compatibility/2006">
-                <mc:Choice xmlns:v="urn:schemas-microsoft-com:vml" Requires="v">
-                  <p:oleObj spid="_x0000_s4239" name="Equation" r:id="rId16" imgW="152280" imgH="215640" progId="Equation.3">
-                    <p:embed/>
-                  </p:oleObj>
-                </mc:Choice>
-                <mc:Fallback>
-                  <p:oleObj name="Equation" r:id="rId16" imgW="152280" imgH="215640" progId="Equation.3">
-                    <p:embed/>
-                    <p:pic>
-                      <p:nvPicPr>
-                        <p:cNvPr id="0" name=""/>
-                        <p:cNvPicPr>
-                          <a:picLocks noChangeAspect="1" noChangeArrowheads="1"/>
-                        </p:cNvPicPr>
-                        <p:nvPr/>
-                      </p:nvPicPr>
-                      <p:blipFill>
-                        <a:blip r:embed="rId17">
-                          <a:extLst>
-                            <a:ext uri="{28A0092B-C50C-407E-A947-70E740481C1C}">
-                              <a14:useLocalDpi xmlns:a14="http://schemas.microsoft.com/office/drawing/2010/main" val="0"/>
-                            </a:ext>
-                          </a:extLst>
-                        </a:blip>
-                        <a:srcRect/>
-                        <a:stretch>
-                          <a:fillRect/>
-                        </a:stretch>
-                      </p:blipFill>
-                      <p:spPr bwMode="auto">
-                        <a:xfrm>
-                          <a:off x="3120" y="3608"/>
-                          <a:ext cx="262" cy="376"/>
-                        </a:xfrm>
-                        <a:prstGeom prst="rect">
-                          <a:avLst/>
-                        </a:prstGeom>
-                        <a:noFill/>
-                        <a:extLst>
-                          <a:ext uri="{909E8E84-426E-40DD-AFC4-6F175D3DCCD1}">
-                            <a14:hiddenFill xmlns:a14="http://schemas.microsoft.com/office/drawing/2010/main">
-                              <a:solidFill>
-                                <a:srgbClr val="FFFFFF"/>
-                              </a:solidFill>
-                            </a14:hiddenFill>
-                          </a:ext>
-                        </a:extLst>
-                      </p:spPr>
-                    </p:pic>
-                  </p:oleObj>
-                </mc:Fallback>
-              </mc:AlternateContent>
-            </a:graphicData>
-          </a:graphic>
-        </p:graphicFrame>
-      </p:grpSp>
-    </p:spTree>
-    <p:extLst>
-      <p:ext uri="{BB962C8B-B14F-4D97-AF65-F5344CB8AC3E}">
-        <p14:creationId xmlns:p14="http://schemas.microsoft.com/office/powerpoint/2010/main" val="1924288773"/>
-      </p:ext>
-    </p:extLst>
-  </p:cSld>
-  <p:clrMapOvr>
-    <a:masterClrMapping/>
-  </p:clrMapOvr>
-  <p:timing>
-    <p:tnLst>
-      <p:par>
-        <p:cTn id="1" dur="indefinite" restart="never" nodeType="tmRoot">
-          <p:childTnLst>
-            <p:seq concurrent="1" nextAc="seek">
-              <p:cTn id="2" dur="indefinite" nodeType="mainSeq">
-                <p:childTnLst>
-                  <p:par>
-                    <p:cTn id="3" fill="hold">
-                      <p:stCondLst>
-                        <p:cond delay="indefinite"/>
-                      </p:stCondLst>
-                      <p:childTnLst>
-                        <p:par>
-                          <p:cTn id="4" fill="hold">
-                            <p:stCondLst>
-                              <p:cond delay="0"/>
-                            </p:stCondLst>
-                            <p:childTnLst>
-                              <p:par>
-                                <p:cTn id="5" presetID="3" presetClass="entr" presetSubtype="10" fill="hold" nodeType="clickEffect">
-                                  <p:stCondLst>
-                                    <p:cond delay="0"/>
-                                  </p:stCondLst>
-                                  <p:childTnLst>
-                                    <p:set>
-                                      <p:cBhvr>
-                                        <p:cTn id="6" dur="1" fill="hold">
-                                          <p:stCondLst>
-                                            <p:cond delay="0"/>
-                                          </p:stCondLst>
-                                        </p:cTn>
-                                        <p:tgtEl>
-                                          <p:spTgt spid="5"/>
-                                        </p:tgtEl>
-                                        <p:attrNameLst>
-                                          <p:attrName>style.visibility</p:attrName>
-                                        </p:attrNameLst>
-                                      </p:cBhvr>
-                                      <p:to>
-                                        <p:strVal val="visible"/>
-                                      </p:to>
-                                    </p:set>
-                                    <p:animEffect transition="in" filter="blinds(horizontal)">
-                                      <p:cBhvr>
-                                        <p:cTn id="7" dur="500"/>
-                                        <p:tgtEl>
-                                          <p:spTgt spid="5"/>
-                                        </p:tgtEl>
-                                      </p:cBhvr>
-                                    </p:animEffect>
-                                  </p:childTnLst>
-                                </p:cTn>
-                              </p:par>
-                            </p:childTnLst>
-                          </p:cTn>
-                        </p:par>
-                      </p:childTnLst>
-                    </p:cTn>
-                  </p:par>
-                </p:childTnLst>
-              </p:cTn>
-              <p:prevCondLst>
-                <p:cond evt="onPrev" delay="0">
-                  <p:tgtEl>
-                    <p:sldTgt/>
-                  </p:tgtEl>
-                </p:cond>
-              </p:prevCondLst>
-              <p:nextCondLst>
-                <p:cond evt="onNext" delay="0">
-                  <p:tgtEl>
-                    <p:sldTgt/>
-                  </p:tgtEl>
-                </p:cond>
-              </p:nextCondLst>
-            </p:seq>
-          </p:childTnLst>
-        </p:cTn>
-      </p:par>
-    </p:tnLst>
-  </p:timing>
-</p:sld>
-</file>
-
-<file path=ppt/slides/slide11.xml><?xml version="1.0" encoding="utf-8"?>
-<p:sld xmlns:a="http://schemas.openxmlformats.org/drawingml/2006/main" xmlns:r="http://schemas.openxmlformats.org/officeDocument/2006/relationships" xmlns:p="http://schemas.openxmlformats.org/presentationml/2006/main">
-  <p:cSld>
-    <p:spTree>
-      <p:nvGrpSpPr>
-        <p:cNvPr id="1" name=""/>
-        <p:cNvGrpSpPr/>
-        <p:nvPr/>
-      </p:nvGrpSpPr>
-      <p:grpSpPr>
-        <a:xfrm>
-          <a:off x="0" y="0"/>
-          <a:ext cx="0" cy="0"/>
-          <a:chOff x="0" y="0"/>
-          <a:chExt cx="0" cy="0"/>
-        </a:xfrm>
-      </p:grpSpPr>
-      <p:sp>
-        <p:nvSpPr>
-          <p:cNvPr id="2" name="標題 1"/>
-          <p:cNvSpPr>
-            <a:spLocks noGrp="1"/>
-          </p:cNvSpPr>
-          <p:nvPr>
-            <p:ph type="title"/>
-          </p:nvPr>
-        </p:nvSpPr>
-        <p:spPr/>
-        <p:txBody>
-          <a:bodyPr/>
-          <a:lstStyle/>
-          <a:p>
-            <a:r>
-              <a:rPr lang="en-US" altLang="zh-TW" dirty="0"/>
-              <a:t>Reference</a:t>
-            </a:r>
-            <a:endParaRPr lang="zh-TW" altLang="en-US" dirty="0"/>
-          </a:p>
-        </p:txBody>
-      </p:sp>
-      <p:sp>
-        <p:nvSpPr>
-          <p:cNvPr id="3" name="內容版面配置區 2"/>
-          <p:cNvSpPr>
-            <a:spLocks noGrp="1"/>
-          </p:cNvSpPr>
-          <p:nvPr>
-            <p:ph idx="1"/>
-          </p:nvPr>
-        </p:nvSpPr>
-        <p:spPr/>
-        <p:txBody>
-          <a:bodyPr/>
-          <a:lstStyle/>
-          <a:p>
-            <a:r>
-              <a:rPr lang="zh-TW" altLang="en-US" dirty="0" smtClean="0"/>
-              <a:t> </a:t>
-            </a:r>
-            <a:r>
-              <a:rPr lang="en-US" altLang="zh-TW" dirty="0">
-                <a:hlinkClick r:id="rId3"/>
-              </a:rPr>
-              <a:t>https://</a:t>
-            </a:r>
-            <a:r>
-              <a:rPr lang="en-US" altLang="zh-TW" dirty="0" smtClean="0">
-                <a:hlinkClick r:id="rId3"/>
-              </a:rPr>
-              <a:t>github.com/ptrbrtz/razor-9dof-ahrs/wiki/Tutorial</a:t>
-            </a:r>
-            <a:endParaRPr lang="en-US" altLang="zh-TW" dirty="0" smtClean="0"/>
-          </a:p>
-          <a:p>
-            <a:r>
-              <a:rPr lang="en-US" altLang="zh-TW" dirty="0" smtClean="0">
-                <a:hlinkClick r:id="rId4"/>
-              </a:rPr>
-              <a:t>http</a:t>
-            </a:r>
-            <a:r>
-              <a:rPr lang="en-US" altLang="zh-TW" dirty="0">
-                <a:hlinkClick r:id="rId4"/>
-              </a:rPr>
-              <a:t>://</a:t>
-            </a:r>
-            <a:r>
-              <a:rPr lang="en-US" altLang="zh-TW" dirty="0" smtClean="0">
-                <a:hlinkClick r:id="rId4"/>
-              </a:rPr>
-              <a:t>www.cnblogs.com/dreamfactory/p/3424953.html</a:t>
-            </a:r>
-            <a:endParaRPr lang="en-US" altLang="zh-TW" dirty="0" smtClean="0"/>
-          </a:p>
-          <a:p>
-            <a:r>
-              <a:rPr lang="en-US" altLang="zh-TW" dirty="0">
-                <a:hlinkClick r:id="rId5"/>
-              </a:rPr>
-              <a:t>http://</a:t>
-            </a:r>
-            <a:r>
-              <a:rPr lang="en-US" altLang="zh-TW" dirty="0" smtClean="0">
-                <a:hlinkClick r:id="rId5"/>
-              </a:rPr>
-              <a:t>www.starlino.com/dcm_tutorial.html</a:t>
-            </a:r>
-            <a:endParaRPr lang="en-US" altLang="zh-TW" dirty="0" smtClean="0"/>
-          </a:p>
-          <a:p>
-            <a:r>
-              <a:rPr lang="en-US" altLang="zh-TW" dirty="0">
-                <a:hlinkClick r:id="rId6"/>
-              </a:rPr>
-              <a:t>https://</a:t>
-            </a:r>
-            <a:r>
-              <a:rPr lang="en-US" altLang="zh-TW" dirty="0" smtClean="0">
-                <a:hlinkClick r:id="rId6"/>
-              </a:rPr>
-              <a:t>gentlenav.googlecode.com/files/</a:t>
-            </a:r>
-            <a:r>
-              <a:rPr lang="en-US" altLang="zh-TW" b="1" dirty="0" smtClean="0">
-                <a:hlinkClick r:id="rId6"/>
-              </a:rPr>
-              <a:t>DCMDraft2</a:t>
-            </a:r>
-            <a:r>
-              <a:rPr lang="en-US" altLang="zh-TW" dirty="0" smtClean="0">
-                <a:hlinkClick r:id="rId6"/>
-              </a:rPr>
-              <a:t>.pdf</a:t>
-            </a:r>
-            <a:endParaRPr lang="en-US" altLang="zh-TW" dirty="0" smtClean="0"/>
-          </a:p>
-          <a:p>
-            <a:endParaRPr lang="zh-TW" altLang="en-US" dirty="0"/>
-          </a:p>
-        </p:txBody>
-      </p:sp>
-    </p:spTree>
-    <p:extLst>
-      <p:ext uri="{BB962C8B-B14F-4D97-AF65-F5344CB8AC3E}">
-        <p14:creationId xmlns:p14="http://schemas.microsoft.com/office/powerpoint/2010/main" val="2508799737"/>
-      </p:ext>
-    </p:extLst>
-  </p:cSld>
-  <p:clrMapOvr>
-    <a:masterClrMapping/>
-  </p:clrMapOvr>
-  <p:timing>
-    <p:tnLst>
-      <p:par>
-        <p:cTn id="1" dur="indefinite" restart="never" nodeType="tmRoot"/>
-      </p:par>
-    </p:tnLst>
-  </p:timing>
-</p:sld>
-</file>
-
-<file path=ppt/slides/slide2.xml><?xml version="1.0" encoding="utf-8"?>
-<p:sld xmlns:a="http://schemas.openxmlformats.org/drawingml/2006/main" xmlns:r="http://schemas.openxmlformats.org/officeDocument/2006/relationships" xmlns:p="http://schemas.openxmlformats.org/presentationml/2006/main">
-  <p:cSld>
-    <p:spTree>
-      <p:nvGrpSpPr>
-        <p:cNvPr id="1" name=""/>
-        <p:cNvGrpSpPr/>
-        <p:nvPr/>
-      </p:nvGrpSpPr>
-      <p:grpSpPr>
-        <a:xfrm>
-          <a:off x="0" y="0"/>
-          <a:ext cx="0" cy="0"/>
-          <a:chOff x="0" y="0"/>
-          <a:chExt cx="0" cy="0"/>
-        </a:xfrm>
-      </p:grpSpPr>
-      <p:sp>
-        <p:nvSpPr>
-          <p:cNvPr id="2" name="標題 1"/>
-          <p:cNvSpPr>
-            <a:spLocks noGrp="1"/>
-          </p:cNvSpPr>
-          <p:nvPr>
-            <p:ph type="title"/>
-          </p:nvPr>
-        </p:nvSpPr>
-        <p:spPr/>
-        <p:txBody>
-          <a:bodyPr/>
-          <a:lstStyle/>
-          <a:p>
-            <a:endParaRPr lang="zh-TW" altLang="en-US" dirty="0"/>
-          </a:p>
-        </p:txBody>
-      </p:sp>
-      <p:sp>
-        <p:nvSpPr>
-          <p:cNvPr id="3" name="內容版面配置區 2"/>
-          <p:cNvSpPr>
-            <a:spLocks noGrp="1"/>
-          </p:cNvSpPr>
-          <p:nvPr>
-            <p:ph idx="1"/>
-          </p:nvPr>
-        </p:nvSpPr>
-        <p:spPr>
-          <a:xfrm>
-            <a:off x="179388" y="1196975"/>
-            <a:ext cx="8640762" cy="5472385"/>
-          </a:xfrm>
-        </p:spPr>
-        <p:txBody>
-          <a:bodyPr/>
-          <a:lstStyle/>
-          <a:p>
-            <a:r>
-              <a:rPr lang="en-US" altLang="zh-TW" dirty="0" smtClean="0">
-                <a:latin typeface="Times New Roman" panose="02020603050405020304" pitchFamily="18" charset="0"/>
-                <a:cs typeface="Times New Roman" panose="02020603050405020304" pitchFamily="18" charset="0"/>
-              </a:rPr>
-              <a:t>Ⅰ. Introduction</a:t>
-            </a:r>
-          </a:p>
-          <a:p>
-            <a:endParaRPr lang="en-US" altLang="zh-TW" dirty="0" smtClean="0">
-              <a:cs typeface="Times New Roman" panose="02020603050405020304" pitchFamily="18" charset="0"/>
-            </a:endParaRPr>
-          </a:p>
-          <a:p>
-            <a:endParaRPr lang="en-US" altLang="zh-TW" dirty="0" smtClean="0"/>
-          </a:p>
-          <a:p>
-            <a:endParaRPr lang="en-US" altLang="zh-TW" dirty="0" smtClean="0"/>
-          </a:p>
-          <a:p>
-            <a:pPr lvl="1"/>
-            <a:endParaRPr lang="en-US" altLang="zh-TW" dirty="0"/>
-          </a:p>
-          <a:p>
-            <a:pPr lvl="2">
-              <a:buFont typeface="Wingdings" panose="05000000000000000000" pitchFamily="2" charset="2"/>
-              <a:buChar char="u"/>
-            </a:pPr>
-            <a:endParaRPr lang="en-US" altLang="zh-TW" dirty="0" smtClean="0"/>
-          </a:p>
-          <a:p>
-            <a:pPr lvl="1"/>
-            <a:endParaRPr lang="en-US" altLang="zh-TW" dirty="0" smtClean="0"/>
-          </a:p>
-          <a:p>
-            <a:pPr lvl="2">
-              <a:buFont typeface="Wingdings" panose="05000000000000000000" pitchFamily="2" charset="2"/>
-              <a:buChar char="u"/>
-            </a:pPr>
-            <a:endParaRPr lang="en-US" altLang="zh-TW" dirty="0"/>
-          </a:p>
-          <a:p>
-            <a:endParaRPr lang="en-US" altLang="zh-TW" dirty="0" smtClean="0"/>
-          </a:p>
-          <a:p>
-            <a:pPr lvl="1"/>
-            <a:endParaRPr lang="en-US" altLang="zh-TW" dirty="0"/>
-          </a:p>
-          <a:p>
-            <a:pPr lvl="1"/>
-            <a:endParaRPr lang="en-US" altLang="zh-TW" dirty="0" smtClean="0"/>
-          </a:p>
-        </p:txBody>
-      </p:sp>
-    </p:spTree>
-    <p:extLst>
-      <p:ext uri="{BB962C8B-B14F-4D97-AF65-F5344CB8AC3E}">
-        <p14:creationId xmlns:p14="http://schemas.microsoft.com/office/powerpoint/2010/main" val="1166824308"/>
-      </p:ext>
-    </p:extLst>
-  </p:cSld>
-  <p:clrMapOvr>
-    <a:masterClrMapping/>
-  </p:clrMapOvr>
-  <p:timing>
-    <p:tnLst>
-      <p:par>
-        <p:cTn id="1" dur="indefinite" restart="never" nodeType="tmRoot"/>
-      </p:par>
-    </p:tnLst>
-  </p:timing>
-</p:sld>
-</file>
-
-<file path=ppt/slides/slide3.xml><?xml version="1.0" encoding="utf-8"?>
-<p:sld xmlns:a="http://schemas.openxmlformats.org/drawingml/2006/main" xmlns:r="http://schemas.openxmlformats.org/officeDocument/2006/relationships" xmlns:p="http://schemas.openxmlformats.org/presentationml/2006/main">
-  <p:cSld>
-    <p:spTree>
-      <p:nvGrpSpPr>
-        <p:cNvPr id="1" name=""/>
-        <p:cNvGrpSpPr/>
-        <p:nvPr/>
-      </p:nvGrpSpPr>
-      <p:grpSpPr>
-        <a:xfrm>
-          <a:off x="0" y="0"/>
-          <a:ext cx="0" cy="0"/>
-          <a:chOff x="0" y="0"/>
-          <a:chExt cx="0" cy="0"/>
-        </a:xfrm>
-      </p:grpSpPr>
-      <p:sp>
-        <p:nvSpPr>
-          <p:cNvPr id="2" name="標題 1"/>
-          <p:cNvSpPr>
-            <a:spLocks noGrp="1"/>
-          </p:cNvSpPr>
-          <p:nvPr>
-            <p:ph type="title"/>
-          </p:nvPr>
-        </p:nvSpPr>
-        <p:spPr/>
-        <p:txBody>
-          <a:bodyPr/>
-          <a:lstStyle/>
-          <a:p>
-            <a:r>
-              <a:rPr lang="en-US" altLang="zh-TW" dirty="0"/>
-              <a:t>Block diagram of DCM</a:t>
-            </a:r>
-            <a:br>
-              <a:rPr lang="en-US" altLang="zh-TW" dirty="0"/>
-            </a:br>
-            <a:endParaRPr lang="zh-TW" altLang="en-US" dirty="0"/>
-          </a:p>
-        </p:txBody>
-      </p:sp>
-      <p:sp>
-        <p:nvSpPr>
-          <p:cNvPr id="3" name="內容版面配置區 2"/>
-          <p:cNvSpPr>
-            <a:spLocks noGrp="1"/>
-          </p:cNvSpPr>
-          <p:nvPr>
-            <p:ph idx="1"/>
-          </p:nvPr>
-        </p:nvSpPr>
-        <p:spPr/>
-        <p:txBody>
-          <a:bodyPr/>
-          <a:lstStyle/>
-          <a:p>
-            <a:endParaRPr lang="zh-TW" altLang="en-US" dirty="0"/>
-          </a:p>
-        </p:txBody>
-      </p:sp>
-      <p:pic>
-        <p:nvPicPr>
-          <p:cNvPr id="1026" name="Picture 2"/>
-          <p:cNvPicPr>
-            <a:picLocks noChangeAspect="1" noChangeArrowheads="1"/>
-          </p:cNvPicPr>
-          <p:nvPr/>
-        </p:nvPicPr>
-        <p:blipFill>
-          <a:blip r:embed="rId3">
-            <a:extLst>
-              <a:ext uri="{28A0092B-C50C-407E-A947-70E740481C1C}">
-                <a14:useLocalDpi xmlns:a14="http://schemas.microsoft.com/office/drawing/2010/main" val="0"/>
-              </a:ext>
-            </a:extLst>
-          </a:blip>
-          <a:srcRect/>
-          <a:stretch>
-            <a:fillRect/>
-          </a:stretch>
-        </p:blipFill>
-        <p:spPr bwMode="auto">
-          <a:xfrm>
-            <a:off x="628650" y="1690688"/>
-            <a:ext cx="7886700" cy="3476625"/>
-          </a:xfrm>
-          <a:prstGeom prst="rect">
-            <a:avLst/>
-          </a:prstGeom>
-          <a:noFill/>
-          <a:ln>
-            <a:noFill/>
-          </a:ln>
-          <a:effectLst/>
-          <a:extLst>
-            <a:ext uri="{909E8E84-426E-40DD-AFC4-6F175D3DCCD1}">
-              <a14:hiddenFill xmlns:a14="http://schemas.microsoft.com/office/drawing/2010/main">
-                <a:solidFill>
-                  <a:schemeClr val="accent1"/>
-                </a:solidFill>
-              </a14:hiddenFill>
-            </a:ext>
-            <a:ext uri="{91240B29-F687-4F45-9708-019B960494DF}">
-              <a14:hiddenLine xmlns:a14="http://schemas.microsoft.com/office/drawing/2010/main" w="9525">
-                <a:solidFill>
-                  <a:schemeClr val="tx1"/>
-                </a:solidFill>
-                <a:miter lim="800000"/>
-                <a:headEnd/>
-                <a:tailEnd/>
-              </a14:hiddenLine>
-            </a:ext>
-            <a:ext uri="{AF507438-7753-43E0-B8FC-AC1667EBCBE1}">
-              <a14:hiddenEffects xmlns:a14="http://schemas.microsoft.com/office/drawing/2010/main">
-                <a:effectLst>
-                  <a:outerShdw dist="35921" dir="2700000" algn="ctr" rotWithShape="0">
-                    <a:schemeClr val="bg2"/>
-                  </a:outerShdw>
-                </a:effectLst>
-              </a14:hiddenEffects>
-            </a:ext>
-          </a:extLst>
-        </p:spPr>
-      </p:pic>
-    </p:spTree>
-    <p:extLst>
-      <p:ext uri="{BB962C8B-B14F-4D97-AF65-F5344CB8AC3E}">
-        <p14:creationId xmlns:p14="http://schemas.microsoft.com/office/powerpoint/2010/main" val="560036996"/>
-      </p:ext>
-    </p:extLst>
-  </p:cSld>
-  <p:clrMapOvr>
-    <a:masterClrMapping/>
-  </p:clrMapOvr>
-  <p:timing>
-    <p:tnLst>
-      <p:par>
-        <p:cTn id="1" dur="indefinite" restart="never" nodeType="tmRoot"/>
-      </p:par>
-    </p:tnLst>
-  </p:timing>
-</p:sld>
-</file>
-
-<file path=ppt/slides/slide4.xml><?xml version="1.0" encoding="utf-8"?>
-<p:sld xmlns:a="http://schemas.openxmlformats.org/drawingml/2006/main" xmlns:r="http://schemas.openxmlformats.org/officeDocument/2006/relationships" xmlns:p="http://schemas.openxmlformats.org/presentationml/2006/main">
-  <p:cSld>
-    <p:spTree>
-      <p:nvGrpSpPr>
-        <p:cNvPr id="1" name=""/>
-        <p:cNvGrpSpPr/>
-        <p:nvPr/>
-      </p:nvGrpSpPr>
-      <p:grpSpPr>
-        <a:xfrm>
-          <a:off x="0" y="0"/>
-          <a:ext cx="0" cy="0"/>
-          <a:chOff x="0" y="0"/>
-          <a:chExt cx="0" cy="0"/>
-        </a:xfrm>
-      </p:grpSpPr>
-      <p:sp>
-        <p:nvSpPr>
-          <p:cNvPr id="2" name="標題 1"/>
-          <p:cNvSpPr>
-            <a:spLocks noGrp="1"/>
-          </p:cNvSpPr>
-          <p:nvPr>
-            <p:ph type="title"/>
-          </p:nvPr>
-        </p:nvSpPr>
-        <p:spPr/>
-        <p:txBody>
-          <a:bodyPr/>
-          <a:lstStyle/>
-          <a:p>
-            <a:endParaRPr lang="zh-TW" altLang="en-US"/>
-          </a:p>
-        </p:txBody>
-      </p:sp>
-      <p:sp>
-        <p:nvSpPr>
-          <p:cNvPr id="3" name="內容版面配置區 2"/>
-          <p:cNvSpPr>
-            <a:spLocks noGrp="1"/>
-          </p:cNvSpPr>
-          <p:nvPr>
-            <p:ph idx="1"/>
-          </p:nvPr>
-        </p:nvSpPr>
-        <p:spPr/>
-        <p:txBody>
-          <a:bodyPr/>
-          <a:lstStyle/>
-          <a:p>
-            <a:endParaRPr lang="zh-TW" altLang="en-US"/>
-          </a:p>
-        </p:txBody>
-      </p:sp>
-      <p:pic>
-        <p:nvPicPr>
-          <p:cNvPr id="2050" name="Picture 2" descr="C:\Users\jason_yao\Downloads\dcm_arch.png"/>
-          <p:cNvPicPr>
-            <a:picLocks noChangeAspect="1" noChangeArrowheads="1"/>
-          </p:cNvPicPr>
-          <p:nvPr/>
-        </p:nvPicPr>
-        <p:blipFill>
-          <a:blip r:embed="rId2">
-            <a:extLst>
-              <a:ext uri="{28A0092B-C50C-407E-A947-70E740481C1C}">
-                <a14:useLocalDpi xmlns:a14="http://schemas.microsoft.com/office/drawing/2010/main" val="0"/>
-              </a:ext>
-            </a:extLst>
-          </a:blip>
-          <a:srcRect/>
-          <a:stretch>
-            <a:fillRect/>
-          </a:stretch>
-        </p:blipFill>
-        <p:spPr bwMode="auto">
-          <a:xfrm>
-            <a:off x="1043608" y="1700808"/>
-            <a:ext cx="6145212" cy="3600450"/>
-          </a:xfrm>
-          <a:prstGeom prst="rect">
-            <a:avLst/>
-          </a:prstGeom>
-          <a:noFill/>
-          <a:extLst>
-            <a:ext uri="{909E8E84-426E-40DD-AFC4-6F175D3DCCD1}">
-              <a14:hiddenFill xmlns:a14="http://schemas.microsoft.com/office/drawing/2010/main">
-                <a:solidFill>
-                  <a:srgbClr val="FFFFFF"/>
-                </a:solidFill>
-              </a14:hiddenFill>
-            </a:ext>
-          </a:extLst>
-        </p:spPr>
-      </p:pic>
-    </p:spTree>
-    <p:extLst>
-      <p:ext uri="{BB962C8B-B14F-4D97-AF65-F5344CB8AC3E}">
-        <p14:creationId xmlns:p14="http://schemas.microsoft.com/office/powerpoint/2010/main" val="4019660584"/>
-      </p:ext>
-    </p:extLst>
-  </p:cSld>
-  <p:clrMapOvr>
-    <a:masterClrMapping/>
-  </p:clrMapOvr>
-  <p:timing>
-    <p:tnLst>
-      <p:par>
-        <p:cTn id="1" dur="indefinite" restart="never" nodeType="tmRoot"/>
-      </p:par>
-    </p:tnLst>
-  </p:timing>
-</p:sld>
-</file>
-
-<file path=ppt/slides/slide5.xml><?xml version="1.0" encoding="utf-8"?>
-<p:sld xmlns:a="http://schemas.openxmlformats.org/drawingml/2006/main" xmlns:r="http://schemas.openxmlformats.org/officeDocument/2006/relationships" xmlns:p="http://schemas.openxmlformats.org/presentationml/2006/main">
-  <p:cSld>
-    <p:spTree>
-      <p:nvGrpSpPr>
-        <p:cNvPr id="1" name=""/>
-        <p:cNvGrpSpPr/>
-        <p:nvPr/>
-      </p:nvGrpSpPr>
-      <p:grpSpPr>
-        <a:xfrm>
-          <a:off x="0" y="0"/>
-          <a:ext cx="0" cy="0"/>
-          <a:chOff x="0" y="0"/>
-          <a:chExt cx="0" cy="0"/>
-        </a:xfrm>
-      </p:grpSpPr>
-      <p:sp>
-        <p:nvSpPr>
-          <p:cNvPr id="2" name="標題 1"/>
-          <p:cNvSpPr>
-            <a:spLocks noGrp="1"/>
-          </p:cNvSpPr>
-          <p:nvPr>
-            <p:ph type="title"/>
-          </p:nvPr>
-        </p:nvSpPr>
-        <p:spPr/>
-        <p:txBody>
-          <a:bodyPr/>
-          <a:lstStyle/>
-          <a:p>
-            <a:r>
               <a:rPr lang="zh-CN" altLang="en-US" dirty="0">
                 <a:solidFill>
                   <a:schemeClr val="tx1"/>
@@ -10547,7 +9356,7 @@
           <a:graphicData uri="http://schemas.openxmlformats.org/presentationml/2006/ole">
             <mc:AlternateContent xmlns:mc="http://schemas.openxmlformats.org/markup-compatibility/2006">
               <mc:Choice xmlns:v="urn:schemas-microsoft-com:vml" Requires="v">
-                <p:oleObj spid="_x0000_s7202" r:id="rId4" imgW="533169" imgH="457002" progId="Equation.3">
+                <p:oleObj spid="_x0000_s7230" r:id="rId4" imgW="533169" imgH="457002" progId="Equation.3">
                   <p:embed/>
                 </p:oleObj>
               </mc:Choice>
@@ -10617,7 +9426,7 @@
           <a:graphicData uri="http://schemas.openxmlformats.org/presentationml/2006/ole">
             <mc:AlternateContent xmlns:mc="http://schemas.openxmlformats.org/markup-compatibility/2006">
               <mc:Choice xmlns:v="urn:schemas-microsoft-com:vml" Requires="v">
-                <p:oleObj spid="_x0000_s7203" r:id="rId6" imgW="558800" imgH="457200" progId="Equation.3">
+                <p:oleObj spid="_x0000_s7231" r:id="rId6" imgW="558800" imgH="457200" progId="Equation.3">
                   <p:embed/>
                 </p:oleObj>
               </mc:Choice>
@@ -10777,7 +9586,7 @@
             <a:graphicData uri="http://schemas.openxmlformats.org/presentationml/2006/ole">
               <mc:AlternateContent xmlns:mc="http://schemas.openxmlformats.org/markup-compatibility/2006">
                 <mc:Choice xmlns:v="urn:schemas-microsoft-com:vml" Requires="v">
-                  <p:oleObj spid="_x0000_s7204" r:id="rId8" imgW="532937" imgH="177646" progId="Equation.3">
+                  <p:oleObj spid="_x0000_s7232" r:id="rId8" imgW="532937" imgH="177646" progId="Equation.3">
                     <p:embed/>
                   </p:oleObj>
                 </mc:Choice>
@@ -10938,7 +9747,7 @@
             <a:graphicData uri="http://schemas.openxmlformats.org/presentationml/2006/ole">
               <mc:AlternateContent xmlns:mc="http://schemas.openxmlformats.org/markup-compatibility/2006">
                 <mc:Choice xmlns:v="urn:schemas-microsoft-com:vml" Requires="v">
-                  <p:oleObj spid="_x0000_s7205" r:id="rId10" imgW="1320800" imgH="457200" progId="Equation.3">
+                  <p:oleObj spid="_x0000_s7233" r:id="rId10" imgW="1320800" imgH="457200" progId="Equation.3">
                     <p:embed/>
                   </p:oleObj>
                 </mc:Choice>
@@ -11359,7 +10168,7 @@
 </p:sld>
 </file>
 
-<file path=ppt/slides/slide6.xml><?xml version="1.0" encoding="utf-8"?>
+<file path=ppt/slides/slide11.xml><?xml version="1.0" encoding="utf-8"?>
 <p:sld xmlns:a="http://schemas.openxmlformats.org/drawingml/2006/main" xmlns:r="http://schemas.openxmlformats.org/officeDocument/2006/relationships" xmlns:p="http://schemas.openxmlformats.org/presentationml/2006/main">
   <p:cSld>
     <p:spTree>
@@ -11521,7 +10330,7 @@
           <a:graphicData uri="http://schemas.openxmlformats.org/presentationml/2006/ole">
             <mc:AlternateContent xmlns:mc="http://schemas.openxmlformats.org/markup-compatibility/2006">
               <mc:Choice xmlns:v="urn:schemas-microsoft-com:vml" Requires="v">
-                <p:oleObj spid="_x0000_s8215" r:id="rId4" imgW="532937" imgH="177646" progId="Equation.3">
+                <p:oleObj spid="_x0000_s8236" r:id="rId4" imgW="532937" imgH="177646" progId="Equation.3">
                   <p:embed/>
                 </p:oleObj>
               </mc:Choice>
@@ -11685,7 +10494,7 @@
           <a:graphicData uri="http://schemas.openxmlformats.org/presentationml/2006/ole">
             <mc:AlternateContent xmlns:mc="http://schemas.openxmlformats.org/markup-compatibility/2006">
               <mc:Choice xmlns:v="urn:schemas-microsoft-com:vml" Requires="v">
-                <p:oleObj spid="_x0000_s8216" r:id="rId6" imgW="2247900" imgH="711200" progId="Equation.3">
+                <p:oleObj spid="_x0000_s8237" r:id="rId6" imgW="2247900" imgH="711200" progId="Equation.3">
                   <p:embed/>
                 </p:oleObj>
               </mc:Choice>
@@ -11855,7 +10664,7 @@
           <a:graphicData uri="http://schemas.openxmlformats.org/presentationml/2006/ole">
             <mc:AlternateContent xmlns:mc="http://schemas.openxmlformats.org/markup-compatibility/2006">
               <mc:Choice xmlns:v="urn:schemas-microsoft-com:vml" Requires="v">
-                <p:oleObj spid="_x0000_s8217" r:id="rId8" imgW="1739900" imgH="914400" progId="Equation.3">
+                <p:oleObj spid="_x0000_s8238" r:id="rId8" imgW="1739900" imgH="914400" progId="Equation.3">
                   <p:embed/>
                 </p:oleObj>
               </mc:Choice>
@@ -12221,7 +11030,7 @@
 </p:sld>
 </file>
 
-<file path=ppt/slides/slide7.xml><?xml version="1.0" encoding="utf-8"?>
+<file path=ppt/slides/slide12.xml><?xml version="1.0" encoding="utf-8"?>
 <p:sld xmlns:a="http://schemas.openxmlformats.org/drawingml/2006/main" xmlns:r="http://schemas.openxmlformats.org/officeDocument/2006/relationships" xmlns:p="http://schemas.openxmlformats.org/presentationml/2006/main">
   <p:cSld>
     <p:spTree>
@@ -12411,7 +11220,7 @@
               <a:pPr>
                 <a:defRPr/>
               </a:pPr>
-              <a:t>7</a:t>
+              <a:t>12</a:t>
             </a:fld>
             <a:endParaRPr lang="en-US" altLang="zh-CN"/>
           </a:p>
@@ -12449,7 +11258,7 @@
             <a:graphicData uri="http://schemas.openxmlformats.org/presentationml/2006/ole">
               <mc:AlternateContent xmlns:mc="http://schemas.openxmlformats.org/markup-compatibility/2006">
                 <mc:Choice xmlns:v="urn:schemas-microsoft-com:vml" Requires="v">
-                  <p:oleObj spid="_x0000_s3188" name="公式" r:id="rId4" imgW="152517" imgH="209468" progId="Equation.3">
+                  <p:oleObj spid="_x0000_s3237" name="公式" r:id="rId4" imgW="152517" imgH="209468" progId="Equation.3">
                     <p:embed/>
                   </p:oleObj>
                 </mc:Choice>
@@ -12532,7 +11341,7 @@
             <a:graphicData uri="http://schemas.openxmlformats.org/presentationml/2006/ole">
               <mc:AlternateContent xmlns:mc="http://schemas.openxmlformats.org/markup-compatibility/2006">
                 <mc:Choice xmlns:v="urn:schemas-microsoft-com:vml" Requires="v">
-                  <p:oleObj spid="_x0000_s3189" name="Equation" r:id="rId6" imgW="152517" imgH="209468" progId="Equation.3">
+                  <p:oleObj spid="_x0000_s3238" name="Equation" r:id="rId6" imgW="152517" imgH="209468" progId="Equation.3">
                     <p:embed/>
                   </p:oleObj>
                 </mc:Choice>
@@ -12615,7 +11424,7 @@
             <a:graphicData uri="http://schemas.openxmlformats.org/presentationml/2006/ole">
               <mc:AlternateContent xmlns:mc="http://schemas.openxmlformats.org/markup-compatibility/2006">
                 <mc:Choice xmlns:v="urn:schemas-microsoft-com:vml" Requires="v">
-                  <p:oleObj spid="_x0000_s3190" name="Equation" r:id="rId8" imgW="152517" imgH="209468" progId="Equation.3">
+                  <p:oleObj spid="_x0000_s3239" name="Equation" r:id="rId8" imgW="152517" imgH="209468" progId="Equation.3">
                     <p:embed/>
                   </p:oleObj>
                 </mc:Choice>
@@ -13004,7 +11813,7 @@
             <a:graphicData uri="http://schemas.openxmlformats.org/presentationml/2006/ole">
               <mc:AlternateContent xmlns:mc="http://schemas.openxmlformats.org/markup-compatibility/2006">
                 <mc:Choice xmlns:v="urn:schemas-microsoft-com:vml" Requires="v">
-                  <p:oleObj spid="_x0000_s3191" name="公式" r:id="rId10" imgW="142799" imgH="209468" progId="Equation.3">
+                  <p:oleObj spid="_x0000_s3240" name="公式" r:id="rId10" imgW="142799" imgH="209468" progId="Equation.3">
                     <p:embed/>
                   </p:oleObj>
                 </mc:Choice>
@@ -13087,7 +11896,7 @@
             <a:graphicData uri="http://schemas.openxmlformats.org/presentationml/2006/ole">
               <mc:AlternateContent xmlns:mc="http://schemas.openxmlformats.org/markup-compatibility/2006">
                 <mc:Choice xmlns:v="urn:schemas-microsoft-com:vml" Requires="v">
-                  <p:oleObj spid="_x0000_s3192" name="Equation" r:id="rId12" imgW="142799" imgH="209468" progId="Equation.3">
+                  <p:oleObj spid="_x0000_s3241" name="Equation" r:id="rId12" imgW="142799" imgH="209468" progId="Equation.3">
                     <p:embed/>
                   </p:oleObj>
                 </mc:Choice>
@@ -13170,7 +11979,7 @@
             <a:graphicData uri="http://schemas.openxmlformats.org/presentationml/2006/ole">
               <mc:AlternateContent xmlns:mc="http://schemas.openxmlformats.org/markup-compatibility/2006">
                 <mc:Choice xmlns:v="urn:schemas-microsoft-com:vml" Requires="v">
-                  <p:oleObj spid="_x0000_s3193" name="Equation" r:id="rId14" imgW="142799" imgH="209468" progId="Equation.3">
+                  <p:oleObj spid="_x0000_s3242" name="Equation" r:id="rId14" imgW="142799" imgH="209468" progId="Equation.3">
                     <p:embed/>
                   </p:oleObj>
                 </mc:Choice>
@@ -13260,7 +12069,7 @@
           <a:graphicData uri="http://schemas.openxmlformats.org/presentationml/2006/ole">
             <mc:AlternateContent xmlns:mc="http://schemas.openxmlformats.org/markup-compatibility/2006">
               <mc:Choice xmlns:v="urn:schemas-microsoft-com:vml" Requires="v">
-                <p:oleObj spid="_x0000_s3194" name="公式" r:id="rId16" imgW="812447" imgH="203112" progId="Equation.3">
+                <p:oleObj spid="_x0000_s3243" name="公式" r:id="rId16" imgW="812447" imgH="203112" progId="Equation.3">
                   <p:embed/>
                 </p:oleObj>
               </mc:Choice>
@@ -13423,7 +12232,7 @@
 </p:sld>
 </file>
 
-<file path=ppt/slides/slide8.xml><?xml version="1.0" encoding="utf-8"?>
+<file path=ppt/slides/slide13.xml><?xml version="1.0" encoding="utf-8"?>
 <p:sld xmlns:a="http://schemas.openxmlformats.org/drawingml/2006/main" xmlns:r="http://schemas.openxmlformats.org/officeDocument/2006/relationships" xmlns:p="http://schemas.openxmlformats.org/presentationml/2006/main">
   <p:cSld>
     <p:spTree>
@@ -13582,7 +12391,7 @@
               <a:pPr>
                 <a:defRPr/>
               </a:pPr>
-              <a:t>8</a:t>
+              <a:t>13</a:t>
             </a:fld>
             <a:endParaRPr lang="en-US" altLang="zh-CN"/>
           </a:p>
@@ -13660,7 +12469,7 @@
           <a:graphicData uri="http://schemas.openxmlformats.org/presentationml/2006/ole">
             <mc:AlternateContent xmlns:mc="http://schemas.openxmlformats.org/markup-compatibility/2006">
               <mc:Choice xmlns:v="urn:schemas-microsoft-com:vml" Requires="v">
-                <p:oleObj spid="_x0000_s6246" name="公式" r:id="rId3" imgW="114151" imgH="215619" progId="Equation.3">
+                <p:oleObj spid="_x0000_s6316" name="公式" r:id="rId3" imgW="114151" imgH="215619" progId="Equation.3">
                   <p:embed/>
                 </p:oleObj>
               </mc:Choice>
@@ -14091,7 +12900,7 @@
           <a:graphicData uri="http://schemas.openxmlformats.org/presentationml/2006/ole">
             <mc:AlternateContent xmlns:mc="http://schemas.openxmlformats.org/markup-compatibility/2006">
               <mc:Choice xmlns:v="urn:schemas-microsoft-com:vml" Requires="v">
-                <p:oleObj spid="_x0000_s6247" name="Equation" r:id="rId5" imgW="457280" imgH="209468" progId="Equation.3">
+                <p:oleObj spid="_x0000_s6317" name="Equation" r:id="rId5" imgW="457280" imgH="209468" progId="Equation.3">
                   <p:embed/>
                 </p:oleObj>
               </mc:Choice>
@@ -14174,7 +12983,7 @@
           <a:graphicData uri="http://schemas.openxmlformats.org/presentationml/2006/ole">
             <mc:AlternateContent xmlns:mc="http://schemas.openxmlformats.org/markup-compatibility/2006">
               <mc:Choice xmlns:v="urn:schemas-microsoft-com:vml" Requires="v">
-                <p:oleObj spid="_x0000_s6248" name="公式" r:id="rId7" imgW="253780" imgH="203024" progId="Equation.3">
+                <p:oleObj spid="_x0000_s6318" name="公式" r:id="rId7" imgW="253780" imgH="203024" progId="Equation.3">
                   <p:embed/>
                 </p:oleObj>
               </mc:Choice>
@@ -14257,7 +13066,7 @@
           <a:graphicData uri="http://schemas.openxmlformats.org/presentationml/2006/ole">
             <mc:AlternateContent xmlns:mc="http://schemas.openxmlformats.org/markup-compatibility/2006">
               <mc:Choice xmlns:v="urn:schemas-microsoft-com:vml" Requires="v">
-                <p:oleObj spid="_x0000_s6249" name="公式" r:id="rId9" imgW="710891" imgH="190417" progId="Equation.3">
+                <p:oleObj spid="_x0000_s6319" name="公式" r:id="rId9" imgW="710891" imgH="190417" progId="Equation.3">
                   <p:embed/>
                 </p:oleObj>
               </mc:Choice>
@@ -14518,7 +13327,7 @@
           <a:graphicData uri="http://schemas.openxmlformats.org/presentationml/2006/ole">
             <mc:AlternateContent xmlns:mc="http://schemas.openxmlformats.org/markup-compatibility/2006">
               <mc:Choice xmlns:v="urn:schemas-microsoft-com:vml" Requires="v">
-                <p:oleObj spid="_x0000_s6250" name="公式" r:id="rId11" imgW="152517" imgH="228634" progId="Equation.3">
+                <p:oleObj spid="_x0000_s6320" name="公式" r:id="rId11" imgW="152517" imgH="228634" progId="Equation.3">
                   <p:embed/>
                 </p:oleObj>
               </mc:Choice>
@@ -14601,7 +13410,7 @@
           <a:graphicData uri="http://schemas.openxmlformats.org/presentationml/2006/ole">
             <mc:AlternateContent xmlns:mc="http://schemas.openxmlformats.org/markup-compatibility/2006">
               <mc:Choice xmlns:v="urn:schemas-microsoft-com:vml" Requires="v">
-                <p:oleObj spid="_x0000_s6251" name="公式" r:id="rId13" imgW="152517" imgH="219186" progId="Equation.3">
+                <p:oleObj spid="_x0000_s6321" name="公式" r:id="rId13" imgW="152517" imgH="219186" progId="Equation.3">
                   <p:embed/>
                 </p:oleObj>
               </mc:Choice>
@@ -14684,7 +13493,7 @@
           <a:graphicData uri="http://schemas.openxmlformats.org/presentationml/2006/ole">
             <mc:AlternateContent xmlns:mc="http://schemas.openxmlformats.org/markup-compatibility/2006">
               <mc:Choice xmlns:v="urn:schemas-microsoft-com:vml" Requires="v">
-                <p:oleObj spid="_x0000_s6252" name="公式" r:id="rId15" imgW="152517" imgH="219186" progId="Equation.3">
+                <p:oleObj spid="_x0000_s6322" name="公式" r:id="rId15" imgW="152517" imgH="219186" progId="Equation.3">
                   <p:embed/>
                 </p:oleObj>
               </mc:Choice>
@@ -15073,7 +13882,7 @@
           <a:graphicData uri="http://schemas.openxmlformats.org/presentationml/2006/ole">
             <mc:AlternateContent xmlns:mc="http://schemas.openxmlformats.org/markup-compatibility/2006">
               <mc:Choice xmlns:v="urn:schemas-microsoft-com:vml" Requires="v">
-                <p:oleObj spid="_x0000_s6253" name="公式" r:id="rId17" imgW="142799" imgH="209468" progId="Equation.3">
+                <p:oleObj spid="_x0000_s6323" name="公式" r:id="rId17" imgW="142799" imgH="209468" progId="Equation.3">
                   <p:embed/>
                 </p:oleObj>
               </mc:Choice>
@@ -15156,7 +13965,7 @@
           <a:graphicData uri="http://schemas.openxmlformats.org/presentationml/2006/ole">
             <mc:AlternateContent xmlns:mc="http://schemas.openxmlformats.org/markup-compatibility/2006">
               <mc:Choice xmlns:v="urn:schemas-microsoft-com:vml" Requires="v">
-                <p:oleObj spid="_x0000_s6254" name="Equation" r:id="rId19" imgW="142799" imgH="209468" progId="Equation.3">
+                <p:oleObj spid="_x0000_s6324" name="Equation" r:id="rId19" imgW="142799" imgH="209468" progId="Equation.3">
                   <p:embed/>
                 </p:oleObj>
               </mc:Choice>
@@ -15239,7 +14048,7 @@
           <a:graphicData uri="http://schemas.openxmlformats.org/presentationml/2006/ole">
             <mc:AlternateContent xmlns:mc="http://schemas.openxmlformats.org/markup-compatibility/2006">
               <mc:Choice xmlns:v="urn:schemas-microsoft-com:vml" Requires="v">
-                <p:oleObj spid="_x0000_s6255" name="Equation" r:id="rId21" imgW="142799" imgH="209468" progId="Equation.3">
+                <p:oleObj spid="_x0000_s6325" name="Equation" r:id="rId21" imgW="142799" imgH="209468" progId="Equation.3">
                   <p:embed/>
                 </p:oleObj>
               </mc:Choice>
@@ -15618,7 +14427,7 @@
 </p:sld>
 </file>
 
-<file path=ppt/slides/slide9.xml><?xml version="1.0" encoding="utf-8"?>
+<file path=ppt/slides/slide14.xml><?xml version="1.0" encoding="utf-8"?>
 <p:sld xmlns:a="http://schemas.openxmlformats.org/drawingml/2006/main" xmlns:r="http://schemas.openxmlformats.org/officeDocument/2006/relationships" xmlns:p="http://schemas.openxmlformats.org/presentationml/2006/main">
   <p:cSld>
     <p:spTree>
@@ -15788,7 +14597,7 @@
               <a:pPr>
                 <a:defRPr/>
               </a:pPr>
-              <a:t>9</a:t>
+              <a:t>14</a:t>
             </a:fld>
             <a:endParaRPr lang="en-US" altLang="zh-CN"/>
           </a:p>
@@ -15973,13 +14782,6 @@
               </a:rPr>
               <a:t>方向余弦矩陣/定義</a:t>
             </a:r>
-            <a:endParaRPr lang="zh-CN" altLang="en-US" sz="2000" b="0" smtClean="0">
-              <a:solidFill>
-                <a:schemeClr val="accent2"/>
-              </a:solidFill>
-              <a:latin typeface="宋体" pitchFamily="2" charset="-122"/>
-              <a:ea typeface="宋体" pitchFamily="2" charset="-122"/>
-            </a:endParaRPr>
           </a:p>
         </p:txBody>
       </p:sp>
@@ -16055,7 +14857,7 @@
           <a:graphicData uri="http://schemas.openxmlformats.org/presentationml/2006/ole">
             <mc:AlternateContent xmlns:mc="http://schemas.openxmlformats.org/markup-compatibility/2006">
               <mc:Choice xmlns:v="urn:schemas-microsoft-com:vml" Requires="v">
-                <p:oleObj spid="_x0000_s5293" name="公式" r:id="rId3" imgW="114151" imgH="215619" progId="Equation.3">
+                <p:oleObj spid="_x0000_s5356" name="公式" r:id="rId3" imgW="114151" imgH="215619" progId="Equation.3">
                   <p:embed/>
                 </p:oleObj>
               </mc:Choice>
@@ -16336,7 +15138,7 @@
             <a:graphicData uri="http://schemas.openxmlformats.org/presentationml/2006/ole">
               <mc:AlternateContent xmlns:mc="http://schemas.openxmlformats.org/markup-compatibility/2006">
                 <mc:Choice xmlns:v="urn:schemas-microsoft-com:vml" Requires="v">
-                  <p:oleObj spid="_x0000_s5294" name="方程式" r:id="rId5" imgW="1143000" imgH="291960" progId="Equation.3">
+                  <p:oleObj spid="_x0000_s5357" name="方程式" r:id="rId5" imgW="1143000" imgH="291960" progId="Equation.3">
                     <p:embed/>
                   </p:oleObj>
                 </mc:Choice>
@@ -16602,7 +15404,7 @@
             <a:graphicData uri="http://schemas.openxmlformats.org/presentationml/2006/ole">
               <mc:AlternateContent xmlns:mc="http://schemas.openxmlformats.org/markup-compatibility/2006">
                 <mc:Choice xmlns:v="urn:schemas-microsoft-com:vml" Requires="v">
-                  <p:oleObj spid="_x0000_s5295" name="方程式" r:id="rId7" imgW="1193760" imgH="291960" progId="Equation.3">
+                  <p:oleObj spid="_x0000_s5358" name="方程式" r:id="rId7" imgW="1193760" imgH="291960" progId="Equation.3">
                     <p:embed/>
                   </p:oleObj>
                 </mc:Choice>
@@ -16782,7 +15584,7 @@
             <a:graphicData uri="http://schemas.openxmlformats.org/presentationml/2006/ole">
               <mc:AlternateContent xmlns:mc="http://schemas.openxmlformats.org/markup-compatibility/2006">
                 <mc:Choice xmlns:v="urn:schemas-microsoft-com:vml" Requires="v">
-                  <p:oleObj spid="_x0000_s5296" name="Equation" r:id="rId9" imgW="152334" imgH="190417" progId="Equation.3">
+                  <p:oleObj spid="_x0000_s5359" name="Equation" r:id="rId9" imgW="152334" imgH="190417" progId="Equation.3">
                     <p:embed/>
                   </p:oleObj>
                 </mc:Choice>
@@ -16865,7 +15667,7 @@
             <a:graphicData uri="http://schemas.openxmlformats.org/presentationml/2006/ole">
               <mc:AlternateContent xmlns:mc="http://schemas.openxmlformats.org/markup-compatibility/2006">
                 <mc:Choice xmlns:v="urn:schemas-microsoft-com:vml" Requires="v">
-                  <p:oleObj spid="_x0000_s5297" name="Equation" r:id="rId11" imgW="164957" imgH="190335" progId="Equation.3">
+                  <p:oleObj spid="_x0000_s5360" name="Equation" r:id="rId11" imgW="164957" imgH="190335" progId="Equation.3">
                     <p:embed/>
                   </p:oleObj>
                 </mc:Choice>
@@ -16955,7 +15757,7 @@
           <a:graphicData uri="http://schemas.openxmlformats.org/presentationml/2006/ole">
             <mc:AlternateContent xmlns:mc="http://schemas.openxmlformats.org/markup-compatibility/2006">
               <mc:Choice xmlns:v="urn:schemas-microsoft-com:vml" Requires="v">
-                <p:oleObj spid="_x0000_s5298" name="公式" r:id="rId13" imgW="742877" imgH="180855" progId="Equation.3">
+                <p:oleObj spid="_x0000_s5361" name="公式" r:id="rId13" imgW="742877" imgH="180855" progId="Equation.3">
                   <p:embed/>
                 </p:oleObj>
               </mc:Choice>
@@ -17038,7 +15840,7 @@
           <a:graphicData uri="http://schemas.openxmlformats.org/presentationml/2006/ole">
             <mc:AlternateContent xmlns:mc="http://schemas.openxmlformats.org/markup-compatibility/2006">
               <mc:Choice xmlns:v="urn:schemas-microsoft-com:vml" Requires="v">
-                <p:oleObj spid="_x0000_s5299" name="公式" r:id="rId15" imgW="1244600" imgH="609600" progId="Equation.3">
+                <p:oleObj spid="_x0000_s5362" name="公式" r:id="rId15" imgW="1244600" imgH="609600" progId="Equation.3">
                   <p:embed/>
                 </p:oleObj>
               </mc:Choice>
@@ -17205,7 +16007,7 @@
           <a:graphicData uri="http://schemas.openxmlformats.org/presentationml/2006/ole">
             <mc:AlternateContent xmlns:mc="http://schemas.openxmlformats.org/markup-compatibility/2006">
               <mc:Choice xmlns:v="urn:schemas-microsoft-com:vml" Requires="v">
-                <p:oleObj spid="_x0000_s5300" name="方程式" r:id="rId17" imgW="1295280" imgH="736560" progId="Equation.3">
+                <p:oleObj spid="_x0000_s5363" name="方程式" r:id="rId17" imgW="1295280" imgH="736560" progId="Equation.3">
                   <p:embed/>
                 </p:oleObj>
               </mc:Choice>
@@ -17282,7 +16084,7 @@
           <a:graphicData uri="http://schemas.openxmlformats.org/presentationml/2006/ole">
             <mc:AlternateContent xmlns:mc="http://schemas.openxmlformats.org/markup-compatibility/2006">
               <mc:Choice xmlns:v="urn:schemas-microsoft-com:vml" Requires="v">
-                <p:oleObj spid="_x0000_s5301" name="公式" r:id="rId19" imgW="1447800" imgH="647700" progId="Equation.3">
+                <p:oleObj spid="_x0000_s5364" name="公式" r:id="rId19" imgW="1447800" imgH="647700" progId="Equation.3">
                   <p:embed/>
                 </p:oleObj>
               </mc:Choice>
@@ -17871,6 +16673,2212 @@
       <p:bldP spid="23" grpId="0" autoUpdateAnimBg="0"/>
       <p:bldP spid="26" grpId="0" animBg="1"/>
     </p:bldLst>
+  </p:timing>
+</p:sld>
+</file>
+
+<file path=ppt/slides/slide15.xml><?xml version="1.0" encoding="utf-8"?>
+<p:sld xmlns:a="http://schemas.openxmlformats.org/drawingml/2006/main" xmlns:r="http://schemas.openxmlformats.org/officeDocument/2006/relationships" xmlns:p="http://schemas.openxmlformats.org/presentationml/2006/main">
+  <p:cSld>
+    <p:spTree>
+      <p:nvGrpSpPr>
+        <p:cNvPr id="1" name=""/>
+        <p:cNvGrpSpPr/>
+        <p:nvPr/>
+      </p:nvGrpSpPr>
+      <p:grpSpPr>
+        <a:xfrm>
+          <a:off x="0" y="0"/>
+          <a:ext cx="0" cy="0"/>
+          <a:chOff x="0" y="0"/>
+          <a:chExt cx="0" cy="0"/>
+        </a:xfrm>
+      </p:grpSpPr>
+      <p:sp>
+        <p:nvSpPr>
+          <p:cNvPr id="2" name="標題 1"/>
+          <p:cNvSpPr>
+            <a:spLocks noGrp="1"/>
+          </p:cNvSpPr>
+          <p:nvPr>
+            <p:ph type="title"/>
+          </p:nvPr>
+        </p:nvSpPr>
+        <p:spPr/>
+        <p:txBody>
+          <a:bodyPr/>
+          <a:lstStyle/>
+          <a:p>
+            <a:r>
+              <a:rPr lang="en-US" altLang="zh-TW" dirty="0"/>
+              <a:t>properties</a:t>
+            </a:r>
+            <a:endParaRPr lang="zh-TW" altLang="en-US" dirty="0"/>
+          </a:p>
+        </p:txBody>
+      </p:sp>
+      <p:sp>
+        <p:nvSpPr>
+          <p:cNvPr id="3" name="內容版面配置區 2"/>
+          <p:cNvSpPr>
+            <a:spLocks noGrp="1"/>
+          </p:cNvSpPr>
+          <p:nvPr>
+            <p:ph idx="1"/>
+          </p:nvPr>
+        </p:nvSpPr>
+        <p:spPr/>
+        <p:txBody>
+          <a:bodyPr/>
+          <a:lstStyle/>
+          <a:p>
+            <a:endParaRPr lang="zh-TW" altLang="en-US" dirty="0"/>
+          </a:p>
+        </p:txBody>
+      </p:sp>
+      <p:graphicFrame>
+        <p:nvGraphicFramePr>
+          <p:cNvPr id="5" name="物件 4"/>
+          <p:cNvGraphicFramePr>
+            <a:graphicFrameLocks noChangeAspect="1"/>
+          </p:cNvGraphicFramePr>
+          <p:nvPr>
+            <p:extLst>
+              <p:ext uri="{D42A27DB-BD31-4B8C-83A1-F6EECF244321}">
+                <p14:modId xmlns:p14="http://schemas.microsoft.com/office/powerpoint/2010/main" val="2952421823"/>
+              </p:ext>
+            </p:extLst>
+          </p:nvPr>
+        </p:nvGraphicFramePr>
+        <p:xfrm>
+          <a:off x="419100" y="2455863"/>
+          <a:ext cx="2987675" cy="752475"/>
+        </p:xfrm>
+        <a:graphic>
+          <a:graphicData uri="http://schemas.openxmlformats.org/presentationml/2006/ole">
+            <mc:AlternateContent xmlns:mc="http://schemas.openxmlformats.org/markup-compatibility/2006">
+              <mc:Choice xmlns:v="urn:schemas-microsoft-com:vml" Requires="v">
+                <p:oleObj spid="_x0000_s4282" name="方程式" r:id="rId4" imgW="799920" imgH="203040" progId="Equation.3">
+                  <p:embed/>
+                </p:oleObj>
+              </mc:Choice>
+              <mc:Fallback>
+                <p:oleObj name="方程式" r:id="rId4" imgW="799920" imgH="203040" progId="Equation.3">
+                  <p:embed/>
+                  <p:pic>
+                    <p:nvPicPr>
+                      <p:cNvPr id="0" name="Object 20"/>
+                      <p:cNvPicPr>
+                        <a:picLocks noChangeAspect="1" noChangeArrowheads="1"/>
+                      </p:cNvPicPr>
+                      <p:nvPr/>
+                    </p:nvPicPr>
+                    <p:blipFill>
+                      <a:blip r:embed="rId5"/>
+                      <a:srcRect/>
+                      <a:stretch>
+                        <a:fillRect/>
+                      </a:stretch>
+                    </p:blipFill>
+                    <p:spPr bwMode="auto">
+                      <a:xfrm>
+                        <a:off x="419100" y="2455863"/>
+                        <a:ext cx="2987675" cy="752475"/>
+                      </a:xfrm>
+                      <a:prstGeom prst="rect">
+                        <a:avLst/>
+                      </a:prstGeom>
+                      <a:noFill/>
+                      <a:ln>
+                        <a:noFill/>
+                      </a:ln>
+                      <a:extLst>
+                        <a:ext uri="{909E8E84-426E-40DD-AFC4-6F175D3DCCD1}">
+                          <a14:hiddenFill xmlns:a14="http://schemas.microsoft.com/office/drawing/2010/main">
+                            <a:solidFill>
+                              <a:srgbClr val="FFFFFF"/>
+                            </a:solidFill>
+                          </a14:hiddenFill>
+                        </a:ext>
+                        <a:ext uri="{91240B29-F687-4F45-9708-019B960494DF}">
+                          <a14:hiddenLine xmlns:a14="http://schemas.microsoft.com/office/drawing/2010/main" w="9525">
+                            <a:solidFill>
+                              <a:srgbClr val="000000"/>
+                            </a:solidFill>
+                            <a:miter lim="800000"/>
+                            <a:headEnd/>
+                            <a:tailEnd/>
+                          </a14:hiddenLine>
+                        </a:ext>
+                      </a:extLst>
+                    </p:spPr>
+                  </p:pic>
+                </p:oleObj>
+              </mc:Fallback>
+            </mc:AlternateContent>
+          </a:graphicData>
+        </a:graphic>
+      </p:graphicFrame>
+      <p:grpSp>
+        <p:nvGrpSpPr>
+          <p:cNvPr id="6" name="Group 6"/>
+          <p:cNvGrpSpPr>
+            <a:grpSpLocks/>
+          </p:cNvGrpSpPr>
+          <p:nvPr/>
+        </p:nvGrpSpPr>
+        <p:grpSpPr bwMode="auto">
+          <a:xfrm>
+            <a:off x="3619500" y="1412776"/>
+            <a:ext cx="3886200" cy="4635500"/>
+            <a:chOff x="3120" y="1400"/>
+            <a:chExt cx="2448" cy="2920"/>
+          </a:xfrm>
+        </p:grpSpPr>
+        <p:graphicFrame>
+          <p:nvGraphicFramePr>
+            <p:cNvPr id="7" name="Object 7"/>
+            <p:cNvGraphicFramePr>
+              <a:graphicFrameLocks noChangeAspect="1"/>
+            </p:cNvGraphicFramePr>
+            <p:nvPr/>
+          </p:nvGraphicFramePr>
+          <p:xfrm>
+            <a:off x="3264" y="1448"/>
+            <a:ext cx="284" cy="377"/>
+          </p:xfrm>
+          <a:graphic>
+            <a:graphicData uri="http://schemas.openxmlformats.org/presentationml/2006/ole">
+              <mc:AlternateContent xmlns:mc="http://schemas.openxmlformats.org/markup-compatibility/2006">
+                <mc:Choice xmlns:v="urn:schemas-microsoft-com:vml" Requires="v">
+                  <p:oleObj spid="_x0000_s4283" name="公式" r:id="rId6" imgW="164880" imgH="215640" progId="Equation.3">
+                    <p:embed/>
+                  </p:oleObj>
+                </mc:Choice>
+                <mc:Fallback>
+                  <p:oleObj name="公式" r:id="rId6" imgW="164880" imgH="215640" progId="Equation.3">
+                    <p:embed/>
+                    <p:pic>
+                      <p:nvPicPr>
+                        <p:cNvPr id="0" name=""/>
+                        <p:cNvPicPr>
+                          <a:picLocks noChangeAspect="1" noChangeArrowheads="1"/>
+                        </p:cNvPicPr>
+                        <p:nvPr/>
+                      </p:nvPicPr>
+                      <p:blipFill>
+                        <a:blip r:embed="rId7">
+                          <a:extLst>
+                            <a:ext uri="{28A0092B-C50C-407E-A947-70E740481C1C}">
+                              <a14:useLocalDpi xmlns:a14="http://schemas.microsoft.com/office/drawing/2010/main" val="0"/>
+                            </a:ext>
+                          </a:extLst>
+                        </a:blip>
+                        <a:srcRect/>
+                        <a:stretch>
+                          <a:fillRect/>
+                        </a:stretch>
+                      </p:blipFill>
+                      <p:spPr bwMode="auto">
+                        <a:xfrm>
+                          <a:off x="3264" y="1448"/>
+                          <a:ext cx="284" cy="377"/>
+                        </a:xfrm>
+                        <a:prstGeom prst="rect">
+                          <a:avLst/>
+                        </a:prstGeom>
+                        <a:noFill/>
+                        <a:extLst>
+                          <a:ext uri="{909E8E84-426E-40DD-AFC4-6F175D3DCCD1}">
+                            <a14:hiddenFill xmlns:a14="http://schemas.microsoft.com/office/drawing/2010/main">
+                              <a:solidFill>
+                                <a:srgbClr val="FFFFFF"/>
+                              </a:solidFill>
+                            </a14:hiddenFill>
+                          </a:ext>
+                        </a:extLst>
+                      </p:spPr>
+                    </p:pic>
+                  </p:oleObj>
+                </mc:Fallback>
+              </mc:AlternateContent>
+            </a:graphicData>
+          </a:graphic>
+        </p:graphicFrame>
+        <p:graphicFrame>
+          <p:nvGraphicFramePr>
+            <p:cNvPr id="8" name="Object 8"/>
+            <p:cNvGraphicFramePr>
+              <a:graphicFrameLocks noChangeAspect="1"/>
+            </p:cNvGraphicFramePr>
+            <p:nvPr/>
+          </p:nvGraphicFramePr>
+          <p:xfrm>
+            <a:off x="5280" y="2216"/>
+            <a:ext cx="288" cy="376"/>
+          </p:xfrm>
+          <a:graphic>
+            <a:graphicData uri="http://schemas.openxmlformats.org/presentationml/2006/ole">
+              <mc:AlternateContent xmlns:mc="http://schemas.openxmlformats.org/markup-compatibility/2006">
+                <mc:Choice xmlns:v="urn:schemas-microsoft-com:vml" Requires="v">
+                  <p:oleObj spid="_x0000_s4284" name="Equation" r:id="rId8" imgW="164880" imgH="215640" progId="Equation.3">
+                    <p:embed/>
+                  </p:oleObj>
+                </mc:Choice>
+                <mc:Fallback>
+                  <p:oleObj name="Equation" r:id="rId8" imgW="164880" imgH="215640" progId="Equation.3">
+                    <p:embed/>
+                    <p:pic>
+                      <p:nvPicPr>
+                        <p:cNvPr id="0" name=""/>
+                        <p:cNvPicPr>
+                          <a:picLocks noChangeAspect="1" noChangeArrowheads="1"/>
+                        </p:cNvPicPr>
+                        <p:nvPr/>
+                      </p:nvPicPr>
+                      <p:blipFill>
+                        <a:blip r:embed="rId9">
+                          <a:extLst>
+                            <a:ext uri="{28A0092B-C50C-407E-A947-70E740481C1C}">
+                              <a14:useLocalDpi xmlns:a14="http://schemas.microsoft.com/office/drawing/2010/main" val="0"/>
+                            </a:ext>
+                          </a:extLst>
+                        </a:blip>
+                        <a:srcRect/>
+                        <a:stretch>
+                          <a:fillRect/>
+                        </a:stretch>
+                      </p:blipFill>
+                      <p:spPr bwMode="auto">
+                        <a:xfrm>
+                          <a:off x="5280" y="2216"/>
+                          <a:ext cx="288" cy="376"/>
+                        </a:xfrm>
+                        <a:prstGeom prst="rect">
+                          <a:avLst/>
+                        </a:prstGeom>
+                        <a:noFill/>
+                        <a:extLst>
+                          <a:ext uri="{909E8E84-426E-40DD-AFC4-6F175D3DCCD1}">
+                            <a14:hiddenFill xmlns:a14="http://schemas.microsoft.com/office/drawing/2010/main">
+                              <a:solidFill>
+                                <a:srgbClr val="FFFFFF"/>
+                              </a:solidFill>
+                            </a14:hiddenFill>
+                          </a:ext>
+                        </a:extLst>
+                      </p:spPr>
+                    </p:pic>
+                  </p:oleObj>
+                </mc:Fallback>
+              </mc:AlternateContent>
+            </a:graphicData>
+          </a:graphic>
+        </p:graphicFrame>
+        <p:graphicFrame>
+          <p:nvGraphicFramePr>
+            <p:cNvPr id="9" name="Object 9"/>
+            <p:cNvGraphicFramePr>
+              <a:graphicFrameLocks noChangeAspect="1"/>
+            </p:cNvGraphicFramePr>
+            <p:nvPr/>
+          </p:nvGraphicFramePr>
+          <p:xfrm>
+            <a:off x="3456" y="3944"/>
+            <a:ext cx="284" cy="376"/>
+          </p:xfrm>
+          <a:graphic>
+            <a:graphicData uri="http://schemas.openxmlformats.org/presentationml/2006/ole">
+              <mc:AlternateContent xmlns:mc="http://schemas.openxmlformats.org/markup-compatibility/2006">
+                <mc:Choice xmlns:v="urn:schemas-microsoft-com:vml" Requires="v">
+                  <p:oleObj spid="_x0000_s4285" name="Equation" r:id="rId10" imgW="164880" imgH="215640" progId="Equation.3">
+                    <p:embed/>
+                  </p:oleObj>
+                </mc:Choice>
+                <mc:Fallback>
+                  <p:oleObj name="Equation" r:id="rId10" imgW="164880" imgH="215640" progId="Equation.3">
+                    <p:embed/>
+                    <p:pic>
+                      <p:nvPicPr>
+                        <p:cNvPr id="0" name=""/>
+                        <p:cNvPicPr>
+                          <a:picLocks noChangeAspect="1" noChangeArrowheads="1"/>
+                        </p:cNvPicPr>
+                        <p:nvPr/>
+                      </p:nvPicPr>
+                      <p:blipFill>
+                        <a:blip r:embed="rId11">
+                          <a:extLst>
+                            <a:ext uri="{28A0092B-C50C-407E-A947-70E740481C1C}">
+                              <a14:useLocalDpi xmlns:a14="http://schemas.microsoft.com/office/drawing/2010/main" val="0"/>
+                            </a:ext>
+                          </a:extLst>
+                        </a:blip>
+                        <a:srcRect/>
+                        <a:stretch>
+                          <a:fillRect/>
+                        </a:stretch>
+                      </p:blipFill>
+                      <p:spPr bwMode="auto">
+                        <a:xfrm>
+                          <a:off x="3456" y="3944"/>
+                          <a:ext cx="284" cy="376"/>
+                        </a:xfrm>
+                        <a:prstGeom prst="rect">
+                          <a:avLst/>
+                        </a:prstGeom>
+                        <a:noFill/>
+                        <a:extLst>
+                          <a:ext uri="{909E8E84-426E-40DD-AFC4-6F175D3DCCD1}">
+                            <a14:hiddenFill xmlns:a14="http://schemas.microsoft.com/office/drawing/2010/main">
+                              <a:solidFill>
+                                <a:srgbClr val="FFFFFF"/>
+                              </a:solidFill>
+                            </a14:hiddenFill>
+                          </a:ext>
+                        </a:extLst>
+                      </p:spPr>
+                    </p:pic>
+                  </p:oleObj>
+                </mc:Fallback>
+              </mc:AlternateContent>
+            </a:graphicData>
+          </a:graphic>
+        </p:graphicFrame>
+        <p:sp>
+          <p:nvSpPr>
+            <p:cNvPr id="10" name="Line 10"/>
+            <p:cNvSpPr>
+              <a:spLocks noChangeShapeType="1"/>
+            </p:cNvSpPr>
+            <p:nvPr/>
+          </p:nvSpPr>
+          <p:spPr bwMode="auto">
+            <a:xfrm flipH="1" flipV="1">
+              <a:off x="3456" y="1880"/>
+              <a:ext cx="441" cy="1259"/>
+            </a:xfrm>
+            <a:prstGeom prst="line">
+              <a:avLst/>
+            </a:prstGeom>
+            <a:noFill/>
+            <a:ln w="38100">
+              <a:solidFill>
+                <a:schemeClr val="accent2"/>
+              </a:solidFill>
+              <a:round/>
+              <a:headEnd/>
+              <a:tailEnd type="stealth" w="sm" len="lg"/>
+            </a:ln>
+            <a:effectLst/>
+            <a:extLst>
+              <a:ext uri="{909E8E84-426E-40DD-AFC4-6F175D3DCCD1}">
+                <a14:hiddenFill xmlns:a14="http://schemas.microsoft.com/office/drawing/2010/main">
+                  <a:noFill/>
+                </a14:hiddenFill>
+              </a:ext>
+              <a:ext uri="{AF507438-7753-43E0-B8FC-AC1667EBCBE1}">
+                <a14:hiddenEffects xmlns:a14="http://schemas.microsoft.com/office/drawing/2010/main">
+                  <a:effectLst>
+                    <a:outerShdw dist="35921" dir="2700000" algn="ctr" rotWithShape="0">
+                      <a:srgbClr val="808080"/>
+                    </a:outerShdw>
+                  </a:effectLst>
+                </a14:hiddenEffects>
+              </a:ext>
+            </a:extLst>
+          </p:spPr>
+          <p:txBody>
+            <a:bodyPr tIns="0"/>
+            <a:lstStyle/>
+            <a:p>
+              <a:endParaRPr lang="zh-TW" altLang="en-US"/>
+            </a:p>
+          </p:txBody>
+        </p:sp>
+        <p:sp>
+          <p:nvSpPr>
+            <p:cNvPr id="11" name="Line 11"/>
+            <p:cNvSpPr>
+              <a:spLocks noChangeShapeType="1"/>
+            </p:cNvSpPr>
+            <p:nvPr/>
+          </p:nvSpPr>
+          <p:spPr bwMode="auto">
+            <a:xfrm flipH="1">
+              <a:off x="3504" y="3128"/>
+              <a:ext cx="384" cy="768"/>
+            </a:xfrm>
+            <a:prstGeom prst="line">
+              <a:avLst/>
+            </a:prstGeom>
+            <a:noFill/>
+            <a:ln w="38100">
+              <a:solidFill>
+                <a:schemeClr val="accent2"/>
+              </a:solidFill>
+              <a:round/>
+              <a:headEnd/>
+              <a:tailEnd type="stealth" w="sm" len="lg"/>
+            </a:ln>
+            <a:effectLst/>
+            <a:extLst>
+              <a:ext uri="{909E8E84-426E-40DD-AFC4-6F175D3DCCD1}">
+                <a14:hiddenFill xmlns:a14="http://schemas.microsoft.com/office/drawing/2010/main">
+                  <a:noFill/>
+                </a14:hiddenFill>
+              </a:ext>
+              <a:ext uri="{AF507438-7753-43E0-B8FC-AC1667EBCBE1}">
+                <a14:hiddenEffects xmlns:a14="http://schemas.microsoft.com/office/drawing/2010/main">
+                  <a:effectLst>
+                    <a:outerShdw dist="35921" dir="2700000" algn="ctr" rotWithShape="0">
+                      <a:srgbClr val="808080"/>
+                    </a:outerShdw>
+                  </a:effectLst>
+                </a14:hiddenEffects>
+              </a:ext>
+            </a:extLst>
+          </p:spPr>
+          <p:txBody>
+            <a:bodyPr tIns="0"/>
+            <a:lstStyle/>
+            <a:p>
+              <a:endParaRPr lang="zh-TW" altLang="en-US"/>
+            </a:p>
+          </p:txBody>
+        </p:sp>
+        <p:sp>
+          <p:nvSpPr>
+            <p:cNvPr id="12" name="Line 12"/>
+            <p:cNvSpPr>
+              <a:spLocks noChangeShapeType="1"/>
+            </p:cNvSpPr>
+            <p:nvPr/>
+          </p:nvSpPr>
+          <p:spPr bwMode="auto">
+            <a:xfrm flipV="1">
+              <a:off x="3888" y="2696"/>
+              <a:ext cx="1440" cy="443"/>
+            </a:xfrm>
+            <a:prstGeom prst="line">
+              <a:avLst/>
+            </a:prstGeom>
+            <a:noFill/>
+            <a:ln w="38100">
+              <a:solidFill>
+                <a:schemeClr val="accent2"/>
+              </a:solidFill>
+              <a:round/>
+              <a:headEnd/>
+              <a:tailEnd type="stealth" w="sm" len="lg"/>
+            </a:ln>
+            <a:effectLst/>
+            <a:extLst>
+              <a:ext uri="{909E8E84-426E-40DD-AFC4-6F175D3DCCD1}">
+                <a14:hiddenFill xmlns:a14="http://schemas.microsoft.com/office/drawing/2010/main">
+                  <a:noFill/>
+                </a14:hiddenFill>
+              </a:ext>
+              <a:ext uri="{AF507438-7753-43E0-B8FC-AC1667EBCBE1}">
+                <a14:hiddenEffects xmlns:a14="http://schemas.microsoft.com/office/drawing/2010/main">
+                  <a:effectLst>
+                    <a:outerShdw dist="35921" dir="2700000" algn="ctr" rotWithShape="0">
+                      <a:srgbClr val="808080"/>
+                    </a:outerShdw>
+                  </a:effectLst>
+                </a14:hiddenEffects>
+              </a:ext>
+            </a:extLst>
+          </p:spPr>
+          <p:txBody>
+            <a:bodyPr tIns="0"/>
+            <a:lstStyle/>
+            <a:p>
+              <a:endParaRPr lang="zh-TW" altLang="en-US"/>
+            </a:p>
+          </p:txBody>
+        </p:sp>
+        <p:sp>
+          <p:nvSpPr>
+            <p:cNvPr id="13" name="Line 13"/>
+            <p:cNvSpPr>
+              <a:spLocks noChangeShapeType="1"/>
+            </p:cNvSpPr>
+            <p:nvPr/>
+          </p:nvSpPr>
+          <p:spPr bwMode="auto">
+            <a:xfrm flipV="1">
+              <a:off x="3888" y="1784"/>
+              <a:ext cx="0" cy="1355"/>
+            </a:xfrm>
+            <a:prstGeom prst="line">
+              <a:avLst/>
+            </a:prstGeom>
+            <a:noFill/>
+            <a:ln w="38100">
+              <a:solidFill>
+                <a:srgbClr val="800080"/>
+              </a:solidFill>
+              <a:round/>
+              <a:headEnd/>
+              <a:tailEnd type="stealth" w="sm" len="lg"/>
+            </a:ln>
+            <a:effectLst/>
+            <a:extLst>
+              <a:ext uri="{909E8E84-426E-40DD-AFC4-6F175D3DCCD1}">
+                <a14:hiddenFill xmlns:a14="http://schemas.microsoft.com/office/drawing/2010/main">
+                  <a:noFill/>
+                </a14:hiddenFill>
+              </a:ext>
+              <a:ext uri="{AF507438-7753-43E0-B8FC-AC1667EBCBE1}">
+                <a14:hiddenEffects xmlns:a14="http://schemas.microsoft.com/office/drawing/2010/main">
+                  <a:effectLst>
+                    <a:outerShdw dist="35921" dir="2700000" algn="ctr" rotWithShape="0">
+                      <a:srgbClr val="808080"/>
+                    </a:outerShdw>
+                  </a:effectLst>
+                </a14:hiddenEffects>
+              </a:ext>
+            </a:extLst>
+          </p:spPr>
+          <p:txBody>
+            <a:bodyPr tIns="0"/>
+            <a:lstStyle/>
+            <a:p>
+              <a:endParaRPr lang="zh-TW" altLang="en-US"/>
+            </a:p>
+          </p:txBody>
+        </p:sp>
+        <p:sp>
+          <p:nvSpPr>
+            <p:cNvPr id="14" name="Line 14"/>
+            <p:cNvSpPr>
+              <a:spLocks noChangeShapeType="1"/>
+            </p:cNvSpPr>
+            <p:nvPr/>
+          </p:nvSpPr>
+          <p:spPr bwMode="auto">
+            <a:xfrm flipH="1">
+              <a:off x="3360" y="3128"/>
+              <a:ext cx="537" cy="528"/>
+            </a:xfrm>
+            <a:prstGeom prst="line">
+              <a:avLst/>
+            </a:prstGeom>
+            <a:noFill/>
+            <a:ln w="38100">
+              <a:solidFill>
+                <a:srgbClr val="800080"/>
+              </a:solidFill>
+              <a:round/>
+              <a:headEnd/>
+              <a:tailEnd type="stealth" w="sm" len="lg"/>
+            </a:ln>
+            <a:effectLst/>
+            <a:extLst>
+              <a:ext uri="{909E8E84-426E-40DD-AFC4-6F175D3DCCD1}">
+                <a14:hiddenFill xmlns:a14="http://schemas.microsoft.com/office/drawing/2010/main">
+                  <a:noFill/>
+                </a14:hiddenFill>
+              </a:ext>
+              <a:ext uri="{AF507438-7753-43E0-B8FC-AC1667EBCBE1}">
+                <a14:hiddenEffects xmlns:a14="http://schemas.microsoft.com/office/drawing/2010/main">
+                  <a:effectLst>
+                    <a:outerShdw dist="35921" dir="2700000" algn="ctr" rotWithShape="0">
+                      <a:srgbClr val="808080"/>
+                    </a:outerShdw>
+                  </a:effectLst>
+                </a14:hiddenEffects>
+              </a:ext>
+            </a:extLst>
+          </p:spPr>
+          <p:txBody>
+            <a:bodyPr tIns="0"/>
+            <a:lstStyle/>
+            <a:p>
+              <a:endParaRPr lang="zh-TW" altLang="en-US"/>
+            </a:p>
+          </p:txBody>
+        </p:sp>
+        <p:sp>
+          <p:nvSpPr>
+            <p:cNvPr id="15" name="Line 15"/>
+            <p:cNvSpPr>
+              <a:spLocks noChangeShapeType="1"/>
+            </p:cNvSpPr>
+            <p:nvPr/>
+          </p:nvSpPr>
+          <p:spPr bwMode="auto">
+            <a:xfrm>
+              <a:off x="3888" y="3128"/>
+              <a:ext cx="1392" cy="0"/>
+            </a:xfrm>
+            <a:prstGeom prst="line">
+              <a:avLst/>
+            </a:prstGeom>
+            <a:noFill/>
+            <a:ln w="38100">
+              <a:solidFill>
+                <a:srgbClr val="800080"/>
+              </a:solidFill>
+              <a:round/>
+              <a:headEnd/>
+              <a:tailEnd type="stealth" w="sm" len="lg"/>
+            </a:ln>
+            <a:effectLst/>
+            <a:extLst>
+              <a:ext uri="{909E8E84-426E-40DD-AFC4-6F175D3DCCD1}">
+                <a14:hiddenFill xmlns:a14="http://schemas.microsoft.com/office/drawing/2010/main">
+                  <a:noFill/>
+                </a14:hiddenFill>
+              </a:ext>
+              <a:ext uri="{AF507438-7753-43E0-B8FC-AC1667EBCBE1}">
+                <a14:hiddenEffects xmlns:a14="http://schemas.microsoft.com/office/drawing/2010/main">
+                  <a:effectLst>
+                    <a:outerShdw dist="35921" dir="2700000" algn="ctr" rotWithShape="0">
+                      <a:srgbClr val="808080"/>
+                    </a:outerShdw>
+                  </a:effectLst>
+                </a14:hiddenEffects>
+              </a:ext>
+            </a:extLst>
+          </p:spPr>
+          <p:txBody>
+            <a:bodyPr tIns="0"/>
+            <a:lstStyle/>
+            <a:p>
+              <a:endParaRPr lang="zh-TW" altLang="en-US"/>
+            </a:p>
+          </p:txBody>
+        </p:sp>
+        <p:graphicFrame>
+          <p:nvGraphicFramePr>
+            <p:cNvPr id="16" name="Object 16"/>
+            <p:cNvGraphicFramePr>
+              <a:graphicFrameLocks noChangeAspect="1"/>
+            </p:cNvGraphicFramePr>
+            <p:nvPr/>
+          </p:nvGraphicFramePr>
+          <p:xfrm>
+            <a:off x="3744" y="1400"/>
+            <a:ext cx="262" cy="377"/>
+          </p:xfrm>
+          <a:graphic>
+            <a:graphicData uri="http://schemas.openxmlformats.org/presentationml/2006/ole">
+              <mc:AlternateContent xmlns:mc="http://schemas.openxmlformats.org/markup-compatibility/2006">
+                <mc:Choice xmlns:v="urn:schemas-microsoft-com:vml" Requires="v">
+                  <p:oleObj spid="_x0000_s4286" name="公式" r:id="rId12" imgW="152280" imgH="215640" progId="Equation.3">
+                    <p:embed/>
+                  </p:oleObj>
+                </mc:Choice>
+                <mc:Fallback>
+                  <p:oleObj name="公式" r:id="rId12" imgW="152280" imgH="215640" progId="Equation.3">
+                    <p:embed/>
+                    <p:pic>
+                      <p:nvPicPr>
+                        <p:cNvPr id="0" name=""/>
+                        <p:cNvPicPr>
+                          <a:picLocks noChangeAspect="1" noChangeArrowheads="1"/>
+                        </p:cNvPicPr>
+                        <p:nvPr/>
+                      </p:nvPicPr>
+                      <p:blipFill>
+                        <a:blip r:embed="rId13">
+                          <a:extLst>
+                            <a:ext uri="{28A0092B-C50C-407E-A947-70E740481C1C}">
+                              <a14:useLocalDpi xmlns:a14="http://schemas.microsoft.com/office/drawing/2010/main" val="0"/>
+                            </a:ext>
+                          </a:extLst>
+                        </a:blip>
+                        <a:srcRect/>
+                        <a:stretch>
+                          <a:fillRect/>
+                        </a:stretch>
+                      </p:blipFill>
+                      <p:spPr bwMode="auto">
+                        <a:xfrm>
+                          <a:off x="3744" y="1400"/>
+                          <a:ext cx="262" cy="377"/>
+                        </a:xfrm>
+                        <a:prstGeom prst="rect">
+                          <a:avLst/>
+                        </a:prstGeom>
+                        <a:noFill/>
+                        <a:extLst>
+                          <a:ext uri="{909E8E84-426E-40DD-AFC4-6F175D3DCCD1}">
+                            <a14:hiddenFill xmlns:a14="http://schemas.microsoft.com/office/drawing/2010/main">
+                              <a:solidFill>
+                                <a:srgbClr val="FFFFFF"/>
+                              </a:solidFill>
+                            </a14:hiddenFill>
+                          </a:ext>
+                        </a:extLst>
+                      </p:spPr>
+                    </p:pic>
+                  </p:oleObj>
+                </mc:Fallback>
+              </mc:AlternateContent>
+            </a:graphicData>
+          </a:graphic>
+        </p:graphicFrame>
+        <p:graphicFrame>
+          <p:nvGraphicFramePr>
+            <p:cNvPr id="17" name="Object 17"/>
+            <p:cNvGraphicFramePr>
+              <a:graphicFrameLocks noChangeAspect="1"/>
+            </p:cNvGraphicFramePr>
+            <p:nvPr/>
+          </p:nvGraphicFramePr>
+          <p:xfrm>
+            <a:off x="5303" y="2936"/>
+            <a:ext cx="265" cy="376"/>
+          </p:xfrm>
+          <a:graphic>
+            <a:graphicData uri="http://schemas.openxmlformats.org/presentationml/2006/ole">
+              <mc:AlternateContent xmlns:mc="http://schemas.openxmlformats.org/markup-compatibility/2006">
+                <mc:Choice xmlns:v="urn:schemas-microsoft-com:vml" Requires="v">
+                  <p:oleObj spid="_x0000_s4287" name="Equation" r:id="rId14" imgW="152280" imgH="215640" progId="Equation.3">
+                    <p:embed/>
+                  </p:oleObj>
+                </mc:Choice>
+                <mc:Fallback>
+                  <p:oleObj name="Equation" r:id="rId14" imgW="152280" imgH="215640" progId="Equation.3">
+                    <p:embed/>
+                    <p:pic>
+                      <p:nvPicPr>
+                        <p:cNvPr id="0" name=""/>
+                        <p:cNvPicPr>
+                          <a:picLocks noChangeAspect="1" noChangeArrowheads="1"/>
+                        </p:cNvPicPr>
+                        <p:nvPr/>
+                      </p:nvPicPr>
+                      <p:blipFill>
+                        <a:blip r:embed="rId15">
+                          <a:extLst>
+                            <a:ext uri="{28A0092B-C50C-407E-A947-70E740481C1C}">
+                              <a14:useLocalDpi xmlns:a14="http://schemas.microsoft.com/office/drawing/2010/main" val="0"/>
+                            </a:ext>
+                          </a:extLst>
+                        </a:blip>
+                        <a:srcRect/>
+                        <a:stretch>
+                          <a:fillRect/>
+                        </a:stretch>
+                      </p:blipFill>
+                      <p:spPr bwMode="auto">
+                        <a:xfrm>
+                          <a:off x="5303" y="2936"/>
+                          <a:ext cx="265" cy="376"/>
+                        </a:xfrm>
+                        <a:prstGeom prst="rect">
+                          <a:avLst/>
+                        </a:prstGeom>
+                        <a:noFill/>
+                        <a:extLst>
+                          <a:ext uri="{909E8E84-426E-40DD-AFC4-6F175D3DCCD1}">
+                            <a14:hiddenFill xmlns:a14="http://schemas.microsoft.com/office/drawing/2010/main">
+                              <a:solidFill>
+                                <a:srgbClr val="FFFFFF"/>
+                              </a:solidFill>
+                            </a14:hiddenFill>
+                          </a:ext>
+                        </a:extLst>
+                      </p:spPr>
+                    </p:pic>
+                  </p:oleObj>
+                </mc:Fallback>
+              </mc:AlternateContent>
+            </a:graphicData>
+          </a:graphic>
+        </p:graphicFrame>
+        <p:graphicFrame>
+          <p:nvGraphicFramePr>
+            <p:cNvPr id="18" name="Object 18"/>
+            <p:cNvGraphicFramePr>
+              <a:graphicFrameLocks noChangeAspect="1"/>
+            </p:cNvGraphicFramePr>
+            <p:nvPr/>
+          </p:nvGraphicFramePr>
+          <p:xfrm>
+            <a:off x="3120" y="3608"/>
+            <a:ext cx="262" cy="376"/>
+          </p:xfrm>
+          <a:graphic>
+            <a:graphicData uri="http://schemas.openxmlformats.org/presentationml/2006/ole">
+              <mc:AlternateContent xmlns:mc="http://schemas.openxmlformats.org/markup-compatibility/2006">
+                <mc:Choice xmlns:v="urn:schemas-microsoft-com:vml" Requires="v">
+                  <p:oleObj spid="_x0000_s4288" name="Equation" r:id="rId16" imgW="152280" imgH="215640" progId="Equation.3">
+                    <p:embed/>
+                  </p:oleObj>
+                </mc:Choice>
+                <mc:Fallback>
+                  <p:oleObj name="Equation" r:id="rId16" imgW="152280" imgH="215640" progId="Equation.3">
+                    <p:embed/>
+                    <p:pic>
+                      <p:nvPicPr>
+                        <p:cNvPr id="0" name=""/>
+                        <p:cNvPicPr>
+                          <a:picLocks noChangeAspect="1" noChangeArrowheads="1"/>
+                        </p:cNvPicPr>
+                        <p:nvPr/>
+                      </p:nvPicPr>
+                      <p:blipFill>
+                        <a:blip r:embed="rId17">
+                          <a:extLst>
+                            <a:ext uri="{28A0092B-C50C-407E-A947-70E740481C1C}">
+                              <a14:useLocalDpi xmlns:a14="http://schemas.microsoft.com/office/drawing/2010/main" val="0"/>
+                            </a:ext>
+                          </a:extLst>
+                        </a:blip>
+                        <a:srcRect/>
+                        <a:stretch>
+                          <a:fillRect/>
+                        </a:stretch>
+                      </p:blipFill>
+                      <p:spPr bwMode="auto">
+                        <a:xfrm>
+                          <a:off x="3120" y="3608"/>
+                          <a:ext cx="262" cy="376"/>
+                        </a:xfrm>
+                        <a:prstGeom prst="rect">
+                          <a:avLst/>
+                        </a:prstGeom>
+                        <a:noFill/>
+                        <a:extLst>
+                          <a:ext uri="{909E8E84-426E-40DD-AFC4-6F175D3DCCD1}">
+                            <a14:hiddenFill xmlns:a14="http://schemas.microsoft.com/office/drawing/2010/main">
+                              <a:solidFill>
+                                <a:srgbClr val="FFFFFF"/>
+                              </a:solidFill>
+                            </a14:hiddenFill>
+                          </a:ext>
+                        </a:extLst>
+                      </p:spPr>
+                    </p:pic>
+                  </p:oleObj>
+                </mc:Fallback>
+              </mc:AlternateContent>
+            </a:graphicData>
+          </a:graphic>
+        </p:graphicFrame>
+      </p:grpSp>
+    </p:spTree>
+    <p:extLst>
+      <p:ext uri="{BB962C8B-B14F-4D97-AF65-F5344CB8AC3E}">
+        <p14:creationId xmlns:p14="http://schemas.microsoft.com/office/powerpoint/2010/main" val="1924288773"/>
+      </p:ext>
+    </p:extLst>
+  </p:cSld>
+  <p:clrMapOvr>
+    <a:masterClrMapping/>
+  </p:clrMapOvr>
+  <p:timing>
+    <p:tnLst>
+      <p:par>
+        <p:cTn id="1" dur="indefinite" restart="never" nodeType="tmRoot">
+          <p:childTnLst>
+            <p:seq concurrent="1" nextAc="seek">
+              <p:cTn id="2" dur="indefinite" nodeType="mainSeq">
+                <p:childTnLst>
+                  <p:par>
+                    <p:cTn id="3" fill="hold">
+                      <p:stCondLst>
+                        <p:cond delay="indefinite"/>
+                      </p:stCondLst>
+                      <p:childTnLst>
+                        <p:par>
+                          <p:cTn id="4" fill="hold">
+                            <p:stCondLst>
+                              <p:cond delay="0"/>
+                            </p:stCondLst>
+                            <p:childTnLst>
+                              <p:par>
+                                <p:cTn id="5" presetID="3" presetClass="entr" presetSubtype="10" fill="hold" nodeType="clickEffect">
+                                  <p:stCondLst>
+                                    <p:cond delay="0"/>
+                                  </p:stCondLst>
+                                  <p:childTnLst>
+                                    <p:set>
+                                      <p:cBhvr>
+                                        <p:cTn id="6" dur="1" fill="hold">
+                                          <p:stCondLst>
+                                            <p:cond delay="0"/>
+                                          </p:stCondLst>
+                                        </p:cTn>
+                                        <p:tgtEl>
+                                          <p:spTgt spid="5"/>
+                                        </p:tgtEl>
+                                        <p:attrNameLst>
+                                          <p:attrName>style.visibility</p:attrName>
+                                        </p:attrNameLst>
+                                      </p:cBhvr>
+                                      <p:to>
+                                        <p:strVal val="visible"/>
+                                      </p:to>
+                                    </p:set>
+                                    <p:animEffect transition="in" filter="blinds(horizontal)">
+                                      <p:cBhvr>
+                                        <p:cTn id="7" dur="500"/>
+                                        <p:tgtEl>
+                                          <p:spTgt spid="5"/>
+                                        </p:tgtEl>
+                                      </p:cBhvr>
+                                    </p:animEffect>
+                                  </p:childTnLst>
+                                </p:cTn>
+                              </p:par>
+                            </p:childTnLst>
+                          </p:cTn>
+                        </p:par>
+                      </p:childTnLst>
+                    </p:cTn>
+                  </p:par>
+                </p:childTnLst>
+              </p:cTn>
+              <p:prevCondLst>
+                <p:cond evt="onPrev" delay="0">
+                  <p:tgtEl>
+                    <p:sldTgt/>
+                  </p:tgtEl>
+                </p:cond>
+              </p:prevCondLst>
+              <p:nextCondLst>
+                <p:cond evt="onNext" delay="0">
+                  <p:tgtEl>
+                    <p:sldTgt/>
+                  </p:tgtEl>
+                </p:cond>
+              </p:nextCondLst>
+            </p:seq>
+          </p:childTnLst>
+        </p:cTn>
+      </p:par>
+    </p:tnLst>
+  </p:timing>
+</p:sld>
+</file>
+
+<file path=ppt/slides/slide16.xml><?xml version="1.0" encoding="utf-8"?>
+<p:sld xmlns:a="http://schemas.openxmlformats.org/drawingml/2006/main" xmlns:r="http://schemas.openxmlformats.org/officeDocument/2006/relationships" xmlns:p="http://schemas.openxmlformats.org/presentationml/2006/main">
+  <p:cSld>
+    <p:spTree>
+      <p:nvGrpSpPr>
+        <p:cNvPr id="1" name=""/>
+        <p:cNvGrpSpPr/>
+        <p:nvPr/>
+      </p:nvGrpSpPr>
+      <p:grpSpPr>
+        <a:xfrm>
+          <a:off x="0" y="0"/>
+          <a:ext cx="0" cy="0"/>
+          <a:chOff x="0" y="0"/>
+          <a:chExt cx="0" cy="0"/>
+        </a:xfrm>
+      </p:grpSpPr>
+      <p:sp>
+        <p:nvSpPr>
+          <p:cNvPr id="2" name="標題 1"/>
+          <p:cNvSpPr>
+            <a:spLocks noGrp="1"/>
+          </p:cNvSpPr>
+          <p:nvPr>
+            <p:ph type="title"/>
+          </p:nvPr>
+        </p:nvSpPr>
+        <p:spPr/>
+        <p:txBody>
+          <a:bodyPr/>
+          <a:lstStyle/>
+          <a:p>
+            <a:r>
+              <a:rPr lang="en-US" altLang="zh-TW" dirty="0"/>
+              <a:t>Reference</a:t>
+            </a:r>
+            <a:endParaRPr lang="zh-TW" altLang="en-US" dirty="0"/>
+          </a:p>
+        </p:txBody>
+      </p:sp>
+      <p:sp>
+        <p:nvSpPr>
+          <p:cNvPr id="3" name="內容版面配置區 2"/>
+          <p:cNvSpPr>
+            <a:spLocks noGrp="1"/>
+          </p:cNvSpPr>
+          <p:nvPr>
+            <p:ph idx="1"/>
+          </p:nvPr>
+        </p:nvSpPr>
+        <p:spPr/>
+        <p:txBody>
+          <a:bodyPr/>
+          <a:lstStyle/>
+          <a:p>
+            <a:r>
+              <a:rPr lang="zh-TW" altLang="en-US" dirty="0" smtClean="0"/>
+              <a:t> </a:t>
+            </a:r>
+            <a:r>
+              <a:rPr lang="en-US" altLang="zh-TW" dirty="0">
+                <a:hlinkClick r:id="rId3"/>
+              </a:rPr>
+              <a:t>https://</a:t>
+            </a:r>
+            <a:r>
+              <a:rPr lang="en-US" altLang="zh-TW" dirty="0" smtClean="0">
+                <a:hlinkClick r:id="rId3"/>
+              </a:rPr>
+              <a:t>github.com/ptrbrtz/razor-9dof-ahrs/wiki/Tutorial</a:t>
+            </a:r>
+            <a:endParaRPr lang="en-US" altLang="zh-TW" dirty="0" smtClean="0"/>
+          </a:p>
+          <a:p>
+            <a:r>
+              <a:rPr lang="en-US" altLang="zh-TW" dirty="0" smtClean="0">
+                <a:hlinkClick r:id="rId4"/>
+              </a:rPr>
+              <a:t>http</a:t>
+            </a:r>
+            <a:r>
+              <a:rPr lang="en-US" altLang="zh-TW" dirty="0">
+                <a:hlinkClick r:id="rId4"/>
+              </a:rPr>
+              <a:t>://</a:t>
+            </a:r>
+            <a:r>
+              <a:rPr lang="en-US" altLang="zh-TW" dirty="0" smtClean="0">
+                <a:hlinkClick r:id="rId4"/>
+              </a:rPr>
+              <a:t>www.cnblogs.com/dreamfactory/p/3424953.html</a:t>
+            </a:r>
+            <a:endParaRPr lang="en-US" altLang="zh-TW" dirty="0" smtClean="0"/>
+          </a:p>
+          <a:p>
+            <a:r>
+              <a:rPr lang="en-US" altLang="zh-TW" dirty="0">
+                <a:hlinkClick r:id="rId5"/>
+              </a:rPr>
+              <a:t>http://</a:t>
+            </a:r>
+            <a:r>
+              <a:rPr lang="en-US" altLang="zh-TW" dirty="0" smtClean="0">
+                <a:hlinkClick r:id="rId5"/>
+              </a:rPr>
+              <a:t>www.starlino.com/dcm_tutorial.html</a:t>
+            </a:r>
+            <a:endParaRPr lang="en-US" altLang="zh-TW" dirty="0" smtClean="0"/>
+          </a:p>
+          <a:p>
+            <a:r>
+              <a:rPr lang="en-US" altLang="zh-TW" dirty="0">
+                <a:hlinkClick r:id="rId6"/>
+              </a:rPr>
+              <a:t>https://</a:t>
+            </a:r>
+            <a:r>
+              <a:rPr lang="en-US" altLang="zh-TW" dirty="0" smtClean="0">
+                <a:hlinkClick r:id="rId6"/>
+              </a:rPr>
+              <a:t>gentlenav.googlecode.com/files/</a:t>
+            </a:r>
+            <a:r>
+              <a:rPr lang="en-US" altLang="zh-TW" b="1" dirty="0" smtClean="0">
+                <a:hlinkClick r:id="rId6"/>
+              </a:rPr>
+              <a:t>DCMDraft2</a:t>
+            </a:r>
+            <a:r>
+              <a:rPr lang="en-US" altLang="zh-TW" dirty="0" smtClean="0">
+                <a:hlinkClick r:id="rId6"/>
+              </a:rPr>
+              <a:t>.pdf</a:t>
+            </a:r>
+            <a:endParaRPr lang="en-US" altLang="zh-TW" dirty="0" smtClean="0"/>
+          </a:p>
+          <a:p>
+            <a:endParaRPr lang="zh-TW" altLang="en-US" dirty="0"/>
+          </a:p>
+        </p:txBody>
+      </p:sp>
+    </p:spTree>
+    <p:extLst>
+      <p:ext uri="{BB962C8B-B14F-4D97-AF65-F5344CB8AC3E}">
+        <p14:creationId xmlns:p14="http://schemas.microsoft.com/office/powerpoint/2010/main" val="2508799737"/>
+      </p:ext>
+    </p:extLst>
+  </p:cSld>
+  <p:clrMapOvr>
+    <a:masterClrMapping/>
+  </p:clrMapOvr>
+  <p:timing>
+    <p:tnLst>
+      <p:par>
+        <p:cTn id="1" dur="indefinite" restart="never" nodeType="tmRoot"/>
+      </p:par>
+    </p:tnLst>
+  </p:timing>
+</p:sld>
+</file>
+
+<file path=ppt/slides/slide2.xml><?xml version="1.0" encoding="utf-8"?>
+<p:sld xmlns:a="http://schemas.openxmlformats.org/drawingml/2006/main" xmlns:r="http://schemas.openxmlformats.org/officeDocument/2006/relationships" xmlns:p="http://schemas.openxmlformats.org/presentationml/2006/main">
+  <p:cSld>
+    <p:spTree>
+      <p:nvGrpSpPr>
+        <p:cNvPr id="1" name=""/>
+        <p:cNvGrpSpPr/>
+        <p:nvPr/>
+      </p:nvGrpSpPr>
+      <p:grpSpPr>
+        <a:xfrm>
+          <a:off x="0" y="0"/>
+          <a:ext cx="0" cy="0"/>
+          <a:chOff x="0" y="0"/>
+          <a:chExt cx="0" cy="0"/>
+        </a:xfrm>
+      </p:grpSpPr>
+      <p:sp>
+        <p:nvSpPr>
+          <p:cNvPr id="2" name="標題 1"/>
+          <p:cNvSpPr>
+            <a:spLocks noGrp="1"/>
+          </p:cNvSpPr>
+          <p:nvPr>
+            <p:ph type="title"/>
+          </p:nvPr>
+        </p:nvSpPr>
+        <p:spPr/>
+        <p:txBody>
+          <a:bodyPr/>
+          <a:lstStyle/>
+          <a:p>
+            <a:endParaRPr lang="zh-TW" altLang="en-US" dirty="0"/>
+          </a:p>
+        </p:txBody>
+      </p:sp>
+      <p:sp>
+        <p:nvSpPr>
+          <p:cNvPr id="3" name="內容版面配置區 2"/>
+          <p:cNvSpPr>
+            <a:spLocks noGrp="1"/>
+          </p:cNvSpPr>
+          <p:nvPr>
+            <p:ph idx="1"/>
+          </p:nvPr>
+        </p:nvSpPr>
+        <p:spPr>
+          <a:xfrm>
+            <a:off x="179388" y="1196975"/>
+            <a:ext cx="8640762" cy="5472385"/>
+          </a:xfrm>
+        </p:spPr>
+        <p:txBody>
+          <a:bodyPr/>
+          <a:lstStyle/>
+          <a:p>
+            <a:r>
+              <a:rPr lang="en-US" altLang="zh-TW" dirty="0" smtClean="0">
+                <a:latin typeface="Times New Roman" panose="02020603050405020304" pitchFamily="18" charset="0"/>
+                <a:cs typeface="Times New Roman" panose="02020603050405020304" pitchFamily="18" charset="0"/>
+              </a:rPr>
+              <a:t>Ⅰ. Introduction</a:t>
+            </a:r>
+          </a:p>
+          <a:p>
+            <a:endParaRPr lang="en-US" altLang="zh-TW" dirty="0" smtClean="0">
+              <a:cs typeface="Times New Roman" panose="02020603050405020304" pitchFamily="18" charset="0"/>
+            </a:endParaRPr>
+          </a:p>
+          <a:p>
+            <a:endParaRPr lang="en-US" altLang="zh-TW" dirty="0" smtClean="0"/>
+          </a:p>
+          <a:p>
+            <a:endParaRPr lang="en-US" altLang="zh-TW" dirty="0" smtClean="0"/>
+          </a:p>
+          <a:p>
+            <a:pPr lvl="1"/>
+            <a:endParaRPr lang="en-US" altLang="zh-TW" dirty="0"/>
+          </a:p>
+          <a:p>
+            <a:pPr lvl="2">
+              <a:buFont typeface="Wingdings" panose="05000000000000000000" pitchFamily="2" charset="2"/>
+              <a:buChar char="u"/>
+            </a:pPr>
+            <a:endParaRPr lang="en-US" altLang="zh-TW" dirty="0" smtClean="0"/>
+          </a:p>
+          <a:p>
+            <a:pPr lvl="1"/>
+            <a:endParaRPr lang="en-US" altLang="zh-TW" dirty="0" smtClean="0"/>
+          </a:p>
+          <a:p>
+            <a:pPr lvl="2">
+              <a:buFont typeface="Wingdings" panose="05000000000000000000" pitchFamily="2" charset="2"/>
+              <a:buChar char="u"/>
+            </a:pPr>
+            <a:endParaRPr lang="en-US" altLang="zh-TW" dirty="0"/>
+          </a:p>
+          <a:p>
+            <a:endParaRPr lang="en-US" altLang="zh-TW" dirty="0" smtClean="0"/>
+          </a:p>
+          <a:p>
+            <a:pPr lvl="1"/>
+            <a:endParaRPr lang="en-US" altLang="zh-TW" dirty="0"/>
+          </a:p>
+          <a:p>
+            <a:pPr lvl="1"/>
+            <a:endParaRPr lang="en-US" altLang="zh-TW" dirty="0" smtClean="0"/>
+          </a:p>
+        </p:txBody>
+      </p:sp>
+    </p:spTree>
+    <p:extLst>
+      <p:ext uri="{BB962C8B-B14F-4D97-AF65-F5344CB8AC3E}">
+        <p14:creationId xmlns:p14="http://schemas.microsoft.com/office/powerpoint/2010/main" val="1166824308"/>
+      </p:ext>
+    </p:extLst>
+  </p:cSld>
+  <p:clrMapOvr>
+    <a:masterClrMapping/>
+  </p:clrMapOvr>
+  <p:timing>
+    <p:tnLst>
+      <p:par>
+        <p:cTn id="1" dur="indefinite" restart="never" nodeType="tmRoot"/>
+      </p:par>
+    </p:tnLst>
+  </p:timing>
+</p:sld>
+</file>
+
+<file path=ppt/slides/slide3.xml><?xml version="1.0" encoding="utf-8"?>
+<p:sld xmlns:a="http://schemas.openxmlformats.org/drawingml/2006/main" xmlns:r="http://schemas.openxmlformats.org/officeDocument/2006/relationships" xmlns:p="http://schemas.openxmlformats.org/presentationml/2006/main">
+  <p:cSld>
+    <p:spTree>
+      <p:nvGrpSpPr>
+        <p:cNvPr id="1" name=""/>
+        <p:cNvGrpSpPr/>
+        <p:nvPr/>
+      </p:nvGrpSpPr>
+      <p:grpSpPr>
+        <a:xfrm>
+          <a:off x="0" y="0"/>
+          <a:ext cx="0" cy="0"/>
+          <a:chOff x="0" y="0"/>
+          <a:chExt cx="0" cy="0"/>
+        </a:xfrm>
+      </p:grpSpPr>
+      <p:sp>
+        <p:nvSpPr>
+          <p:cNvPr id="2" name="標題 1"/>
+          <p:cNvSpPr>
+            <a:spLocks noGrp="1"/>
+          </p:cNvSpPr>
+          <p:nvPr>
+            <p:ph type="title"/>
+          </p:nvPr>
+        </p:nvSpPr>
+        <p:spPr/>
+        <p:txBody>
+          <a:bodyPr/>
+          <a:lstStyle/>
+          <a:p>
+            <a:r>
+              <a:rPr lang="en-US" altLang="zh-TW" b="0" dirty="0"/>
+              <a:t>Coordinate frames and transformations</a:t>
+            </a:r>
+            <a:endParaRPr lang="zh-TW" altLang="en-US" dirty="0"/>
+          </a:p>
+        </p:txBody>
+      </p:sp>
+      <p:sp>
+        <p:nvSpPr>
+          <p:cNvPr id="3" name="內容版面配置區 2"/>
+          <p:cNvSpPr>
+            <a:spLocks noGrp="1"/>
+          </p:cNvSpPr>
+          <p:nvPr>
+            <p:ph idx="1"/>
+          </p:nvPr>
+        </p:nvSpPr>
+        <p:spPr/>
+        <p:txBody>
+          <a:bodyPr/>
+          <a:lstStyle/>
+          <a:p>
+            <a:endParaRPr lang="zh-TW" altLang="en-US" dirty="0"/>
+          </a:p>
+        </p:txBody>
+      </p:sp>
+    </p:spTree>
+    <p:extLst>
+      <p:ext uri="{BB962C8B-B14F-4D97-AF65-F5344CB8AC3E}">
+        <p14:creationId xmlns:p14="http://schemas.microsoft.com/office/powerpoint/2010/main" val="4077508215"/>
+      </p:ext>
+    </p:extLst>
+  </p:cSld>
+  <p:clrMapOvr>
+    <a:masterClrMapping/>
+  </p:clrMapOvr>
+  <p:timing>
+    <p:tnLst>
+      <p:par>
+        <p:cTn id="1" dur="indefinite" restart="never" nodeType="tmRoot"/>
+      </p:par>
+    </p:tnLst>
+  </p:timing>
+</p:sld>
+</file>
+
+<file path=ppt/slides/slide4.xml><?xml version="1.0" encoding="utf-8"?>
+<p:sld xmlns:a="http://schemas.openxmlformats.org/drawingml/2006/main" xmlns:r="http://schemas.openxmlformats.org/officeDocument/2006/relationships" xmlns:p="http://schemas.openxmlformats.org/presentationml/2006/main">
+  <p:cSld>
+    <p:spTree>
+      <p:nvGrpSpPr>
+        <p:cNvPr id="1" name=""/>
+        <p:cNvGrpSpPr/>
+        <p:nvPr/>
+      </p:nvGrpSpPr>
+      <p:grpSpPr>
+        <a:xfrm>
+          <a:off x="0" y="0"/>
+          <a:ext cx="0" cy="0"/>
+          <a:chOff x="0" y="0"/>
+          <a:chExt cx="0" cy="0"/>
+        </a:xfrm>
+      </p:grpSpPr>
+      <p:sp>
+        <p:nvSpPr>
+          <p:cNvPr id="2" name="標題 1"/>
+          <p:cNvSpPr>
+            <a:spLocks noGrp="1"/>
+          </p:cNvSpPr>
+          <p:nvPr>
+            <p:ph type="title"/>
+          </p:nvPr>
+        </p:nvSpPr>
+        <p:spPr/>
+        <p:txBody>
+          <a:bodyPr/>
+          <a:lstStyle/>
+          <a:p>
+            <a:endParaRPr lang="zh-TW" altLang="en-US"/>
+          </a:p>
+        </p:txBody>
+      </p:sp>
+      <p:sp>
+        <p:nvSpPr>
+          <p:cNvPr id="3" name="內容版面配置區 2"/>
+          <p:cNvSpPr>
+            <a:spLocks noGrp="1"/>
+          </p:cNvSpPr>
+          <p:nvPr>
+            <p:ph idx="1"/>
+          </p:nvPr>
+        </p:nvSpPr>
+        <p:spPr/>
+        <p:txBody>
+          <a:bodyPr/>
+          <a:lstStyle/>
+          <a:p>
+            <a:r>
+              <a:rPr lang="zh-TW" altLang="en-US" dirty="0"/>
+              <a:t>方向餘弦矩陣是利用固定座標向量與體座標向量之餘弦關係所構成之矩陣</a:t>
+            </a:r>
+            <a:endParaRPr lang="en-US" altLang="zh-TW" dirty="0" smtClean="0"/>
+          </a:p>
+          <a:p>
+            <a:pPr marL="0" indent="0">
+              <a:buNone/>
+            </a:pPr>
+            <a:endParaRPr lang="en-US" altLang="zh-TW" dirty="0"/>
+          </a:p>
+          <a:p>
+            <a:r>
+              <a:rPr lang="zh-TW" altLang="en-US" dirty="0" smtClean="0"/>
+              <a:t>方向</a:t>
+            </a:r>
+            <a:r>
+              <a:rPr lang="zh-TW" altLang="en-US" dirty="0"/>
+              <a:t>餘弦法</a:t>
+            </a:r>
+            <a:r>
+              <a:rPr lang="en-US" altLang="zh-TW" dirty="0"/>
+              <a:t>(Direct Cosine Method</a:t>
+            </a:r>
+            <a:r>
+              <a:rPr lang="zh-TW" altLang="en-US" dirty="0"/>
+              <a:t>，</a:t>
+            </a:r>
+            <a:r>
+              <a:rPr lang="en-US" altLang="zh-TW" dirty="0"/>
+              <a:t>DCM)</a:t>
+            </a:r>
+            <a:r>
+              <a:rPr lang="zh-TW" altLang="en-US" dirty="0"/>
+              <a:t>利用幾何特性，能得知其單位向量的分量與座標系基底向量夾角為一餘弦關係</a:t>
+            </a:r>
+            <a:endParaRPr lang="zh-TW" altLang="en-US" dirty="0"/>
+          </a:p>
+        </p:txBody>
+      </p:sp>
+      <p:pic>
+        <p:nvPicPr>
+          <p:cNvPr id="10244" name="Picture 4" descr="C:\234234.png"/>
+          <p:cNvPicPr>
+            <a:picLocks noChangeAspect="1" noChangeArrowheads="1"/>
+          </p:cNvPicPr>
+          <p:nvPr/>
+        </p:nvPicPr>
+        <p:blipFill>
+          <a:blip r:embed="rId2">
+            <a:extLst>
+              <a:ext uri="{28A0092B-C50C-407E-A947-70E740481C1C}">
+                <a14:useLocalDpi xmlns:a14="http://schemas.microsoft.com/office/drawing/2010/main" val="0"/>
+              </a:ext>
+            </a:extLst>
+          </a:blip>
+          <a:srcRect/>
+          <a:stretch>
+            <a:fillRect/>
+          </a:stretch>
+        </p:blipFill>
+        <p:spPr bwMode="auto">
+          <a:xfrm>
+            <a:off x="2699792" y="4153098"/>
+            <a:ext cx="7554913" cy="2600325"/>
+          </a:xfrm>
+          <a:prstGeom prst="rect">
+            <a:avLst/>
+          </a:prstGeom>
+          <a:noFill/>
+          <a:extLst>
+            <a:ext uri="{909E8E84-426E-40DD-AFC4-6F175D3DCCD1}">
+              <a14:hiddenFill xmlns:a14="http://schemas.microsoft.com/office/drawing/2010/main">
+                <a:solidFill>
+                  <a:srgbClr val="FFFFFF"/>
+                </a:solidFill>
+              </a14:hiddenFill>
+            </a:ext>
+          </a:extLst>
+        </p:spPr>
+      </p:pic>
+    </p:spTree>
+    <p:extLst>
+      <p:ext uri="{BB962C8B-B14F-4D97-AF65-F5344CB8AC3E}">
+        <p14:creationId xmlns:p14="http://schemas.microsoft.com/office/powerpoint/2010/main" val="1717227202"/>
+      </p:ext>
+    </p:extLst>
+  </p:cSld>
+  <p:clrMapOvr>
+    <a:masterClrMapping/>
+  </p:clrMapOvr>
+  <p:timing>
+    <p:tnLst>
+      <p:par>
+        <p:cTn id="1" dur="indefinite" restart="never" nodeType="tmRoot"/>
+      </p:par>
+    </p:tnLst>
+  </p:timing>
+</p:sld>
+</file>
+
+<file path=ppt/slides/slide5.xml><?xml version="1.0" encoding="utf-8"?>
+<p:sld xmlns:a="http://schemas.openxmlformats.org/drawingml/2006/main" xmlns:r="http://schemas.openxmlformats.org/officeDocument/2006/relationships" xmlns:p="http://schemas.openxmlformats.org/presentationml/2006/main">
+  <p:cSld>
+    <p:spTree>
+      <p:nvGrpSpPr>
+        <p:cNvPr id="1" name=""/>
+        <p:cNvGrpSpPr/>
+        <p:nvPr/>
+      </p:nvGrpSpPr>
+      <p:grpSpPr>
+        <a:xfrm>
+          <a:off x="0" y="0"/>
+          <a:ext cx="0" cy="0"/>
+          <a:chOff x="0" y="0"/>
+          <a:chExt cx="0" cy="0"/>
+        </a:xfrm>
+      </p:grpSpPr>
+      <p:sp>
+        <p:nvSpPr>
+          <p:cNvPr id="2" name="標題 1"/>
+          <p:cNvSpPr>
+            <a:spLocks noGrp="1"/>
+          </p:cNvSpPr>
+          <p:nvPr>
+            <p:ph type="title"/>
+          </p:nvPr>
+        </p:nvSpPr>
+        <p:spPr/>
+        <p:txBody>
+          <a:bodyPr/>
+          <a:lstStyle/>
+          <a:p>
+            <a:endParaRPr lang="zh-TW" altLang="en-US"/>
+          </a:p>
+        </p:txBody>
+      </p:sp>
+      <p:sp>
+        <p:nvSpPr>
+          <p:cNvPr id="3" name="內容版面配置區 2"/>
+          <p:cNvSpPr>
+            <a:spLocks noGrp="1"/>
+          </p:cNvSpPr>
+          <p:nvPr>
+            <p:ph idx="1"/>
+          </p:nvPr>
+        </p:nvSpPr>
+        <p:spPr/>
+        <p:txBody>
+          <a:bodyPr/>
+          <a:lstStyle/>
+          <a:p>
+            <a:endParaRPr lang="en-US" altLang="zh-TW" dirty="0" smtClean="0"/>
+          </a:p>
+          <a:p>
+            <a:r>
+              <a:rPr lang="zh-TW" altLang="en-US" dirty="0" smtClean="0"/>
+              <a:t>歐</a:t>
+            </a:r>
+            <a:r>
+              <a:rPr lang="zh-TW" altLang="en-US" dirty="0"/>
+              <a:t>拉角</a:t>
+            </a:r>
+            <a:r>
+              <a:rPr lang="en-US" altLang="zh-TW" dirty="0"/>
+              <a:t>? </a:t>
+            </a:r>
+            <a:endParaRPr lang="zh-TW" altLang="en-US" dirty="0"/>
+          </a:p>
+          <a:p>
+            <a:r>
+              <a:rPr lang="zh-TW" altLang="en-US" dirty="0"/>
+              <a:t>用一句話說</a:t>
+            </a:r>
+            <a:r>
+              <a:rPr lang="en-US" altLang="zh-TW" dirty="0"/>
+              <a:t>,</a:t>
+            </a:r>
+            <a:r>
+              <a:rPr lang="zh-TW" altLang="en-US" dirty="0"/>
+              <a:t>歐拉角就是物體繞坐標系三個坐標軸</a:t>
+            </a:r>
+            <a:r>
+              <a:rPr lang="en-US" altLang="zh-TW" dirty="0"/>
+              <a:t>(</a:t>
+            </a:r>
+            <a:r>
+              <a:rPr lang="en-US" altLang="zh-TW" dirty="0" err="1"/>
+              <a:t>x,y,z</a:t>
+            </a:r>
+            <a:r>
+              <a:rPr lang="zh-TW" altLang="en-US" dirty="0"/>
+              <a:t>軸</a:t>
+            </a:r>
+            <a:r>
+              <a:rPr lang="en-US" altLang="zh-TW" dirty="0"/>
+              <a:t>)</a:t>
+            </a:r>
+            <a:r>
+              <a:rPr lang="zh-TW" altLang="en-US" dirty="0"/>
+              <a:t>的旋轉角度。 </a:t>
+            </a:r>
+            <a:endParaRPr lang="zh-TW" altLang="en-US" dirty="0"/>
+          </a:p>
+        </p:txBody>
+      </p:sp>
+    </p:spTree>
+    <p:extLst>
+      <p:ext uri="{BB962C8B-B14F-4D97-AF65-F5344CB8AC3E}">
+        <p14:creationId xmlns:p14="http://schemas.microsoft.com/office/powerpoint/2010/main" val="1085116346"/>
+      </p:ext>
+    </p:extLst>
+  </p:cSld>
+  <p:clrMapOvr>
+    <a:masterClrMapping/>
+  </p:clrMapOvr>
+  <p:timing>
+    <p:tnLst>
+      <p:par>
+        <p:cTn id="1" dur="indefinite" restart="never" nodeType="tmRoot"/>
+      </p:par>
+    </p:tnLst>
+  </p:timing>
+</p:sld>
+</file>
+
+<file path=ppt/slides/slide6.xml><?xml version="1.0" encoding="utf-8"?>
+<p:sld xmlns:a="http://schemas.openxmlformats.org/drawingml/2006/main" xmlns:r="http://schemas.openxmlformats.org/officeDocument/2006/relationships" xmlns:p="http://schemas.openxmlformats.org/presentationml/2006/main">
+  <p:cSld>
+    <p:spTree>
+      <p:nvGrpSpPr>
+        <p:cNvPr id="1" name=""/>
+        <p:cNvGrpSpPr/>
+        <p:nvPr/>
+      </p:nvGrpSpPr>
+      <p:grpSpPr>
+        <a:xfrm>
+          <a:off x="0" y="0"/>
+          <a:ext cx="0" cy="0"/>
+          <a:chOff x="0" y="0"/>
+          <a:chExt cx="0" cy="0"/>
+        </a:xfrm>
+      </p:grpSpPr>
+      <p:sp>
+        <p:nvSpPr>
+          <p:cNvPr id="2" name="標題 1"/>
+          <p:cNvSpPr>
+            <a:spLocks noGrp="1"/>
+          </p:cNvSpPr>
+          <p:nvPr>
+            <p:ph type="title"/>
+          </p:nvPr>
+        </p:nvSpPr>
+        <p:spPr/>
+        <p:txBody>
+          <a:bodyPr/>
+          <a:lstStyle/>
+          <a:p>
+            <a:endParaRPr lang="zh-TW" altLang="en-US"/>
+          </a:p>
+        </p:txBody>
+      </p:sp>
+      <p:sp>
+        <p:nvSpPr>
+          <p:cNvPr id="3" name="內容版面配置區 2"/>
+          <p:cNvSpPr>
+            <a:spLocks noGrp="1"/>
+          </p:cNvSpPr>
+          <p:nvPr>
+            <p:ph idx="1"/>
+          </p:nvPr>
+        </p:nvSpPr>
+        <p:spPr/>
+        <p:txBody>
+          <a:bodyPr/>
+          <a:lstStyle/>
+          <a:p>
+            <a:r>
+              <a:rPr lang="zh-TW" altLang="en-US" dirty="0"/>
+              <a:t>分別為單獨繞</a:t>
+            </a:r>
+            <a:r>
+              <a:rPr lang="en-US" altLang="zh-TW" dirty="0"/>
+              <a:t>Z</a:t>
+            </a:r>
+            <a:r>
+              <a:rPr lang="zh-TW" altLang="en-US" dirty="0"/>
+              <a:t>軸旋轉，繞</a:t>
+            </a:r>
+            <a:r>
+              <a:rPr lang="en-US" altLang="zh-TW" dirty="0"/>
+              <a:t>X</a:t>
+            </a:r>
+            <a:r>
+              <a:rPr lang="zh-TW" altLang="en-US" dirty="0"/>
+              <a:t>軸旋轉，繞</a:t>
+            </a:r>
+            <a:r>
+              <a:rPr lang="en-US" altLang="zh-TW" dirty="0"/>
+              <a:t>Y</a:t>
+            </a:r>
+            <a:r>
+              <a:rPr lang="zh-TW" altLang="en-US" dirty="0"/>
+              <a:t>軸旋轉</a:t>
+            </a:r>
+            <a:r>
+              <a:rPr lang="zh-TW" altLang="en-US" dirty="0" smtClean="0"/>
+              <a:t>。實際上</a:t>
+            </a:r>
+            <a:r>
+              <a:rPr lang="zh-TW" altLang="en-US" dirty="0"/>
+              <a:t>，兩坐標系任何複雜的角位置關係都可以看做有限次基本旋轉的組合，變換矩陣 等於</a:t>
+            </a:r>
+          </a:p>
+          <a:p>
+            <a:pPr marL="0" indent="0">
+              <a:buNone/>
+            </a:pPr>
+            <a:r>
+              <a:rPr lang="zh-TW" altLang="en-US" dirty="0"/>
+              <a:t>基本旋轉確定的變換矩陣的連乘（線性代數）， 連 乘的基本順序依據基本旋轉的順序向右排列</a:t>
+            </a:r>
+            <a:r>
+              <a:rPr lang="zh-TW" altLang="en-US" dirty="0" smtClean="0"/>
+              <a:t>。之所以</a:t>
+            </a:r>
+            <a:r>
+              <a:rPr lang="zh-TW" altLang="en-US" dirty="0"/>
+              <a:t>有順序是因為矩陣有「左乘」和「右乘」 之分（還是線性代數）。那麼我們得到</a:t>
+            </a:r>
+            <a:r>
+              <a:rPr lang="zh-TW" altLang="en-US" dirty="0" smtClean="0"/>
+              <a:t>：</a:t>
+            </a:r>
+            <a:endParaRPr lang="en-US" altLang="zh-TW" dirty="0"/>
+          </a:p>
+          <a:p>
+            <a:pPr marL="0" indent="0">
+              <a:buNone/>
+            </a:pPr>
+            <a:endParaRPr lang="en-US" altLang="zh-TW" dirty="0" smtClean="0"/>
+          </a:p>
+          <a:p>
+            <a:pPr marL="0" indent="0">
+              <a:buNone/>
+            </a:pPr>
+            <a:endParaRPr lang="en-US" altLang="zh-TW" dirty="0" smtClean="0"/>
+          </a:p>
+          <a:p>
+            <a:pPr marL="0" indent="0">
+              <a:buNone/>
+            </a:pPr>
+            <a:endParaRPr lang="en-US" altLang="zh-TW" dirty="0"/>
+          </a:p>
+          <a:p>
+            <a:endParaRPr lang="en-US" altLang="zh-TW" dirty="0" smtClean="0"/>
+          </a:p>
+          <a:p>
+            <a:endParaRPr lang="en-US" altLang="zh-TW" dirty="0" smtClean="0"/>
+          </a:p>
+          <a:p>
+            <a:endParaRPr lang="en-US" altLang="zh-TW" dirty="0"/>
+          </a:p>
+          <a:p>
+            <a:endParaRPr lang="en-US" altLang="zh-TW" dirty="0" smtClean="0"/>
+          </a:p>
+          <a:p>
+            <a:endParaRPr lang="zh-TW" altLang="en-US" dirty="0"/>
+          </a:p>
+        </p:txBody>
+      </p:sp>
+    </p:spTree>
+    <p:extLst>
+      <p:ext uri="{BB962C8B-B14F-4D97-AF65-F5344CB8AC3E}">
+        <p14:creationId xmlns:p14="http://schemas.microsoft.com/office/powerpoint/2010/main" val="3865022100"/>
+      </p:ext>
+    </p:extLst>
+  </p:cSld>
+  <p:clrMapOvr>
+    <a:masterClrMapping/>
+  </p:clrMapOvr>
+  <p:timing>
+    <p:tnLst>
+      <p:par>
+        <p:cTn id="1" dur="indefinite" restart="never" nodeType="tmRoot"/>
+      </p:par>
+    </p:tnLst>
+  </p:timing>
+</p:sld>
+</file>
+
+<file path=ppt/slides/slide7.xml><?xml version="1.0" encoding="utf-8"?>
+<p:sld xmlns:a="http://schemas.openxmlformats.org/drawingml/2006/main" xmlns:r="http://schemas.openxmlformats.org/officeDocument/2006/relationships" xmlns:p="http://schemas.openxmlformats.org/presentationml/2006/main">
+  <p:cSld>
+    <p:spTree>
+      <p:nvGrpSpPr>
+        <p:cNvPr id="1" name=""/>
+        <p:cNvGrpSpPr/>
+        <p:nvPr/>
+      </p:nvGrpSpPr>
+      <p:grpSpPr>
+        <a:xfrm>
+          <a:off x="0" y="0"/>
+          <a:ext cx="0" cy="0"/>
+          <a:chOff x="0" y="0"/>
+          <a:chExt cx="0" cy="0"/>
+        </a:xfrm>
+      </p:grpSpPr>
+      <p:sp>
+        <p:nvSpPr>
+          <p:cNvPr id="2" name="標題 1"/>
+          <p:cNvSpPr>
+            <a:spLocks noGrp="1"/>
+          </p:cNvSpPr>
+          <p:nvPr>
+            <p:ph type="title"/>
+          </p:nvPr>
+        </p:nvSpPr>
+        <p:spPr/>
+        <p:txBody>
+          <a:bodyPr/>
+          <a:lstStyle/>
+          <a:p>
+            <a:r>
+              <a:rPr lang="en-US" altLang="zh-TW" dirty="0"/>
+              <a:t>Block diagram of DCM</a:t>
+            </a:r>
+            <a:br>
+              <a:rPr lang="en-US" altLang="zh-TW" dirty="0"/>
+            </a:br>
+            <a:endParaRPr lang="zh-TW" altLang="en-US" dirty="0"/>
+          </a:p>
+        </p:txBody>
+      </p:sp>
+      <p:sp>
+        <p:nvSpPr>
+          <p:cNvPr id="3" name="內容版面配置區 2"/>
+          <p:cNvSpPr>
+            <a:spLocks noGrp="1"/>
+          </p:cNvSpPr>
+          <p:nvPr>
+            <p:ph idx="1"/>
+          </p:nvPr>
+        </p:nvSpPr>
+        <p:spPr/>
+        <p:txBody>
+          <a:bodyPr/>
+          <a:lstStyle/>
+          <a:p>
+            <a:endParaRPr lang="zh-TW" altLang="en-US" dirty="0"/>
+          </a:p>
+        </p:txBody>
+      </p:sp>
+      <p:pic>
+        <p:nvPicPr>
+          <p:cNvPr id="1026" name="Picture 2"/>
+          <p:cNvPicPr>
+            <a:picLocks noChangeAspect="1" noChangeArrowheads="1"/>
+          </p:cNvPicPr>
+          <p:nvPr/>
+        </p:nvPicPr>
+        <p:blipFill>
+          <a:blip r:embed="rId3">
+            <a:extLst>
+              <a:ext uri="{28A0092B-C50C-407E-A947-70E740481C1C}">
+                <a14:useLocalDpi xmlns:a14="http://schemas.microsoft.com/office/drawing/2010/main" val="0"/>
+              </a:ext>
+            </a:extLst>
+          </a:blip>
+          <a:srcRect/>
+          <a:stretch>
+            <a:fillRect/>
+          </a:stretch>
+        </p:blipFill>
+        <p:spPr bwMode="auto">
+          <a:xfrm>
+            <a:off x="628650" y="1690688"/>
+            <a:ext cx="7886700" cy="3476625"/>
+          </a:xfrm>
+          <a:prstGeom prst="rect">
+            <a:avLst/>
+          </a:prstGeom>
+          <a:noFill/>
+          <a:ln>
+            <a:noFill/>
+          </a:ln>
+          <a:effectLst/>
+          <a:extLst>
+            <a:ext uri="{909E8E84-426E-40DD-AFC4-6F175D3DCCD1}">
+              <a14:hiddenFill xmlns:a14="http://schemas.microsoft.com/office/drawing/2010/main">
+                <a:solidFill>
+                  <a:schemeClr val="accent1"/>
+                </a:solidFill>
+              </a14:hiddenFill>
+            </a:ext>
+            <a:ext uri="{91240B29-F687-4F45-9708-019B960494DF}">
+              <a14:hiddenLine xmlns:a14="http://schemas.microsoft.com/office/drawing/2010/main" w="9525">
+                <a:solidFill>
+                  <a:schemeClr val="tx1"/>
+                </a:solidFill>
+                <a:miter lim="800000"/>
+                <a:headEnd/>
+                <a:tailEnd/>
+              </a14:hiddenLine>
+            </a:ext>
+            <a:ext uri="{AF507438-7753-43E0-B8FC-AC1667EBCBE1}">
+              <a14:hiddenEffects xmlns:a14="http://schemas.microsoft.com/office/drawing/2010/main">
+                <a:effectLst>
+                  <a:outerShdw dist="35921" dir="2700000" algn="ctr" rotWithShape="0">
+                    <a:schemeClr val="bg2"/>
+                  </a:outerShdw>
+                </a:effectLst>
+              </a14:hiddenEffects>
+            </a:ext>
+          </a:extLst>
+        </p:spPr>
+      </p:pic>
+    </p:spTree>
+    <p:extLst>
+      <p:ext uri="{BB962C8B-B14F-4D97-AF65-F5344CB8AC3E}">
+        <p14:creationId xmlns:p14="http://schemas.microsoft.com/office/powerpoint/2010/main" val="560036996"/>
+      </p:ext>
+    </p:extLst>
+  </p:cSld>
+  <p:clrMapOvr>
+    <a:masterClrMapping/>
+  </p:clrMapOvr>
+  <p:timing>
+    <p:tnLst>
+      <p:par>
+        <p:cTn id="1" dur="indefinite" restart="never" nodeType="tmRoot"/>
+      </p:par>
+    </p:tnLst>
+  </p:timing>
+</p:sld>
+</file>
+
+<file path=ppt/slides/slide8.xml><?xml version="1.0" encoding="utf-8"?>
+<p:sld xmlns:a="http://schemas.openxmlformats.org/drawingml/2006/main" xmlns:r="http://schemas.openxmlformats.org/officeDocument/2006/relationships" xmlns:p="http://schemas.openxmlformats.org/presentationml/2006/main">
+  <p:cSld>
+    <p:spTree>
+      <p:nvGrpSpPr>
+        <p:cNvPr id="1" name=""/>
+        <p:cNvGrpSpPr/>
+        <p:nvPr/>
+      </p:nvGrpSpPr>
+      <p:grpSpPr>
+        <a:xfrm>
+          <a:off x="0" y="0"/>
+          <a:ext cx="0" cy="0"/>
+          <a:chOff x="0" y="0"/>
+          <a:chExt cx="0" cy="0"/>
+        </a:xfrm>
+      </p:grpSpPr>
+      <p:sp>
+        <p:nvSpPr>
+          <p:cNvPr id="2" name="標題 1"/>
+          <p:cNvSpPr>
+            <a:spLocks noGrp="1"/>
+          </p:cNvSpPr>
+          <p:nvPr>
+            <p:ph type="title"/>
+          </p:nvPr>
+        </p:nvSpPr>
+        <p:spPr/>
+        <p:txBody>
+          <a:bodyPr/>
+          <a:lstStyle/>
+          <a:p>
+            <a:endParaRPr lang="zh-TW" altLang="en-US"/>
+          </a:p>
+        </p:txBody>
+      </p:sp>
+      <p:sp>
+        <p:nvSpPr>
+          <p:cNvPr id="3" name="內容版面配置區 2"/>
+          <p:cNvSpPr>
+            <a:spLocks noGrp="1"/>
+          </p:cNvSpPr>
+          <p:nvPr>
+            <p:ph idx="1"/>
+          </p:nvPr>
+        </p:nvSpPr>
+        <p:spPr/>
+        <p:txBody>
+          <a:bodyPr/>
+          <a:lstStyle/>
+          <a:p>
+            <a:endParaRPr lang="en-US" altLang="zh-TW" dirty="0" smtClean="0"/>
+          </a:p>
+          <a:p>
+            <a:endParaRPr lang="en-US" altLang="zh-TW" dirty="0"/>
+          </a:p>
+          <a:p>
+            <a:endParaRPr lang="en-US" altLang="zh-TW" dirty="0" smtClean="0"/>
+          </a:p>
+          <a:p>
+            <a:endParaRPr lang="en-US" altLang="zh-TW" dirty="0"/>
+          </a:p>
+          <a:p>
+            <a:endParaRPr lang="en-US" altLang="zh-TW" dirty="0" smtClean="0"/>
+          </a:p>
+          <a:p>
+            <a:r>
+              <a:rPr lang="zh-TW" altLang="en-US" kern="1200" dirty="0"/>
+              <a:t>為陀螺儀於理想狀況下訊號輸出值， 為陀螺儀量測訊號飄移量， 為陀螺儀量測雜訊， </a:t>
+            </a:r>
+            <a:r>
+              <a:rPr lang="en-US" altLang="zh-TW" i="1" kern="1200" dirty="0"/>
+              <a:t>d w </a:t>
+            </a:r>
+            <a:r>
+              <a:rPr lang="en-US" altLang="zh-TW" kern="1200" dirty="0"/>
+              <a:t>misalignment ε </a:t>
+            </a:r>
+            <a:r>
+              <a:rPr lang="zh-TW" altLang="en-US" kern="1200" dirty="0"/>
+              <a:t>為溫度影響或是配置問題所造成之量測方向誤差，其中當誤差角度為極小值時，其值為一單位矩陣。 </a:t>
+            </a:r>
+            <a:endParaRPr lang="zh-TW" altLang="en-US" dirty="0"/>
+          </a:p>
+          <a:p>
+            <a:endParaRPr lang="zh-TW" altLang="en-US" dirty="0"/>
+          </a:p>
+        </p:txBody>
+      </p:sp>
+      <p:pic>
+        <p:nvPicPr>
+          <p:cNvPr id="9218" name="Picture 2" descr="C:\84a97043e34929b482a217595c78961a.jpg"/>
+          <p:cNvPicPr>
+            <a:picLocks noChangeAspect="1" noChangeArrowheads="1"/>
+          </p:cNvPicPr>
+          <p:nvPr/>
+        </p:nvPicPr>
+        <p:blipFill>
+          <a:blip r:embed="rId3">
+            <a:extLst>
+              <a:ext uri="{28A0092B-C50C-407E-A947-70E740481C1C}">
+                <a14:useLocalDpi xmlns:a14="http://schemas.microsoft.com/office/drawing/2010/main" val="0"/>
+              </a:ext>
+            </a:extLst>
+          </a:blip>
+          <a:srcRect/>
+          <a:stretch>
+            <a:fillRect/>
+          </a:stretch>
+        </p:blipFill>
+        <p:spPr bwMode="auto">
+          <a:xfrm>
+            <a:off x="467544" y="1844824"/>
+            <a:ext cx="7764693" cy="2329408"/>
+          </a:xfrm>
+          <a:prstGeom prst="rect">
+            <a:avLst/>
+          </a:prstGeom>
+          <a:noFill/>
+          <a:extLst>
+            <a:ext uri="{909E8E84-426E-40DD-AFC4-6F175D3DCCD1}">
+              <a14:hiddenFill xmlns:a14="http://schemas.microsoft.com/office/drawing/2010/main">
+                <a:solidFill>
+                  <a:srgbClr val="FFFFFF"/>
+                </a:solidFill>
+              </a14:hiddenFill>
+            </a:ext>
+          </a:extLst>
+        </p:spPr>
+      </p:pic>
+    </p:spTree>
+    <p:extLst>
+      <p:ext uri="{BB962C8B-B14F-4D97-AF65-F5344CB8AC3E}">
+        <p14:creationId xmlns:p14="http://schemas.microsoft.com/office/powerpoint/2010/main" val="2321696361"/>
+      </p:ext>
+    </p:extLst>
+  </p:cSld>
+  <p:clrMapOvr>
+    <a:masterClrMapping/>
+  </p:clrMapOvr>
+  <p:timing>
+    <p:tnLst>
+      <p:par>
+        <p:cTn id="1" dur="indefinite" restart="never" nodeType="tmRoot"/>
+      </p:par>
+    </p:tnLst>
+  </p:timing>
+</p:sld>
+</file>
+
+<file path=ppt/slides/slide9.xml><?xml version="1.0" encoding="utf-8"?>
+<p:sld xmlns:a="http://schemas.openxmlformats.org/drawingml/2006/main" xmlns:r="http://schemas.openxmlformats.org/officeDocument/2006/relationships" xmlns:p="http://schemas.openxmlformats.org/presentationml/2006/main">
+  <p:cSld>
+    <p:spTree>
+      <p:nvGrpSpPr>
+        <p:cNvPr id="1" name=""/>
+        <p:cNvGrpSpPr/>
+        <p:nvPr/>
+      </p:nvGrpSpPr>
+      <p:grpSpPr>
+        <a:xfrm>
+          <a:off x="0" y="0"/>
+          <a:ext cx="0" cy="0"/>
+          <a:chOff x="0" y="0"/>
+          <a:chExt cx="0" cy="0"/>
+        </a:xfrm>
+      </p:grpSpPr>
+      <p:sp>
+        <p:nvSpPr>
+          <p:cNvPr id="2" name="標題 1"/>
+          <p:cNvSpPr>
+            <a:spLocks noGrp="1"/>
+          </p:cNvSpPr>
+          <p:nvPr>
+            <p:ph type="title"/>
+          </p:nvPr>
+        </p:nvSpPr>
+        <p:spPr/>
+        <p:txBody>
+          <a:bodyPr/>
+          <a:lstStyle/>
+          <a:p>
+            <a:endParaRPr lang="zh-TW" altLang="en-US"/>
+          </a:p>
+        </p:txBody>
+      </p:sp>
+      <p:sp>
+        <p:nvSpPr>
+          <p:cNvPr id="3" name="內容版面配置區 2"/>
+          <p:cNvSpPr>
+            <a:spLocks noGrp="1"/>
+          </p:cNvSpPr>
+          <p:nvPr>
+            <p:ph idx="1"/>
+          </p:nvPr>
+        </p:nvSpPr>
+        <p:spPr/>
+        <p:txBody>
+          <a:bodyPr/>
+          <a:lstStyle/>
+          <a:p>
+            <a:endParaRPr lang="zh-TW" altLang="en-US"/>
+          </a:p>
+        </p:txBody>
+      </p:sp>
+      <p:pic>
+        <p:nvPicPr>
+          <p:cNvPr id="2050" name="Picture 2" descr="C:\Users\jason_yao\Downloads\dcm_arch.png"/>
+          <p:cNvPicPr>
+            <a:picLocks noChangeAspect="1" noChangeArrowheads="1"/>
+          </p:cNvPicPr>
+          <p:nvPr/>
+        </p:nvPicPr>
+        <p:blipFill>
+          <a:blip r:embed="rId2">
+            <a:extLst>
+              <a:ext uri="{28A0092B-C50C-407E-A947-70E740481C1C}">
+                <a14:useLocalDpi xmlns:a14="http://schemas.microsoft.com/office/drawing/2010/main" val="0"/>
+              </a:ext>
+            </a:extLst>
+          </a:blip>
+          <a:srcRect/>
+          <a:stretch>
+            <a:fillRect/>
+          </a:stretch>
+        </p:blipFill>
+        <p:spPr bwMode="auto">
+          <a:xfrm>
+            <a:off x="1043608" y="1700808"/>
+            <a:ext cx="6145212" cy="3600450"/>
+          </a:xfrm>
+          <a:prstGeom prst="rect">
+            <a:avLst/>
+          </a:prstGeom>
+          <a:noFill/>
+          <a:extLst>
+            <a:ext uri="{909E8E84-426E-40DD-AFC4-6F175D3DCCD1}">
+              <a14:hiddenFill xmlns:a14="http://schemas.microsoft.com/office/drawing/2010/main">
+                <a:solidFill>
+                  <a:srgbClr val="FFFFFF"/>
+                </a:solidFill>
+              </a14:hiddenFill>
+            </a:ext>
+          </a:extLst>
+        </p:spPr>
+      </p:pic>
+    </p:spTree>
+    <p:extLst>
+      <p:ext uri="{BB962C8B-B14F-4D97-AF65-F5344CB8AC3E}">
+        <p14:creationId xmlns:p14="http://schemas.microsoft.com/office/powerpoint/2010/main" val="4019660584"/>
+      </p:ext>
+    </p:extLst>
+  </p:cSld>
+  <p:clrMapOvr>
+    <a:masterClrMapping/>
+  </p:clrMapOvr>
+  <p:timing>
+    <p:tnLst>
+      <p:par>
+        <p:cTn id="1" dur="indefinite" restart="never" nodeType="tmRoot"/>
+      </p:par>
+    </p:tnLst>
   </p:timing>
 </p:sld>
 </file>

--- a/data/my_dcm/DCM.pptx
+++ b/data/my_dcm/DCM.pptx
@@ -3056,11 +3056,7 @@
             </a:pPr>
             <a:r>
               <a:rPr lang="zh-TW" altLang="en-US" dirty="0" smtClean="0"/>
-              <a:t>基本旋轉確定的變換矩陣的連乘（線性代數）， 連 乘的基本順序依據基本旋轉的順序向右排列。之所以有順序是因為矩陣有「左乘」和「右乘」 之分（線性代數）</a:t>
-            </a:r>
-            <a:r>
-              <a:rPr lang="zh-TW" altLang="en-US" dirty="0" smtClean="0"/>
-              <a:t>。</a:t>
+              <a:t>基本旋轉確定的變換矩陣的連乘（線性代數）， 連 乘的基本順序依據基本旋轉的順序向右排列。之所以有順序是因為矩陣有「左乘」和「右乘」 之分（線性代數）。</a:t>
             </a:r>
             <a:endParaRPr lang="en-US" altLang="zh-TW" dirty="0" smtClean="0"/>
           </a:p>
@@ -3484,19 +3480,7 @@
                 <a:ea typeface="+mn-ea"/>
                 <a:cs typeface="+mn-cs"/>
               </a:rPr>
-              <a:t> = </a:t>
-            </a:r>
-            <a:r>
-              <a:rPr lang="en-US" altLang="zh-TW" sz="1200" b="1" i="0" kern="1200" dirty="0" smtClean="0">
-                <a:solidFill>
-                  <a:schemeClr val="tx1"/>
-                </a:solidFill>
-                <a:effectLst/>
-                <a:latin typeface="+mn-lt"/>
-                <a:ea typeface="+mn-ea"/>
-                <a:cs typeface="+mn-cs"/>
-              </a:rPr>
-              <a:t>r'</a:t>
+              <a:t> = r'</a:t>
             </a:r>
             <a:r>
               <a:rPr lang="en-US" altLang="zh-TW" sz="1200" b="0" i="0" kern="1200" dirty="0" smtClean="0">
@@ -3508,19 +3492,7 @@
                 <a:ea typeface="+mn-ea"/>
                 <a:cs typeface="+mn-cs"/>
               </a:rPr>
-              <a:t>–</a:t>
-            </a:r>
-            <a:r>
-              <a:rPr lang="en-US" altLang="zh-TW" sz="1200" b="0" i="0" kern="1200" dirty="0" smtClean="0">
-                <a:solidFill>
-                  <a:schemeClr val="tx1"/>
-                </a:solidFill>
-                <a:effectLst/>
-                <a:latin typeface="+mn-lt"/>
-                <a:ea typeface="+mn-ea"/>
-                <a:cs typeface="+mn-cs"/>
-              </a:rPr>
-              <a:t> </a:t>
+              <a:t>– </a:t>
             </a:r>
             <a:r>
               <a:rPr lang="en-US" altLang="zh-TW" sz="1200" b="1" i="0" kern="1200" dirty="0" smtClean="0">
@@ -3546,15 +3518,6 @@
               </a:rPr>
               <a:t>. </a:t>
             </a:r>
-            <a:endParaRPr lang="en-US" altLang="zh-TW" sz="1200" b="0" i="0" kern="1200" dirty="0" smtClean="0">
-              <a:solidFill>
-                <a:schemeClr val="tx1"/>
-              </a:solidFill>
-              <a:effectLst/>
-              <a:latin typeface="+mn-lt"/>
-              <a:ea typeface="+mn-ea"/>
-              <a:cs typeface="+mn-cs"/>
-            </a:endParaRPr>
           </a:p>
           <a:p>
             <a:endParaRPr lang="en-US" altLang="zh-TW" sz="1200" b="0" i="0" kern="1200" dirty="0" smtClean="0">
@@ -11289,7 +11252,7 @@
           <a:graphicData uri="http://schemas.openxmlformats.org/presentationml/2006/ole">
             <mc:AlternateContent xmlns:mc="http://schemas.openxmlformats.org/markup-compatibility/2006">
               <mc:Choice xmlns:v="urn:schemas-microsoft-com:vml" Requires="v">
-                <p:oleObj spid="_x0000_s15614" name="方程式" r:id="rId3" imgW="2539800" imgH="711000" progId="Equation.3">
+                <p:oleObj spid="_x0000_s15620" name="方程式" r:id="rId3" imgW="2539800" imgH="711000" progId="Equation.3">
                   <p:embed/>
                 </p:oleObj>
               </mc:Choice>
@@ -11353,7 +11316,7 @@
           <a:graphicData uri="http://schemas.openxmlformats.org/presentationml/2006/ole">
             <mc:AlternateContent xmlns:mc="http://schemas.openxmlformats.org/markup-compatibility/2006">
               <mc:Choice xmlns:v="urn:schemas-microsoft-com:vml" Requires="v">
-                <p:oleObj spid="_x0000_s15615" name="方程式" r:id="rId5" imgW="2527200" imgH="711000" progId="Equation.3">
+                <p:oleObj spid="_x0000_s15621" name="方程式" r:id="rId5" imgW="2527200" imgH="711000" progId="Equation.3">
                   <p:embed/>
                 </p:oleObj>
               </mc:Choice>
@@ -11417,7 +11380,7 @@
           <a:graphicData uri="http://schemas.openxmlformats.org/presentationml/2006/ole">
             <mc:AlternateContent xmlns:mc="http://schemas.openxmlformats.org/markup-compatibility/2006">
               <mc:Choice xmlns:v="urn:schemas-microsoft-com:vml" Requires="v">
-                <p:oleObj spid="_x0000_s15616" name="方程式" r:id="rId7" imgW="2577960" imgH="711000" progId="Equation.3">
+                <p:oleObj spid="_x0000_s15622" name="方程式" r:id="rId7" imgW="2577960" imgH="711000" progId="Equation.3">
                   <p:embed/>
                 </p:oleObj>
               </mc:Choice>
@@ -11946,7 +11909,7 @@
           <a:graphicData uri="http://schemas.openxmlformats.org/presentationml/2006/ole">
             <mc:AlternateContent xmlns:mc="http://schemas.openxmlformats.org/markup-compatibility/2006">
               <mc:Choice xmlns:v="urn:schemas-microsoft-com:vml" Requires="v">
-                <p:oleObj spid="_x0000_s17563" name="方程式" r:id="rId4" imgW="4533840" imgH="711000" progId="Equation.3">
+                <p:oleObj spid="_x0000_s17567" name="方程式" r:id="rId4" imgW="4533840" imgH="711000" progId="Equation.3">
                   <p:embed/>
                 </p:oleObj>
               </mc:Choice>
@@ -12059,7 +12022,7 @@
           <a:graphicData uri="http://schemas.openxmlformats.org/presentationml/2006/ole">
             <mc:AlternateContent xmlns:mc="http://schemas.openxmlformats.org/markup-compatibility/2006">
               <mc:Choice xmlns:v="urn:schemas-microsoft-com:vml" Requires="v">
-                <p:oleObj spid="_x0000_s17564" name="方程式" r:id="rId6" imgW="4762440" imgH="711000" progId="Equation.3">
+                <p:oleObj spid="_x0000_s17568" name="方程式" r:id="rId6" imgW="4762440" imgH="711000" progId="Equation.3">
                   <p:embed/>
                 </p:oleObj>
               </mc:Choice>
@@ -12227,7 +12190,7 @@
           <a:graphicData uri="http://schemas.openxmlformats.org/presentationml/2006/ole">
             <mc:AlternateContent xmlns:mc="http://schemas.openxmlformats.org/markup-compatibility/2006">
               <mc:Choice xmlns:v="urn:schemas-microsoft-com:vml" Requires="v">
-                <p:oleObj spid="_x0000_s24849" name="方程式" r:id="rId5" imgW="457200" imgH="203040" progId="Equation.3">
+                <p:oleObj spid="_x0000_s24861" name="方程式" r:id="rId5" imgW="457200" imgH="203040" progId="Equation.3">
                   <p:embed/>
                 </p:oleObj>
               </mc:Choice>
@@ -12291,7 +12254,7 @@
           <a:graphicData uri="http://schemas.openxmlformats.org/presentationml/2006/ole">
             <mc:AlternateContent xmlns:mc="http://schemas.openxmlformats.org/markup-compatibility/2006">
               <mc:Choice xmlns:v="urn:schemas-microsoft-com:vml" Requires="v">
-                <p:oleObj spid="_x0000_s24850" name="方程式" r:id="rId7" imgW="749160" imgH="203040" progId="Equation.3">
+                <p:oleObj spid="_x0000_s24862" name="方程式" r:id="rId7" imgW="749160" imgH="203040" progId="Equation.3">
                   <p:embed/>
                 </p:oleObj>
               </mc:Choice>
@@ -12355,7 +12318,7 @@
           <a:graphicData uri="http://schemas.openxmlformats.org/presentationml/2006/ole">
             <mc:AlternateContent xmlns:mc="http://schemas.openxmlformats.org/markup-compatibility/2006">
               <mc:Choice xmlns:v="urn:schemas-microsoft-com:vml" Requires="v">
-                <p:oleObj spid="_x0000_s24851" name="方程式" r:id="rId9" imgW="571320" imgH="177480" progId="Equation.3">
+                <p:oleObj spid="_x0000_s24863" name="方程式" r:id="rId9" imgW="571320" imgH="177480" progId="Equation.3">
                   <p:embed/>
                 </p:oleObj>
               </mc:Choice>
@@ -12419,7 +12382,7 @@
           <a:graphicData uri="http://schemas.openxmlformats.org/presentationml/2006/ole">
             <mc:AlternateContent xmlns:mc="http://schemas.openxmlformats.org/markup-compatibility/2006">
               <mc:Choice xmlns:v="urn:schemas-microsoft-com:vml" Requires="v">
-                <p:oleObj spid="_x0000_s24852" name="方程式" r:id="rId11" imgW="520560" imgH="393480" progId="Equation.3">
+                <p:oleObj spid="_x0000_s24864" name="方程式" r:id="rId11" imgW="520560" imgH="393480" progId="Equation.3">
                   <p:embed/>
                 </p:oleObj>
               </mc:Choice>
@@ -12483,7 +12446,7 @@
           <a:graphicData uri="http://schemas.openxmlformats.org/presentationml/2006/ole">
             <mc:AlternateContent xmlns:mc="http://schemas.openxmlformats.org/markup-compatibility/2006">
               <mc:Choice xmlns:v="urn:schemas-microsoft-com:vml" Requires="v">
-                <p:oleObj spid="_x0000_s24853" name="方程式" r:id="rId13" imgW="609480" imgH="279360" progId="Equation.3">
+                <p:oleObj spid="_x0000_s24865" name="方程式" r:id="rId13" imgW="609480" imgH="279360" progId="Equation.3">
                   <p:embed/>
                 </p:oleObj>
               </mc:Choice>
@@ -12756,7 +12719,7 @@
           <a:graphicData uri="http://schemas.openxmlformats.org/presentationml/2006/ole">
             <mc:AlternateContent xmlns:mc="http://schemas.openxmlformats.org/markup-compatibility/2006">
               <mc:Choice xmlns:v="urn:schemas-microsoft-com:vml" Requires="v">
-                <p:oleObj spid="_x0000_s24854" name="方程式" r:id="rId15" imgW="126720" imgH="177480" progId="Equation.3">
+                <p:oleObj spid="_x0000_s24866" name="方程式" r:id="rId15" imgW="126720" imgH="177480" progId="Equation.3">
                   <p:embed/>
                 </p:oleObj>
               </mc:Choice>
@@ -12899,7 +12862,7 @@
           <a:graphicData uri="http://schemas.openxmlformats.org/presentationml/2006/ole">
             <mc:AlternateContent xmlns:mc="http://schemas.openxmlformats.org/markup-compatibility/2006">
               <mc:Choice xmlns:v="urn:schemas-microsoft-com:vml" Requires="v">
-                <p:oleObj spid="_x0000_s32863" name="方程式" r:id="rId4" imgW="2120760" imgH="736560" progId="Equation.3">
+                <p:oleObj spid="_x0000_s32873" name="方程式" r:id="rId4" imgW="2120760" imgH="736560" progId="Equation.3">
                   <p:embed/>
                 </p:oleObj>
               </mc:Choice>
@@ -12982,7 +12945,7 @@
           <a:graphicData uri="http://schemas.openxmlformats.org/presentationml/2006/ole">
             <mc:AlternateContent xmlns:mc="http://schemas.openxmlformats.org/markup-compatibility/2006">
               <mc:Choice xmlns:v="urn:schemas-microsoft-com:vml" Requires="v">
-                <p:oleObj spid="_x0000_s32864" name="方程式" r:id="rId6" imgW="2286000" imgH="736560" progId="Equation.3">
+                <p:oleObj spid="_x0000_s32874" name="方程式" r:id="rId6" imgW="2286000" imgH="736560" progId="Equation.3">
                   <p:embed/>
                 </p:oleObj>
               </mc:Choice>
@@ -13065,7 +13028,7 @@
           <a:graphicData uri="http://schemas.openxmlformats.org/presentationml/2006/ole">
             <mc:AlternateContent xmlns:mc="http://schemas.openxmlformats.org/markup-compatibility/2006">
               <mc:Choice xmlns:v="urn:schemas-microsoft-com:vml" Requires="v">
-                <p:oleObj spid="_x0000_s32865" name="方程式" r:id="rId8" imgW="507960" imgH="393480" progId="Equation.3">
+                <p:oleObj spid="_x0000_s32875" name="方程式" r:id="rId8" imgW="507960" imgH="393480" progId="Equation.3">
                   <p:embed/>
                 </p:oleObj>
               </mc:Choice>
@@ -13148,7 +13111,7 @@
           <a:graphicData uri="http://schemas.openxmlformats.org/presentationml/2006/ole">
             <mc:AlternateContent xmlns:mc="http://schemas.openxmlformats.org/markup-compatibility/2006">
               <mc:Choice xmlns:v="urn:schemas-microsoft-com:vml" Requires="v">
-                <p:oleObj spid="_x0000_s32866" name="方程式" r:id="rId10" imgW="634680" imgH="279360" progId="Equation.3">
+                <p:oleObj spid="_x0000_s32876" name="方程式" r:id="rId10" imgW="634680" imgH="279360" progId="Equation.3">
                   <p:embed/>
                 </p:oleObj>
               </mc:Choice>
@@ -13231,7 +13194,7 @@
           <a:graphicData uri="http://schemas.openxmlformats.org/presentationml/2006/ole">
             <mc:AlternateContent xmlns:mc="http://schemas.openxmlformats.org/markup-compatibility/2006">
               <mc:Choice xmlns:v="urn:schemas-microsoft-com:vml" Requires="v">
-                <p:oleObj spid="_x0000_s32867" name="方程式" r:id="rId12" imgW="1193760" imgH="736560" progId="Equation.3">
+                <p:oleObj spid="_x0000_s32877" name="方程式" r:id="rId12" imgW="1193760" imgH="736560" progId="Equation.3">
                   <p:embed/>
                 </p:oleObj>
               </mc:Choice>
@@ -13329,7 +13292,6 @@
               <a:rPr lang="zh-TW" altLang="en-US" dirty="0"/>
               <a:t>更新週期</a:t>
             </a:r>
-            <a:endParaRPr lang="zh-TW" altLang="en-US" dirty="0"/>
           </a:p>
         </p:txBody>
       </p:sp>
@@ -13493,7 +13455,7 @@
           <a:graphicData uri="http://schemas.openxmlformats.org/presentationml/2006/ole">
             <mc:AlternateContent xmlns:mc="http://schemas.openxmlformats.org/markup-compatibility/2006">
               <mc:Choice xmlns:v="urn:schemas-microsoft-com:vml" Requires="v">
-                <p:oleObj spid="_x0000_s34837" name="方程式" r:id="rId4" imgW="3517560" imgH="711000" progId="Equation.3">
+                <p:oleObj spid="_x0000_s34846" name="方程式" r:id="rId4" imgW="3517560" imgH="711000" progId="Equation.3">
                   <p:embed/>
                 </p:oleObj>
               </mc:Choice>
@@ -13576,7 +13538,7 @@
           <a:graphicData uri="http://schemas.openxmlformats.org/presentationml/2006/ole">
             <mc:AlternateContent xmlns:mc="http://schemas.openxmlformats.org/markup-compatibility/2006">
               <mc:Choice xmlns:v="urn:schemas-microsoft-com:vml" Requires="v">
-                <p:oleObj spid="_x0000_s34838" name="方程式" r:id="rId6" imgW="1307880" imgH="711000" progId="Equation.3">
+                <p:oleObj spid="_x0000_s34847" name="方程式" r:id="rId6" imgW="1307880" imgH="711000" progId="Equation.3">
                   <p:embed/>
                 </p:oleObj>
               </mc:Choice>
@@ -13659,7 +13621,7 @@
           <a:graphicData uri="http://schemas.openxmlformats.org/presentationml/2006/ole">
             <mc:AlternateContent xmlns:mc="http://schemas.openxmlformats.org/markup-compatibility/2006">
               <mc:Choice xmlns:v="urn:schemas-microsoft-com:vml" Requires="v">
-                <p:oleObj spid="_x0000_s34839" name="方程式" r:id="rId8" imgW="952200" imgH="393480" progId="Equation.3">
+                <p:oleObj spid="_x0000_s34848" name="方程式" r:id="rId8" imgW="952200" imgH="393480" progId="Equation.3">
                   <p:embed/>
                 </p:oleObj>
               </mc:Choice>
@@ -13742,7 +13704,7 @@
           <a:graphicData uri="http://schemas.openxmlformats.org/presentationml/2006/ole">
             <mc:AlternateContent xmlns:mc="http://schemas.openxmlformats.org/markup-compatibility/2006">
               <mc:Choice xmlns:v="urn:schemas-microsoft-com:vml" Requires="v">
-                <p:oleObj spid="_x0000_s34840" name="方程式" r:id="rId10" imgW="711000" imgH="228600" progId="Equation.3">
+                <p:oleObj spid="_x0000_s34849" name="方程式" r:id="rId10" imgW="711000" imgH="228600" progId="Equation.3">
                   <p:embed/>
                 </p:oleObj>
               </mc:Choice>
@@ -13866,25 +13828,95 @@
           </a:p>
         </p:txBody>
       </p:sp>
-      <p:sp>
-        <p:nvSpPr>
-          <p:cNvPr id="3" name="內容版面配置區 2"/>
-          <p:cNvSpPr>
-            <a:spLocks noGrp="1"/>
-          </p:cNvSpPr>
+      <p:graphicFrame>
+        <p:nvGraphicFramePr>
+          <p:cNvPr id="4" name="物件 3"/>
+          <p:cNvGraphicFramePr>
+            <a:graphicFrameLocks noChangeAspect="1"/>
+          </p:cNvGraphicFramePr>
           <p:nvPr>
-            <p:ph idx="1"/>
+            <p:extLst>
+              <p:ext uri="{D42A27DB-BD31-4B8C-83A1-F6EECF244321}">
+                <p14:modId xmlns:p14="http://schemas.microsoft.com/office/powerpoint/2010/main" val="3158541586"/>
+              </p:ext>
+            </p:extLst>
           </p:nvPr>
-        </p:nvSpPr>
-        <p:spPr/>
-        <p:txBody>
-          <a:bodyPr/>
-          <a:lstStyle/>
-          <a:p>
-            <a:endParaRPr lang="zh-TW" altLang="en-US" dirty="0"/>
-          </a:p>
-        </p:txBody>
-      </p:sp>
+        </p:nvGraphicFramePr>
+        <p:xfrm>
+          <a:off x="683568" y="1340768"/>
+          <a:ext cx="6181725" cy="1247775"/>
+        </p:xfrm>
+        <a:graphic>
+          <a:graphicData uri="http://schemas.openxmlformats.org/presentationml/2006/ole">
+            <mc:AlternateContent xmlns:mc="http://schemas.openxmlformats.org/markup-compatibility/2006">
+              <mc:Choice xmlns:v="urn:schemas-microsoft-com:vml" Requires="v">
+                <p:oleObj spid="_x0000_s35844" name="方程式" r:id="rId4" imgW="3517560" imgH="711000" progId="Equation.3">
+                  <p:embed/>
+                </p:oleObj>
+              </mc:Choice>
+              <mc:Fallback>
+                <p:oleObj name="方程式" r:id="rId4" imgW="3517560" imgH="711000" progId="Equation.3">
+                  <p:embed/>
+                  <p:pic>
+                    <p:nvPicPr>
+                      <p:cNvPr id="0" name="物件 4"/>
+                      <p:cNvPicPr>
+                        <a:picLocks noChangeAspect="1" noChangeArrowheads="1"/>
+                      </p:cNvPicPr>
+                      <p:nvPr/>
+                    </p:nvPicPr>
+                    <p:blipFill>
+                      <a:blip r:embed="rId5">
+                        <a:extLst>
+                          <a:ext uri="{28A0092B-C50C-407E-A947-70E740481C1C}">
+                            <a14:useLocalDpi xmlns:a14="http://schemas.microsoft.com/office/drawing/2010/main" val="0"/>
+                          </a:ext>
+                        </a:extLst>
+                      </a:blip>
+                      <a:srcRect/>
+                      <a:stretch>
+                        <a:fillRect/>
+                      </a:stretch>
+                    </p:blipFill>
+                    <p:spPr bwMode="auto">
+                      <a:xfrm>
+                        <a:off x="683568" y="1340768"/>
+                        <a:ext cx="6181725" cy="1247775"/>
+                      </a:xfrm>
+                      <a:prstGeom prst="rect">
+                        <a:avLst/>
+                      </a:prstGeom>
+                      <a:noFill/>
+                      <a:ln>
+                        <a:noFill/>
+                      </a:ln>
+                      <a:extLst>
+                        <a:ext uri="{909E8E84-426E-40DD-AFC4-6F175D3DCCD1}">
+                          <a14:hiddenFill xmlns:a14="http://schemas.microsoft.com/office/drawing/2010/main">
+                            <a:solidFill>
+                              <a:srgbClr val="FFFFFF"/>
+                            </a:solidFill>
+                          </a14:hiddenFill>
+                        </a:ext>
+                        <a:ext uri="{91240B29-F687-4F45-9708-019B960494DF}">
+                          <a14:hiddenLine xmlns:a14="http://schemas.microsoft.com/office/drawing/2010/main" w="9525">
+                            <a:solidFill>
+                              <a:srgbClr val="000000"/>
+                            </a:solidFill>
+                            <a:miter lim="800000"/>
+                            <a:headEnd/>
+                            <a:tailEnd/>
+                          </a14:hiddenLine>
+                        </a:ext>
+                      </a:extLst>
+                    </p:spPr>
+                  </p:pic>
+                </p:oleObj>
+              </mc:Fallback>
+            </mc:AlternateContent>
+          </a:graphicData>
+        </a:graphic>
+      </p:graphicFrame>
     </p:spTree>
     <p:extLst>
       <p:ext uri="{BB962C8B-B14F-4D97-AF65-F5344CB8AC3E}">
@@ -15562,7 +15594,7 @@
           <a:graphicData uri="http://schemas.openxmlformats.org/presentationml/2006/ole">
             <mc:AlternateContent xmlns:mc="http://schemas.openxmlformats.org/markup-compatibility/2006">
               <mc:Choice xmlns:v="urn:schemas-microsoft-com:vml" Requires="v">
-                <p:oleObj spid="_x0000_s7790" r:id="rId4" imgW="533169" imgH="457002" progId="Equation.3">
+                <p:oleObj spid="_x0000_s7798" r:id="rId4" imgW="533169" imgH="457002" progId="Equation.3">
                   <p:embed/>
                 </p:oleObj>
               </mc:Choice>
@@ -15632,7 +15664,7 @@
           <a:graphicData uri="http://schemas.openxmlformats.org/presentationml/2006/ole">
             <mc:AlternateContent xmlns:mc="http://schemas.openxmlformats.org/markup-compatibility/2006">
               <mc:Choice xmlns:v="urn:schemas-microsoft-com:vml" Requires="v">
-                <p:oleObj spid="_x0000_s7791" r:id="rId6" imgW="558800" imgH="457200" progId="Equation.3">
+                <p:oleObj spid="_x0000_s7799" r:id="rId6" imgW="558800" imgH="457200" progId="Equation.3">
                   <p:embed/>
                 </p:oleObj>
               </mc:Choice>
@@ -15792,7 +15824,7 @@
             <a:graphicData uri="http://schemas.openxmlformats.org/presentationml/2006/ole">
               <mc:AlternateContent xmlns:mc="http://schemas.openxmlformats.org/markup-compatibility/2006">
                 <mc:Choice xmlns:v="urn:schemas-microsoft-com:vml" Requires="v">
-                  <p:oleObj spid="_x0000_s7792" r:id="rId8" imgW="532937" imgH="177646" progId="Equation.3">
+                  <p:oleObj spid="_x0000_s7800" r:id="rId8" imgW="532937" imgH="177646" progId="Equation.3">
                     <p:embed/>
                   </p:oleObj>
                 </mc:Choice>
@@ -15953,7 +15985,7 @@
             <a:graphicData uri="http://schemas.openxmlformats.org/presentationml/2006/ole">
               <mc:AlternateContent xmlns:mc="http://schemas.openxmlformats.org/markup-compatibility/2006">
                 <mc:Choice xmlns:v="urn:schemas-microsoft-com:vml" Requires="v">
-                  <p:oleObj spid="_x0000_s7793" r:id="rId10" imgW="1320800" imgH="457200" progId="Equation.3">
+                  <p:oleObj spid="_x0000_s7801" r:id="rId10" imgW="1320800" imgH="457200" progId="Equation.3">
                     <p:embed/>
                   </p:oleObj>
                 </mc:Choice>
@@ -16536,7 +16568,7 @@
           <a:graphicData uri="http://schemas.openxmlformats.org/presentationml/2006/ole">
             <mc:AlternateContent xmlns:mc="http://schemas.openxmlformats.org/markup-compatibility/2006">
               <mc:Choice xmlns:v="urn:schemas-microsoft-com:vml" Requires="v">
-                <p:oleObj spid="_x0000_s8656" r:id="rId4" imgW="532937" imgH="177646" progId="Equation.3">
+                <p:oleObj spid="_x0000_s8662" r:id="rId4" imgW="532937" imgH="177646" progId="Equation.3">
                   <p:embed/>
                 </p:oleObj>
               </mc:Choice>
@@ -16700,7 +16732,7 @@
           <a:graphicData uri="http://schemas.openxmlformats.org/presentationml/2006/ole">
             <mc:AlternateContent xmlns:mc="http://schemas.openxmlformats.org/markup-compatibility/2006">
               <mc:Choice xmlns:v="urn:schemas-microsoft-com:vml" Requires="v">
-                <p:oleObj spid="_x0000_s8657" r:id="rId6" imgW="2247900" imgH="711200" progId="Equation.3">
+                <p:oleObj spid="_x0000_s8663" r:id="rId6" imgW="2247900" imgH="711200" progId="Equation.3">
                   <p:embed/>
                 </p:oleObj>
               </mc:Choice>
@@ -16870,7 +16902,7 @@
           <a:graphicData uri="http://schemas.openxmlformats.org/presentationml/2006/ole">
             <mc:AlternateContent xmlns:mc="http://schemas.openxmlformats.org/markup-compatibility/2006">
               <mc:Choice xmlns:v="urn:schemas-microsoft-com:vml" Requires="v">
-                <p:oleObj spid="_x0000_s8658" r:id="rId8" imgW="1739900" imgH="914400" progId="Equation.3">
+                <p:oleObj spid="_x0000_s8664" r:id="rId8" imgW="1739900" imgH="914400" progId="Equation.3">
                   <p:embed/>
                 </p:oleObj>
               </mc:Choice>
@@ -17464,7 +17496,7 @@
             <a:graphicData uri="http://schemas.openxmlformats.org/presentationml/2006/ole">
               <mc:AlternateContent xmlns:mc="http://schemas.openxmlformats.org/markup-compatibility/2006">
                 <mc:Choice xmlns:v="urn:schemas-microsoft-com:vml" Requires="v">
-                  <p:oleObj spid="_x0000_s31865" name="公式" r:id="rId4" imgW="152517" imgH="209468" progId="Equation.3">
+                  <p:oleObj spid="_x0000_s31879" name="公式" r:id="rId4" imgW="152517" imgH="209468" progId="Equation.3">
                     <p:embed/>
                   </p:oleObj>
                 </mc:Choice>
@@ -17547,7 +17579,7 @@
             <a:graphicData uri="http://schemas.openxmlformats.org/presentationml/2006/ole">
               <mc:AlternateContent xmlns:mc="http://schemas.openxmlformats.org/markup-compatibility/2006">
                 <mc:Choice xmlns:v="urn:schemas-microsoft-com:vml" Requires="v">
-                  <p:oleObj spid="_x0000_s31866" name="Equation" r:id="rId6" imgW="152517" imgH="209468" progId="Equation.3">
+                  <p:oleObj spid="_x0000_s31880" name="Equation" r:id="rId6" imgW="152517" imgH="209468" progId="Equation.3">
                     <p:embed/>
                   </p:oleObj>
                 </mc:Choice>
@@ -17630,7 +17662,7 @@
             <a:graphicData uri="http://schemas.openxmlformats.org/presentationml/2006/ole">
               <mc:AlternateContent xmlns:mc="http://schemas.openxmlformats.org/markup-compatibility/2006">
                 <mc:Choice xmlns:v="urn:schemas-microsoft-com:vml" Requires="v">
-                  <p:oleObj spid="_x0000_s31867" name="Equation" r:id="rId8" imgW="152517" imgH="209468" progId="Equation.3">
+                  <p:oleObj spid="_x0000_s31881" name="Equation" r:id="rId8" imgW="152517" imgH="209468" progId="Equation.3">
                     <p:embed/>
                   </p:oleObj>
                 </mc:Choice>
@@ -18019,7 +18051,7 @@
             <a:graphicData uri="http://schemas.openxmlformats.org/presentationml/2006/ole">
               <mc:AlternateContent xmlns:mc="http://schemas.openxmlformats.org/markup-compatibility/2006">
                 <mc:Choice xmlns:v="urn:schemas-microsoft-com:vml" Requires="v">
-                  <p:oleObj spid="_x0000_s31868" name="公式" r:id="rId10" imgW="142799" imgH="209468" progId="Equation.3">
+                  <p:oleObj spid="_x0000_s31882" name="公式" r:id="rId10" imgW="142799" imgH="209468" progId="Equation.3">
                     <p:embed/>
                   </p:oleObj>
                 </mc:Choice>
@@ -18102,7 +18134,7 @@
             <a:graphicData uri="http://schemas.openxmlformats.org/presentationml/2006/ole">
               <mc:AlternateContent xmlns:mc="http://schemas.openxmlformats.org/markup-compatibility/2006">
                 <mc:Choice xmlns:v="urn:schemas-microsoft-com:vml" Requires="v">
-                  <p:oleObj spid="_x0000_s31869" name="Equation" r:id="rId12" imgW="142799" imgH="209468" progId="Equation.3">
+                  <p:oleObj spid="_x0000_s31883" name="Equation" r:id="rId12" imgW="142799" imgH="209468" progId="Equation.3">
                     <p:embed/>
                   </p:oleObj>
                 </mc:Choice>
@@ -18185,7 +18217,7 @@
             <a:graphicData uri="http://schemas.openxmlformats.org/presentationml/2006/ole">
               <mc:AlternateContent xmlns:mc="http://schemas.openxmlformats.org/markup-compatibility/2006">
                 <mc:Choice xmlns:v="urn:schemas-microsoft-com:vml" Requires="v">
-                  <p:oleObj spid="_x0000_s31870" name="Equation" r:id="rId14" imgW="142799" imgH="209468" progId="Equation.3">
+                  <p:oleObj spid="_x0000_s31884" name="Equation" r:id="rId14" imgW="142799" imgH="209468" progId="Equation.3">
                     <p:embed/>
                   </p:oleObj>
                 </mc:Choice>
@@ -18275,7 +18307,7 @@
           <a:graphicData uri="http://schemas.openxmlformats.org/presentationml/2006/ole">
             <mc:AlternateContent xmlns:mc="http://schemas.openxmlformats.org/markup-compatibility/2006">
               <mc:Choice xmlns:v="urn:schemas-microsoft-com:vml" Requires="v">
-                <p:oleObj spid="_x0000_s31871" name="公式" r:id="rId16" imgW="812447" imgH="203112" progId="Equation.3">
+                <p:oleObj spid="_x0000_s31885" name="公式" r:id="rId16" imgW="812447" imgH="203112" progId="Equation.3">
                   <p:embed/>
                 </p:oleObj>
               </mc:Choice>
@@ -18675,7 +18707,7 @@
           <a:graphicData uri="http://schemas.openxmlformats.org/presentationml/2006/ole">
             <mc:AlternateContent xmlns:mc="http://schemas.openxmlformats.org/markup-compatibility/2006">
               <mc:Choice xmlns:v="urn:schemas-microsoft-com:vml" Requires="v">
-                <p:oleObj spid="_x0000_s22052" name="公式" r:id="rId3" imgW="114151" imgH="215619" progId="Equation.3">
+                <p:oleObj spid="_x0000_s22072" name="公式" r:id="rId3" imgW="114151" imgH="215619" progId="Equation.3">
                   <p:embed/>
                 </p:oleObj>
               </mc:Choice>
@@ -19106,7 +19138,7 @@
           <a:graphicData uri="http://schemas.openxmlformats.org/presentationml/2006/ole">
             <mc:AlternateContent xmlns:mc="http://schemas.openxmlformats.org/markup-compatibility/2006">
               <mc:Choice xmlns:v="urn:schemas-microsoft-com:vml" Requires="v">
-                <p:oleObj spid="_x0000_s22053" name="Equation" r:id="rId5" imgW="457280" imgH="209468" progId="Equation.3">
+                <p:oleObj spid="_x0000_s22073" name="Equation" r:id="rId5" imgW="457280" imgH="209468" progId="Equation.3">
                   <p:embed/>
                 </p:oleObj>
               </mc:Choice>
@@ -19189,7 +19221,7 @@
           <a:graphicData uri="http://schemas.openxmlformats.org/presentationml/2006/ole">
             <mc:AlternateContent xmlns:mc="http://schemas.openxmlformats.org/markup-compatibility/2006">
               <mc:Choice xmlns:v="urn:schemas-microsoft-com:vml" Requires="v">
-                <p:oleObj spid="_x0000_s22054" name="公式" r:id="rId7" imgW="253780" imgH="203024" progId="Equation.3">
+                <p:oleObj spid="_x0000_s22074" name="公式" r:id="rId7" imgW="253780" imgH="203024" progId="Equation.3">
                   <p:embed/>
                 </p:oleObj>
               </mc:Choice>
@@ -19272,7 +19304,7 @@
           <a:graphicData uri="http://schemas.openxmlformats.org/presentationml/2006/ole">
             <mc:AlternateContent xmlns:mc="http://schemas.openxmlformats.org/markup-compatibility/2006">
               <mc:Choice xmlns:v="urn:schemas-microsoft-com:vml" Requires="v">
-                <p:oleObj spid="_x0000_s22055" name="公式" r:id="rId9" imgW="710891" imgH="190417" progId="Equation.3">
+                <p:oleObj spid="_x0000_s22075" name="公式" r:id="rId9" imgW="710891" imgH="190417" progId="Equation.3">
                   <p:embed/>
                 </p:oleObj>
               </mc:Choice>
@@ -19533,7 +19565,7 @@
           <a:graphicData uri="http://schemas.openxmlformats.org/presentationml/2006/ole">
             <mc:AlternateContent xmlns:mc="http://schemas.openxmlformats.org/markup-compatibility/2006">
               <mc:Choice xmlns:v="urn:schemas-microsoft-com:vml" Requires="v">
-                <p:oleObj spid="_x0000_s22056" name="公式" r:id="rId11" imgW="152517" imgH="228634" progId="Equation.3">
+                <p:oleObj spid="_x0000_s22076" name="公式" r:id="rId11" imgW="152517" imgH="228634" progId="Equation.3">
                   <p:embed/>
                 </p:oleObj>
               </mc:Choice>
@@ -19616,7 +19648,7 @@
           <a:graphicData uri="http://schemas.openxmlformats.org/presentationml/2006/ole">
             <mc:AlternateContent xmlns:mc="http://schemas.openxmlformats.org/markup-compatibility/2006">
               <mc:Choice xmlns:v="urn:schemas-microsoft-com:vml" Requires="v">
-                <p:oleObj spid="_x0000_s22057" name="公式" r:id="rId13" imgW="152517" imgH="219186" progId="Equation.3">
+                <p:oleObj spid="_x0000_s22077" name="公式" r:id="rId13" imgW="152517" imgH="219186" progId="Equation.3">
                   <p:embed/>
                 </p:oleObj>
               </mc:Choice>
@@ -19699,7 +19731,7 @@
           <a:graphicData uri="http://schemas.openxmlformats.org/presentationml/2006/ole">
             <mc:AlternateContent xmlns:mc="http://schemas.openxmlformats.org/markup-compatibility/2006">
               <mc:Choice xmlns:v="urn:schemas-microsoft-com:vml" Requires="v">
-                <p:oleObj spid="_x0000_s22058" name="公式" r:id="rId15" imgW="152517" imgH="219186" progId="Equation.3">
+                <p:oleObj spid="_x0000_s22078" name="公式" r:id="rId15" imgW="152517" imgH="219186" progId="Equation.3">
                   <p:embed/>
                 </p:oleObj>
               </mc:Choice>
@@ -20088,7 +20120,7 @@
           <a:graphicData uri="http://schemas.openxmlformats.org/presentationml/2006/ole">
             <mc:AlternateContent xmlns:mc="http://schemas.openxmlformats.org/markup-compatibility/2006">
               <mc:Choice xmlns:v="urn:schemas-microsoft-com:vml" Requires="v">
-                <p:oleObj spid="_x0000_s22059" name="公式" r:id="rId17" imgW="142799" imgH="209468" progId="Equation.3">
+                <p:oleObj spid="_x0000_s22079" name="公式" r:id="rId17" imgW="142799" imgH="209468" progId="Equation.3">
                   <p:embed/>
                 </p:oleObj>
               </mc:Choice>
@@ -20171,7 +20203,7 @@
           <a:graphicData uri="http://schemas.openxmlformats.org/presentationml/2006/ole">
             <mc:AlternateContent xmlns:mc="http://schemas.openxmlformats.org/markup-compatibility/2006">
               <mc:Choice xmlns:v="urn:schemas-microsoft-com:vml" Requires="v">
-                <p:oleObj spid="_x0000_s22060" name="Equation" r:id="rId19" imgW="142799" imgH="209468" progId="Equation.3">
+                <p:oleObj spid="_x0000_s22080" name="Equation" r:id="rId19" imgW="142799" imgH="209468" progId="Equation.3">
                   <p:embed/>
                 </p:oleObj>
               </mc:Choice>
@@ -20254,7 +20286,7 @@
           <a:graphicData uri="http://schemas.openxmlformats.org/presentationml/2006/ole">
             <mc:AlternateContent xmlns:mc="http://schemas.openxmlformats.org/markup-compatibility/2006">
               <mc:Choice xmlns:v="urn:schemas-microsoft-com:vml" Requires="v">
-                <p:oleObj spid="_x0000_s22061" name="Equation" r:id="rId21" imgW="142799" imgH="209468" progId="Equation.3">
+                <p:oleObj spid="_x0000_s22081" name="Equation" r:id="rId21" imgW="142799" imgH="209468" progId="Equation.3">
                   <p:embed/>
                 </p:oleObj>
               </mc:Choice>
@@ -21063,7 +21095,7 @@
           <a:graphicData uri="http://schemas.openxmlformats.org/presentationml/2006/ole">
             <mc:AlternateContent xmlns:mc="http://schemas.openxmlformats.org/markup-compatibility/2006">
               <mc:Choice xmlns:v="urn:schemas-microsoft-com:vml" Requires="v">
-                <p:oleObj spid="_x0000_s24024" name="公式" r:id="rId3" imgW="114151" imgH="215619" progId="Equation.3">
+                <p:oleObj spid="_x0000_s24042" name="公式" r:id="rId3" imgW="114151" imgH="215619" progId="Equation.3">
                   <p:embed/>
                 </p:oleObj>
               </mc:Choice>
@@ -21344,7 +21376,7 @@
             <a:graphicData uri="http://schemas.openxmlformats.org/presentationml/2006/ole">
               <mc:AlternateContent xmlns:mc="http://schemas.openxmlformats.org/markup-compatibility/2006">
                 <mc:Choice xmlns:v="urn:schemas-microsoft-com:vml" Requires="v">
-                  <p:oleObj spid="_x0000_s24025" name="方程式" r:id="rId5" imgW="1143000" imgH="291960" progId="Equation.3">
+                  <p:oleObj spid="_x0000_s24043" name="方程式" r:id="rId5" imgW="1143000" imgH="291960" progId="Equation.3">
                     <p:embed/>
                   </p:oleObj>
                 </mc:Choice>
@@ -21610,7 +21642,7 @@
             <a:graphicData uri="http://schemas.openxmlformats.org/presentationml/2006/ole">
               <mc:AlternateContent xmlns:mc="http://schemas.openxmlformats.org/markup-compatibility/2006">
                 <mc:Choice xmlns:v="urn:schemas-microsoft-com:vml" Requires="v">
-                  <p:oleObj spid="_x0000_s24026" name="方程式" r:id="rId7" imgW="1193760" imgH="291960" progId="Equation.3">
+                  <p:oleObj spid="_x0000_s24044" name="方程式" r:id="rId7" imgW="1193760" imgH="291960" progId="Equation.3">
                     <p:embed/>
                   </p:oleObj>
                 </mc:Choice>
@@ -21790,7 +21822,7 @@
             <a:graphicData uri="http://schemas.openxmlformats.org/presentationml/2006/ole">
               <mc:AlternateContent xmlns:mc="http://schemas.openxmlformats.org/markup-compatibility/2006">
                 <mc:Choice xmlns:v="urn:schemas-microsoft-com:vml" Requires="v">
-                  <p:oleObj spid="_x0000_s24027" name="Equation" r:id="rId9" imgW="152334" imgH="190417" progId="Equation.3">
+                  <p:oleObj spid="_x0000_s24045" name="Equation" r:id="rId9" imgW="152334" imgH="190417" progId="Equation.3">
                     <p:embed/>
                   </p:oleObj>
                 </mc:Choice>
@@ -21873,7 +21905,7 @@
             <a:graphicData uri="http://schemas.openxmlformats.org/presentationml/2006/ole">
               <mc:AlternateContent xmlns:mc="http://schemas.openxmlformats.org/markup-compatibility/2006">
                 <mc:Choice xmlns:v="urn:schemas-microsoft-com:vml" Requires="v">
-                  <p:oleObj spid="_x0000_s24028" name="Equation" r:id="rId11" imgW="164957" imgH="190335" progId="Equation.3">
+                  <p:oleObj spid="_x0000_s24046" name="Equation" r:id="rId11" imgW="164957" imgH="190335" progId="Equation.3">
                     <p:embed/>
                   </p:oleObj>
                 </mc:Choice>
@@ -21963,7 +21995,7 @@
           <a:graphicData uri="http://schemas.openxmlformats.org/presentationml/2006/ole">
             <mc:AlternateContent xmlns:mc="http://schemas.openxmlformats.org/markup-compatibility/2006">
               <mc:Choice xmlns:v="urn:schemas-microsoft-com:vml" Requires="v">
-                <p:oleObj spid="_x0000_s24029" name="公式" r:id="rId13" imgW="742877" imgH="180855" progId="Equation.3">
+                <p:oleObj spid="_x0000_s24047" name="公式" r:id="rId13" imgW="742877" imgH="180855" progId="Equation.3">
                   <p:embed/>
                 </p:oleObj>
               </mc:Choice>
@@ -22046,7 +22078,7 @@
           <a:graphicData uri="http://schemas.openxmlformats.org/presentationml/2006/ole">
             <mc:AlternateContent xmlns:mc="http://schemas.openxmlformats.org/markup-compatibility/2006">
               <mc:Choice xmlns:v="urn:schemas-microsoft-com:vml" Requires="v">
-                <p:oleObj spid="_x0000_s24030" name="公式" r:id="rId15" imgW="1244600" imgH="609600" progId="Equation.3">
+                <p:oleObj spid="_x0000_s24048" name="公式" r:id="rId15" imgW="1244600" imgH="609600" progId="Equation.3">
                   <p:embed/>
                 </p:oleObj>
               </mc:Choice>
@@ -22213,7 +22245,7 @@
           <a:graphicData uri="http://schemas.openxmlformats.org/presentationml/2006/ole">
             <mc:AlternateContent xmlns:mc="http://schemas.openxmlformats.org/markup-compatibility/2006">
               <mc:Choice xmlns:v="urn:schemas-microsoft-com:vml" Requires="v">
-                <p:oleObj spid="_x0000_s24031" name="方程式" r:id="rId17" imgW="1295280" imgH="736560" progId="Equation.3">
+                <p:oleObj spid="_x0000_s24049" name="方程式" r:id="rId17" imgW="1295280" imgH="736560" progId="Equation.3">
                   <p:embed/>
                 </p:oleObj>
               </mc:Choice>
@@ -22290,7 +22322,7 @@
           <a:graphicData uri="http://schemas.openxmlformats.org/presentationml/2006/ole">
             <mc:AlternateContent xmlns:mc="http://schemas.openxmlformats.org/markup-compatibility/2006">
               <mc:Choice xmlns:v="urn:schemas-microsoft-com:vml" Requires="v">
-                <p:oleObj spid="_x0000_s24032" name="公式" r:id="rId19" imgW="1447800" imgH="647700" progId="Equation.3">
+                <p:oleObj spid="_x0000_s24050" name="公式" r:id="rId19" imgW="1447800" imgH="647700" progId="Equation.3">
                   <p:embed/>
                 </p:oleObj>
               </mc:Choice>
@@ -23179,7 +23211,7 @@
           <a:graphicData uri="http://schemas.openxmlformats.org/presentationml/2006/ole">
             <mc:AlternateContent xmlns:mc="http://schemas.openxmlformats.org/markup-compatibility/2006">
               <mc:Choice xmlns:v="urn:schemas-microsoft-com:vml" Requires="v">
-                <p:oleObj spid="_x0000_s30869" name="方程式" r:id="rId4" imgW="799920" imgH="203040" progId="Equation.3">
+                <p:oleObj spid="_x0000_s30883" name="方程式" r:id="rId4" imgW="799920" imgH="203040" progId="Equation.3">
                   <p:embed/>
                 </p:oleObj>
               </mc:Choice>
@@ -23272,7 +23304,7 @@
             <a:graphicData uri="http://schemas.openxmlformats.org/presentationml/2006/ole">
               <mc:AlternateContent xmlns:mc="http://schemas.openxmlformats.org/markup-compatibility/2006">
                 <mc:Choice xmlns:v="urn:schemas-microsoft-com:vml" Requires="v">
-                  <p:oleObj spid="_x0000_s30870" name="公式" r:id="rId6" imgW="164880" imgH="215640" progId="Equation.3">
+                  <p:oleObj spid="_x0000_s30884" name="公式" r:id="rId6" imgW="164880" imgH="215640" progId="Equation.3">
                     <p:embed/>
                   </p:oleObj>
                 </mc:Choice>
@@ -23342,7 +23374,7 @@
             <a:graphicData uri="http://schemas.openxmlformats.org/presentationml/2006/ole">
               <mc:AlternateContent xmlns:mc="http://schemas.openxmlformats.org/markup-compatibility/2006">
                 <mc:Choice xmlns:v="urn:schemas-microsoft-com:vml" Requires="v">
-                  <p:oleObj spid="_x0000_s30871" name="Equation" r:id="rId8" imgW="164880" imgH="215640" progId="Equation.3">
+                  <p:oleObj spid="_x0000_s30885" name="Equation" r:id="rId8" imgW="164880" imgH="215640" progId="Equation.3">
                     <p:embed/>
                   </p:oleObj>
                 </mc:Choice>
@@ -23412,7 +23444,7 @@
             <a:graphicData uri="http://schemas.openxmlformats.org/presentationml/2006/ole">
               <mc:AlternateContent xmlns:mc="http://schemas.openxmlformats.org/markup-compatibility/2006">
                 <mc:Choice xmlns:v="urn:schemas-microsoft-com:vml" Requires="v">
-                  <p:oleObj spid="_x0000_s30872" name="Equation" r:id="rId10" imgW="164880" imgH="215640" progId="Equation.3">
+                  <p:oleObj spid="_x0000_s30886" name="Equation" r:id="rId10" imgW="164880" imgH="215640" progId="Equation.3">
                     <p:embed/>
                   </p:oleObj>
                 </mc:Choice>
@@ -23788,7 +23820,7 @@
             <a:graphicData uri="http://schemas.openxmlformats.org/presentationml/2006/ole">
               <mc:AlternateContent xmlns:mc="http://schemas.openxmlformats.org/markup-compatibility/2006">
                 <mc:Choice xmlns:v="urn:schemas-microsoft-com:vml" Requires="v">
-                  <p:oleObj spid="_x0000_s30873" name="公式" r:id="rId12" imgW="152280" imgH="215640" progId="Equation.3">
+                  <p:oleObj spid="_x0000_s30887" name="公式" r:id="rId12" imgW="152280" imgH="215640" progId="Equation.3">
                     <p:embed/>
                   </p:oleObj>
                 </mc:Choice>
@@ -23858,7 +23890,7 @@
             <a:graphicData uri="http://schemas.openxmlformats.org/presentationml/2006/ole">
               <mc:AlternateContent xmlns:mc="http://schemas.openxmlformats.org/markup-compatibility/2006">
                 <mc:Choice xmlns:v="urn:schemas-microsoft-com:vml" Requires="v">
-                  <p:oleObj spid="_x0000_s30874" name="Equation" r:id="rId14" imgW="152280" imgH="215640" progId="Equation.3">
+                  <p:oleObj spid="_x0000_s30888" name="Equation" r:id="rId14" imgW="152280" imgH="215640" progId="Equation.3">
                     <p:embed/>
                   </p:oleObj>
                 </mc:Choice>
@@ -23928,7 +23960,7 @@
             <a:graphicData uri="http://schemas.openxmlformats.org/presentationml/2006/ole">
               <mc:AlternateContent xmlns:mc="http://schemas.openxmlformats.org/markup-compatibility/2006">
                 <mc:Choice xmlns:v="urn:schemas-microsoft-com:vml" Requires="v">
-                  <p:oleObj spid="_x0000_s30875" name="Equation" r:id="rId16" imgW="152280" imgH="215640" progId="Equation.3">
+                  <p:oleObj spid="_x0000_s30889" name="Equation" r:id="rId16" imgW="152280" imgH="215640" progId="Equation.3">
                     <p:embed/>
                   </p:oleObj>
                 </mc:Choice>
@@ -24484,7 +24516,7 @@
           <a:graphicData uri="http://schemas.openxmlformats.org/presentationml/2006/ole">
             <mc:AlternateContent xmlns:mc="http://schemas.openxmlformats.org/markup-compatibility/2006">
               <mc:Choice xmlns:v="urn:schemas-microsoft-com:vml" Requires="v">
-                <p:oleObj spid="_x0000_s28258" name="Equation" r:id="rId3" imgW="152334" imgH="190417" progId="Equation.3">
+                <p:oleObj spid="_x0000_s28306" name="Equation" r:id="rId3" imgW="152334" imgH="190417" progId="Equation.3">
                   <p:embed/>
                 </p:oleObj>
               </mc:Choice>
@@ -24623,7 +24655,7 @@
           <a:graphicData uri="http://schemas.openxmlformats.org/presentationml/2006/ole">
             <mc:AlternateContent xmlns:mc="http://schemas.openxmlformats.org/markup-compatibility/2006">
               <mc:Choice xmlns:v="urn:schemas-microsoft-com:vml" Requires="v">
-                <p:oleObj spid="_x0000_s28259" name="Equation" r:id="rId5" imgW="126835" imgH="202936" progId="Equation.3">
+                <p:oleObj spid="_x0000_s28307" name="Equation" r:id="rId5" imgW="126835" imgH="202936" progId="Equation.3">
                   <p:embed/>
                 </p:oleObj>
               </mc:Choice>
@@ -24706,7 +24738,7 @@
           <a:graphicData uri="http://schemas.openxmlformats.org/presentationml/2006/ole">
             <mc:AlternateContent xmlns:mc="http://schemas.openxmlformats.org/markup-compatibility/2006">
               <mc:Choice xmlns:v="urn:schemas-microsoft-com:vml" Requires="v">
-                <p:oleObj spid="_x0000_s28260" name="Equation" r:id="rId7" imgW="126780" imgH="164814" progId="Equation.3">
+                <p:oleObj spid="_x0000_s28308" name="Equation" r:id="rId7" imgW="126780" imgH="164814" progId="Equation.3">
                   <p:embed/>
                 </p:oleObj>
               </mc:Choice>
@@ -24789,7 +24821,7 @@
           <a:graphicData uri="http://schemas.openxmlformats.org/presentationml/2006/ole">
             <mc:AlternateContent xmlns:mc="http://schemas.openxmlformats.org/markup-compatibility/2006">
               <mc:Choice xmlns:v="urn:schemas-microsoft-com:vml" Requires="v">
-                <p:oleObj spid="_x0000_s28261" name="Equation" r:id="rId9" imgW="901309" imgH="228501" progId="Equation.3">
+                <p:oleObj spid="_x0000_s28309" name="Equation" r:id="rId9" imgW="901309" imgH="228501" progId="Equation.3">
                   <p:embed/>
                 </p:oleObj>
               </mc:Choice>
@@ -24882,7 +24914,7 @@
           <a:graphicData uri="http://schemas.openxmlformats.org/presentationml/2006/ole">
             <mc:AlternateContent xmlns:mc="http://schemas.openxmlformats.org/markup-compatibility/2006">
               <mc:Choice xmlns:v="urn:schemas-microsoft-com:vml" Requires="v">
-                <p:oleObj spid="_x0000_s28262" name="Equation" r:id="rId11" imgW="1002865" imgH="228501" progId="Equation.3">
+                <p:oleObj spid="_x0000_s28310" name="Equation" r:id="rId11" imgW="1002865" imgH="228501" progId="Equation.3">
                   <p:embed/>
                 </p:oleObj>
               </mc:Choice>
@@ -25169,7 +25201,7 @@
             <a:graphicData uri="http://schemas.openxmlformats.org/presentationml/2006/ole">
               <mc:AlternateContent xmlns:mc="http://schemas.openxmlformats.org/markup-compatibility/2006">
                 <mc:Choice xmlns:v="urn:schemas-microsoft-com:vml" Requires="v">
-                  <p:oleObj spid="_x0000_s28263" name="Equation" r:id="rId13" imgW="164957" imgH="190335" progId="Equation.3">
+                  <p:oleObj spid="_x0000_s28311" name="Equation" r:id="rId13" imgW="164957" imgH="190335" progId="Equation.3">
                     <p:embed/>
                   </p:oleObj>
                 </mc:Choice>
@@ -25252,7 +25284,7 @@
             <a:graphicData uri="http://schemas.openxmlformats.org/presentationml/2006/ole">
               <mc:AlternateContent xmlns:mc="http://schemas.openxmlformats.org/markup-compatibility/2006">
                 <mc:Choice xmlns:v="urn:schemas-microsoft-com:vml" Requires="v">
-                  <p:oleObj spid="_x0000_s28264" name="Equation" r:id="rId15" imgW="164885" imgH="215619" progId="Equation.3">
+                  <p:oleObj spid="_x0000_s28312" name="Equation" r:id="rId15" imgW="164885" imgH="215619" progId="Equation.3">
                     <p:embed/>
                   </p:oleObj>
                 </mc:Choice>
@@ -25335,7 +25367,7 @@
             <a:graphicData uri="http://schemas.openxmlformats.org/presentationml/2006/ole">
               <mc:AlternateContent xmlns:mc="http://schemas.openxmlformats.org/markup-compatibility/2006">
                 <mc:Choice xmlns:v="urn:schemas-microsoft-com:vml" Requires="v">
-                  <p:oleObj spid="_x0000_s28265" name="Equation" r:id="rId17" imgW="164885" imgH="215619" progId="Equation.3">
+                  <p:oleObj spid="_x0000_s28313" name="Equation" r:id="rId17" imgW="164885" imgH="215619" progId="Equation.3">
                     <p:embed/>
                   </p:oleObj>
                 </mc:Choice>
@@ -25418,7 +25450,7 @@
             <a:graphicData uri="http://schemas.openxmlformats.org/presentationml/2006/ole">
               <mc:AlternateContent xmlns:mc="http://schemas.openxmlformats.org/markup-compatibility/2006">
                 <mc:Choice xmlns:v="urn:schemas-microsoft-com:vml" Requires="v">
-                  <p:oleObj spid="_x0000_s28266" name="Equation" r:id="rId19" imgW="126780" imgH="164814" progId="Equation.3">
+                  <p:oleObj spid="_x0000_s28314" name="Equation" r:id="rId19" imgW="126780" imgH="164814" progId="Equation.3">
                     <p:embed/>
                   </p:oleObj>
                 </mc:Choice>
@@ -25501,7 +25533,7 @@
             <a:graphicData uri="http://schemas.openxmlformats.org/presentationml/2006/ole">
               <mc:AlternateContent xmlns:mc="http://schemas.openxmlformats.org/markup-compatibility/2006">
                 <mc:Choice xmlns:v="urn:schemas-microsoft-com:vml" Requires="v">
-                  <p:oleObj spid="_x0000_s28267" name="Equation" r:id="rId20" imgW="126835" imgH="202936" progId="Equation.3">
+                  <p:oleObj spid="_x0000_s28315" name="Equation" r:id="rId20" imgW="126835" imgH="202936" progId="Equation.3">
                     <p:embed/>
                   </p:oleObj>
                 </mc:Choice>
@@ -25779,7 +25811,7 @@
             <a:graphicData uri="http://schemas.openxmlformats.org/presentationml/2006/ole">
               <mc:AlternateContent xmlns:mc="http://schemas.openxmlformats.org/markup-compatibility/2006">
                 <mc:Choice xmlns:v="urn:schemas-microsoft-com:vml" Requires="v">
-                  <p:oleObj spid="_x0000_s28268" name="Equation" r:id="rId21" imgW="164957" imgH="190335" progId="Equation.3">
+                  <p:oleObj spid="_x0000_s28316" name="Equation" r:id="rId21" imgW="164957" imgH="190335" progId="Equation.3">
                     <p:embed/>
                   </p:oleObj>
                 </mc:Choice>
@@ -25862,7 +25894,7 @@
             <a:graphicData uri="http://schemas.openxmlformats.org/presentationml/2006/ole">
               <mc:AlternateContent xmlns:mc="http://schemas.openxmlformats.org/markup-compatibility/2006">
                 <mc:Choice xmlns:v="urn:schemas-microsoft-com:vml" Requires="v">
-                  <p:oleObj spid="_x0000_s28269" name="Equation" r:id="rId22" imgW="152334" imgH="190417" progId="Equation.3">
+                  <p:oleObj spid="_x0000_s28317" name="Equation" r:id="rId22" imgW="152334" imgH="190417" progId="Equation.3">
                     <p:embed/>
                   </p:oleObj>
                 </mc:Choice>
@@ -25945,7 +25977,7 @@
             <a:graphicData uri="http://schemas.openxmlformats.org/presentationml/2006/ole">
               <mc:AlternateContent xmlns:mc="http://schemas.openxmlformats.org/markup-compatibility/2006">
                 <mc:Choice xmlns:v="urn:schemas-microsoft-com:vml" Requires="v">
-                  <p:oleObj spid="_x0000_s28270" name="Equation" r:id="rId23" imgW="228402" imgH="177646" progId="Equation.3">
+                  <p:oleObj spid="_x0000_s28318" name="Equation" r:id="rId23" imgW="228402" imgH="177646" progId="Equation.3">
                     <p:embed/>
                   </p:oleObj>
                 </mc:Choice>
@@ -26454,7 +26486,7 @@
           <a:graphicData uri="http://schemas.openxmlformats.org/presentationml/2006/ole">
             <mc:AlternateContent xmlns:mc="http://schemas.openxmlformats.org/markup-compatibility/2006">
               <mc:Choice xmlns:v="urn:schemas-microsoft-com:vml" Requires="v">
-                <p:oleObj spid="_x0000_s28271" name="Equation" r:id="rId25" imgW="126780" imgH="164814" progId="Equation.3">
+                <p:oleObj spid="_x0000_s28319" name="Equation" r:id="rId25" imgW="126780" imgH="164814" progId="Equation.3">
                   <p:embed/>
                 </p:oleObj>
               </mc:Choice>
@@ -26537,7 +26569,7 @@
           <a:graphicData uri="http://schemas.openxmlformats.org/presentationml/2006/ole">
             <mc:AlternateContent xmlns:mc="http://schemas.openxmlformats.org/markup-compatibility/2006">
               <mc:Choice xmlns:v="urn:schemas-microsoft-com:vml" Requires="v">
-                <p:oleObj spid="_x0000_s28272" name="Equation" r:id="rId26" imgW="126835" imgH="202936" progId="Equation.3">
+                <p:oleObj spid="_x0000_s28320" name="Equation" r:id="rId26" imgW="126835" imgH="202936" progId="Equation.3">
                   <p:embed/>
                 </p:oleObj>
               </mc:Choice>
@@ -26620,7 +26652,7 @@
           <a:graphicData uri="http://schemas.openxmlformats.org/presentationml/2006/ole">
             <mc:AlternateContent xmlns:mc="http://schemas.openxmlformats.org/markup-compatibility/2006">
               <mc:Choice xmlns:v="urn:schemas-microsoft-com:vml" Requires="v">
-                <p:oleObj spid="_x0000_s28273" name="Equation" r:id="rId28" imgW="152268" imgH="215713" progId="Equation.3">
+                <p:oleObj spid="_x0000_s28321" name="Equation" r:id="rId28" imgW="152268" imgH="215713" progId="Equation.3">
                   <p:embed/>
                 </p:oleObj>
               </mc:Choice>
@@ -26874,7 +26906,7 @@
             <a:graphicData uri="http://schemas.openxmlformats.org/presentationml/2006/ole">
               <mc:AlternateContent xmlns:mc="http://schemas.openxmlformats.org/markup-compatibility/2006">
                 <mc:Choice xmlns:v="urn:schemas-microsoft-com:vml" Requires="v">
-                  <p:oleObj spid="_x0000_s28274" name="Equation" r:id="rId30" imgW="164885" imgH="215619" progId="Equation.3">
+                  <p:oleObj spid="_x0000_s28322" name="Equation" r:id="rId30" imgW="164885" imgH="215619" progId="Equation.3">
                     <p:embed/>
                   </p:oleObj>
                 </mc:Choice>
@@ -27025,7 +27057,7 @@
             <a:graphicData uri="http://schemas.openxmlformats.org/presentationml/2006/ole">
               <mc:AlternateContent xmlns:mc="http://schemas.openxmlformats.org/markup-compatibility/2006">
                 <mc:Choice xmlns:v="urn:schemas-microsoft-com:vml" Requires="v">
-                  <p:oleObj spid="_x0000_s28275" name="Equation" r:id="rId32" imgW="164885" imgH="215619" progId="Equation.3">
+                  <p:oleObj spid="_x0000_s28323" name="Equation" r:id="rId32" imgW="164885" imgH="215619" progId="Equation.3">
                     <p:embed/>
                   </p:oleObj>
                 </mc:Choice>
@@ -27109,7 +27141,7 @@
           <a:graphicData uri="http://schemas.openxmlformats.org/presentationml/2006/ole">
             <mc:AlternateContent xmlns:mc="http://schemas.openxmlformats.org/markup-compatibility/2006">
               <mc:Choice xmlns:v="urn:schemas-microsoft-com:vml" Requires="v">
-                <p:oleObj spid="_x0000_s28276" name="Equation" r:id="rId34" imgW="152268" imgH="215713" progId="Equation.3">
+                <p:oleObj spid="_x0000_s28324" name="Equation" r:id="rId34" imgW="152268" imgH="215713" progId="Equation.3">
                   <p:embed/>
                 </p:oleObj>
               </mc:Choice>
@@ -27192,7 +27224,7 @@
           <a:graphicData uri="http://schemas.openxmlformats.org/presentationml/2006/ole">
             <mc:AlternateContent xmlns:mc="http://schemas.openxmlformats.org/markup-compatibility/2006">
               <mc:Choice xmlns:v="urn:schemas-microsoft-com:vml" Requires="v">
-                <p:oleObj spid="_x0000_s28277" name="Equation" r:id="rId36" imgW="152268" imgH="215713" progId="Equation.3">
+                <p:oleObj spid="_x0000_s28325" name="Equation" r:id="rId36" imgW="152268" imgH="215713" progId="Equation.3">
                   <p:embed/>
                 </p:oleObj>
               </mc:Choice>
@@ -27275,7 +27307,7 @@
           <a:graphicData uri="http://schemas.openxmlformats.org/presentationml/2006/ole">
             <mc:AlternateContent xmlns:mc="http://schemas.openxmlformats.org/markup-compatibility/2006">
               <mc:Choice xmlns:v="urn:schemas-microsoft-com:vml" Requires="v">
-                <p:oleObj spid="_x0000_s28278" name="公式" r:id="rId38" imgW="114151" imgH="152202" progId="Equation.3">
+                <p:oleObj spid="_x0000_s28326" name="公式" r:id="rId38" imgW="114151" imgH="152202" progId="Equation.3">
                   <p:embed/>
                 </p:oleObj>
               </mc:Choice>
@@ -27358,7 +27390,7 @@
           <a:graphicData uri="http://schemas.openxmlformats.org/presentationml/2006/ole">
             <mc:AlternateContent xmlns:mc="http://schemas.openxmlformats.org/markup-compatibility/2006">
               <mc:Choice xmlns:v="urn:schemas-microsoft-com:vml" Requires="v">
-                <p:oleObj spid="_x0000_s28279" name="公式" r:id="rId40" imgW="101468" imgH="164885" progId="Equation.3">
+                <p:oleObj spid="_x0000_s28327" name="公式" r:id="rId40" imgW="101468" imgH="164885" progId="Equation.3">
                   <p:embed/>
                 </p:oleObj>
               </mc:Choice>
@@ -27441,7 +27473,7 @@
           <a:graphicData uri="http://schemas.openxmlformats.org/presentationml/2006/ole">
             <mc:AlternateContent xmlns:mc="http://schemas.openxmlformats.org/markup-compatibility/2006">
               <mc:Choice xmlns:v="urn:schemas-microsoft-com:vml" Requires="v">
-                <p:oleObj spid="_x0000_s28280" name="公式" r:id="rId42" imgW="114151" imgH="152202" progId="Equation.3">
+                <p:oleObj spid="_x0000_s28328" name="公式" r:id="rId42" imgW="114151" imgH="152202" progId="Equation.3">
                   <p:embed/>
                 </p:oleObj>
               </mc:Choice>
@@ -27524,7 +27556,7 @@
           <a:graphicData uri="http://schemas.openxmlformats.org/presentationml/2006/ole">
             <mc:AlternateContent xmlns:mc="http://schemas.openxmlformats.org/markup-compatibility/2006">
               <mc:Choice xmlns:v="urn:schemas-microsoft-com:vml" Requires="v">
-                <p:oleObj spid="_x0000_s28281" name="公式" r:id="rId43" imgW="177492" imgH="164814" progId="Equation.3">
+                <p:oleObj spid="_x0000_s28329" name="公式" r:id="rId43" imgW="177492" imgH="164814" progId="Equation.3">
                   <p:embed/>
                 </p:oleObj>
               </mc:Choice>
@@ -28507,7 +28539,7 @@
           <a:graphicData uri="http://schemas.openxmlformats.org/presentationml/2006/ole">
             <mc:AlternateContent xmlns:mc="http://schemas.openxmlformats.org/markup-compatibility/2006">
               <mc:Choice xmlns:v="urn:schemas-microsoft-com:vml" Requires="v">
-                <p:oleObj spid="_x0000_s29282" name="Equation" r:id="rId3" imgW="126780" imgH="164814" progId="Equation.3">
+                <p:oleObj spid="_x0000_s29330" name="Equation" r:id="rId3" imgW="126780" imgH="164814" progId="Equation.3">
                   <p:embed/>
                 </p:oleObj>
               </mc:Choice>
@@ -28590,7 +28622,7 @@
           <a:graphicData uri="http://schemas.openxmlformats.org/presentationml/2006/ole">
             <mc:AlternateContent xmlns:mc="http://schemas.openxmlformats.org/markup-compatibility/2006">
               <mc:Choice xmlns:v="urn:schemas-microsoft-com:vml" Requires="v">
-                <p:oleObj spid="_x0000_s29283" name="Equation" r:id="rId5" imgW="126835" imgH="202936" progId="Equation.3">
+                <p:oleObj spid="_x0000_s29331" name="Equation" r:id="rId5" imgW="126835" imgH="202936" progId="Equation.3">
                   <p:embed/>
                 </p:oleObj>
               </mc:Choice>
@@ -28673,7 +28705,7 @@
           <a:graphicData uri="http://schemas.openxmlformats.org/presentationml/2006/ole">
             <mc:AlternateContent xmlns:mc="http://schemas.openxmlformats.org/markup-compatibility/2006">
               <mc:Choice xmlns:v="urn:schemas-microsoft-com:vml" Requires="v">
-                <p:oleObj spid="_x0000_s29284" name="Equation" r:id="rId7" imgW="152268" imgH="215713" progId="Equation.3">
+                <p:oleObj spid="_x0000_s29332" name="Equation" r:id="rId7" imgW="152268" imgH="215713" progId="Equation.3">
                   <p:embed/>
                 </p:oleObj>
               </mc:Choice>
@@ -28756,7 +28788,7 @@
           <a:graphicData uri="http://schemas.openxmlformats.org/presentationml/2006/ole">
             <mc:AlternateContent xmlns:mc="http://schemas.openxmlformats.org/markup-compatibility/2006">
               <mc:Choice xmlns:v="urn:schemas-microsoft-com:vml" Requires="v">
-                <p:oleObj spid="_x0000_s29285" name="Equation" r:id="rId9" imgW="850531" imgH="241195" progId="Equation.3">
+                <p:oleObj spid="_x0000_s29333" name="Equation" r:id="rId9" imgW="850531" imgH="241195" progId="Equation.3">
                   <p:embed/>
                 </p:oleObj>
               </mc:Choice>
@@ -29055,7 +29087,7 @@
           <a:graphicData uri="http://schemas.openxmlformats.org/presentationml/2006/ole">
             <mc:AlternateContent xmlns:mc="http://schemas.openxmlformats.org/markup-compatibility/2006">
               <mc:Choice xmlns:v="urn:schemas-microsoft-com:vml" Requires="v">
-                <p:oleObj spid="_x0000_s29286" name="Equation" r:id="rId11" imgW="164885" imgH="215619" progId="Equation.3">
+                <p:oleObj spid="_x0000_s29334" name="Equation" r:id="rId11" imgW="164885" imgH="215619" progId="Equation.3">
                   <p:embed/>
                 </p:oleObj>
               </mc:Choice>
@@ -29138,7 +29170,7 @@
           <a:graphicData uri="http://schemas.openxmlformats.org/presentationml/2006/ole">
             <mc:AlternateContent xmlns:mc="http://schemas.openxmlformats.org/markup-compatibility/2006">
               <mc:Choice xmlns:v="urn:schemas-microsoft-com:vml" Requires="v">
-                <p:oleObj spid="_x0000_s29287" name="Equation" r:id="rId13" imgW="164885" imgH="215619" progId="Equation.3">
+                <p:oleObj spid="_x0000_s29335" name="Equation" r:id="rId13" imgW="164885" imgH="215619" progId="Equation.3">
                   <p:embed/>
                 </p:oleObj>
               </mc:Choice>
@@ -29221,7 +29253,7 @@
           <a:graphicData uri="http://schemas.openxmlformats.org/presentationml/2006/ole">
             <mc:AlternateContent xmlns:mc="http://schemas.openxmlformats.org/markup-compatibility/2006">
               <mc:Choice xmlns:v="urn:schemas-microsoft-com:vml" Requires="v">
-                <p:oleObj spid="_x0000_s29288" name="Equation" r:id="rId15" imgW="152268" imgH="215713" progId="Equation.3">
+                <p:oleObj spid="_x0000_s29336" name="Equation" r:id="rId15" imgW="152268" imgH="215713" progId="Equation.3">
                   <p:embed/>
                 </p:oleObj>
               </mc:Choice>
@@ -29304,7 +29336,7 @@
           <a:graphicData uri="http://schemas.openxmlformats.org/presentationml/2006/ole">
             <mc:AlternateContent xmlns:mc="http://schemas.openxmlformats.org/markup-compatibility/2006">
               <mc:Choice xmlns:v="urn:schemas-microsoft-com:vml" Requires="v">
-                <p:oleObj spid="_x0000_s29289" name="Equation" r:id="rId17" imgW="152268" imgH="215713" progId="Equation.3">
+                <p:oleObj spid="_x0000_s29337" name="Equation" r:id="rId17" imgW="152268" imgH="215713" progId="Equation.3">
                   <p:embed/>
                 </p:oleObj>
               </mc:Choice>
@@ -29387,7 +29419,7 @@
           <a:graphicData uri="http://schemas.openxmlformats.org/presentationml/2006/ole">
             <mc:AlternateContent xmlns:mc="http://schemas.openxmlformats.org/markup-compatibility/2006">
               <mc:Choice xmlns:v="urn:schemas-microsoft-com:vml" Requires="v">
-                <p:oleObj spid="_x0000_s29290" name="公式" r:id="rId19" imgW="1548728" imgH="215806" progId="Equation.3">
+                <p:oleObj spid="_x0000_s29338" name="公式" r:id="rId19" imgW="1548728" imgH="215806" progId="Equation.3">
                   <p:embed/>
                 </p:oleObj>
               </mc:Choice>
@@ -29480,7 +29512,7 @@
           <a:graphicData uri="http://schemas.openxmlformats.org/presentationml/2006/ole">
             <mc:AlternateContent xmlns:mc="http://schemas.openxmlformats.org/markup-compatibility/2006">
               <mc:Choice xmlns:v="urn:schemas-microsoft-com:vml" Requires="v">
-                <p:oleObj spid="_x0000_s29291" name="Equation" r:id="rId21" imgW="825500" imgH="228600" progId="Equation.3">
+                <p:oleObj spid="_x0000_s29339" name="Equation" r:id="rId21" imgW="825500" imgH="228600" progId="Equation.3">
                   <p:embed/>
                 </p:oleObj>
               </mc:Choice>
@@ -29573,7 +29605,7 @@
           <a:graphicData uri="http://schemas.openxmlformats.org/presentationml/2006/ole">
             <mc:AlternateContent xmlns:mc="http://schemas.openxmlformats.org/markup-compatibility/2006">
               <mc:Choice xmlns:v="urn:schemas-microsoft-com:vml" Requires="v">
-                <p:oleObj spid="_x0000_s29292" name="Equation" r:id="rId23" imgW="1714500" imgH="228600" progId="Equation.3">
+                <p:oleObj spid="_x0000_s29340" name="Equation" r:id="rId23" imgW="1714500" imgH="228600" progId="Equation.3">
                   <p:embed/>
                 </p:oleObj>
               </mc:Choice>
@@ -29717,7 +29749,7 @@
           <a:graphicData uri="http://schemas.openxmlformats.org/presentationml/2006/ole">
             <mc:AlternateContent xmlns:mc="http://schemas.openxmlformats.org/markup-compatibility/2006">
               <mc:Choice xmlns:v="urn:schemas-microsoft-com:vml" Requires="v">
-                <p:oleObj spid="_x0000_s29293" name="Equation" r:id="rId25" imgW="164885" imgH="215619" progId="Equation.3">
+                <p:oleObj spid="_x0000_s29341" name="Equation" r:id="rId25" imgW="164885" imgH="215619" progId="Equation.3">
                   <p:embed/>
                 </p:oleObj>
               </mc:Choice>
@@ -29994,7 +30026,7 @@
             <a:graphicData uri="http://schemas.openxmlformats.org/presentationml/2006/ole">
               <mc:AlternateContent xmlns:mc="http://schemas.openxmlformats.org/markup-compatibility/2006">
                 <mc:Choice xmlns:v="urn:schemas-microsoft-com:vml" Requires="v">
-                  <p:oleObj spid="_x0000_s29294" name="Equation" r:id="rId27" imgW="164885" imgH="215619" progId="Equation.3">
+                  <p:oleObj spid="_x0000_s29342" name="Equation" r:id="rId27" imgW="164885" imgH="215619" progId="Equation.3">
                     <p:embed/>
                   </p:oleObj>
                 </mc:Choice>
@@ -30077,7 +30109,7 @@
             <a:graphicData uri="http://schemas.openxmlformats.org/presentationml/2006/ole">
               <mc:AlternateContent xmlns:mc="http://schemas.openxmlformats.org/markup-compatibility/2006">
                 <mc:Choice xmlns:v="urn:schemas-microsoft-com:vml" Requires="v">
-                  <p:oleObj spid="_x0000_s29295" name="Equation" r:id="rId29" imgW="164885" imgH="215619" progId="Equation.3">
+                  <p:oleObj spid="_x0000_s29343" name="Equation" r:id="rId29" imgW="164885" imgH="215619" progId="Equation.3">
                     <p:embed/>
                   </p:oleObj>
                 </mc:Choice>
@@ -30160,7 +30192,7 @@
             <a:graphicData uri="http://schemas.openxmlformats.org/presentationml/2006/ole">
               <mc:AlternateContent xmlns:mc="http://schemas.openxmlformats.org/markup-compatibility/2006">
                 <mc:Choice xmlns:v="urn:schemas-microsoft-com:vml" Requires="v">
-                  <p:oleObj spid="_x0000_s29296" name="Equation" r:id="rId31" imgW="152334" imgH="190417" progId="Equation.3">
+                  <p:oleObj spid="_x0000_s29344" name="Equation" r:id="rId31" imgW="152334" imgH="190417" progId="Equation.3">
                     <p:embed/>
                   </p:oleObj>
                 </mc:Choice>
@@ -30438,7 +30470,7 @@
             <a:graphicData uri="http://schemas.openxmlformats.org/presentationml/2006/ole">
               <mc:AlternateContent xmlns:mc="http://schemas.openxmlformats.org/markup-compatibility/2006">
                 <mc:Choice xmlns:v="urn:schemas-microsoft-com:vml" Requires="v">
-                  <p:oleObj spid="_x0000_s29297" name="Equation" r:id="rId33" imgW="152334" imgH="190417" progId="Equation.3">
+                  <p:oleObj spid="_x0000_s29345" name="Equation" r:id="rId33" imgW="152334" imgH="190417" progId="Equation.3">
                     <p:embed/>
                   </p:oleObj>
                 </mc:Choice>
@@ -30522,7 +30554,7 @@
           <a:graphicData uri="http://schemas.openxmlformats.org/presentationml/2006/ole">
             <mc:AlternateContent xmlns:mc="http://schemas.openxmlformats.org/markup-compatibility/2006">
               <mc:Choice xmlns:v="urn:schemas-microsoft-com:vml" Requires="v">
-                <p:oleObj spid="_x0000_s29298" name="Equation" r:id="rId34" imgW="2806700" imgH="647700" progId="Equation.3">
+                <p:oleObj spid="_x0000_s29346" name="Equation" r:id="rId34" imgW="2806700" imgH="647700" progId="Equation.3">
                   <p:embed/>
                 </p:oleObj>
               </mc:Choice>
@@ -30605,7 +30637,7 @@
           <a:graphicData uri="http://schemas.openxmlformats.org/presentationml/2006/ole">
             <mc:AlternateContent xmlns:mc="http://schemas.openxmlformats.org/markup-compatibility/2006">
               <mc:Choice xmlns:v="urn:schemas-microsoft-com:vml" Requires="v">
-                <p:oleObj spid="_x0000_s29299" name="公式" r:id="rId36" imgW="114151" imgH="152202" progId="Equation.3">
+                <p:oleObj spid="_x0000_s29347" name="公式" r:id="rId36" imgW="114151" imgH="152202" progId="Equation.3">
                   <p:embed/>
                 </p:oleObj>
               </mc:Choice>
@@ -30698,7 +30730,7 @@
           <a:graphicData uri="http://schemas.openxmlformats.org/presentationml/2006/ole">
             <mc:AlternateContent xmlns:mc="http://schemas.openxmlformats.org/markup-compatibility/2006">
               <mc:Choice xmlns:v="urn:schemas-microsoft-com:vml" Requires="v">
-                <p:oleObj spid="_x0000_s29300" name="公式" r:id="rId38" imgW="114151" imgH="152202" progId="Equation.3">
+                <p:oleObj spid="_x0000_s29348" name="公式" r:id="rId38" imgW="114151" imgH="152202" progId="Equation.3">
                   <p:embed/>
                 </p:oleObj>
               </mc:Choice>
@@ -30781,7 +30813,7 @@
           <a:graphicData uri="http://schemas.openxmlformats.org/presentationml/2006/ole">
             <mc:AlternateContent xmlns:mc="http://schemas.openxmlformats.org/markup-compatibility/2006">
               <mc:Choice xmlns:v="urn:schemas-microsoft-com:vml" Requires="v">
-                <p:oleObj spid="_x0000_s29301" name="公式" r:id="rId40" imgW="101468" imgH="164885" progId="Equation.3">
+                <p:oleObj spid="_x0000_s29349" name="公式" r:id="rId40" imgW="101468" imgH="164885" progId="Equation.3">
                   <p:embed/>
                 </p:oleObj>
               </mc:Choice>
@@ -30864,7 +30896,7 @@
           <a:graphicData uri="http://schemas.openxmlformats.org/presentationml/2006/ole">
             <mc:AlternateContent xmlns:mc="http://schemas.openxmlformats.org/markup-compatibility/2006">
               <mc:Choice xmlns:v="urn:schemas-microsoft-com:vml" Requires="v">
-                <p:oleObj spid="_x0000_s29302" name="公式" r:id="rId42" imgW="177492" imgH="164814" progId="Equation.3">
+                <p:oleObj spid="_x0000_s29350" name="公式" r:id="rId42" imgW="177492" imgH="164814" progId="Equation.3">
                   <p:embed/>
                 </p:oleObj>
               </mc:Choice>
@@ -30947,7 +30979,7 @@
           <a:graphicData uri="http://schemas.openxmlformats.org/presentationml/2006/ole">
             <mc:AlternateContent xmlns:mc="http://schemas.openxmlformats.org/markup-compatibility/2006">
               <mc:Choice xmlns:v="urn:schemas-microsoft-com:vml" Requires="v">
-                <p:oleObj spid="_x0000_s29303" name="Equation" r:id="rId44" imgW="901309" imgH="228501" progId="Equation.3">
+                <p:oleObj spid="_x0000_s29351" name="Equation" r:id="rId44" imgW="901309" imgH="228501" progId="Equation.3">
                   <p:embed/>
                 </p:oleObj>
               </mc:Choice>
@@ -31040,7 +31072,7 @@
           <a:graphicData uri="http://schemas.openxmlformats.org/presentationml/2006/ole">
             <mc:AlternateContent xmlns:mc="http://schemas.openxmlformats.org/markup-compatibility/2006">
               <mc:Choice xmlns:v="urn:schemas-microsoft-com:vml" Requires="v">
-                <p:oleObj spid="_x0000_s29304" name="Equation" r:id="rId46" imgW="1002865" imgH="228501" progId="Equation.3">
+                <p:oleObj spid="_x0000_s29352" name="Equation" r:id="rId46" imgW="1002865" imgH="228501" progId="Equation.3">
                   <p:embed/>
                 </p:oleObj>
               </mc:Choice>
@@ -31311,7 +31343,7 @@
           <a:graphicData uri="http://schemas.openxmlformats.org/presentationml/2006/ole">
             <mc:AlternateContent xmlns:mc="http://schemas.openxmlformats.org/markup-compatibility/2006">
               <mc:Choice xmlns:v="urn:schemas-microsoft-com:vml" Requires="v">
-                <p:oleObj spid="_x0000_s29305" name="公式" r:id="rId48" imgW="748975" imgH="241195" progId="Equation.3">
+                <p:oleObj spid="_x0000_s29353" name="公式" r:id="rId48" imgW="748975" imgH="241195" progId="Equation.3">
                   <p:embed/>
                 </p:oleObj>
               </mc:Choice>
@@ -32940,7 +32972,7 @@
           <a:graphicData uri="http://schemas.openxmlformats.org/presentationml/2006/ole">
             <mc:AlternateContent xmlns:mc="http://schemas.openxmlformats.org/markup-compatibility/2006">
               <mc:Choice xmlns:v="urn:schemas-microsoft-com:vml" Requires="v">
-                <p:oleObj spid="_x0000_s34130" name="Equation" r:id="rId3" imgW="126780" imgH="164814" progId="Equation.3">
+                <p:oleObj spid="_x0000_s34170" name="Equation" r:id="rId3" imgW="126780" imgH="164814" progId="Equation.3">
                   <p:embed/>
                 </p:oleObj>
               </mc:Choice>
@@ -33023,7 +33055,7 @@
           <a:graphicData uri="http://schemas.openxmlformats.org/presentationml/2006/ole">
             <mc:AlternateContent xmlns:mc="http://schemas.openxmlformats.org/markup-compatibility/2006">
               <mc:Choice xmlns:v="urn:schemas-microsoft-com:vml" Requires="v">
-                <p:oleObj spid="_x0000_s34131" name="Equation" r:id="rId5" imgW="126835" imgH="202936" progId="Equation.3">
+                <p:oleObj spid="_x0000_s34171" name="Equation" r:id="rId5" imgW="126835" imgH="202936" progId="Equation.3">
                   <p:embed/>
                 </p:oleObj>
               </mc:Choice>
@@ -33106,7 +33138,7 @@
           <a:graphicData uri="http://schemas.openxmlformats.org/presentationml/2006/ole">
             <mc:AlternateContent xmlns:mc="http://schemas.openxmlformats.org/markup-compatibility/2006">
               <mc:Choice xmlns:v="urn:schemas-microsoft-com:vml" Requires="v">
-                <p:oleObj spid="_x0000_s34132" name="Equation" r:id="rId7" imgW="152268" imgH="215713" progId="Equation.3">
+                <p:oleObj spid="_x0000_s34172" name="Equation" r:id="rId7" imgW="152268" imgH="215713" progId="Equation.3">
                   <p:embed/>
                 </p:oleObj>
               </mc:Choice>
@@ -33189,7 +33221,7 @@
           <a:graphicData uri="http://schemas.openxmlformats.org/presentationml/2006/ole">
             <mc:AlternateContent xmlns:mc="http://schemas.openxmlformats.org/markup-compatibility/2006">
               <mc:Choice xmlns:v="urn:schemas-microsoft-com:vml" Requires="v">
-                <p:oleObj spid="_x0000_s34133" name="Equation" r:id="rId9" imgW="164957" imgH="241091" progId="Equation.3">
+                <p:oleObj spid="_x0000_s34173" name="Equation" r:id="rId9" imgW="164957" imgH="241091" progId="Equation.3">
                   <p:embed/>
                 </p:oleObj>
               </mc:Choice>
@@ -33478,7 +33510,7 @@
           <a:graphicData uri="http://schemas.openxmlformats.org/presentationml/2006/ole">
             <mc:AlternateContent xmlns:mc="http://schemas.openxmlformats.org/markup-compatibility/2006">
               <mc:Choice xmlns:v="urn:schemas-microsoft-com:vml" Requires="v">
-                <p:oleObj spid="_x0000_s34134" name="Equation" r:id="rId11" imgW="164885" imgH="215619" progId="Equation.3">
+                <p:oleObj spid="_x0000_s34174" name="Equation" r:id="rId11" imgW="164885" imgH="215619" progId="Equation.3">
                   <p:embed/>
                 </p:oleObj>
               </mc:Choice>
@@ -33561,7 +33593,7 @@
           <a:graphicData uri="http://schemas.openxmlformats.org/presentationml/2006/ole">
             <mc:AlternateContent xmlns:mc="http://schemas.openxmlformats.org/markup-compatibility/2006">
               <mc:Choice xmlns:v="urn:schemas-microsoft-com:vml" Requires="v">
-                <p:oleObj spid="_x0000_s34135" name="Equation" r:id="rId13" imgW="164885" imgH="215619" progId="Equation.3">
+                <p:oleObj spid="_x0000_s34175" name="Equation" r:id="rId13" imgW="164885" imgH="215619" progId="Equation.3">
                   <p:embed/>
                 </p:oleObj>
               </mc:Choice>
@@ -33644,7 +33676,7 @@
           <a:graphicData uri="http://schemas.openxmlformats.org/presentationml/2006/ole">
             <mc:AlternateContent xmlns:mc="http://schemas.openxmlformats.org/markup-compatibility/2006">
               <mc:Choice xmlns:v="urn:schemas-microsoft-com:vml" Requires="v">
-                <p:oleObj spid="_x0000_s34136" name="Equation" r:id="rId15" imgW="152268" imgH="215713" progId="Equation.3">
+                <p:oleObj spid="_x0000_s34176" name="Equation" r:id="rId15" imgW="152268" imgH="215713" progId="Equation.3">
                   <p:embed/>
                 </p:oleObj>
               </mc:Choice>
@@ -33727,7 +33759,7 @@
           <a:graphicData uri="http://schemas.openxmlformats.org/presentationml/2006/ole">
             <mc:AlternateContent xmlns:mc="http://schemas.openxmlformats.org/markup-compatibility/2006">
               <mc:Choice xmlns:v="urn:schemas-microsoft-com:vml" Requires="v">
-                <p:oleObj spid="_x0000_s34137" name="Equation" r:id="rId17" imgW="152268" imgH="215713" progId="Equation.3">
+                <p:oleObj spid="_x0000_s34177" name="Equation" r:id="rId17" imgW="152268" imgH="215713" progId="Equation.3">
                   <p:embed/>
                 </p:oleObj>
               </mc:Choice>
@@ -33810,7 +33842,7 @@
           <a:graphicData uri="http://schemas.openxmlformats.org/presentationml/2006/ole">
             <mc:AlternateContent xmlns:mc="http://schemas.openxmlformats.org/markup-compatibility/2006">
               <mc:Choice xmlns:v="urn:schemas-microsoft-com:vml" Requires="v">
-                <p:oleObj spid="_x0000_s34138" name="Equation" r:id="rId19" imgW="1206500" imgH="228600" progId="Equation.3">
+                <p:oleObj spid="_x0000_s34178" name="Equation" r:id="rId19" imgW="1206500" imgH="228600" progId="Equation.3">
                   <p:embed/>
                 </p:oleObj>
               </mc:Choice>
@@ -33903,7 +33935,7 @@
           <a:graphicData uri="http://schemas.openxmlformats.org/presentationml/2006/ole">
             <mc:AlternateContent xmlns:mc="http://schemas.openxmlformats.org/markup-compatibility/2006">
               <mc:Choice xmlns:v="urn:schemas-microsoft-com:vml" Requires="v">
-                <p:oleObj spid="_x0000_s34139" name="Equation" r:id="rId21" imgW="1308100" imgH="228600" progId="Equation.3">
+                <p:oleObj spid="_x0000_s34179" name="Equation" r:id="rId21" imgW="1308100" imgH="228600" progId="Equation.3">
                   <p:embed/>
                 </p:oleObj>
               </mc:Choice>
@@ -34047,7 +34079,7 @@
           <a:graphicData uri="http://schemas.openxmlformats.org/presentationml/2006/ole">
             <mc:AlternateContent xmlns:mc="http://schemas.openxmlformats.org/markup-compatibility/2006">
               <mc:Choice xmlns:v="urn:schemas-microsoft-com:vml" Requires="v">
-                <p:oleObj spid="_x0000_s34140" name="Equation" r:id="rId23" imgW="164885" imgH="215619" progId="Equation.3">
+                <p:oleObj spid="_x0000_s34180" name="Equation" r:id="rId23" imgW="164885" imgH="215619" progId="Equation.3">
                   <p:embed/>
                 </p:oleObj>
               </mc:Choice>
@@ -34130,7 +34162,7 @@
           <a:graphicData uri="http://schemas.openxmlformats.org/presentationml/2006/ole">
             <mc:AlternateContent xmlns:mc="http://schemas.openxmlformats.org/markup-compatibility/2006">
               <mc:Choice xmlns:v="urn:schemas-microsoft-com:vml" Requires="v">
-                <p:oleObj spid="_x0000_s34141" name="Equation" r:id="rId25" imgW="152334" imgH="190417" progId="Equation.3">
+                <p:oleObj spid="_x0000_s34181" name="Equation" r:id="rId25" imgW="152334" imgH="190417" progId="Equation.3">
                   <p:embed/>
                 </p:oleObj>
               </mc:Choice>
@@ -34213,7 +34245,7 @@
           <a:graphicData uri="http://schemas.openxmlformats.org/presentationml/2006/ole">
             <mc:AlternateContent xmlns:mc="http://schemas.openxmlformats.org/markup-compatibility/2006">
               <mc:Choice xmlns:v="urn:schemas-microsoft-com:vml" Requires="v">
-                <p:oleObj spid="_x0000_s34142" name="公式" r:id="rId27" imgW="1384300" imgH="622300" progId="Equation.3">
+                <p:oleObj spid="_x0000_s34182" name="公式" r:id="rId27" imgW="1384300" imgH="622300" progId="Equation.3">
                   <p:embed/>
                 </p:oleObj>
               </mc:Choice>
@@ -34296,7 +34328,7 @@
           <a:graphicData uri="http://schemas.openxmlformats.org/presentationml/2006/ole">
             <mc:AlternateContent xmlns:mc="http://schemas.openxmlformats.org/markup-compatibility/2006">
               <mc:Choice xmlns:v="urn:schemas-microsoft-com:vml" Requires="v">
-                <p:oleObj spid="_x0000_s34143" name="公式" r:id="rId29" imgW="990600" imgH="228600" progId="Equation.3">
+                <p:oleObj spid="_x0000_s34183" name="公式" r:id="rId29" imgW="990600" imgH="228600" progId="Equation.3">
                   <p:embed/>
                 </p:oleObj>
               </mc:Choice>
@@ -34583,7 +34615,7 @@
             <a:graphicData uri="http://schemas.openxmlformats.org/presentationml/2006/ole">
               <mc:AlternateContent xmlns:mc="http://schemas.openxmlformats.org/markup-compatibility/2006">
                 <mc:Choice xmlns:v="urn:schemas-microsoft-com:vml" Requires="v">
-                  <p:oleObj spid="_x0000_s34144" name="Equation" r:id="rId31" imgW="164957" imgH="190335" progId="Equation.3">
+                  <p:oleObj spid="_x0000_s34184" name="Equation" r:id="rId31" imgW="164957" imgH="190335" progId="Equation.3">
                     <p:embed/>
                   </p:oleObj>
                 </mc:Choice>
@@ -34666,7 +34698,7 @@
             <a:graphicData uri="http://schemas.openxmlformats.org/presentationml/2006/ole">
               <mc:AlternateContent xmlns:mc="http://schemas.openxmlformats.org/markup-compatibility/2006">
                 <mc:Choice xmlns:v="urn:schemas-microsoft-com:vml" Requires="v">
-                  <p:oleObj spid="_x0000_s34145" name="Equation" r:id="rId33" imgW="152334" imgH="190417" progId="Equation.3">
+                  <p:oleObj spid="_x0000_s34185" name="Equation" r:id="rId33" imgW="152334" imgH="190417" progId="Equation.3">
                     <p:embed/>
                   </p:oleObj>
                 </mc:Choice>
@@ -34750,7 +34782,7 @@
           <a:graphicData uri="http://schemas.openxmlformats.org/presentationml/2006/ole">
             <mc:AlternateContent xmlns:mc="http://schemas.openxmlformats.org/markup-compatibility/2006">
               <mc:Choice xmlns:v="urn:schemas-microsoft-com:vml" Requires="v">
-                <p:oleObj spid="_x0000_s34146" name="公式" r:id="rId34" imgW="114151" imgH="152202" progId="Equation.3">
+                <p:oleObj spid="_x0000_s34186" name="公式" r:id="rId34" imgW="114151" imgH="152202" progId="Equation.3">
                   <p:embed/>
                 </p:oleObj>
               </mc:Choice>
@@ -34833,7 +34865,7 @@
           <a:graphicData uri="http://schemas.openxmlformats.org/presentationml/2006/ole">
             <mc:AlternateContent xmlns:mc="http://schemas.openxmlformats.org/markup-compatibility/2006">
               <mc:Choice xmlns:v="urn:schemas-microsoft-com:vml" Requires="v">
-                <p:oleObj spid="_x0000_s34147" name="公式" r:id="rId36" imgW="114151" imgH="152202" progId="Equation.3">
+                <p:oleObj spid="_x0000_s34187" name="公式" r:id="rId36" imgW="114151" imgH="152202" progId="Equation.3">
                   <p:embed/>
                 </p:oleObj>
               </mc:Choice>
@@ -34926,7 +34958,7 @@
           <a:graphicData uri="http://schemas.openxmlformats.org/presentationml/2006/ole">
             <mc:AlternateContent xmlns:mc="http://schemas.openxmlformats.org/markup-compatibility/2006">
               <mc:Choice xmlns:v="urn:schemas-microsoft-com:vml" Requires="v">
-                <p:oleObj spid="_x0000_s34148" name="公式" r:id="rId38" imgW="101468" imgH="164885" progId="Equation.3">
+                <p:oleObj spid="_x0000_s34188" name="公式" r:id="rId38" imgW="101468" imgH="164885" progId="Equation.3">
                   <p:embed/>
                 </p:oleObj>
               </mc:Choice>
@@ -35009,7 +35041,7 @@
           <a:graphicData uri="http://schemas.openxmlformats.org/presentationml/2006/ole">
             <mc:AlternateContent xmlns:mc="http://schemas.openxmlformats.org/markup-compatibility/2006">
               <mc:Choice xmlns:v="urn:schemas-microsoft-com:vml" Requires="v">
-                <p:oleObj spid="_x0000_s34149" name="公式" r:id="rId40" imgW="177492" imgH="164814" progId="Equation.3">
+                <p:oleObj spid="_x0000_s34189" name="公式" r:id="rId40" imgW="177492" imgH="164814" progId="Equation.3">
                   <p:embed/>
                 </p:oleObj>
               </mc:Choice>
@@ -35323,7 +35355,7 @@
           <a:graphicData uri="http://schemas.openxmlformats.org/presentationml/2006/ole">
             <mc:AlternateContent xmlns:mc="http://schemas.openxmlformats.org/markup-compatibility/2006">
               <mc:Choice xmlns:v="urn:schemas-microsoft-com:vml" Requires="v">
-                <p:oleObj spid="_x0000_s29790" r:id="rId4" imgW="533169" imgH="457002" progId="Equation.3">
+                <p:oleObj spid="_x0000_s29798" r:id="rId4" imgW="533169" imgH="457002" progId="Equation.3">
                   <p:embed/>
                 </p:oleObj>
               </mc:Choice>
@@ -35394,7 +35426,7 @@
           <a:graphicData uri="http://schemas.openxmlformats.org/presentationml/2006/ole">
             <mc:AlternateContent xmlns:mc="http://schemas.openxmlformats.org/markup-compatibility/2006">
               <mc:Choice xmlns:v="urn:schemas-microsoft-com:vml" Requires="v">
-                <p:oleObj spid="_x0000_s29791" r:id="rId6" imgW="558800" imgH="457200" progId="Equation.3">
+                <p:oleObj spid="_x0000_s29799" r:id="rId6" imgW="558800" imgH="457200" progId="Equation.3">
                   <p:embed/>
                 </p:oleObj>
               </mc:Choice>
@@ -35465,7 +35497,7 @@
           <a:graphicData uri="http://schemas.openxmlformats.org/presentationml/2006/ole">
             <mc:AlternateContent xmlns:mc="http://schemas.openxmlformats.org/markup-compatibility/2006">
               <mc:Choice xmlns:v="urn:schemas-microsoft-com:vml" Requires="v">
-                <p:oleObj spid="_x0000_s29792" name="方程式" r:id="rId8" imgW="520560" imgH="177480" progId="Equation.3">
+                <p:oleObj spid="_x0000_s29800" name="方程式" r:id="rId8" imgW="520560" imgH="177480" progId="Equation.3">
                   <p:embed/>
                 </p:oleObj>
               </mc:Choice>
@@ -35527,7 +35559,7 @@
           <a:graphicData uri="http://schemas.openxmlformats.org/presentationml/2006/ole">
             <mc:AlternateContent xmlns:mc="http://schemas.openxmlformats.org/markup-compatibility/2006">
               <mc:Choice xmlns:v="urn:schemas-microsoft-com:vml" Requires="v">
-                <p:oleObj spid="_x0000_s29793" name="方程式" r:id="rId10" imgW="1320480" imgH="457200" progId="Equation.3">
+                <p:oleObj spid="_x0000_s29801" name="方程式" r:id="rId10" imgW="1320480" imgH="457200" progId="Equation.3">
                   <p:embed/>
                 </p:oleObj>
               </mc:Choice>
@@ -35713,7 +35745,7 @@
             <a:graphicData uri="http://schemas.openxmlformats.org/presentationml/2006/ole">
               <mc:AlternateContent xmlns:mc="http://schemas.openxmlformats.org/markup-compatibility/2006">
                 <mc:Choice xmlns:v="urn:schemas-microsoft-com:vml" Requires="v">
-                  <p:oleObj spid="_x0000_s26218" name="方程式" r:id="rId3" imgW="1155600" imgH="291960" progId="Equation.3">
+                  <p:oleObj spid="_x0000_s26260" name="方程式" r:id="rId3" imgW="1155600" imgH="291960" progId="Equation.3">
                     <p:embed/>
                   </p:oleObj>
                 </mc:Choice>
@@ -35790,7 +35822,7 @@
             <a:graphicData uri="http://schemas.openxmlformats.org/presentationml/2006/ole">
               <mc:AlternateContent xmlns:mc="http://schemas.openxmlformats.org/markup-compatibility/2006">
                 <mc:Choice xmlns:v="urn:schemas-microsoft-com:vml" Requires="v">
-                  <p:oleObj spid="_x0000_s26219" name="公式" r:id="rId5" imgW="1079032" imgH="266584" progId="Equation.3">
+                  <p:oleObj spid="_x0000_s26261" name="公式" r:id="rId5" imgW="1079032" imgH="266584" progId="Equation.3">
                     <p:embed/>
                   </p:oleObj>
                 </mc:Choice>
@@ -35880,7 +35912,7 @@
           <a:graphicData uri="http://schemas.openxmlformats.org/presentationml/2006/ole">
             <mc:AlternateContent xmlns:mc="http://schemas.openxmlformats.org/markup-compatibility/2006">
               <mc:Choice xmlns:v="urn:schemas-microsoft-com:vml" Requires="v">
-                <p:oleObj spid="_x0000_s26220" name="公式" r:id="rId7" imgW="114151" imgH="215619" progId="Equation.3">
+                <p:oleObj spid="_x0000_s26262" name="公式" r:id="rId7" imgW="114151" imgH="215619" progId="Equation.3">
                   <p:embed/>
                 </p:oleObj>
               </mc:Choice>
@@ -35951,7 +35983,7 @@
           <a:graphicData uri="http://schemas.openxmlformats.org/presentationml/2006/ole">
             <mc:AlternateContent xmlns:mc="http://schemas.openxmlformats.org/markup-compatibility/2006">
               <mc:Choice xmlns:v="urn:schemas-microsoft-com:vml" Requires="v">
-                <p:oleObj spid="_x0000_s26221" name="方程式" r:id="rId9" imgW="787320" imgH="203040" progId="Equation.3">
+                <p:oleObj spid="_x0000_s26263" name="方程式" r:id="rId9" imgW="787320" imgH="203040" progId="Equation.3">
                   <p:embed/>
                 </p:oleObj>
               </mc:Choice>
@@ -36015,7 +36047,7 @@
           <a:graphicData uri="http://schemas.openxmlformats.org/presentationml/2006/ole">
             <mc:AlternateContent xmlns:mc="http://schemas.openxmlformats.org/markup-compatibility/2006">
               <mc:Choice xmlns:v="urn:schemas-microsoft-com:vml" Requires="v">
-                <p:oleObj spid="_x0000_s26222" name="公式" r:id="rId11" imgW="1143000" imgH="647700" progId="Equation.3">
+                <p:oleObj spid="_x0000_s26264" name="公式" r:id="rId11" imgW="1143000" imgH="647700" progId="Equation.3">
                   <p:embed/>
                 </p:oleObj>
               </mc:Choice>
@@ -36196,7 +36228,7 @@
           <a:graphicData uri="http://schemas.openxmlformats.org/presentationml/2006/ole">
             <mc:AlternateContent xmlns:mc="http://schemas.openxmlformats.org/markup-compatibility/2006">
               <mc:Choice xmlns:v="urn:schemas-microsoft-com:vml" Requires="v">
-                <p:oleObj spid="_x0000_s26223" name="方程式" r:id="rId13" imgW="1396800" imgH="711000" progId="Equation.3">
+                <p:oleObj spid="_x0000_s26265" name="方程式" r:id="rId13" imgW="1396800" imgH="711000" progId="Equation.3">
                   <p:embed/>
                 </p:oleObj>
               </mc:Choice>
@@ -36260,7 +36292,7 @@
           <a:graphicData uri="http://schemas.openxmlformats.org/presentationml/2006/ole">
             <mc:AlternateContent xmlns:mc="http://schemas.openxmlformats.org/markup-compatibility/2006">
               <mc:Choice xmlns:v="urn:schemas-microsoft-com:vml" Requires="v">
-                <p:oleObj spid="_x0000_s26224" name="公式" r:id="rId15" imgW="1447800" imgH="647700" progId="Equation.3">
+                <p:oleObj spid="_x0000_s26266" name="公式" r:id="rId15" imgW="1447800" imgH="647700" progId="Equation.3">
                   <p:embed/>
                 </p:oleObj>
               </mc:Choice>
@@ -36396,7 +36428,7 @@
             <a:graphicData uri="http://schemas.openxmlformats.org/presentationml/2006/ole">
               <mc:AlternateContent xmlns:mc="http://schemas.openxmlformats.org/markup-compatibility/2006">
                 <mc:Choice xmlns:v="urn:schemas-microsoft-com:vml" Requires="v">
-                  <p:oleObj spid="_x0000_s26225" name="公式" r:id="rId17" imgW="152517" imgH="209468" progId="Equation.3">
+                  <p:oleObj spid="_x0000_s26267" name="公式" r:id="rId17" imgW="152517" imgH="209468" progId="Equation.3">
                     <p:embed/>
                   </p:oleObj>
                 </mc:Choice>
@@ -36479,7 +36511,7 @@
             <a:graphicData uri="http://schemas.openxmlformats.org/presentationml/2006/ole">
               <mc:AlternateContent xmlns:mc="http://schemas.openxmlformats.org/markup-compatibility/2006">
                 <mc:Choice xmlns:v="urn:schemas-microsoft-com:vml" Requires="v">
-                  <p:oleObj spid="_x0000_s26226" name="Equation" r:id="rId19" imgW="152517" imgH="209468" progId="Equation.3">
+                  <p:oleObj spid="_x0000_s26268" name="Equation" r:id="rId19" imgW="152517" imgH="209468" progId="Equation.3">
                     <p:embed/>
                   </p:oleObj>
                 </mc:Choice>
@@ -36562,7 +36594,7 @@
             <a:graphicData uri="http://schemas.openxmlformats.org/presentationml/2006/ole">
               <mc:AlternateContent xmlns:mc="http://schemas.openxmlformats.org/markup-compatibility/2006">
                 <mc:Choice xmlns:v="urn:schemas-microsoft-com:vml" Requires="v">
-                  <p:oleObj spid="_x0000_s26227" name="Equation" r:id="rId21" imgW="152517" imgH="209468" progId="Equation.3">
+                  <p:oleObj spid="_x0000_s26269" name="Equation" r:id="rId21" imgW="152517" imgH="209468" progId="Equation.3">
                     <p:embed/>
                   </p:oleObj>
                 </mc:Choice>
@@ -36849,7 +36881,7 @@
             <a:graphicData uri="http://schemas.openxmlformats.org/presentationml/2006/ole">
               <mc:AlternateContent xmlns:mc="http://schemas.openxmlformats.org/markup-compatibility/2006">
                 <mc:Choice xmlns:v="urn:schemas-microsoft-com:vml" Requires="v">
-                  <p:oleObj spid="_x0000_s26228" name="Equation" r:id="rId23" imgW="114185" imgH="152512" progId="Equation.3">
+                  <p:oleObj spid="_x0000_s26270" name="Equation" r:id="rId23" imgW="114185" imgH="152512" progId="Equation.3">
                     <p:embed/>
                   </p:oleObj>
                 </mc:Choice>
@@ -37391,7 +37423,7 @@
             <a:graphicData uri="http://schemas.openxmlformats.org/presentationml/2006/ole">
               <mc:AlternateContent xmlns:mc="http://schemas.openxmlformats.org/markup-compatibility/2006">
                 <mc:Choice xmlns:v="urn:schemas-microsoft-com:vml" Requires="v">
-                  <p:oleObj spid="_x0000_s26229" name="Equation" r:id="rId25" imgW="152517" imgH="209468" progId="Equation.3">
+                  <p:oleObj spid="_x0000_s26271" name="Equation" r:id="rId25" imgW="152517" imgH="209468" progId="Equation.3">
                     <p:embed/>
                   </p:oleObj>
                 </mc:Choice>
@@ -37474,7 +37506,7 @@
             <a:graphicData uri="http://schemas.openxmlformats.org/presentationml/2006/ole">
               <mc:AlternateContent xmlns:mc="http://schemas.openxmlformats.org/markup-compatibility/2006">
                 <mc:Choice xmlns:v="urn:schemas-microsoft-com:vml" Requires="v">
-                  <p:oleObj spid="_x0000_s26230" name="Equation" r:id="rId27" imgW="152517" imgH="209468" progId="Equation.3">
+                  <p:oleObj spid="_x0000_s26272" name="Equation" r:id="rId27" imgW="152517" imgH="209468" progId="Equation.3">
                     <p:embed/>
                   </p:oleObj>
                 </mc:Choice>
@@ -37557,7 +37589,7 @@
             <a:graphicData uri="http://schemas.openxmlformats.org/presentationml/2006/ole">
               <mc:AlternateContent xmlns:mc="http://schemas.openxmlformats.org/markup-compatibility/2006">
                 <mc:Choice xmlns:v="urn:schemas-microsoft-com:vml" Requires="v">
-                  <p:oleObj spid="_x0000_s26231" name="Equation" r:id="rId29" imgW="152517" imgH="209468" progId="Equation.3">
+                  <p:oleObj spid="_x0000_s26273" name="Equation" r:id="rId29" imgW="152517" imgH="209468" progId="Equation.3">
                     <p:embed/>
                   </p:oleObj>
                 </mc:Choice>
@@ -37810,7 +37842,7 @@
             <a:graphicData uri="http://schemas.openxmlformats.org/presentationml/2006/ole">
               <mc:AlternateContent xmlns:mc="http://schemas.openxmlformats.org/markup-compatibility/2006">
                 <mc:Choice xmlns:v="urn:schemas-microsoft-com:vml" Requires="v">
-                  <p:oleObj spid="_x0000_s26232" name="公式" r:id="rId31" imgW="142799" imgH="209468" progId="Equation.3">
+                  <p:oleObj spid="_x0000_s26274" name="公式" r:id="rId31" imgW="142799" imgH="209468" progId="Equation.3">
                     <p:embed/>
                   </p:oleObj>
                 </mc:Choice>
@@ -37893,7 +37925,7 @@
             <a:graphicData uri="http://schemas.openxmlformats.org/presentationml/2006/ole">
               <mc:AlternateContent xmlns:mc="http://schemas.openxmlformats.org/markup-compatibility/2006">
                 <mc:Choice xmlns:v="urn:schemas-microsoft-com:vml" Requires="v">
-                  <p:oleObj spid="_x0000_s26233" name="Equation" r:id="rId33" imgW="142799" imgH="209468" progId="Equation.3">
+                  <p:oleObj spid="_x0000_s26275" name="Equation" r:id="rId33" imgW="142799" imgH="209468" progId="Equation.3">
                     <p:embed/>
                   </p:oleObj>
                 </mc:Choice>
@@ -37976,7 +38008,7 @@
             <a:graphicData uri="http://schemas.openxmlformats.org/presentationml/2006/ole">
               <mc:AlternateContent xmlns:mc="http://schemas.openxmlformats.org/markup-compatibility/2006">
                 <mc:Choice xmlns:v="urn:schemas-microsoft-com:vml" Requires="v">
-                  <p:oleObj spid="_x0000_s26234" name="Equation" r:id="rId35" imgW="142799" imgH="209468" progId="Equation.3">
+                  <p:oleObj spid="_x0000_s26276" name="Equation" r:id="rId35" imgW="142799" imgH="209468" progId="Equation.3">
                     <p:embed/>
                   </p:oleObj>
                 </mc:Choice>
@@ -38165,7 +38197,7 @@
             <a:graphicData uri="http://schemas.openxmlformats.org/presentationml/2006/ole">
               <mc:AlternateContent xmlns:mc="http://schemas.openxmlformats.org/markup-compatibility/2006">
                 <mc:Choice xmlns:v="urn:schemas-microsoft-com:vml" Requires="v">
-                  <p:oleObj spid="_x0000_s26235" name="Equation" r:id="rId37" imgW="114185" imgH="152512" progId="Equation.3">
+                  <p:oleObj spid="_x0000_s26277" name="Equation" r:id="rId37" imgW="114185" imgH="152512" progId="Equation.3">
                     <p:embed/>
                   </p:oleObj>
                 </mc:Choice>
@@ -38248,7 +38280,7 @@
             <a:graphicData uri="http://schemas.openxmlformats.org/presentationml/2006/ole">
               <mc:AlternateContent xmlns:mc="http://schemas.openxmlformats.org/markup-compatibility/2006">
                 <mc:Choice xmlns:v="urn:schemas-microsoft-com:vml" Requires="v">
-                  <p:oleObj spid="_x0000_s26236" name="Equation" r:id="rId39" imgW="142799" imgH="209468" progId="Equation.3">
+                  <p:oleObj spid="_x0000_s26278" name="Equation" r:id="rId39" imgW="142799" imgH="209468" progId="Equation.3">
                     <p:embed/>
                   </p:oleObj>
                 </mc:Choice>
@@ -38331,7 +38363,7 @@
             <a:graphicData uri="http://schemas.openxmlformats.org/presentationml/2006/ole">
               <mc:AlternateContent xmlns:mc="http://schemas.openxmlformats.org/markup-compatibility/2006">
                 <mc:Choice xmlns:v="urn:schemas-microsoft-com:vml" Requires="v">
-                  <p:oleObj spid="_x0000_s26237" name="Equation" r:id="rId41" imgW="152517" imgH="209468" progId="Equation.3">
+                  <p:oleObj spid="_x0000_s26279" name="Equation" r:id="rId41" imgW="152517" imgH="209468" progId="Equation.3">
                     <p:embed/>
                   </p:oleObj>
                 </mc:Choice>
@@ -38414,7 +38446,7 @@
             <a:graphicData uri="http://schemas.openxmlformats.org/presentationml/2006/ole">
               <mc:AlternateContent xmlns:mc="http://schemas.openxmlformats.org/markup-compatibility/2006">
                 <mc:Choice xmlns:v="urn:schemas-microsoft-com:vml" Requires="v">
-                  <p:oleObj spid="_x0000_s26238" name="Equation" r:id="rId43" imgW="142799" imgH="209468" progId="Equation.3">
+                  <p:oleObj spid="_x0000_s26280" name="Equation" r:id="rId43" imgW="142799" imgH="209468" progId="Equation.3">
                     <p:embed/>
                   </p:oleObj>
                 </mc:Choice>
@@ -38800,7 +38832,7 @@
           <a:graphicData uri="http://schemas.openxmlformats.org/presentationml/2006/ole">
             <mc:AlternateContent xmlns:mc="http://schemas.openxmlformats.org/markup-compatibility/2006">
               <mc:Choice xmlns:v="urn:schemas-microsoft-com:vml" Requires="v">
-                <p:oleObj spid="_x0000_s12086" name="方程式" r:id="rId4" imgW="1295280" imgH="266400" progId="Equation.3">
+                <p:oleObj spid="_x0000_s12100" name="方程式" r:id="rId4" imgW="1295280" imgH="266400" progId="Equation.3">
                   <p:embed/>
                 </p:oleObj>
               </mc:Choice>
@@ -38864,7 +38896,7 @@
           <a:graphicData uri="http://schemas.openxmlformats.org/presentationml/2006/ole">
             <mc:AlternateContent xmlns:mc="http://schemas.openxmlformats.org/markup-compatibility/2006">
               <mc:Choice xmlns:v="urn:schemas-microsoft-com:vml" Requires="v">
-                <p:oleObj spid="_x0000_s12087" name="方程式" r:id="rId6" imgW="596880" imgH="266400" progId="Equation.3">
+                <p:oleObj spid="_x0000_s12101" name="方程式" r:id="rId6" imgW="596880" imgH="266400" progId="Equation.3">
                   <p:embed/>
                 </p:oleObj>
               </mc:Choice>
@@ -38928,7 +38960,7 @@
           <a:graphicData uri="http://schemas.openxmlformats.org/presentationml/2006/ole">
             <mc:AlternateContent xmlns:mc="http://schemas.openxmlformats.org/markup-compatibility/2006">
               <mc:Choice xmlns:v="urn:schemas-microsoft-com:vml" Requires="v">
-                <p:oleObj spid="_x0000_s12088" name="方程式" r:id="rId8" imgW="342720" imgH="203040" progId="Equation.3">
+                <p:oleObj spid="_x0000_s12102" name="方程式" r:id="rId8" imgW="342720" imgH="203040" progId="Equation.3">
                   <p:embed/>
                 </p:oleObj>
               </mc:Choice>
@@ -38992,7 +39024,7 @@
           <a:graphicData uri="http://schemas.openxmlformats.org/presentationml/2006/ole">
             <mc:AlternateContent xmlns:mc="http://schemas.openxmlformats.org/markup-compatibility/2006">
               <mc:Choice xmlns:v="urn:schemas-microsoft-com:vml" Requires="v">
-                <p:oleObj spid="_x0000_s12089" name="公式" r:id="rId10" imgW="253780" imgH="203024" progId="Equation.3">
+                <p:oleObj spid="_x0000_s12103" name="公式" r:id="rId10" imgW="253780" imgH="203024" progId="Equation.3">
                   <p:embed/>
                 </p:oleObj>
               </mc:Choice>
@@ -39062,7 +39094,7 @@
           <a:graphicData uri="http://schemas.openxmlformats.org/presentationml/2006/ole">
             <mc:AlternateContent xmlns:mc="http://schemas.openxmlformats.org/markup-compatibility/2006">
               <mc:Choice xmlns:v="urn:schemas-microsoft-com:vml" Requires="v">
-                <p:oleObj spid="_x0000_s12090" name="方程式" r:id="rId12" imgW="787320" imgH="203040" progId="Equation.3">
+                <p:oleObj spid="_x0000_s12104" name="方程式" r:id="rId12" imgW="787320" imgH="203040" progId="Equation.3">
                   <p:embed/>
                 </p:oleObj>
               </mc:Choice>
@@ -39126,7 +39158,7 @@
           <a:graphicData uri="http://schemas.openxmlformats.org/presentationml/2006/ole">
             <mc:AlternateContent xmlns:mc="http://schemas.openxmlformats.org/markup-compatibility/2006">
               <mc:Choice xmlns:v="urn:schemas-microsoft-com:vml" Requires="v">
-                <p:oleObj spid="_x0000_s12091" name="方程式" r:id="rId14" imgW="749160" imgH="266400" progId="Equation.3">
+                <p:oleObj spid="_x0000_s12105" name="方程式" r:id="rId14" imgW="749160" imgH="266400" progId="Equation.3">
                   <p:embed/>
                 </p:oleObj>
               </mc:Choice>
@@ -39190,7 +39222,7 @@
           <a:graphicData uri="http://schemas.openxmlformats.org/presentationml/2006/ole">
             <mc:AlternateContent xmlns:mc="http://schemas.openxmlformats.org/markup-compatibility/2006">
               <mc:Choice xmlns:v="urn:schemas-microsoft-com:vml" Requires="v">
-                <p:oleObj spid="_x0000_s12092" name="方程式" r:id="rId16" imgW="558720" imgH="203040" progId="Equation.3">
+                <p:oleObj spid="_x0000_s12106" name="方程式" r:id="rId16" imgW="558720" imgH="203040" progId="Equation.3">
                   <p:embed/>
                 </p:oleObj>
               </mc:Choice>
@@ -39789,7 +39821,7 @@
           <a:graphicData uri="http://schemas.openxmlformats.org/presentationml/2006/ole">
             <mc:AlternateContent xmlns:mc="http://schemas.openxmlformats.org/markup-compatibility/2006">
               <mc:Choice xmlns:v="urn:schemas-microsoft-com:vml" Requires="v">
-                <p:oleObj spid="_x0000_s13299" name="方程式" r:id="rId4" imgW="1206360" imgH="711000" progId="Equation.3">
+                <p:oleObj spid="_x0000_s36869" name="方程式" r:id="rId4" imgW="1206360" imgH="711000" progId="Equation.3">
                   <p:embed/>
                 </p:oleObj>
               </mc:Choice>
@@ -39847,7 +39879,7 @@
           <a:graphicData uri="http://schemas.openxmlformats.org/presentationml/2006/ole">
             <mc:AlternateContent xmlns:mc="http://schemas.openxmlformats.org/markup-compatibility/2006">
               <mc:Choice xmlns:v="urn:schemas-microsoft-com:vml" Requires="v">
-                <p:oleObj spid="_x0000_s13300" name="公式" r:id="rId6" imgW="253780" imgH="203024" progId="Equation.3">
+                <p:oleObj spid="_x0000_s36870" name="公式" r:id="rId6" imgW="253780" imgH="203024" progId="Equation.3">
                   <p:embed/>
                 </p:oleObj>
               </mc:Choice>
@@ -39936,7 +39968,7 @@
           <a:graphicData uri="http://schemas.openxmlformats.org/presentationml/2006/ole">
             <mc:AlternateContent xmlns:mc="http://schemas.openxmlformats.org/markup-compatibility/2006">
               <mc:Choice xmlns:v="urn:schemas-microsoft-com:vml" Requires="v">
-                <p:oleObj spid="_x0000_s13301" name="方程式" r:id="rId8" imgW="761760" imgH="203040" progId="Equation.3">
+                <p:oleObj spid="_x0000_s36871" name="方程式" r:id="rId8" imgW="761760" imgH="203040" progId="Equation.3">
                   <p:embed/>
                 </p:oleObj>
               </mc:Choice>
@@ -40202,7 +40234,7 @@
           <a:graphicData uri="http://schemas.openxmlformats.org/presentationml/2006/ole">
             <mc:AlternateContent xmlns:mc="http://schemas.openxmlformats.org/markup-compatibility/2006">
               <mc:Choice xmlns:v="urn:schemas-microsoft-com:vml" Requires="v">
-                <p:oleObj spid="_x0000_s13302" name="公式" r:id="rId10" imgW="152517" imgH="228634" progId="Equation.3">
+                <p:oleObj spid="_x0000_s36872" name="公式" r:id="rId10" imgW="152517" imgH="228634" progId="Equation.3">
                   <p:embed/>
                 </p:oleObj>
               </mc:Choice>
@@ -40272,7 +40304,7 @@
           <a:graphicData uri="http://schemas.openxmlformats.org/presentationml/2006/ole">
             <mc:AlternateContent xmlns:mc="http://schemas.openxmlformats.org/markup-compatibility/2006">
               <mc:Choice xmlns:v="urn:schemas-microsoft-com:vml" Requires="v">
-                <p:oleObj spid="_x0000_s13303" name="公式" r:id="rId12" imgW="152517" imgH="219186" progId="Equation.3">
+                <p:oleObj spid="_x0000_s36873" name="公式" r:id="rId12" imgW="152517" imgH="219186" progId="Equation.3">
                   <p:embed/>
                 </p:oleObj>
               </mc:Choice>
@@ -40342,7 +40374,7 @@
           <a:graphicData uri="http://schemas.openxmlformats.org/presentationml/2006/ole">
             <mc:AlternateContent xmlns:mc="http://schemas.openxmlformats.org/markup-compatibility/2006">
               <mc:Choice xmlns:v="urn:schemas-microsoft-com:vml" Requires="v">
-                <p:oleObj spid="_x0000_s13304" name="公式" r:id="rId14" imgW="152517" imgH="219186" progId="Equation.3">
+                <p:oleObj spid="_x0000_s36874" name="公式" r:id="rId14" imgW="152517" imgH="219186" progId="Equation.3">
                   <p:embed/>
                 </p:oleObj>
               </mc:Choice>
@@ -40718,7 +40750,7 @@
           <a:graphicData uri="http://schemas.openxmlformats.org/presentationml/2006/ole">
             <mc:AlternateContent xmlns:mc="http://schemas.openxmlformats.org/markup-compatibility/2006">
               <mc:Choice xmlns:v="urn:schemas-microsoft-com:vml" Requires="v">
-                <p:oleObj spid="_x0000_s13305" name="公式" r:id="rId16" imgW="142799" imgH="209468" progId="Equation.3">
+                <p:oleObj spid="_x0000_s36875" name="公式" r:id="rId16" imgW="142799" imgH="209468" progId="Equation.3">
                   <p:embed/>
                 </p:oleObj>
               </mc:Choice>
@@ -40788,7 +40820,7 @@
           <a:graphicData uri="http://schemas.openxmlformats.org/presentationml/2006/ole">
             <mc:AlternateContent xmlns:mc="http://schemas.openxmlformats.org/markup-compatibility/2006">
               <mc:Choice xmlns:v="urn:schemas-microsoft-com:vml" Requires="v">
-                <p:oleObj spid="_x0000_s13306" name="Equation" r:id="rId18" imgW="142799" imgH="209468" progId="Equation.3">
+                <p:oleObj spid="_x0000_s36876" name="Equation" r:id="rId18" imgW="142799" imgH="209468" progId="Equation.3">
                   <p:embed/>
                 </p:oleObj>
               </mc:Choice>
@@ -40858,7 +40890,7 @@
           <a:graphicData uri="http://schemas.openxmlformats.org/presentationml/2006/ole">
             <mc:AlternateContent xmlns:mc="http://schemas.openxmlformats.org/markup-compatibility/2006">
               <mc:Choice xmlns:v="urn:schemas-microsoft-com:vml" Requires="v">
-                <p:oleObj spid="_x0000_s13307" name="Equation" r:id="rId20" imgW="142799" imgH="209468" progId="Equation.3">
+                <p:oleObj spid="_x0000_s36877" name="Equation" r:id="rId20" imgW="142799" imgH="209468" progId="Equation.3">
                   <p:embed/>
                 </p:oleObj>
               </mc:Choice>
@@ -41043,7 +41075,7 @@
           <a:graphicData uri="http://schemas.openxmlformats.org/presentationml/2006/ole">
             <mc:AlternateContent xmlns:mc="http://schemas.openxmlformats.org/markup-compatibility/2006">
               <mc:Choice xmlns:v="urn:schemas-microsoft-com:vml" Requires="v">
-                <p:oleObj spid="_x0000_s27033" name="方程式" r:id="rId4" imgW="723600" imgH="228600" progId="Equation.3">
+                <p:oleObj spid="_x0000_s27061" name="方程式" r:id="rId4" imgW="723600" imgH="228600" progId="Equation.3">
                   <p:embed/>
                 </p:oleObj>
               </mc:Choice>
@@ -41136,7 +41168,7 @@
             <a:graphicData uri="http://schemas.openxmlformats.org/presentationml/2006/ole">
               <mc:AlternateContent xmlns:mc="http://schemas.openxmlformats.org/markup-compatibility/2006">
                 <mc:Choice xmlns:v="urn:schemas-microsoft-com:vml" Requires="v">
-                  <p:oleObj spid="_x0000_s27034" name="公式" r:id="rId6" imgW="2082800" imgH="266700" progId="Equation.3">
+                  <p:oleObj spid="_x0000_s27062" name="公式" r:id="rId6" imgW="2082800" imgH="266700" progId="Equation.3">
                     <p:embed/>
                   </p:oleObj>
                 </mc:Choice>
@@ -41270,7 +41302,7 @@
             <a:graphicData uri="http://schemas.openxmlformats.org/presentationml/2006/ole">
               <mc:AlternateContent xmlns:mc="http://schemas.openxmlformats.org/markup-compatibility/2006">
                 <mc:Choice xmlns:v="urn:schemas-microsoft-com:vml" Requires="v">
-                  <p:oleObj spid="_x0000_s27035" name="Equation" r:id="rId8" imgW="152334" imgH="190417" progId="Equation.3">
+                  <p:oleObj spid="_x0000_s27063" name="Equation" r:id="rId8" imgW="152334" imgH="190417" progId="Equation.3">
                     <p:embed/>
                   </p:oleObj>
                 </mc:Choice>
@@ -41353,7 +41385,7 @@
             <a:graphicData uri="http://schemas.openxmlformats.org/presentationml/2006/ole">
               <mc:AlternateContent xmlns:mc="http://schemas.openxmlformats.org/markup-compatibility/2006">
                 <mc:Choice xmlns:v="urn:schemas-microsoft-com:vml" Requires="v">
-                  <p:oleObj spid="_x0000_s27036" name="Equation" r:id="rId10" imgW="164957" imgH="241091" progId="Equation.3">
+                  <p:oleObj spid="_x0000_s27064" name="Equation" r:id="rId10" imgW="164957" imgH="241091" progId="Equation.3">
                     <p:embed/>
                   </p:oleObj>
                 </mc:Choice>
@@ -41453,7 +41485,7 @@
           <a:graphicData uri="http://schemas.openxmlformats.org/presentationml/2006/ole">
             <mc:AlternateContent xmlns:mc="http://schemas.openxmlformats.org/markup-compatibility/2006">
               <mc:Choice xmlns:v="urn:schemas-microsoft-com:vml" Requires="v">
-                <p:oleObj spid="_x0000_s27037" name="方程式" r:id="rId12" imgW="1612800" imgH="711000" progId="Equation.3">
+                <p:oleObj spid="_x0000_s27065" name="方程式" r:id="rId12" imgW="1612800" imgH="711000" progId="Equation.3">
                   <p:embed/>
                 </p:oleObj>
               </mc:Choice>
@@ -41536,7 +41568,7 @@
           <a:graphicData uri="http://schemas.openxmlformats.org/presentationml/2006/ole">
             <mc:AlternateContent xmlns:mc="http://schemas.openxmlformats.org/markup-compatibility/2006">
               <mc:Choice xmlns:v="urn:schemas-microsoft-com:vml" Requires="v">
-                <p:oleObj spid="_x0000_s27038" name="方程式" r:id="rId14" imgW="1422360" imgH="253800" progId="Equation.3">
+                <p:oleObj spid="_x0000_s27066" name="方程式" r:id="rId14" imgW="1422360" imgH="253800" progId="Equation.3">
                   <p:embed/>
                 </p:oleObj>
               </mc:Choice>
@@ -41619,7 +41651,7 @@
           <a:graphicData uri="http://schemas.openxmlformats.org/presentationml/2006/ole">
             <mc:AlternateContent xmlns:mc="http://schemas.openxmlformats.org/markup-compatibility/2006">
               <mc:Choice xmlns:v="urn:schemas-microsoft-com:vml" Requires="v">
-                <p:oleObj spid="_x0000_s27039" name="公式" r:id="rId16" imgW="444307" imgH="241195" progId="Equation.3">
+                <p:oleObj spid="_x0000_s27067" name="公式" r:id="rId16" imgW="444307" imgH="241195" progId="Equation.3">
                   <p:embed/>
                 </p:oleObj>
               </mc:Choice>
@@ -41708,7 +41740,7 @@
           <a:graphicData uri="http://schemas.openxmlformats.org/presentationml/2006/ole">
             <mc:AlternateContent xmlns:mc="http://schemas.openxmlformats.org/markup-compatibility/2006">
               <mc:Choice xmlns:v="urn:schemas-microsoft-com:vml" Requires="v">
-                <p:oleObj spid="_x0000_s27040" name="公式" r:id="rId18" imgW="876300" imgH="241300" progId="Equation.3">
+                <p:oleObj spid="_x0000_s27068" name="公式" r:id="rId18" imgW="876300" imgH="241300" progId="Equation.3">
                   <p:embed/>
                 </p:oleObj>
               </mc:Choice>
@@ -41797,7 +41829,7 @@
           <a:graphicData uri="http://schemas.openxmlformats.org/presentationml/2006/ole">
             <mc:AlternateContent xmlns:mc="http://schemas.openxmlformats.org/markup-compatibility/2006">
               <mc:Choice xmlns:v="urn:schemas-microsoft-com:vml" Requires="v">
-                <p:oleObj spid="_x0000_s27041" name="方程式" r:id="rId20" imgW="2806560" imgH="482400" progId="Equation.3">
+                <p:oleObj spid="_x0000_s27069" name="方程式" r:id="rId20" imgW="2806560" imgH="482400" progId="Equation.3">
                   <p:embed/>
                 </p:oleObj>
               </mc:Choice>
@@ -42063,7 +42095,7 @@
           <a:graphicData uri="http://schemas.openxmlformats.org/presentationml/2006/ole">
             <mc:AlternateContent xmlns:mc="http://schemas.openxmlformats.org/markup-compatibility/2006">
               <mc:Choice xmlns:v="urn:schemas-microsoft-com:vml" Requires="v">
-                <p:oleObj spid="_x0000_s27042" name="方程式" r:id="rId22" imgW="1587240" imgH="711000" progId="Equation.3">
+                <p:oleObj spid="_x0000_s27070" name="方程式" r:id="rId22" imgW="1587240" imgH="711000" progId="Equation.3">
                   <p:embed/>
                 </p:oleObj>
               </mc:Choice>
@@ -42156,7 +42188,7 @@
           <a:graphicData uri="http://schemas.openxmlformats.org/presentationml/2006/ole">
             <mc:AlternateContent xmlns:mc="http://schemas.openxmlformats.org/markup-compatibility/2006">
               <mc:Choice xmlns:v="urn:schemas-microsoft-com:vml" Requires="v">
-                <p:oleObj spid="_x0000_s27043" name="方程式" r:id="rId24" imgW="2476440" imgH="507960" progId="Equation.3">
+                <p:oleObj spid="_x0000_s27071" name="方程式" r:id="rId24" imgW="2476440" imgH="507960" progId="Equation.3">
                   <p:embed/>
                 </p:oleObj>
               </mc:Choice>
@@ -42569,7 +42601,7 @@
           <a:graphicData uri="http://schemas.openxmlformats.org/presentationml/2006/ole">
             <mc:AlternateContent xmlns:mc="http://schemas.openxmlformats.org/markup-compatibility/2006">
               <mc:Choice xmlns:v="urn:schemas-microsoft-com:vml" Requires="v">
-                <p:oleObj spid="_x0000_s27044" name="公式" r:id="rId26" imgW="583947" imgH="253890" progId="Equation.3">
+                <p:oleObj spid="_x0000_s27072" name="公式" r:id="rId26" imgW="583947" imgH="253890" progId="Equation.3">
                   <p:embed/>
                 </p:oleObj>
               </mc:Choice>
@@ -42658,7 +42690,7 @@
           <a:graphicData uri="http://schemas.openxmlformats.org/presentationml/2006/ole">
             <mc:AlternateContent xmlns:mc="http://schemas.openxmlformats.org/markup-compatibility/2006">
               <mc:Choice xmlns:v="urn:schemas-microsoft-com:vml" Requires="v">
-                <p:oleObj spid="_x0000_s27045" name="公式" r:id="rId28" imgW="748975" imgH="215806" progId="Equation.3">
+                <p:oleObj spid="_x0000_s27073" name="公式" r:id="rId28" imgW="748975" imgH="215806" progId="Equation.3">
                   <p:embed/>
                 </p:oleObj>
               </mc:Choice>
@@ -42747,7 +42779,7 @@
           <a:graphicData uri="http://schemas.openxmlformats.org/presentationml/2006/ole">
             <mc:AlternateContent xmlns:mc="http://schemas.openxmlformats.org/markup-compatibility/2006">
               <mc:Choice xmlns:v="urn:schemas-microsoft-com:vml" Requires="v">
-                <p:oleObj spid="_x0000_s27046" name="公式" r:id="rId30" imgW="736600" imgH="228600" progId="Equation.3">
+                <p:oleObj spid="_x0000_s27074" name="公式" r:id="rId30" imgW="736600" imgH="228600" progId="Equation.3">
                   <p:embed/>
                 </p:oleObj>
               </mc:Choice>

--- a/data/my_dcm/DCM.pptx
+++ b/data/my_dcm/DCM.pptx
@@ -11252,7 +11252,7 @@
           <a:graphicData uri="http://schemas.openxmlformats.org/presentationml/2006/ole">
             <mc:AlternateContent xmlns:mc="http://schemas.openxmlformats.org/markup-compatibility/2006">
               <mc:Choice xmlns:v="urn:schemas-microsoft-com:vml" Requires="v">
-                <p:oleObj spid="_x0000_s15620" name="方程式" r:id="rId3" imgW="2539800" imgH="711000" progId="Equation.3">
+                <p:oleObj spid="_x0000_s15632" name="方程式" r:id="rId3" imgW="2539800" imgH="711000" progId="Equation.3">
                   <p:embed/>
                 </p:oleObj>
               </mc:Choice>
@@ -11316,7 +11316,7 @@
           <a:graphicData uri="http://schemas.openxmlformats.org/presentationml/2006/ole">
             <mc:AlternateContent xmlns:mc="http://schemas.openxmlformats.org/markup-compatibility/2006">
               <mc:Choice xmlns:v="urn:schemas-microsoft-com:vml" Requires="v">
-                <p:oleObj spid="_x0000_s15621" name="方程式" r:id="rId5" imgW="2527200" imgH="711000" progId="Equation.3">
+                <p:oleObj spid="_x0000_s15633" name="方程式" r:id="rId5" imgW="2527200" imgH="711000" progId="Equation.3">
                   <p:embed/>
                 </p:oleObj>
               </mc:Choice>
@@ -11380,7 +11380,7 @@
           <a:graphicData uri="http://schemas.openxmlformats.org/presentationml/2006/ole">
             <mc:AlternateContent xmlns:mc="http://schemas.openxmlformats.org/markup-compatibility/2006">
               <mc:Choice xmlns:v="urn:schemas-microsoft-com:vml" Requires="v">
-                <p:oleObj spid="_x0000_s15622" name="方程式" r:id="rId7" imgW="2577960" imgH="711000" progId="Equation.3">
+                <p:oleObj spid="_x0000_s15634" name="方程式" r:id="rId7" imgW="2577960" imgH="711000" progId="Equation.3">
                   <p:embed/>
                 </p:oleObj>
               </mc:Choice>
@@ -11909,7 +11909,7 @@
           <a:graphicData uri="http://schemas.openxmlformats.org/presentationml/2006/ole">
             <mc:AlternateContent xmlns:mc="http://schemas.openxmlformats.org/markup-compatibility/2006">
               <mc:Choice xmlns:v="urn:schemas-microsoft-com:vml" Requires="v">
-                <p:oleObj spid="_x0000_s17567" name="方程式" r:id="rId4" imgW="4533840" imgH="711000" progId="Equation.3">
+                <p:oleObj spid="_x0000_s17575" name="方程式" r:id="rId4" imgW="4533840" imgH="711000" progId="Equation.3">
                   <p:embed/>
                 </p:oleObj>
               </mc:Choice>
@@ -12022,7 +12022,7 @@
           <a:graphicData uri="http://schemas.openxmlformats.org/presentationml/2006/ole">
             <mc:AlternateContent xmlns:mc="http://schemas.openxmlformats.org/markup-compatibility/2006">
               <mc:Choice xmlns:v="urn:schemas-microsoft-com:vml" Requires="v">
-                <p:oleObj spid="_x0000_s17568" name="方程式" r:id="rId6" imgW="4762440" imgH="711000" progId="Equation.3">
+                <p:oleObj spid="_x0000_s17576" name="方程式" r:id="rId6" imgW="4762440" imgH="711000" progId="Equation.3">
                   <p:embed/>
                 </p:oleObj>
               </mc:Choice>
@@ -12190,7 +12190,7 @@
           <a:graphicData uri="http://schemas.openxmlformats.org/presentationml/2006/ole">
             <mc:AlternateContent xmlns:mc="http://schemas.openxmlformats.org/markup-compatibility/2006">
               <mc:Choice xmlns:v="urn:schemas-microsoft-com:vml" Requires="v">
-                <p:oleObj spid="_x0000_s24861" name="方程式" r:id="rId5" imgW="457200" imgH="203040" progId="Equation.3">
+                <p:oleObj spid="_x0000_s24885" name="方程式" r:id="rId5" imgW="457200" imgH="203040" progId="Equation.3">
                   <p:embed/>
                 </p:oleObj>
               </mc:Choice>
@@ -12254,7 +12254,7 @@
           <a:graphicData uri="http://schemas.openxmlformats.org/presentationml/2006/ole">
             <mc:AlternateContent xmlns:mc="http://schemas.openxmlformats.org/markup-compatibility/2006">
               <mc:Choice xmlns:v="urn:schemas-microsoft-com:vml" Requires="v">
-                <p:oleObj spid="_x0000_s24862" name="方程式" r:id="rId7" imgW="749160" imgH="203040" progId="Equation.3">
+                <p:oleObj spid="_x0000_s24886" name="方程式" r:id="rId7" imgW="749160" imgH="203040" progId="Equation.3">
                   <p:embed/>
                 </p:oleObj>
               </mc:Choice>
@@ -12318,7 +12318,7 @@
           <a:graphicData uri="http://schemas.openxmlformats.org/presentationml/2006/ole">
             <mc:AlternateContent xmlns:mc="http://schemas.openxmlformats.org/markup-compatibility/2006">
               <mc:Choice xmlns:v="urn:schemas-microsoft-com:vml" Requires="v">
-                <p:oleObj spid="_x0000_s24863" name="方程式" r:id="rId9" imgW="571320" imgH="177480" progId="Equation.3">
+                <p:oleObj spid="_x0000_s24887" name="方程式" r:id="rId9" imgW="571320" imgH="177480" progId="Equation.3">
                   <p:embed/>
                 </p:oleObj>
               </mc:Choice>
@@ -12382,7 +12382,7 @@
           <a:graphicData uri="http://schemas.openxmlformats.org/presentationml/2006/ole">
             <mc:AlternateContent xmlns:mc="http://schemas.openxmlformats.org/markup-compatibility/2006">
               <mc:Choice xmlns:v="urn:schemas-microsoft-com:vml" Requires="v">
-                <p:oleObj spid="_x0000_s24864" name="方程式" r:id="rId11" imgW="520560" imgH="393480" progId="Equation.3">
+                <p:oleObj spid="_x0000_s24888" name="方程式" r:id="rId11" imgW="520560" imgH="393480" progId="Equation.3">
                   <p:embed/>
                 </p:oleObj>
               </mc:Choice>
@@ -12446,7 +12446,7 @@
           <a:graphicData uri="http://schemas.openxmlformats.org/presentationml/2006/ole">
             <mc:AlternateContent xmlns:mc="http://schemas.openxmlformats.org/markup-compatibility/2006">
               <mc:Choice xmlns:v="urn:schemas-microsoft-com:vml" Requires="v">
-                <p:oleObj spid="_x0000_s24865" name="方程式" r:id="rId13" imgW="609480" imgH="279360" progId="Equation.3">
+                <p:oleObj spid="_x0000_s24889" name="方程式" r:id="rId13" imgW="609480" imgH="279360" progId="Equation.3">
                   <p:embed/>
                 </p:oleObj>
               </mc:Choice>
@@ -12719,7 +12719,7 @@
           <a:graphicData uri="http://schemas.openxmlformats.org/presentationml/2006/ole">
             <mc:AlternateContent xmlns:mc="http://schemas.openxmlformats.org/markup-compatibility/2006">
               <mc:Choice xmlns:v="urn:schemas-microsoft-com:vml" Requires="v">
-                <p:oleObj spid="_x0000_s24866" name="方程式" r:id="rId15" imgW="126720" imgH="177480" progId="Equation.3">
+                <p:oleObj spid="_x0000_s24890" name="方程式" r:id="rId15" imgW="126720" imgH="177480" progId="Equation.3">
                   <p:embed/>
                 </p:oleObj>
               </mc:Choice>
@@ -12862,7 +12862,7 @@
           <a:graphicData uri="http://schemas.openxmlformats.org/presentationml/2006/ole">
             <mc:AlternateContent xmlns:mc="http://schemas.openxmlformats.org/markup-compatibility/2006">
               <mc:Choice xmlns:v="urn:schemas-microsoft-com:vml" Requires="v">
-                <p:oleObj spid="_x0000_s32873" name="方程式" r:id="rId4" imgW="2120760" imgH="736560" progId="Equation.3">
+                <p:oleObj spid="_x0000_s32893" name="方程式" r:id="rId4" imgW="2120760" imgH="736560" progId="Equation.3">
                   <p:embed/>
                 </p:oleObj>
               </mc:Choice>
@@ -12945,7 +12945,7 @@
           <a:graphicData uri="http://schemas.openxmlformats.org/presentationml/2006/ole">
             <mc:AlternateContent xmlns:mc="http://schemas.openxmlformats.org/markup-compatibility/2006">
               <mc:Choice xmlns:v="urn:schemas-microsoft-com:vml" Requires="v">
-                <p:oleObj spid="_x0000_s32874" name="方程式" r:id="rId6" imgW="2286000" imgH="736560" progId="Equation.3">
+                <p:oleObj spid="_x0000_s32894" name="方程式" r:id="rId6" imgW="2286000" imgH="736560" progId="Equation.3">
                   <p:embed/>
                 </p:oleObj>
               </mc:Choice>
@@ -13028,7 +13028,7 @@
           <a:graphicData uri="http://schemas.openxmlformats.org/presentationml/2006/ole">
             <mc:AlternateContent xmlns:mc="http://schemas.openxmlformats.org/markup-compatibility/2006">
               <mc:Choice xmlns:v="urn:schemas-microsoft-com:vml" Requires="v">
-                <p:oleObj spid="_x0000_s32875" name="方程式" r:id="rId8" imgW="507960" imgH="393480" progId="Equation.3">
+                <p:oleObj spid="_x0000_s32895" name="方程式" r:id="rId8" imgW="507960" imgH="393480" progId="Equation.3">
                   <p:embed/>
                 </p:oleObj>
               </mc:Choice>
@@ -13111,7 +13111,7 @@
           <a:graphicData uri="http://schemas.openxmlformats.org/presentationml/2006/ole">
             <mc:AlternateContent xmlns:mc="http://schemas.openxmlformats.org/markup-compatibility/2006">
               <mc:Choice xmlns:v="urn:schemas-microsoft-com:vml" Requires="v">
-                <p:oleObj spid="_x0000_s32876" name="方程式" r:id="rId10" imgW="634680" imgH="279360" progId="Equation.3">
+                <p:oleObj spid="_x0000_s32896" name="方程式" r:id="rId10" imgW="634680" imgH="279360" progId="Equation.3">
                   <p:embed/>
                 </p:oleObj>
               </mc:Choice>
@@ -13194,7 +13194,7 @@
           <a:graphicData uri="http://schemas.openxmlformats.org/presentationml/2006/ole">
             <mc:AlternateContent xmlns:mc="http://schemas.openxmlformats.org/markup-compatibility/2006">
               <mc:Choice xmlns:v="urn:schemas-microsoft-com:vml" Requires="v">
-                <p:oleObj spid="_x0000_s32877" name="方程式" r:id="rId12" imgW="1193760" imgH="736560" progId="Equation.3">
+                <p:oleObj spid="_x0000_s32897" name="方程式" r:id="rId12" imgW="1193760" imgH="736560" progId="Equation.3">
                   <p:embed/>
                 </p:oleObj>
               </mc:Choice>
@@ -13455,7 +13455,7 @@
           <a:graphicData uri="http://schemas.openxmlformats.org/presentationml/2006/ole">
             <mc:AlternateContent xmlns:mc="http://schemas.openxmlformats.org/markup-compatibility/2006">
               <mc:Choice xmlns:v="urn:schemas-microsoft-com:vml" Requires="v">
-                <p:oleObj spid="_x0000_s34846" name="方程式" r:id="rId4" imgW="3517560" imgH="711000" progId="Equation.3">
+                <p:oleObj spid="_x0000_s34862" name="方程式" r:id="rId4" imgW="3517560" imgH="711000" progId="Equation.3">
                   <p:embed/>
                 </p:oleObj>
               </mc:Choice>
@@ -13538,7 +13538,7 @@
           <a:graphicData uri="http://schemas.openxmlformats.org/presentationml/2006/ole">
             <mc:AlternateContent xmlns:mc="http://schemas.openxmlformats.org/markup-compatibility/2006">
               <mc:Choice xmlns:v="urn:schemas-microsoft-com:vml" Requires="v">
-                <p:oleObj spid="_x0000_s34847" name="方程式" r:id="rId6" imgW="1307880" imgH="711000" progId="Equation.3">
+                <p:oleObj spid="_x0000_s34863" name="方程式" r:id="rId6" imgW="1307880" imgH="711000" progId="Equation.3">
                   <p:embed/>
                 </p:oleObj>
               </mc:Choice>
@@ -13621,7 +13621,7 @@
           <a:graphicData uri="http://schemas.openxmlformats.org/presentationml/2006/ole">
             <mc:AlternateContent xmlns:mc="http://schemas.openxmlformats.org/markup-compatibility/2006">
               <mc:Choice xmlns:v="urn:schemas-microsoft-com:vml" Requires="v">
-                <p:oleObj spid="_x0000_s34848" name="方程式" r:id="rId8" imgW="952200" imgH="393480" progId="Equation.3">
+                <p:oleObj spid="_x0000_s34864" name="方程式" r:id="rId8" imgW="952200" imgH="393480" progId="Equation.3">
                   <p:embed/>
                 </p:oleObj>
               </mc:Choice>
@@ -13704,7 +13704,7 @@
           <a:graphicData uri="http://schemas.openxmlformats.org/presentationml/2006/ole">
             <mc:AlternateContent xmlns:mc="http://schemas.openxmlformats.org/markup-compatibility/2006">
               <mc:Choice xmlns:v="urn:schemas-microsoft-com:vml" Requires="v">
-                <p:oleObj spid="_x0000_s34849" name="方程式" r:id="rId10" imgW="711000" imgH="228600" progId="Equation.3">
+                <p:oleObj spid="_x0000_s34865" name="方程式" r:id="rId10" imgW="711000" imgH="228600" progId="Equation.3">
                   <p:embed/>
                 </p:oleObj>
               </mc:Choice>
@@ -13765,6 +13765,68 @@
           </a:graphicData>
         </a:graphic>
       </p:graphicFrame>
+      <p:sp>
+        <p:nvSpPr>
+          <p:cNvPr id="3" name="矩形 2"/>
+          <p:cNvSpPr/>
+          <p:nvPr/>
+        </p:nvSpPr>
+        <p:spPr>
+          <a:xfrm>
+            <a:off x="1152128" y="4582869"/>
+            <a:ext cx="8892480" cy="646331"/>
+          </a:xfrm>
+          <a:prstGeom prst="rect">
+            <a:avLst/>
+          </a:prstGeom>
+        </p:spPr>
+        <p:txBody>
+          <a:bodyPr wrap="square">
+            <a:spAutoFit/>
+          </a:bodyPr>
+          <a:lstStyle/>
+          <a:p>
+            <a:r>
+              <a:rPr lang="zh-TW" altLang="en-US" dirty="0"/>
+              <a:t>透過對得到之三軸 </a:t>
+            </a:r>
+            <a:r>
+              <a:rPr lang="en-US" altLang="zh-TW" dirty="0"/>
+              <a:t>(x , y , z) </a:t>
+            </a:r>
+            <a:r>
+              <a:rPr lang="zh-TW" altLang="en-US" dirty="0"/>
+              <a:t>加速度值進行兩次反三角函數運算</a:t>
+            </a:r>
+            <a:r>
+              <a:rPr lang="en-US" altLang="zh-TW" dirty="0"/>
+              <a:t>,</a:t>
+            </a:r>
+            <a:r>
+              <a:rPr lang="zh-TW" altLang="en-US" dirty="0"/>
+              <a:t>便可逆求</a:t>
+            </a:r>
+          </a:p>
+          <a:p>
+            <a:r>
+              <a:rPr lang="en-US" altLang="zh-TW" dirty="0"/>
+              <a:t>Roll</a:t>
+            </a:r>
+            <a:r>
+              <a:rPr lang="zh-TW" altLang="en-US" dirty="0"/>
+              <a:t>、</a:t>
+            </a:r>
+            <a:r>
+              <a:rPr lang="en-US" altLang="zh-TW" dirty="0"/>
+              <a:t>Pitch </a:t>
+            </a:r>
+            <a:r>
+              <a:rPr lang="zh-TW" altLang="en-US" dirty="0"/>
+              <a:t>之姿態角</a:t>
+            </a:r>
+          </a:p>
+        </p:txBody>
+      </p:sp>
     </p:spTree>
     <p:extLst>
       <p:ext uri="{BB962C8B-B14F-4D97-AF65-F5344CB8AC3E}">
@@ -13837,25 +13899,25 @@
           <p:nvPr>
             <p:extLst>
               <p:ext uri="{D42A27DB-BD31-4B8C-83A1-F6EECF244321}">
-                <p14:modId xmlns:p14="http://schemas.microsoft.com/office/powerpoint/2010/main" val="3158541586"/>
+                <p14:modId xmlns:p14="http://schemas.microsoft.com/office/powerpoint/2010/main" val="680152812"/>
               </p:ext>
             </p:extLst>
           </p:nvPr>
         </p:nvGraphicFramePr>
         <p:xfrm>
-          <a:off x="683568" y="1340768"/>
-          <a:ext cx="6181725" cy="1247775"/>
+          <a:off x="1687513" y="1341438"/>
+          <a:ext cx="4173537" cy="1247775"/>
         </p:xfrm>
         <a:graphic>
           <a:graphicData uri="http://schemas.openxmlformats.org/presentationml/2006/ole">
             <mc:AlternateContent xmlns:mc="http://schemas.openxmlformats.org/markup-compatibility/2006">
               <mc:Choice xmlns:v="urn:schemas-microsoft-com:vml" Requires="v">
-                <p:oleObj spid="_x0000_s35844" name="方程式" r:id="rId4" imgW="3517560" imgH="711000" progId="Equation.3">
+                <p:oleObj spid="_x0000_s35857" name="方程式" r:id="rId4" imgW="2374560" imgH="711000" progId="Equation.3">
                   <p:embed/>
                 </p:oleObj>
               </mc:Choice>
               <mc:Fallback>
-                <p:oleObj name="方程式" r:id="rId4" imgW="3517560" imgH="711000" progId="Equation.3">
+                <p:oleObj name="方程式" r:id="rId4" imgW="2374560" imgH="711000" progId="Equation.3">
                   <p:embed/>
                   <p:pic>
                     <p:nvPicPr>
@@ -13866,13 +13928,7 @@
                       <p:nvPr/>
                     </p:nvPicPr>
                     <p:blipFill>
-                      <a:blip r:embed="rId5">
-                        <a:extLst>
-                          <a:ext uri="{28A0092B-C50C-407E-A947-70E740481C1C}">
-                            <a14:useLocalDpi xmlns:a14="http://schemas.microsoft.com/office/drawing/2010/main" val="0"/>
-                          </a:ext>
-                        </a:extLst>
-                      </a:blip>
+                      <a:blip r:embed="rId5"/>
                       <a:srcRect/>
                       <a:stretch>
                         <a:fillRect/>
@@ -13880,8 +13936,8 @@
                     </p:blipFill>
                     <p:spPr bwMode="auto">
                       <a:xfrm>
-                        <a:off x="683568" y="1340768"/>
-                        <a:ext cx="6181725" cy="1247775"/>
+                        <a:off x="1687513" y="1341438"/>
+                        <a:ext cx="4173537" cy="1247775"/>
                       </a:xfrm>
                       <a:prstGeom prst="rect">
                         <a:avLst/>
@@ -13917,6 +13973,216 @@
           </a:graphicData>
         </a:graphic>
       </p:graphicFrame>
+      <p:graphicFrame>
+        <p:nvGraphicFramePr>
+          <p:cNvPr id="3" name="物件 2"/>
+          <p:cNvGraphicFramePr>
+            <a:graphicFrameLocks noChangeAspect="1"/>
+          </p:cNvGraphicFramePr>
+          <p:nvPr>
+            <p:extLst>
+              <p:ext uri="{D42A27DB-BD31-4B8C-83A1-F6EECF244321}">
+                <p14:modId xmlns:p14="http://schemas.microsoft.com/office/powerpoint/2010/main" val="3559860368"/>
+              </p:ext>
+            </p:extLst>
+          </p:nvPr>
+        </p:nvGraphicFramePr>
+        <p:xfrm>
+          <a:off x="1691680" y="2852936"/>
+          <a:ext cx="1608138" cy="1247775"/>
+        </p:xfrm>
+        <a:graphic>
+          <a:graphicData uri="http://schemas.openxmlformats.org/presentationml/2006/ole">
+            <mc:AlternateContent xmlns:mc="http://schemas.openxmlformats.org/markup-compatibility/2006">
+              <mc:Choice xmlns:v="urn:schemas-microsoft-com:vml" Requires="v">
+                <p:oleObj spid="_x0000_s35858" name="方程式" r:id="rId6" imgW="914400" imgH="711000" progId="Equation.3">
+                  <p:embed/>
+                </p:oleObj>
+              </mc:Choice>
+              <mc:Fallback>
+                <p:oleObj name="方程式" r:id="rId6" imgW="914400" imgH="711000" progId="Equation.3">
+                  <p:embed/>
+                  <p:pic>
+                    <p:nvPicPr>
+                      <p:cNvPr id="0" name="物件 3"/>
+                      <p:cNvPicPr>
+                        <a:picLocks noChangeAspect="1" noChangeArrowheads="1"/>
+                      </p:cNvPicPr>
+                      <p:nvPr/>
+                    </p:nvPicPr>
+                    <p:blipFill>
+                      <a:blip r:embed="rId7"/>
+                      <a:srcRect/>
+                      <a:stretch>
+                        <a:fillRect/>
+                      </a:stretch>
+                    </p:blipFill>
+                    <p:spPr bwMode="auto">
+                      <a:xfrm>
+                        <a:off x="1691680" y="2852936"/>
+                        <a:ext cx="1608138" cy="1247775"/>
+                      </a:xfrm>
+                      <a:prstGeom prst="rect">
+                        <a:avLst/>
+                      </a:prstGeom>
+                      <a:noFill/>
+                      <a:ln>
+                        <a:noFill/>
+                      </a:ln>
+                      <a:extLst>
+                        <a:ext uri="{909E8E84-426E-40DD-AFC4-6F175D3DCCD1}">
+                          <a14:hiddenFill xmlns:a14="http://schemas.microsoft.com/office/drawing/2010/main">
+                            <a:solidFill>
+                              <a:srgbClr val="FFFFFF"/>
+                            </a:solidFill>
+                          </a14:hiddenFill>
+                        </a:ext>
+                        <a:ext uri="{91240B29-F687-4F45-9708-019B960494DF}">
+                          <a14:hiddenLine xmlns:a14="http://schemas.microsoft.com/office/drawing/2010/main" w="9525">
+                            <a:solidFill>
+                              <a:srgbClr val="000000"/>
+                            </a:solidFill>
+                            <a:miter lim="800000"/>
+                            <a:headEnd/>
+                            <a:tailEnd/>
+                          </a14:hiddenLine>
+                        </a:ext>
+                      </a:extLst>
+                    </p:spPr>
+                  </p:pic>
+                </p:oleObj>
+              </mc:Fallback>
+            </mc:AlternateContent>
+          </a:graphicData>
+        </a:graphic>
+      </p:graphicFrame>
+      <p:graphicFrame>
+        <p:nvGraphicFramePr>
+          <p:cNvPr id="5" name="物件 4"/>
+          <p:cNvGraphicFramePr>
+            <a:graphicFrameLocks noChangeAspect="1"/>
+          </p:cNvGraphicFramePr>
+          <p:nvPr>
+            <p:extLst>
+              <p:ext uri="{D42A27DB-BD31-4B8C-83A1-F6EECF244321}">
+                <p14:modId xmlns:p14="http://schemas.microsoft.com/office/powerpoint/2010/main" val="4255665462"/>
+              </p:ext>
+            </p:extLst>
+          </p:nvPr>
+        </p:nvGraphicFramePr>
+        <p:xfrm>
+          <a:off x="1663700" y="4682653"/>
+          <a:ext cx="1519238" cy="690563"/>
+        </p:xfrm>
+        <a:graphic>
+          <a:graphicData uri="http://schemas.openxmlformats.org/presentationml/2006/ole">
+            <mc:AlternateContent xmlns:mc="http://schemas.openxmlformats.org/markup-compatibility/2006">
+              <mc:Choice xmlns:v="urn:schemas-microsoft-com:vml" Requires="v">
+                <p:oleObj spid="_x0000_s35859" name="方程式" r:id="rId8" imgW="863280" imgH="393480" progId="Equation.3">
+                  <p:embed/>
+                </p:oleObj>
+              </mc:Choice>
+              <mc:Fallback>
+                <p:oleObj name="方程式" r:id="rId8" imgW="863280" imgH="393480" progId="Equation.3">
+                  <p:embed/>
+                  <p:pic>
+                    <p:nvPicPr>
+                      <p:cNvPr id="0" name="物件 2"/>
+                      <p:cNvPicPr>
+                        <a:picLocks noChangeAspect="1" noChangeArrowheads="1"/>
+                      </p:cNvPicPr>
+                      <p:nvPr/>
+                    </p:nvPicPr>
+                    <p:blipFill>
+                      <a:blip r:embed="rId9"/>
+                      <a:srcRect/>
+                      <a:stretch>
+                        <a:fillRect/>
+                      </a:stretch>
+                    </p:blipFill>
+                    <p:spPr bwMode="auto">
+                      <a:xfrm>
+                        <a:off x="1663700" y="4682653"/>
+                        <a:ext cx="1519238" cy="690563"/>
+                      </a:xfrm>
+                      <a:prstGeom prst="rect">
+                        <a:avLst/>
+                      </a:prstGeom>
+                      <a:noFill/>
+                      <a:ln>
+                        <a:noFill/>
+                      </a:ln>
+                      <a:extLst>
+                        <a:ext uri="{909E8E84-426E-40DD-AFC4-6F175D3DCCD1}">
+                          <a14:hiddenFill xmlns:a14="http://schemas.microsoft.com/office/drawing/2010/main">
+                            <a:solidFill>
+                              <a:srgbClr val="FFFFFF"/>
+                            </a:solidFill>
+                          </a14:hiddenFill>
+                        </a:ext>
+                        <a:ext uri="{91240B29-F687-4F45-9708-019B960494DF}">
+                          <a14:hiddenLine xmlns:a14="http://schemas.microsoft.com/office/drawing/2010/main" w="9525">
+                            <a:solidFill>
+                              <a:srgbClr val="000000"/>
+                            </a:solidFill>
+                            <a:miter lim="800000"/>
+                            <a:headEnd/>
+                            <a:tailEnd/>
+                          </a14:hiddenLine>
+                        </a:ext>
+                      </a:extLst>
+                    </p:spPr>
+                  </p:pic>
+                </p:oleObj>
+              </mc:Fallback>
+            </mc:AlternateContent>
+          </a:graphicData>
+        </a:graphic>
+      </p:graphicFrame>
+      <p:sp>
+        <p:nvSpPr>
+          <p:cNvPr id="6" name="矩形 5"/>
+          <p:cNvSpPr/>
+          <p:nvPr/>
+        </p:nvSpPr>
+        <p:spPr>
+          <a:xfrm>
+            <a:off x="1255192" y="4149080"/>
+            <a:ext cx="8064896" cy="369332"/>
+          </a:xfrm>
+          <a:prstGeom prst="rect">
+            <a:avLst/>
+          </a:prstGeom>
+        </p:spPr>
+        <p:txBody>
+          <a:bodyPr wrap="square">
+            <a:spAutoFit/>
+          </a:bodyPr>
+          <a:lstStyle/>
+          <a:p>
+            <a:r>
+              <a:rPr lang="zh-TW" altLang="en-US" dirty="0"/>
+              <a:t>與加速計相同</a:t>
+            </a:r>
+            <a:r>
+              <a:rPr lang="en-US" altLang="zh-TW" dirty="0"/>
+              <a:t>,</a:t>
+            </a:r>
+            <a:r>
+              <a:rPr lang="zh-TW" altLang="en-US" dirty="0"/>
+              <a:t>透過正切反三角函數後便可得到 </a:t>
+            </a:r>
+            <a:r>
+              <a:rPr lang="en-US" altLang="zh-TW" dirty="0"/>
+              <a:t>Yaw </a:t>
+            </a:r>
+            <a:r>
+              <a:rPr lang="zh-TW" altLang="en-US" dirty="0"/>
+              <a:t>姿態</a:t>
+            </a:r>
+          </a:p>
+        </p:txBody>
+      </p:sp>
     </p:spTree>
     <p:extLst>
       <p:ext uri="{BB962C8B-B14F-4D97-AF65-F5344CB8AC3E}">
@@ -15594,7 +15860,7 @@
           <a:graphicData uri="http://schemas.openxmlformats.org/presentationml/2006/ole">
             <mc:AlternateContent xmlns:mc="http://schemas.openxmlformats.org/markup-compatibility/2006">
               <mc:Choice xmlns:v="urn:schemas-microsoft-com:vml" Requires="v">
-                <p:oleObj spid="_x0000_s7798" r:id="rId4" imgW="533169" imgH="457002" progId="Equation.3">
+                <p:oleObj spid="_x0000_s7814" r:id="rId4" imgW="533169" imgH="457002" progId="Equation.3">
                   <p:embed/>
                 </p:oleObj>
               </mc:Choice>
@@ -15664,7 +15930,7 @@
           <a:graphicData uri="http://schemas.openxmlformats.org/presentationml/2006/ole">
             <mc:AlternateContent xmlns:mc="http://schemas.openxmlformats.org/markup-compatibility/2006">
               <mc:Choice xmlns:v="urn:schemas-microsoft-com:vml" Requires="v">
-                <p:oleObj spid="_x0000_s7799" r:id="rId6" imgW="558800" imgH="457200" progId="Equation.3">
+                <p:oleObj spid="_x0000_s7815" r:id="rId6" imgW="558800" imgH="457200" progId="Equation.3">
                   <p:embed/>
                 </p:oleObj>
               </mc:Choice>
@@ -15824,7 +16090,7 @@
             <a:graphicData uri="http://schemas.openxmlformats.org/presentationml/2006/ole">
               <mc:AlternateContent xmlns:mc="http://schemas.openxmlformats.org/markup-compatibility/2006">
                 <mc:Choice xmlns:v="urn:schemas-microsoft-com:vml" Requires="v">
-                  <p:oleObj spid="_x0000_s7800" r:id="rId8" imgW="532937" imgH="177646" progId="Equation.3">
+                  <p:oleObj spid="_x0000_s7816" r:id="rId8" imgW="532937" imgH="177646" progId="Equation.3">
                     <p:embed/>
                   </p:oleObj>
                 </mc:Choice>
@@ -15985,7 +16251,7 @@
             <a:graphicData uri="http://schemas.openxmlformats.org/presentationml/2006/ole">
               <mc:AlternateContent xmlns:mc="http://schemas.openxmlformats.org/markup-compatibility/2006">
                 <mc:Choice xmlns:v="urn:schemas-microsoft-com:vml" Requires="v">
-                  <p:oleObj spid="_x0000_s7801" r:id="rId10" imgW="1320800" imgH="457200" progId="Equation.3">
+                  <p:oleObj spid="_x0000_s7817" r:id="rId10" imgW="1320800" imgH="457200" progId="Equation.3">
                     <p:embed/>
                   </p:oleObj>
                 </mc:Choice>
@@ -16568,7 +16834,7 @@
           <a:graphicData uri="http://schemas.openxmlformats.org/presentationml/2006/ole">
             <mc:AlternateContent xmlns:mc="http://schemas.openxmlformats.org/markup-compatibility/2006">
               <mc:Choice xmlns:v="urn:schemas-microsoft-com:vml" Requires="v">
-                <p:oleObj spid="_x0000_s8662" r:id="rId4" imgW="532937" imgH="177646" progId="Equation.3">
+                <p:oleObj spid="_x0000_s8674" r:id="rId4" imgW="532937" imgH="177646" progId="Equation.3">
                   <p:embed/>
                 </p:oleObj>
               </mc:Choice>
@@ -16732,7 +16998,7 @@
           <a:graphicData uri="http://schemas.openxmlformats.org/presentationml/2006/ole">
             <mc:AlternateContent xmlns:mc="http://schemas.openxmlformats.org/markup-compatibility/2006">
               <mc:Choice xmlns:v="urn:schemas-microsoft-com:vml" Requires="v">
-                <p:oleObj spid="_x0000_s8663" r:id="rId6" imgW="2247900" imgH="711200" progId="Equation.3">
+                <p:oleObj spid="_x0000_s8675" r:id="rId6" imgW="2247900" imgH="711200" progId="Equation.3">
                   <p:embed/>
                 </p:oleObj>
               </mc:Choice>
@@ -16902,7 +17168,7 @@
           <a:graphicData uri="http://schemas.openxmlformats.org/presentationml/2006/ole">
             <mc:AlternateContent xmlns:mc="http://schemas.openxmlformats.org/markup-compatibility/2006">
               <mc:Choice xmlns:v="urn:schemas-microsoft-com:vml" Requires="v">
-                <p:oleObj spid="_x0000_s8664" r:id="rId8" imgW="1739900" imgH="914400" progId="Equation.3">
+                <p:oleObj spid="_x0000_s8676" r:id="rId8" imgW="1739900" imgH="914400" progId="Equation.3">
                   <p:embed/>
                 </p:oleObj>
               </mc:Choice>
@@ -17496,7 +17762,7 @@
             <a:graphicData uri="http://schemas.openxmlformats.org/presentationml/2006/ole">
               <mc:AlternateContent xmlns:mc="http://schemas.openxmlformats.org/markup-compatibility/2006">
                 <mc:Choice xmlns:v="urn:schemas-microsoft-com:vml" Requires="v">
-                  <p:oleObj spid="_x0000_s31879" name="公式" r:id="rId4" imgW="152517" imgH="209468" progId="Equation.3">
+                  <p:oleObj spid="_x0000_s31907" name="公式" r:id="rId4" imgW="152517" imgH="209468" progId="Equation.3">
                     <p:embed/>
                   </p:oleObj>
                 </mc:Choice>
@@ -17579,7 +17845,7 @@
             <a:graphicData uri="http://schemas.openxmlformats.org/presentationml/2006/ole">
               <mc:AlternateContent xmlns:mc="http://schemas.openxmlformats.org/markup-compatibility/2006">
                 <mc:Choice xmlns:v="urn:schemas-microsoft-com:vml" Requires="v">
-                  <p:oleObj spid="_x0000_s31880" name="Equation" r:id="rId6" imgW="152517" imgH="209468" progId="Equation.3">
+                  <p:oleObj spid="_x0000_s31908" name="Equation" r:id="rId6" imgW="152517" imgH="209468" progId="Equation.3">
                     <p:embed/>
                   </p:oleObj>
                 </mc:Choice>
@@ -17662,7 +17928,7 @@
             <a:graphicData uri="http://schemas.openxmlformats.org/presentationml/2006/ole">
               <mc:AlternateContent xmlns:mc="http://schemas.openxmlformats.org/markup-compatibility/2006">
                 <mc:Choice xmlns:v="urn:schemas-microsoft-com:vml" Requires="v">
-                  <p:oleObj spid="_x0000_s31881" name="Equation" r:id="rId8" imgW="152517" imgH="209468" progId="Equation.3">
+                  <p:oleObj spid="_x0000_s31909" name="Equation" r:id="rId8" imgW="152517" imgH="209468" progId="Equation.3">
                     <p:embed/>
                   </p:oleObj>
                 </mc:Choice>
@@ -18051,7 +18317,7 @@
             <a:graphicData uri="http://schemas.openxmlformats.org/presentationml/2006/ole">
               <mc:AlternateContent xmlns:mc="http://schemas.openxmlformats.org/markup-compatibility/2006">
                 <mc:Choice xmlns:v="urn:schemas-microsoft-com:vml" Requires="v">
-                  <p:oleObj spid="_x0000_s31882" name="公式" r:id="rId10" imgW="142799" imgH="209468" progId="Equation.3">
+                  <p:oleObj spid="_x0000_s31910" name="公式" r:id="rId10" imgW="142799" imgH="209468" progId="Equation.3">
                     <p:embed/>
                   </p:oleObj>
                 </mc:Choice>
@@ -18134,7 +18400,7 @@
             <a:graphicData uri="http://schemas.openxmlformats.org/presentationml/2006/ole">
               <mc:AlternateContent xmlns:mc="http://schemas.openxmlformats.org/markup-compatibility/2006">
                 <mc:Choice xmlns:v="urn:schemas-microsoft-com:vml" Requires="v">
-                  <p:oleObj spid="_x0000_s31883" name="Equation" r:id="rId12" imgW="142799" imgH="209468" progId="Equation.3">
+                  <p:oleObj spid="_x0000_s31911" name="Equation" r:id="rId12" imgW="142799" imgH="209468" progId="Equation.3">
                     <p:embed/>
                   </p:oleObj>
                 </mc:Choice>
@@ -18217,7 +18483,7 @@
             <a:graphicData uri="http://schemas.openxmlformats.org/presentationml/2006/ole">
               <mc:AlternateContent xmlns:mc="http://schemas.openxmlformats.org/markup-compatibility/2006">
                 <mc:Choice xmlns:v="urn:schemas-microsoft-com:vml" Requires="v">
-                  <p:oleObj spid="_x0000_s31884" name="Equation" r:id="rId14" imgW="142799" imgH="209468" progId="Equation.3">
+                  <p:oleObj spid="_x0000_s31912" name="Equation" r:id="rId14" imgW="142799" imgH="209468" progId="Equation.3">
                     <p:embed/>
                   </p:oleObj>
                 </mc:Choice>
@@ -18307,7 +18573,7 @@
           <a:graphicData uri="http://schemas.openxmlformats.org/presentationml/2006/ole">
             <mc:AlternateContent xmlns:mc="http://schemas.openxmlformats.org/markup-compatibility/2006">
               <mc:Choice xmlns:v="urn:schemas-microsoft-com:vml" Requires="v">
-                <p:oleObj spid="_x0000_s31885" name="公式" r:id="rId16" imgW="812447" imgH="203112" progId="Equation.3">
+                <p:oleObj spid="_x0000_s31913" name="公式" r:id="rId16" imgW="812447" imgH="203112" progId="Equation.3">
                   <p:embed/>
                 </p:oleObj>
               </mc:Choice>
@@ -18707,7 +18973,7 @@
           <a:graphicData uri="http://schemas.openxmlformats.org/presentationml/2006/ole">
             <mc:AlternateContent xmlns:mc="http://schemas.openxmlformats.org/markup-compatibility/2006">
               <mc:Choice xmlns:v="urn:schemas-microsoft-com:vml" Requires="v">
-                <p:oleObj spid="_x0000_s22072" name="公式" r:id="rId3" imgW="114151" imgH="215619" progId="Equation.3">
+                <p:oleObj spid="_x0000_s22112" name="公式" r:id="rId3" imgW="114151" imgH="215619" progId="Equation.3">
                   <p:embed/>
                 </p:oleObj>
               </mc:Choice>
@@ -19138,7 +19404,7 @@
           <a:graphicData uri="http://schemas.openxmlformats.org/presentationml/2006/ole">
             <mc:AlternateContent xmlns:mc="http://schemas.openxmlformats.org/markup-compatibility/2006">
               <mc:Choice xmlns:v="urn:schemas-microsoft-com:vml" Requires="v">
-                <p:oleObj spid="_x0000_s22073" name="Equation" r:id="rId5" imgW="457280" imgH="209468" progId="Equation.3">
+                <p:oleObj spid="_x0000_s22113" name="Equation" r:id="rId5" imgW="457280" imgH="209468" progId="Equation.3">
                   <p:embed/>
                 </p:oleObj>
               </mc:Choice>
@@ -19221,7 +19487,7 @@
           <a:graphicData uri="http://schemas.openxmlformats.org/presentationml/2006/ole">
             <mc:AlternateContent xmlns:mc="http://schemas.openxmlformats.org/markup-compatibility/2006">
               <mc:Choice xmlns:v="urn:schemas-microsoft-com:vml" Requires="v">
-                <p:oleObj spid="_x0000_s22074" name="公式" r:id="rId7" imgW="253780" imgH="203024" progId="Equation.3">
+                <p:oleObj spid="_x0000_s22114" name="公式" r:id="rId7" imgW="253780" imgH="203024" progId="Equation.3">
                   <p:embed/>
                 </p:oleObj>
               </mc:Choice>
@@ -19304,7 +19570,7 @@
           <a:graphicData uri="http://schemas.openxmlformats.org/presentationml/2006/ole">
             <mc:AlternateContent xmlns:mc="http://schemas.openxmlformats.org/markup-compatibility/2006">
               <mc:Choice xmlns:v="urn:schemas-microsoft-com:vml" Requires="v">
-                <p:oleObj spid="_x0000_s22075" name="公式" r:id="rId9" imgW="710891" imgH="190417" progId="Equation.3">
+                <p:oleObj spid="_x0000_s22115" name="公式" r:id="rId9" imgW="710891" imgH="190417" progId="Equation.3">
                   <p:embed/>
                 </p:oleObj>
               </mc:Choice>
@@ -19565,7 +19831,7 @@
           <a:graphicData uri="http://schemas.openxmlformats.org/presentationml/2006/ole">
             <mc:AlternateContent xmlns:mc="http://schemas.openxmlformats.org/markup-compatibility/2006">
               <mc:Choice xmlns:v="urn:schemas-microsoft-com:vml" Requires="v">
-                <p:oleObj spid="_x0000_s22076" name="公式" r:id="rId11" imgW="152517" imgH="228634" progId="Equation.3">
+                <p:oleObj spid="_x0000_s22116" name="公式" r:id="rId11" imgW="152517" imgH="228634" progId="Equation.3">
                   <p:embed/>
                 </p:oleObj>
               </mc:Choice>
@@ -19648,7 +19914,7 @@
           <a:graphicData uri="http://schemas.openxmlformats.org/presentationml/2006/ole">
             <mc:AlternateContent xmlns:mc="http://schemas.openxmlformats.org/markup-compatibility/2006">
               <mc:Choice xmlns:v="urn:schemas-microsoft-com:vml" Requires="v">
-                <p:oleObj spid="_x0000_s22077" name="公式" r:id="rId13" imgW="152517" imgH="219186" progId="Equation.3">
+                <p:oleObj spid="_x0000_s22117" name="公式" r:id="rId13" imgW="152517" imgH="219186" progId="Equation.3">
                   <p:embed/>
                 </p:oleObj>
               </mc:Choice>
@@ -19731,7 +19997,7 @@
           <a:graphicData uri="http://schemas.openxmlformats.org/presentationml/2006/ole">
             <mc:AlternateContent xmlns:mc="http://schemas.openxmlformats.org/markup-compatibility/2006">
               <mc:Choice xmlns:v="urn:schemas-microsoft-com:vml" Requires="v">
-                <p:oleObj spid="_x0000_s22078" name="公式" r:id="rId15" imgW="152517" imgH="219186" progId="Equation.3">
+                <p:oleObj spid="_x0000_s22118" name="公式" r:id="rId15" imgW="152517" imgH="219186" progId="Equation.3">
                   <p:embed/>
                 </p:oleObj>
               </mc:Choice>
@@ -20120,7 +20386,7 @@
           <a:graphicData uri="http://schemas.openxmlformats.org/presentationml/2006/ole">
             <mc:AlternateContent xmlns:mc="http://schemas.openxmlformats.org/markup-compatibility/2006">
               <mc:Choice xmlns:v="urn:schemas-microsoft-com:vml" Requires="v">
-                <p:oleObj spid="_x0000_s22079" name="公式" r:id="rId17" imgW="142799" imgH="209468" progId="Equation.3">
+                <p:oleObj spid="_x0000_s22119" name="公式" r:id="rId17" imgW="142799" imgH="209468" progId="Equation.3">
                   <p:embed/>
                 </p:oleObj>
               </mc:Choice>
@@ -20203,7 +20469,7 @@
           <a:graphicData uri="http://schemas.openxmlformats.org/presentationml/2006/ole">
             <mc:AlternateContent xmlns:mc="http://schemas.openxmlformats.org/markup-compatibility/2006">
               <mc:Choice xmlns:v="urn:schemas-microsoft-com:vml" Requires="v">
-                <p:oleObj spid="_x0000_s22080" name="Equation" r:id="rId19" imgW="142799" imgH="209468" progId="Equation.3">
+                <p:oleObj spid="_x0000_s22120" name="Equation" r:id="rId19" imgW="142799" imgH="209468" progId="Equation.3">
                   <p:embed/>
                 </p:oleObj>
               </mc:Choice>
@@ -20286,7 +20552,7 @@
           <a:graphicData uri="http://schemas.openxmlformats.org/presentationml/2006/ole">
             <mc:AlternateContent xmlns:mc="http://schemas.openxmlformats.org/markup-compatibility/2006">
               <mc:Choice xmlns:v="urn:schemas-microsoft-com:vml" Requires="v">
-                <p:oleObj spid="_x0000_s22081" name="Equation" r:id="rId21" imgW="142799" imgH="209468" progId="Equation.3">
+                <p:oleObj spid="_x0000_s22121" name="Equation" r:id="rId21" imgW="142799" imgH="209468" progId="Equation.3">
                   <p:embed/>
                 </p:oleObj>
               </mc:Choice>
@@ -21095,7 +21361,7 @@
           <a:graphicData uri="http://schemas.openxmlformats.org/presentationml/2006/ole">
             <mc:AlternateContent xmlns:mc="http://schemas.openxmlformats.org/markup-compatibility/2006">
               <mc:Choice xmlns:v="urn:schemas-microsoft-com:vml" Requires="v">
-                <p:oleObj spid="_x0000_s24042" name="公式" r:id="rId3" imgW="114151" imgH="215619" progId="Equation.3">
+                <p:oleObj spid="_x0000_s24078" name="公式" r:id="rId3" imgW="114151" imgH="215619" progId="Equation.3">
                   <p:embed/>
                 </p:oleObj>
               </mc:Choice>
@@ -21376,7 +21642,7 @@
             <a:graphicData uri="http://schemas.openxmlformats.org/presentationml/2006/ole">
               <mc:AlternateContent xmlns:mc="http://schemas.openxmlformats.org/markup-compatibility/2006">
                 <mc:Choice xmlns:v="urn:schemas-microsoft-com:vml" Requires="v">
-                  <p:oleObj spid="_x0000_s24043" name="方程式" r:id="rId5" imgW="1143000" imgH="291960" progId="Equation.3">
+                  <p:oleObj spid="_x0000_s24079" name="方程式" r:id="rId5" imgW="1143000" imgH="291960" progId="Equation.3">
                     <p:embed/>
                   </p:oleObj>
                 </mc:Choice>
@@ -21642,7 +21908,7 @@
             <a:graphicData uri="http://schemas.openxmlformats.org/presentationml/2006/ole">
               <mc:AlternateContent xmlns:mc="http://schemas.openxmlformats.org/markup-compatibility/2006">
                 <mc:Choice xmlns:v="urn:schemas-microsoft-com:vml" Requires="v">
-                  <p:oleObj spid="_x0000_s24044" name="方程式" r:id="rId7" imgW="1193760" imgH="291960" progId="Equation.3">
+                  <p:oleObj spid="_x0000_s24080" name="方程式" r:id="rId7" imgW="1193760" imgH="291960" progId="Equation.3">
                     <p:embed/>
                   </p:oleObj>
                 </mc:Choice>
@@ -21822,7 +22088,7 @@
             <a:graphicData uri="http://schemas.openxmlformats.org/presentationml/2006/ole">
               <mc:AlternateContent xmlns:mc="http://schemas.openxmlformats.org/markup-compatibility/2006">
                 <mc:Choice xmlns:v="urn:schemas-microsoft-com:vml" Requires="v">
-                  <p:oleObj spid="_x0000_s24045" name="Equation" r:id="rId9" imgW="152334" imgH="190417" progId="Equation.3">
+                  <p:oleObj spid="_x0000_s24081" name="Equation" r:id="rId9" imgW="152334" imgH="190417" progId="Equation.3">
                     <p:embed/>
                   </p:oleObj>
                 </mc:Choice>
@@ -21905,7 +22171,7 @@
             <a:graphicData uri="http://schemas.openxmlformats.org/presentationml/2006/ole">
               <mc:AlternateContent xmlns:mc="http://schemas.openxmlformats.org/markup-compatibility/2006">
                 <mc:Choice xmlns:v="urn:schemas-microsoft-com:vml" Requires="v">
-                  <p:oleObj spid="_x0000_s24046" name="Equation" r:id="rId11" imgW="164957" imgH="190335" progId="Equation.3">
+                  <p:oleObj spid="_x0000_s24082" name="Equation" r:id="rId11" imgW="164957" imgH="190335" progId="Equation.3">
                     <p:embed/>
                   </p:oleObj>
                 </mc:Choice>
@@ -21995,7 +22261,7 @@
           <a:graphicData uri="http://schemas.openxmlformats.org/presentationml/2006/ole">
             <mc:AlternateContent xmlns:mc="http://schemas.openxmlformats.org/markup-compatibility/2006">
               <mc:Choice xmlns:v="urn:schemas-microsoft-com:vml" Requires="v">
-                <p:oleObj spid="_x0000_s24047" name="公式" r:id="rId13" imgW="742877" imgH="180855" progId="Equation.3">
+                <p:oleObj spid="_x0000_s24083" name="公式" r:id="rId13" imgW="742877" imgH="180855" progId="Equation.3">
                   <p:embed/>
                 </p:oleObj>
               </mc:Choice>
@@ -22078,7 +22344,7 @@
           <a:graphicData uri="http://schemas.openxmlformats.org/presentationml/2006/ole">
             <mc:AlternateContent xmlns:mc="http://schemas.openxmlformats.org/markup-compatibility/2006">
               <mc:Choice xmlns:v="urn:schemas-microsoft-com:vml" Requires="v">
-                <p:oleObj spid="_x0000_s24048" name="公式" r:id="rId15" imgW="1244600" imgH="609600" progId="Equation.3">
+                <p:oleObj spid="_x0000_s24084" name="公式" r:id="rId15" imgW="1244600" imgH="609600" progId="Equation.3">
                   <p:embed/>
                 </p:oleObj>
               </mc:Choice>
@@ -22245,7 +22511,7 @@
           <a:graphicData uri="http://schemas.openxmlformats.org/presentationml/2006/ole">
             <mc:AlternateContent xmlns:mc="http://schemas.openxmlformats.org/markup-compatibility/2006">
               <mc:Choice xmlns:v="urn:schemas-microsoft-com:vml" Requires="v">
-                <p:oleObj spid="_x0000_s24049" name="方程式" r:id="rId17" imgW="1295280" imgH="736560" progId="Equation.3">
+                <p:oleObj spid="_x0000_s24085" name="方程式" r:id="rId17" imgW="1295280" imgH="736560" progId="Equation.3">
                   <p:embed/>
                 </p:oleObj>
               </mc:Choice>
@@ -22322,7 +22588,7 @@
           <a:graphicData uri="http://schemas.openxmlformats.org/presentationml/2006/ole">
             <mc:AlternateContent xmlns:mc="http://schemas.openxmlformats.org/markup-compatibility/2006">
               <mc:Choice xmlns:v="urn:schemas-microsoft-com:vml" Requires="v">
-                <p:oleObj spid="_x0000_s24050" name="公式" r:id="rId19" imgW="1447800" imgH="647700" progId="Equation.3">
+                <p:oleObj spid="_x0000_s24086" name="公式" r:id="rId19" imgW="1447800" imgH="647700" progId="Equation.3">
                   <p:embed/>
                 </p:oleObj>
               </mc:Choice>
@@ -23211,7 +23477,7 @@
           <a:graphicData uri="http://schemas.openxmlformats.org/presentationml/2006/ole">
             <mc:AlternateContent xmlns:mc="http://schemas.openxmlformats.org/markup-compatibility/2006">
               <mc:Choice xmlns:v="urn:schemas-microsoft-com:vml" Requires="v">
-                <p:oleObj spid="_x0000_s30883" name="方程式" r:id="rId4" imgW="799920" imgH="203040" progId="Equation.3">
+                <p:oleObj spid="_x0000_s30911" name="方程式" r:id="rId4" imgW="799920" imgH="203040" progId="Equation.3">
                   <p:embed/>
                 </p:oleObj>
               </mc:Choice>
@@ -23304,7 +23570,7 @@
             <a:graphicData uri="http://schemas.openxmlformats.org/presentationml/2006/ole">
               <mc:AlternateContent xmlns:mc="http://schemas.openxmlformats.org/markup-compatibility/2006">
                 <mc:Choice xmlns:v="urn:schemas-microsoft-com:vml" Requires="v">
-                  <p:oleObj spid="_x0000_s30884" name="公式" r:id="rId6" imgW="164880" imgH="215640" progId="Equation.3">
+                  <p:oleObj spid="_x0000_s30912" name="公式" r:id="rId6" imgW="164880" imgH="215640" progId="Equation.3">
                     <p:embed/>
                   </p:oleObj>
                 </mc:Choice>
@@ -23374,7 +23640,7 @@
             <a:graphicData uri="http://schemas.openxmlformats.org/presentationml/2006/ole">
               <mc:AlternateContent xmlns:mc="http://schemas.openxmlformats.org/markup-compatibility/2006">
                 <mc:Choice xmlns:v="urn:schemas-microsoft-com:vml" Requires="v">
-                  <p:oleObj spid="_x0000_s30885" name="Equation" r:id="rId8" imgW="164880" imgH="215640" progId="Equation.3">
+                  <p:oleObj spid="_x0000_s30913" name="Equation" r:id="rId8" imgW="164880" imgH="215640" progId="Equation.3">
                     <p:embed/>
                   </p:oleObj>
                 </mc:Choice>
@@ -23444,7 +23710,7 @@
             <a:graphicData uri="http://schemas.openxmlformats.org/presentationml/2006/ole">
               <mc:AlternateContent xmlns:mc="http://schemas.openxmlformats.org/markup-compatibility/2006">
                 <mc:Choice xmlns:v="urn:schemas-microsoft-com:vml" Requires="v">
-                  <p:oleObj spid="_x0000_s30886" name="Equation" r:id="rId10" imgW="164880" imgH="215640" progId="Equation.3">
+                  <p:oleObj spid="_x0000_s30914" name="Equation" r:id="rId10" imgW="164880" imgH="215640" progId="Equation.3">
                     <p:embed/>
                   </p:oleObj>
                 </mc:Choice>
@@ -23820,7 +24086,7 @@
             <a:graphicData uri="http://schemas.openxmlformats.org/presentationml/2006/ole">
               <mc:AlternateContent xmlns:mc="http://schemas.openxmlformats.org/markup-compatibility/2006">
                 <mc:Choice xmlns:v="urn:schemas-microsoft-com:vml" Requires="v">
-                  <p:oleObj spid="_x0000_s30887" name="公式" r:id="rId12" imgW="152280" imgH="215640" progId="Equation.3">
+                  <p:oleObj spid="_x0000_s30915" name="公式" r:id="rId12" imgW="152280" imgH="215640" progId="Equation.3">
                     <p:embed/>
                   </p:oleObj>
                 </mc:Choice>
@@ -23890,7 +24156,7 @@
             <a:graphicData uri="http://schemas.openxmlformats.org/presentationml/2006/ole">
               <mc:AlternateContent xmlns:mc="http://schemas.openxmlformats.org/markup-compatibility/2006">
                 <mc:Choice xmlns:v="urn:schemas-microsoft-com:vml" Requires="v">
-                  <p:oleObj spid="_x0000_s30888" name="Equation" r:id="rId14" imgW="152280" imgH="215640" progId="Equation.3">
+                  <p:oleObj spid="_x0000_s30916" name="Equation" r:id="rId14" imgW="152280" imgH="215640" progId="Equation.3">
                     <p:embed/>
                   </p:oleObj>
                 </mc:Choice>
@@ -23960,7 +24226,7 @@
             <a:graphicData uri="http://schemas.openxmlformats.org/presentationml/2006/ole">
               <mc:AlternateContent xmlns:mc="http://schemas.openxmlformats.org/markup-compatibility/2006">
                 <mc:Choice xmlns:v="urn:schemas-microsoft-com:vml" Requires="v">
-                  <p:oleObj spid="_x0000_s30889" name="Equation" r:id="rId16" imgW="152280" imgH="215640" progId="Equation.3">
+                  <p:oleObj spid="_x0000_s30917" name="Equation" r:id="rId16" imgW="152280" imgH="215640" progId="Equation.3">
                     <p:embed/>
                   </p:oleObj>
                 </mc:Choice>
@@ -24516,7 +24782,7 @@
           <a:graphicData uri="http://schemas.openxmlformats.org/presentationml/2006/ole">
             <mc:AlternateContent xmlns:mc="http://schemas.openxmlformats.org/markup-compatibility/2006">
               <mc:Choice xmlns:v="urn:schemas-microsoft-com:vml" Requires="v">
-                <p:oleObj spid="_x0000_s28306" name="Equation" r:id="rId3" imgW="152334" imgH="190417" progId="Equation.3">
+                <p:oleObj spid="_x0000_s28402" name="Equation" r:id="rId3" imgW="152334" imgH="190417" progId="Equation.3">
                   <p:embed/>
                 </p:oleObj>
               </mc:Choice>
@@ -24655,7 +24921,7 @@
           <a:graphicData uri="http://schemas.openxmlformats.org/presentationml/2006/ole">
             <mc:AlternateContent xmlns:mc="http://schemas.openxmlformats.org/markup-compatibility/2006">
               <mc:Choice xmlns:v="urn:schemas-microsoft-com:vml" Requires="v">
-                <p:oleObj spid="_x0000_s28307" name="Equation" r:id="rId5" imgW="126835" imgH="202936" progId="Equation.3">
+                <p:oleObj spid="_x0000_s28403" name="Equation" r:id="rId5" imgW="126835" imgH="202936" progId="Equation.3">
                   <p:embed/>
                 </p:oleObj>
               </mc:Choice>
@@ -24738,7 +25004,7 @@
           <a:graphicData uri="http://schemas.openxmlformats.org/presentationml/2006/ole">
             <mc:AlternateContent xmlns:mc="http://schemas.openxmlformats.org/markup-compatibility/2006">
               <mc:Choice xmlns:v="urn:schemas-microsoft-com:vml" Requires="v">
-                <p:oleObj spid="_x0000_s28308" name="Equation" r:id="rId7" imgW="126780" imgH="164814" progId="Equation.3">
+                <p:oleObj spid="_x0000_s28404" name="Equation" r:id="rId7" imgW="126780" imgH="164814" progId="Equation.3">
                   <p:embed/>
                 </p:oleObj>
               </mc:Choice>
@@ -24821,7 +25087,7 @@
           <a:graphicData uri="http://schemas.openxmlformats.org/presentationml/2006/ole">
             <mc:AlternateContent xmlns:mc="http://schemas.openxmlformats.org/markup-compatibility/2006">
               <mc:Choice xmlns:v="urn:schemas-microsoft-com:vml" Requires="v">
-                <p:oleObj spid="_x0000_s28309" name="Equation" r:id="rId9" imgW="901309" imgH="228501" progId="Equation.3">
+                <p:oleObj spid="_x0000_s28405" name="Equation" r:id="rId9" imgW="901309" imgH="228501" progId="Equation.3">
                   <p:embed/>
                 </p:oleObj>
               </mc:Choice>
@@ -24914,7 +25180,7 @@
           <a:graphicData uri="http://schemas.openxmlformats.org/presentationml/2006/ole">
             <mc:AlternateContent xmlns:mc="http://schemas.openxmlformats.org/markup-compatibility/2006">
               <mc:Choice xmlns:v="urn:schemas-microsoft-com:vml" Requires="v">
-                <p:oleObj spid="_x0000_s28310" name="Equation" r:id="rId11" imgW="1002865" imgH="228501" progId="Equation.3">
+                <p:oleObj spid="_x0000_s28406" name="Equation" r:id="rId11" imgW="1002865" imgH="228501" progId="Equation.3">
                   <p:embed/>
                 </p:oleObj>
               </mc:Choice>
@@ -25201,7 +25467,7 @@
             <a:graphicData uri="http://schemas.openxmlformats.org/presentationml/2006/ole">
               <mc:AlternateContent xmlns:mc="http://schemas.openxmlformats.org/markup-compatibility/2006">
                 <mc:Choice xmlns:v="urn:schemas-microsoft-com:vml" Requires="v">
-                  <p:oleObj spid="_x0000_s28311" name="Equation" r:id="rId13" imgW="164957" imgH="190335" progId="Equation.3">
+                  <p:oleObj spid="_x0000_s28407" name="Equation" r:id="rId13" imgW="164957" imgH="190335" progId="Equation.3">
                     <p:embed/>
                   </p:oleObj>
                 </mc:Choice>
@@ -25284,7 +25550,7 @@
             <a:graphicData uri="http://schemas.openxmlformats.org/presentationml/2006/ole">
               <mc:AlternateContent xmlns:mc="http://schemas.openxmlformats.org/markup-compatibility/2006">
                 <mc:Choice xmlns:v="urn:schemas-microsoft-com:vml" Requires="v">
-                  <p:oleObj spid="_x0000_s28312" name="Equation" r:id="rId15" imgW="164885" imgH="215619" progId="Equation.3">
+                  <p:oleObj spid="_x0000_s28408" name="Equation" r:id="rId15" imgW="164885" imgH="215619" progId="Equation.3">
                     <p:embed/>
                   </p:oleObj>
                 </mc:Choice>
@@ -25367,7 +25633,7 @@
             <a:graphicData uri="http://schemas.openxmlformats.org/presentationml/2006/ole">
               <mc:AlternateContent xmlns:mc="http://schemas.openxmlformats.org/markup-compatibility/2006">
                 <mc:Choice xmlns:v="urn:schemas-microsoft-com:vml" Requires="v">
-                  <p:oleObj spid="_x0000_s28313" name="Equation" r:id="rId17" imgW="164885" imgH="215619" progId="Equation.3">
+                  <p:oleObj spid="_x0000_s28409" name="Equation" r:id="rId17" imgW="164885" imgH="215619" progId="Equation.3">
                     <p:embed/>
                   </p:oleObj>
                 </mc:Choice>
@@ -25450,7 +25716,7 @@
             <a:graphicData uri="http://schemas.openxmlformats.org/presentationml/2006/ole">
               <mc:AlternateContent xmlns:mc="http://schemas.openxmlformats.org/markup-compatibility/2006">
                 <mc:Choice xmlns:v="urn:schemas-microsoft-com:vml" Requires="v">
-                  <p:oleObj spid="_x0000_s28314" name="Equation" r:id="rId19" imgW="126780" imgH="164814" progId="Equation.3">
+                  <p:oleObj spid="_x0000_s28410" name="Equation" r:id="rId19" imgW="126780" imgH="164814" progId="Equation.3">
                     <p:embed/>
                   </p:oleObj>
                 </mc:Choice>
@@ -25533,7 +25799,7 @@
             <a:graphicData uri="http://schemas.openxmlformats.org/presentationml/2006/ole">
               <mc:AlternateContent xmlns:mc="http://schemas.openxmlformats.org/markup-compatibility/2006">
                 <mc:Choice xmlns:v="urn:schemas-microsoft-com:vml" Requires="v">
-                  <p:oleObj spid="_x0000_s28315" name="Equation" r:id="rId20" imgW="126835" imgH="202936" progId="Equation.3">
+                  <p:oleObj spid="_x0000_s28411" name="Equation" r:id="rId20" imgW="126835" imgH="202936" progId="Equation.3">
                     <p:embed/>
                   </p:oleObj>
                 </mc:Choice>
@@ -25811,7 +26077,7 @@
             <a:graphicData uri="http://schemas.openxmlformats.org/presentationml/2006/ole">
               <mc:AlternateContent xmlns:mc="http://schemas.openxmlformats.org/markup-compatibility/2006">
                 <mc:Choice xmlns:v="urn:schemas-microsoft-com:vml" Requires="v">
-                  <p:oleObj spid="_x0000_s28316" name="Equation" r:id="rId21" imgW="164957" imgH="190335" progId="Equation.3">
+                  <p:oleObj spid="_x0000_s28412" name="Equation" r:id="rId21" imgW="164957" imgH="190335" progId="Equation.3">
                     <p:embed/>
                   </p:oleObj>
                 </mc:Choice>
@@ -25894,7 +26160,7 @@
             <a:graphicData uri="http://schemas.openxmlformats.org/presentationml/2006/ole">
               <mc:AlternateContent xmlns:mc="http://schemas.openxmlformats.org/markup-compatibility/2006">
                 <mc:Choice xmlns:v="urn:schemas-microsoft-com:vml" Requires="v">
-                  <p:oleObj spid="_x0000_s28317" name="Equation" r:id="rId22" imgW="152334" imgH="190417" progId="Equation.3">
+                  <p:oleObj spid="_x0000_s28413" name="Equation" r:id="rId22" imgW="152334" imgH="190417" progId="Equation.3">
                     <p:embed/>
                   </p:oleObj>
                 </mc:Choice>
@@ -25977,7 +26243,7 @@
             <a:graphicData uri="http://schemas.openxmlformats.org/presentationml/2006/ole">
               <mc:AlternateContent xmlns:mc="http://schemas.openxmlformats.org/markup-compatibility/2006">
                 <mc:Choice xmlns:v="urn:schemas-microsoft-com:vml" Requires="v">
-                  <p:oleObj spid="_x0000_s28318" name="Equation" r:id="rId23" imgW="228402" imgH="177646" progId="Equation.3">
+                  <p:oleObj spid="_x0000_s28414" name="Equation" r:id="rId23" imgW="228402" imgH="177646" progId="Equation.3">
                     <p:embed/>
                   </p:oleObj>
                 </mc:Choice>
@@ -26486,7 +26752,7 @@
           <a:graphicData uri="http://schemas.openxmlformats.org/presentationml/2006/ole">
             <mc:AlternateContent xmlns:mc="http://schemas.openxmlformats.org/markup-compatibility/2006">
               <mc:Choice xmlns:v="urn:schemas-microsoft-com:vml" Requires="v">
-                <p:oleObj spid="_x0000_s28319" name="Equation" r:id="rId25" imgW="126780" imgH="164814" progId="Equation.3">
+                <p:oleObj spid="_x0000_s28415" name="Equation" r:id="rId25" imgW="126780" imgH="164814" progId="Equation.3">
                   <p:embed/>
                 </p:oleObj>
               </mc:Choice>
@@ -26569,7 +26835,7 @@
           <a:graphicData uri="http://schemas.openxmlformats.org/presentationml/2006/ole">
             <mc:AlternateContent xmlns:mc="http://schemas.openxmlformats.org/markup-compatibility/2006">
               <mc:Choice xmlns:v="urn:schemas-microsoft-com:vml" Requires="v">
-                <p:oleObj spid="_x0000_s28320" name="Equation" r:id="rId26" imgW="126835" imgH="202936" progId="Equation.3">
+                <p:oleObj spid="_x0000_s28416" name="Equation" r:id="rId26" imgW="126835" imgH="202936" progId="Equation.3">
                   <p:embed/>
                 </p:oleObj>
               </mc:Choice>
@@ -26652,7 +26918,7 @@
           <a:graphicData uri="http://schemas.openxmlformats.org/presentationml/2006/ole">
             <mc:AlternateContent xmlns:mc="http://schemas.openxmlformats.org/markup-compatibility/2006">
               <mc:Choice xmlns:v="urn:schemas-microsoft-com:vml" Requires="v">
-                <p:oleObj spid="_x0000_s28321" name="Equation" r:id="rId28" imgW="152268" imgH="215713" progId="Equation.3">
+                <p:oleObj spid="_x0000_s28417" name="Equation" r:id="rId28" imgW="152268" imgH="215713" progId="Equation.3">
                   <p:embed/>
                 </p:oleObj>
               </mc:Choice>
@@ -26906,7 +27172,7 @@
             <a:graphicData uri="http://schemas.openxmlformats.org/presentationml/2006/ole">
               <mc:AlternateContent xmlns:mc="http://schemas.openxmlformats.org/markup-compatibility/2006">
                 <mc:Choice xmlns:v="urn:schemas-microsoft-com:vml" Requires="v">
-                  <p:oleObj spid="_x0000_s28322" name="Equation" r:id="rId30" imgW="164885" imgH="215619" progId="Equation.3">
+                  <p:oleObj spid="_x0000_s28418" name="Equation" r:id="rId30" imgW="164885" imgH="215619" progId="Equation.3">
                     <p:embed/>
                   </p:oleObj>
                 </mc:Choice>
@@ -27057,7 +27323,7 @@
             <a:graphicData uri="http://schemas.openxmlformats.org/presentationml/2006/ole">
               <mc:AlternateContent xmlns:mc="http://schemas.openxmlformats.org/markup-compatibility/2006">
                 <mc:Choice xmlns:v="urn:schemas-microsoft-com:vml" Requires="v">
-                  <p:oleObj spid="_x0000_s28323" name="Equation" r:id="rId32" imgW="164885" imgH="215619" progId="Equation.3">
+                  <p:oleObj spid="_x0000_s28419" name="Equation" r:id="rId32" imgW="164885" imgH="215619" progId="Equation.3">
                     <p:embed/>
                   </p:oleObj>
                 </mc:Choice>
@@ -27141,7 +27407,7 @@
           <a:graphicData uri="http://schemas.openxmlformats.org/presentationml/2006/ole">
             <mc:AlternateContent xmlns:mc="http://schemas.openxmlformats.org/markup-compatibility/2006">
               <mc:Choice xmlns:v="urn:schemas-microsoft-com:vml" Requires="v">
-                <p:oleObj spid="_x0000_s28324" name="Equation" r:id="rId34" imgW="152268" imgH="215713" progId="Equation.3">
+                <p:oleObj spid="_x0000_s28420" name="Equation" r:id="rId34" imgW="152268" imgH="215713" progId="Equation.3">
                   <p:embed/>
                 </p:oleObj>
               </mc:Choice>
@@ -27224,7 +27490,7 @@
           <a:graphicData uri="http://schemas.openxmlformats.org/presentationml/2006/ole">
             <mc:AlternateContent xmlns:mc="http://schemas.openxmlformats.org/markup-compatibility/2006">
               <mc:Choice xmlns:v="urn:schemas-microsoft-com:vml" Requires="v">
-                <p:oleObj spid="_x0000_s28325" name="Equation" r:id="rId36" imgW="152268" imgH="215713" progId="Equation.3">
+                <p:oleObj spid="_x0000_s28421" name="Equation" r:id="rId36" imgW="152268" imgH="215713" progId="Equation.3">
                   <p:embed/>
                 </p:oleObj>
               </mc:Choice>
@@ -27307,7 +27573,7 @@
           <a:graphicData uri="http://schemas.openxmlformats.org/presentationml/2006/ole">
             <mc:AlternateContent xmlns:mc="http://schemas.openxmlformats.org/markup-compatibility/2006">
               <mc:Choice xmlns:v="urn:schemas-microsoft-com:vml" Requires="v">
-                <p:oleObj spid="_x0000_s28326" name="公式" r:id="rId38" imgW="114151" imgH="152202" progId="Equation.3">
+                <p:oleObj spid="_x0000_s28422" name="公式" r:id="rId38" imgW="114151" imgH="152202" progId="Equation.3">
                   <p:embed/>
                 </p:oleObj>
               </mc:Choice>
@@ -27390,7 +27656,7 @@
           <a:graphicData uri="http://schemas.openxmlformats.org/presentationml/2006/ole">
             <mc:AlternateContent xmlns:mc="http://schemas.openxmlformats.org/markup-compatibility/2006">
               <mc:Choice xmlns:v="urn:schemas-microsoft-com:vml" Requires="v">
-                <p:oleObj spid="_x0000_s28327" name="公式" r:id="rId40" imgW="101468" imgH="164885" progId="Equation.3">
+                <p:oleObj spid="_x0000_s28423" name="公式" r:id="rId40" imgW="101468" imgH="164885" progId="Equation.3">
                   <p:embed/>
                 </p:oleObj>
               </mc:Choice>
@@ -27473,7 +27739,7 @@
           <a:graphicData uri="http://schemas.openxmlformats.org/presentationml/2006/ole">
             <mc:AlternateContent xmlns:mc="http://schemas.openxmlformats.org/markup-compatibility/2006">
               <mc:Choice xmlns:v="urn:schemas-microsoft-com:vml" Requires="v">
-                <p:oleObj spid="_x0000_s28328" name="公式" r:id="rId42" imgW="114151" imgH="152202" progId="Equation.3">
+                <p:oleObj spid="_x0000_s28424" name="公式" r:id="rId42" imgW="114151" imgH="152202" progId="Equation.3">
                   <p:embed/>
                 </p:oleObj>
               </mc:Choice>
@@ -27556,7 +27822,7 @@
           <a:graphicData uri="http://schemas.openxmlformats.org/presentationml/2006/ole">
             <mc:AlternateContent xmlns:mc="http://schemas.openxmlformats.org/markup-compatibility/2006">
               <mc:Choice xmlns:v="urn:schemas-microsoft-com:vml" Requires="v">
-                <p:oleObj spid="_x0000_s28329" name="公式" r:id="rId43" imgW="177492" imgH="164814" progId="Equation.3">
+                <p:oleObj spid="_x0000_s28425" name="公式" r:id="rId43" imgW="177492" imgH="164814" progId="Equation.3">
                   <p:embed/>
                 </p:oleObj>
               </mc:Choice>
@@ -28539,7 +28805,7 @@
           <a:graphicData uri="http://schemas.openxmlformats.org/presentationml/2006/ole">
             <mc:AlternateContent xmlns:mc="http://schemas.openxmlformats.org/markup-compatibility/2006">
               <mc:Choice xmlns:v="urn:schemas-microsoft-com:vml" Requires="v">
-                <p:oleObj spid="_x0000_s29330" name="Equation" r:id="rId3" imgW="126780" imgH="164814" progId="Equation.3">
+                <p:oleObj spid="_x0000_s29426" name="Equation" r:id="rId3" imgW="126780" imgH="164814" progId="Equation.3">
                   <p:embed/>
                 </p:oleObj>
               </mc:Choice>
@@ -28622,7 +28888,7 @@
           <a:graphicData uri="http://schemas.openxmlformats.org/presentationml/2006/ole">
             <mc:AlternateContent xmlns:mc="http://schemas.openxmlformats.org/markup-compatibility/2006">
               <mc:Choice xmlns:v="urn:schemas-microsoft-com:vml" Requires="v">
-                <p:oleObj spid="_x0000_s29331" name="Equation" r:id="rId5" imgW="126835" imgH="202936" progId="Equation.3">
+                <p:oleObj spid="_x0000_s29427" name="Equation" r:id="rId5" imgW="126835" imgH="202936" progId="Equation.3">
                   <p:embed/>
                 </p:oleObj>
               </mc:Choice>
@@ -28705,7 +28971,7 @@
           <a:graphicData uri="http://schemas.openxmlformats.org/presentationml/2006/ole">
             <mc:AlternateContent xmlns:mc="http://schemas.openxmlformats.org/markup-compatibility/2006">
               <mc:Choice xmlns:v="urn:schemas-microsoft-com:vml" Requires="v">
-                <p:oleObj spid="_x0000_s29332" name="Equation" r:id="rId7" imgW="152268" imgH="215713" progId="Equation.3">
+                <p:oleObj spid="_x0000_s29428" name="Equation" r:id="rId7" imgW="152268" imgH="215713" progId="Equation.3">
                   <p:embed/>
                 </p:oleObj>
               </mc:Choice>
@@ -28788,7 +29054,7 @@
           <a:graphicData uri="http://schemas.openxmlformats.org/presentationml/2006/ole">
             <mc:AlternateContent xmlns:mc="http://schemas.openxmlformats.org/markup-compatibility/2006">
               <mc:Choice xmlns:v="urn:schemas-microsoft-com:vml" Requires="v">
-                <p:oleObj spid="_x0000_s29333" name="Equation" r:id="rId9" imgW="850531" imgH="241195" progId="Equation.3">
+                <p:oleObj spid="_x0000_s29429" name="Equation" r:id="rId9" imgW="850531" imgH="241195" progId="Equation.3">
                   <p:embed/>
                 </p:oleObj>
               </mc:Choice>
@@ -29087,7 +29353,7 @@
           <a:graphicData uri="http://schemas.openxmlformats.org/presentationml/2006/ole">
             <mc:AlternateContent xmlns:mc="http://schemas.openxmlformats.org/markup-compatibility/2006">
               <mc:Choice xmlns:v="urn:schemas-microsoft-com:vml" Requires="v">
-                <p:oleObj spid="_x0000_s29334" name="Equation" r:id="rId11" imgW="164885" imgH="215619" progId="Equation.3">
+                <p:oleObj spid="_x0000_s29430" name="Equation" r:id="rId11" imgW="164885" imgH="215619" progId="Equation.3">
                   <p:embed/>
                 </p:oleObj>
               </mc:Choice>
@@ -29170,7 +29436,7 @@
           <a:graphicData uri="http://schemas.openxmlformats.org/presentationml/2006/ole">
             <mc:AlternateContent xmlns:mc="http://schemas.openxmlformats.org/markup-compatibility/2006">
               <mc:Choice xmlns:v="urn:schemas-microsoft-com:vml" Requires="v">
-                <p:oleObj spid="_x0000_s29335" name="Equation" r:id="rId13" imgW="164885" imgH="215619" progId="Equation.3">
+                <p:oleObj spid="_x0000_s29431" name="Equation" r:id="rId13" imgW="164885" imgH="215619" progId="Equation.3">
                   <p:embed/>
                 </p:oleObj>
               </mc:Choice>
@@ -29253,7 +29519,7 @@
           <a:graphicData uri="http://schemas.openxmlformats.org/presentationml/2006/ole">
             <mc:AlternateContent xmlns:mc="http://schemas.openxmlformats.org/markup-compatibility/2006">
               <mc:Choice xmlns:v="urn:schemas-microsoft-com:vml" Requires="v">
-                <p:oleObj spid="_x0000_s29336" name="Equation" r:id="rId15" imgW="152268" imgH="215713" progId="Equation.3">
+                <p:oleObj spid="_x0000_s29432" name="Equation" r:id="rId15" imgW="152268" imgH="215713" progId="Equation.3">
                   <p:embed/>
                 </p:oleObj>
               </mc:Choice>
@@ -29336,7 +29602,7 @@
           <a:graphicData uri="http://schemas.openxmlformats.org/presentationml/2006/ole">
             <mc:AlternateContent xmlns:mc="http://schemas.openxmlformats.org/markup-compatibility/2006">
               <mc:Choice xmlns:v="urn:schemas-microsoft-com:vml" Requires="v">
-                <p:oleObj spid="_x0000_s29337" name="Equation" r:id="rId17" imgW="152268" imgH="215713" progId="Equation.3">
+                <p:oleObj spid="_x0000_s29433" name="Equation" r:id="rId17" imgW="152268" imgH="215713" progId="Equation.3">
                   <p:embed/>
                 </p:oleObj>
               </mc:Choice>
@@ -29419,7 +29685,7 @@
           <a:graphicData uri="http://schemas.openxmlformats.org/presentationml/2006/ole">
             <mc:AlternateContent xmlns:mc="http://schemas.openxmlformats.org/markup-compatibility/2006">
               <mc:Choice xmlns:v="urn:schemas-microsoft-com:vml" Requires="v">
-                <p:oleObj spid="_x0000_s29338" name="公式" r:id="rId19" imgW="1548728" imgH="215806" progId="Equation.3">
+                <p:oleObj spid="_x0000_s29434" name="公式" r:id="rId19" imgW="1548728" imgH="215806" progId="Equation.3">
                   <p:embed/>
                 </p:oleObj>
               </mc:Choice>
@@ -29512,7 +29778,7 @@
           <a:graphicData uri="http://schemas.openxmlformats.org/presentationml/2006/ole">
             <mc:AlternateContent xmlns:mc="http://schemas.openxmlformats.org/markup-compatibility/2006">
               <mc:Choice xmlns:v="urn:schemas-microsoft-com:vml" Requires="v">
-                <p:oleObj spid="_x0000_s29339" name="Equation" r:id="rId21" imgW="825500" imgH="228600" progId="Equation.3">
+                <p:oleObj spid="_x0000_s29435" name="Equation" r:id="rId21" imgW="825500" imgH="228600" progId="Equation.3">
                   <p:embed/>
                 </p:oleObj>
               </mc:Choice>
@@ -29605,7 +29871,7 @@
           <a:graphicData uri="http://schemas.openxmlformats.org/presentationml/2006/ole">
             <mc:AlternateContent xmlns:mc="http://schemas.openxmlformats.org/markup-compatibility/2006">
               <mc:Choice xmlns:v="urn:schemas-microsoft-com:vml" Requires="v">
-                <p:oleObj spid="_x0000_s29340" name="Equation" r:id="rId23" imgW="1714500" imgH="228600" progId="Equation.3">
+                <p:oleObj spid="_x0000_s29436" name="Equation" r:id="rId23" imgW="1714500" imgH="228600" progId="Equation.3">
                   <p:embed/>
                 </p:oleObj>
               </mc:Choice>
@@ -29749,7 +30015,7 @@
           <a:graphicData uri="http://schemas.openxmlformats.org/presentationml/2006/ole">
             <mc:AlternateContent xmlns:mc="http://schemas.openxmlformats.org/markup-compatibility/2006">
               <mc:Choice xmlns:v="urn:schemas-microsoft-com:vml" Requires="v">
-                <p:oleObj spid="_x0000_s29341" name="Equation" r:id="rId25" imgW="164885" imgH="215619" progId="Equation.3">
+                <p:oleObj spid="_x0000_s29437" name="Equation" r:id="rId25" imgW="164885" imgH="215619" progId="Equation.3">
                   <p:embed/>
                 </p:oleObj>
               </mc:Choice>
@@ -30026,7 +30292,7 @@
             <a:graphicData uri="http://schemas.openxmlformats.org/presentationml/2006/ole">
               <mc:AlternateContent xmlns:mc="http://schemas.openxmlformats.org/markup-compatibility/2006">
                 <mc:Choice xmlns:v="urn:schemas-microsoft-com:vml" Requires="v">
-                  <p:oleObj spid="_x0000_s29342" name="Equation" r:id="rId27" imgW="164885" imgH="215619" progId="Equation.3">
+                  <p:oleObj spid="_x0000_s29438" name="Equation" r:id="rId27" imgW="164885" imgH="215619" progId="Equation.3">
                     <p:embed/>
                   </p:oleObj>
                 </mc:Choice>
@@ -30109,7 +30375,7 @@
             <a:graphicData uri="http://schemas.openxmlformats.org/presentationml/2006/ole">
               <mc:AlternateContent xmlns:mc="http://schemas.openxmlformats.org/markup-compatibility/2006">
                 <mc:Choice xmlns:v="urn:schemas-microsoft-com:vml" Requires="v">
-                  <p:oleObj spid="_x0000_s29343" name="Equation" r:id="rId29" imgW="164885" imgH="215619" progId="Equation.3">
+                  <p:oleObj spid="_x0000_s29439" name="Equation" r:id="rId29" imgW="164885" imgH="215619" progId="Equation.3">
                     <p:embed/>
                   </p:oleObj>
                 </mc:Choice>
@@ -30192,7 +30458,7 @@
             <a:graphicData uri="http://schemas.openxmlformats.org/presentationml/2006/ole">
               <mc:AlternateContent xmlns:mc="http://schemas.openxmlformats.org/markup-compatibility/2006">
                 <mc:Choice xmlns:v="urn:schemas-microsoft-com:vml" Requires="v">
-                  <p:oleObj spid="_x0000_s29344" name="Equation" r:id="rId31" imgW="152334" imgH="190417" progId="Equation.3">
+                  <p:oleObj spid="_x0000_s29440" name="Equation" r:id="rId31" imgW="152334" imgH="190417" progId="Equation.3">
                     <p:embed/>
                   </p:oleObj>
                 </mc:Choice>
@@ -30470,7 +30736,7 @@
             <a:graphicData uri="http://schemas.openxmlformats.org/presentationml/2006/ole">
               <mc:AlternateContent xmlns:mc="http://schemas.openxmlformats.org/markup-compatibility/2006">
                 <mc:Choice xmlns:v="urn:schemas-microsoft-com:vml" Requires="v">
-                  <p:oleObj spid="_x0000_s29345" name="Equation" r:id="rId33" imgW="152334" imgH="190417" progId="Equation.3">
+                  <p:oleObj spid="_x0000_s29441" name="Equation" r:id="rId33" imgW="152334" imgH="190417" progId="Equation.3">
                     <p:embed/>
                   </p:oleObj>
                 </mc:Choice>
@@ -30554,7 +30820,7 @@
           <a:graphicData uri="http://schemas.openxmlformats.org/presentationml/2006/ole">
             <mc:AlternateContent xmlns:mc="http://schemas.openxmlformats.org/markup-compatibility/2006">
               <mc:Choice xmlns:v="urn:schemas-microsoft-com:vml" Requires="v">
-                <p:oleObj spid="_x0000_s29346" name="Equation" r:id="rId34" imgW="2806700" imgH="647700" progId="Equation.3">
+                <p:oleObj spid="_x0000_s29442" name="Equation" r:id="rId34" imgW="2806700" imgH="647700" progId="Equation.3">
                   <p:embed/>
                 </p:oleObj>
               </mc:Choice>
@@ -30637,7 +30903,7 @@
           <a:graphicData uri="http://schemas.openxmlformats.org/presentationml/2006/ole">
             <mc:AlternateContent xmlns:mc="http://schemas.openxmlformats.org/markup-compatibility/2006">
               <mc:Choice xmlns:v="urn:schemas-microsoft-com:vml" Requires="v">
-                <p:oleObj spid="_x0000_s29347" name="公式" r:id="rId36" imgW="114151" imgH="152202" progId="Equation.3">
+                <p:oleObj spid="_x0000_s29443" name="公式" r:id="rId36" imgW="114151" imgH="152202" progId="Equation.3">
                   <p:embed/>
                 </p:oleObj>
               </mc:Choice>
@@ -30730,7 +30996,7 @@
           <a:graphicData uri="http://schemas.openxmlformats.org/presentationml/2006/ole">
             <mc:AlternateContent xmlns:mc="http://schemas.openxmlformats.org/markup-compatibility/2006">
               <mc:Choice xmlns:v="urn:schemas-microsoft-com:vml" Requires="v">
-                <p:oleObj spid="_x0000_s29348" name="公式" r:id="rId38" imgW="114151" imgH="152202" progId="Equation.3">
+                <p:oleObj spid="_x0000_s29444" name="公式" r:id="rId38" imgW="114151" imgH="152202" progId="Equation.3">
                   <p:embed/>
                 </p:oleObj>
               </mc:Choice>
@@ -30813,7 +31079,7 @@
           <a:graphicData uri="http://schemas.openxmlformats.org/presentationml/2006/ole">
             <mc:AlternateContent xmlns:mc="http://schemas.openxmlformats.org/markup-compatibility/2006">
               <mc:Choice xmlns:v="urn:schemas-microsoft-com:vml" Requires="v">
-                <p:oleObj spid="_x0000_s29349" name="公式" r:id="rId40" imgW="101468" imgH="164885" progId="Equation.3">
+                <p:oleObj spid="_x0000_s29445" name="公式" r:id="rId40" imgW="101468" imgH="164885" progId="Equation.3">
                   <p:embed/>
                 </p:oleObj>
               </mc:Choice>
@@ -30896,7 +31162,7 @@
           <a:graphicData uri="http://schemas.openxmlformats.org/presentationml/2006/ole">
             <mc:AlternateContent xmlns:mc="http://schemas.openxmlformats.org/markup-compatibility/2006">
               <mc:Choice xmlns:v="urn:schemas-microsoft-com:vml" Requires="v">
-                <p:oleObj spid="_x0000_s29350" name="公式" r:id="rId42" imgW="177492" imgH="164814" progId="Equation.3">
+                <p:oleObj spid="_x0000_s29446" name="公式" r:id="rId42" imgW="177492" imgH="164814" progId="Equation.3">
                   <p:embed/>
                 </p:oleObj>
               </mc:Choice>
@@ -30979,7 +31245,7 @@
           <a:graphicData uri="http://schemas.openxmlformats.org/presentationml/2006/ole">
             <mc:AlternateContent xmlns:mc="http://schemas.openxmlformats.org/markup-compatibility/2006">
               <mc:Choice xmlns:v="urn:schemas-microsoft-com:vml" Requires="v">
-                <p:oleObj spid="_x0000_s29351" name="Equation" r:id="rId44" imgW="901309" imgH="228501" progId="Equation.3">
+                <p:oleObj spid="_x0000_s29447" name="Equation" r:id="rId44" imgW="901309" imgH="228501" progId="Equation.3">
                   <p:embed/>
                 </p:oleObj>
               </mc:Choice>
@@ -31072,7 +31338,7 @@
           <a:graphicData uri="http://schemas.openxmlformats.org/presentationml/2006/ole">
             <mc:AlternateContent xmlns:mc="http://schemas.openxmlformats.org/markup-compatibility/2006">
               <mc:Choice xmlns:v="urn:schemas-microsoft-com:vml" Requires="v">
-                <p:oleObj spid="_x0000_s29352" name="Equation" r:id="rId46" imgW="1002865" imgH="228501" progId="Equation.3">
+                <p:oleObj spid="_x0000_s29448" name="Equation" r:id="rId46" imgW="1002865" imgH="228501" progId="Equation.3">
                   <p:embed/>
                 </p:oleObj>
               </mc:Choice>
@@ -31343,7 +31609,7 @@
           <a:graphicData uri="http://schemas.openxmlformats.org/presentationml/2006/ole">
             <mc:AlternateContent xmlns:mc="http://schemas.openxmlformats.org/markup-compatibility/2006">
               <mc:Choice xmlns:v="urn:schemas-microsoft-com:vml" Requires="v">
-                <p:oleObj spid="_x0000_s29353" name="公式" r:id="rId48" imgW="748975" imgH="241195" progId="Equation.3">
+                <p:oleObj spid="_x0000_s29449" name="公式" r:id="rId48" imgW="748975" imgH="241195" progId="Equation.3">
                   <p:embed/>
                 </p:oleObj>
               </mc:Choice>
@@ -32972,7 +33238,7 @@
           <a:graphicData uri="http://schemas.openxmlformats.org/presentationml/2006/ole">
             <mc:AlternateContent xmlns:mc="http://schemas.openxmlformats.org/markup-compatibility/2006">
               <mc:Choice xmlns:v="urn:schemas-microsoft-com:vml" Requires="v">
-                <p:oleObj spid="_x0000_s34170" name="Equation" r:id="rId3" imgW="126780" imgH="164814" progId="Equation.3">
+                <p:oleObj spid="_x0000_s34250" name="Equation" r:id="rId3" imgW="126780" imgH="164814" progId="Equation.3">
                   <p:embed/>
                 </p:oleObj>
               </mc:Choice>
@@ -33055,7 +33321,7 @@
           <a:graphicData uri="http://schemas.openxmlformats.org/presentationml/2006/ole">
             <mc:AlternateContent xmlns:mc="http://schemas.openxmlformats.org/markup-compatibility/2006">
               <mc:Choice xmlns:v="urn:schemas-microsoft-com:vml" Requires="v">
-                <p:oleObj spid="_x0000_s34171" name="Equation" r:id="rId5" imgW="126835" imgH="202936" progId="Equation.3">
+                <p:oleObj spid="_x0000_s34251" name="Equation" r:id="rId5" imgW="126835" imgH="202936" progId="Equation.3">
                   <p:embed/>
                 </p:oleObj>
               </mc:Choice>
@@ -33138,7 +33404,7 @@
           <a:graphicData uri="http://schemas.openxmlformats.org/presentationml/2006/ole">
             <mc:AlternateContent xmlns:mc="http://schemas.openxmlformats.org/markup-compatibility/2006">
               <mc:Choice xmlns:v="urn:schemas-microsoft-com:vml" Requires="v">
-                <p:oleObj spid="_x0000_s34172" name="Equation" r:id="rId7" imgW="152268" imgH="215713" progId="Equation.3">
+                <p:oleObj spid="_x0000_s34252" name="Equation" r:id="rId7" imgW="152268" imgH="215713" progId="Equation.3">
                   <p:embed/>
                 </p:oleObj>
               </mc:Choice>
@@ -33221,7 +33487,7 @@
           <a:graphicData uri="http://schemas.openxmlformats.org/presentationml/2006/ole">
             <mc:AlternateContent xmlns:mc="http://schemas.openxmlformats.org/markup-compatibility/2006">
               <mc:Choice xmlns:v="urn:schemas-microsoft-com:vml" Requires="v">
-                <p:oleObj spid="_x0000_s34173" name="Equation" r:id="rId9" imgW="164957" imgH="241091" progId="Equation.3">
+                <p:oleObj spid="_x0000_s34253" name="Equation" r:id="rId9" imgW="164957" imgH="241091" progId="Equation.3">
                   <p:embed/>
                 </p:oleObj>
               </mc:Choice>
@@ -33510,7 +33776,7 @@
           <a:graphicData uri="http://schemas.openxmlformats.org/presentationml/2006/ole">
             <mc:AlternateContent xmlns:mc="http://schemas.openxmlformats.org/markup-compatibility/2006">
               <mc:Choice xmlns:v="urn:schemas-microsoft-com:vml" Requires="v">
-                <p:oleObj spid="_x0000_s34174" name="Equation" r:id="rId11" imgW="164885" imgH="215619" progId="Equation.3">
+                <p:oleObj spid="_x0000_s34254" name="Equation" r:id="rId11" imgW="164885" imgH="215619" progId="Equation.3">
                   <p:embed/>
                 </p:oleObj>
               </mc:Choice>
@@ -33593,7 +33859,7 @@
           <a:graphicData uri="http://schemas.openxmlformats.org/presentationml/2006/ole">
             <mc:AlternateContent xmlns:mc="http://schemas.openxmlformats.org/markup-compatibility/2006">
               <mc:Choice xmlns:v="urn:schemas-microsoft-com:vml" Requires="v">
-                <p:oleObj spid="_x0000_s34175" name="Equation" r:id="rId13" imgW="164885" imgH="215619" progId="Equation.3">
+                <p:oleObj spid="_x0000_s34255" name="Equation" r:id="rId13" imgW="164885" imgH="215619" progId="Equation.3">
                   <p:embed/>
                 </p:oleObj>
               </mc:Choice>
@@ -33676,7 +33942,7 @@
           <a:graphicData uri="http://schemas.openxmlformats.org/presentationml/2006/ole">
             <mc:AlternateContent xmlns:mc="http://schemas.openxmlformats.org/markup-compatibility/2006">
               <mc:Choice xmlns:v="urn:schemas-microsoft-com:vml" Requires="v">
-                <p:oleObj spid="_x0000_s34176" name="Equation" r:id="rId15" imgW="152268" imgH="215713" progId="Equation.3">
+                <p:oleObj spid="_x0000_s34256" name="Equation" r:id="rId15" imgW="152268" imgH="215713" progId="Equation.3">
                   <p:embed/>
                 </p:oleObj>
               </mc:Choice>
@@ -33759,7 +34025,7 @@
           <a:graphicData uri="http://schemas.openxmlformats.org/presentationml/2006/ole">
             <mc:AlternateContent xmlns:mc="http://schemas.openxmlformats.org/markup-compatibility/2006">
               <mc:Choice xmlns:v="urn:schemas-microsoft-com:vml" Requires="v">
-                <p:oleObj spid="_x0000_s34177" name="Equation" r:id="rId17" imgW="152268" imgH="215713" progId="Equation.3">
+                <p:oleObj spid="_x0000_s34257" name="Equation" r:id="rId17" imgW="152268" imgH="215713" progId="Equation.3">
                   <p:embed/>
                 </p:oleObj>
               </mc:Choice>
@@ -33842,7 +34108,7 @@
           <a:graphicData uri="http://schemas.openxmlformats.org/presentationml/2006/ole">
             <mc:AlternateContent xmlns:mc="http://schemas.openxmlformats.org/markup-compatibility/2006">
               <mc:Choice xmlns:v="urn:schemas-microsoft-com:vml" Requires="v">
-                <p:oleObj spid="_x0000_s34178" name="Equation" r:id="rId19" imgW="1206500" imgH="228600" progId="Equation.3">
+                <p:oleObj spid="_x0000_s34258" name="Equation" r:id="rId19" imgW="1206500" imgH="228600" progId="Equation.3">
                   <p:embed/>
                 </p:oleObj>
               </mc:Choice>
@@ -33935,7 +34201,7 @@
           <a:graphicData uri="http://schemas.openxmlformats.org/presentationml/2006/ole">
             <mc:AlternateContent xmlns:mc="http://schemas.openxmlformats.org/markup-compatibility/2006">
               <mc:Choice xmlns:v="urn:schemas-microsoft-com:vml" Requires="v">
-                <p:oleObj spid="_x0000_s34179" name="Equation" r:id="rId21" imgW="1308100" imgH="228600" progId="Equation.3">
+                <p:oleObj spid="_x0000_s34259" name="Equation" r:id="rId21" imgW="1308100" imgH="228600" progId="Equation.3">
                   <p:embed/>
                 </p:oleObj>
               </mc:Choice>
@@ -34079,7 +34345,7 @@
           <a:graphicData uri="http://schemas.openxmlformats.org/presentationml/2006/ole">
             <mc:AlternateContent xmlns:mc="http://schemas.openxmlformats.org/markup-compatibility/2006">
               <mc:Choice xmlns:v="urn:schemas-microsoft-com:vml" Requires="v">
-                <p:oleObj spid="_x0000_s34180" name="Equation" r:id="rId23" imgW="164885" imgH="215619" progId="Equation.3">
+                <p:oleObj spid="_x0000_s34260" name="Equation" r:id="rId23" imgW="164885" imgH="215619" progId="Equation.3">
                   <p:embed/>
                 </p:oleObj>
               </mc:Choice>
@@ -34162,7 +34428,7 @@
           <a:graphicData uri="http://schemas.openxmlformats.org/presentationml/2006/ole">
             <mc:AlternateContent xmlns:mc="http://schemas.openxmlformats.org/markup-compatibility/2006">
               <mc:Choice xmlns:v="urn:schemas-microsoft-com:vml" Requires="v">
-                <p:oleObj spid="_x0000_s34181" name="Equation" r:id="rId25" imgW="152334" imgH="190417" progId="Equation.3">
+                <p:oleObj spid="_x0000_s34261" name="Equation" r:id="rId25" imgW="152334" imgH="190417" progId="Equation.3">
                   <p:embed/>
                 </p:oleObj>
               </mc:Choice>
@@ -34245,7 +34511,7 @@
           <a:graphicData uri="http://schemas.openxmlformats.org/presentationml/2006/ole">
             <mc:AlternateContent xmlns:mc="http://schemas.openxmlformats.org/markup-compatibility/2006">
               <mc:Choice xmlns:v="urn:schemas-microsoft-com:vml" Requires="v">
-                <p:oleObj spid="_x0000_s34182" name="公式" r:id="rId27" imgW="1384300" imgH="622300" progId="Equation.3">
+                <p:oleObj spid="_x0000_s34262" name="公式" r:id="rId27" imgW="1384300" imgH="622300" progId="Equation.3">
                   <p:embed/>
                 </p:oleObj>
               </mc:Choice>
@@ -34328,7 +34594,7 @@
           <a:graphicData uri="http://schemas.openxmlformats.org/presentationml/2006/ole">
             <mc:AlternateContent xmlns:mc="http://schemas.openxmlformats.org/markup-compatibility/2006">
               <mc:Choice xmlns:v="urn:schemas-microsoft-com:vml" Requires="v">
-                <p:oleObj spid="_x0000_s34183" name="公式" r:id="rId29" imgW="990600" imgH="228600" progId="Equation.3">
+                <p:oleObj spid="_x0000_s34263" name="公式" r:id="rId29" imgW="990600" imgH="228600" progId="Equation.3">
                   <p:embed/>
                 </p:oleObj>
               </mc:Choice>
@@ -34615,7 +34881,7 @@
             <a:graphicData uri="http://schemas.openxmlformats.org/presentationml/2006/ole">
               <mc:AlternateContent xmlns:mc="http://schemas.openxmlformats.org/markup-compatibility/2006">
                 <mc:Choice xmlns:v="urn:schemas-microsoft-com:vml" Requires="v">
-                  <p:oleObj spid="_x0000_s34184" name="Equation" r:id="rId31" imgW="164957" imgH="190335" progId="Equation.3">
+                  <p:oleObj spid="_x0000_s34264" name="Equation" r:id="rId31" imgW="164957" imgH="190335" progId="Equation.3">
                     <p:embed/>
                   </p:oleObj>
                 </mc:Choice>
@@ -34698,7 +34964,7 @@
             <a:graphicData uri="http://schemas.openxmlformats.org/presentationml/2006/ole">
               <mc:AlternateContent xmlns:mc="http://schemas.openxmlformats.org/markup-compatibility/2006">
                 <mc:Choice xmlns:v="urn:schemas-microsoft-com:vml" Requires="v">
-                  <p:oleObj spid="_x0000_s34185" name="Equation" r:id="rId33" imgW="152334" imgH="190417" progId="Equation.3">
+                  <p:oleObj spid="_x0000_s34265" name="Equation" r:id="rId33" imgW="152334" imgH="190417" progId="Equation.3">
                     <p:embed/>
                   </p:oleObj>
                 </mc:Choice>
@@ -34782,7 +35048,7 @@
           <a:graphicData uri="http://schemas.openxmlformats.org/presentationml/2006/ole">
             <mc:AlternateContent xmlns:mc="http://schemas.openxmlformats.org/markup-compatibility/2006">
               <mc:Choice xmlns:v="urn:schemas-microsoft-com:vml" Requires="v">
-                <p:oleObj spid="_x0000_s34186" name="公式" r:id="rId34" imgW="114151" imgH="152202" progId="Equation.3">
+                <p:oleObj spid="_x0000_s34266" name="公式" r:id="rId34" imgW="114151" imgH="152202" progId="Equation.3">
                   <p:embed/>
                 </p:oleObj>
               </mc:Choice>
@@ -34865,7 +35131,7 @@
           <a:graphicData uri="http://schemas.openxmlformats.org/presentationml/2006/ole">
             <mc:AlternateContent xmlns:mc="http://schemas.openxmlformats.org/markup-compatibility/2006">
               <mc:Choice xmlns:v="urn:schemas-microsoft-com:vml" Requires="v">
-                <p:oleObj spid="_x0000_s34187" name="公式" r:id="rId36" imgW="114151" imgH="152202" progId="Equation.3">
+                <p:oleObj spid="_x0000_s34267" name="公式" r:id="rId36" imgW="114151" imgH="152202" progId="Equation.3">
                   <p:embed/>
                 </p:oleObj>
               </mc:Choice>
@@ -34958,7 +35224,7 @@
           <a:graphicData uri="http://schemas.openxmlformats.org/presentationml/2006/ole">
             <mc:AlternateContent xmlns:mc="http://schemas.openxmlformats.org/markup-compatibility/2006">
               <mc:Choice xmlns:v="urn:schemas-microsoft-com:vml" Requires="v">
-                <p:oleObj spid="_x0000_s34188" name="公式" r:id="rId38" imgW="101468" imgH="164885" progId="Equation.3">
+                <p:oleObj spid="_x0000_s34268" name="公式" r:id="rId38" imgW="101468" imgH="164885" progId="Equation.3">
                   <p:embed/>
                 </p:oleObj>
               </mc:Choice>
@@ -35041,7 +35307,7 @@
           <a:graphicData uri="http://schemas.openxmlformats.org/presentationml/2006/ole">
             <mc:AlternateContent xmlns:mc="http://schemas.openxmlformats.org/markup-compatibility/2006">
               <mc:Choice xmlns:v="urn:schemas-microsoft-com:vml" Requires="v">
-                <p:oleObj spid="_x0000_s34189" name="公式" r:id="rId40" imgW="177492" imgH="164814" progId="Equation.3">
+                <p:oleObj spid="_x0000_s34269" name="公式" r:id="rId40" imgW="177492" imgH="164814" progId="Equation.3">
                   <p:embed/>
                 </p:oleObj>
               </mc:Choice>
@@ -35355,7 +35621,7 @@
           <a:graphicData uri="http://schemas.openxmlformats.org/presentationml/2006/ole">
             <mc:AlternateContent xmlns:mc="http://schemas.openxmlformats.org/markup-compatibility/2006">
               <mc:Choice xmlns:v="urn:schemas-microsoft-com:vml" Requires="v">
-                <p:oleObj spid="_x0000_s29798" r:id="rId4" imgW="533169" imgH="457002" progId="Equation.3">
+                <p:oleObj spid="_x0000_s29814" r:id="rId4" imgW="533169" imgH="457002" progId="Equation.3">
                   <p:embed/>
                 </p:oleObj>
               </mc:Choice>
@@ -35426,7 +35692,7 @@
           <a:graphicData uri="http://schemas.openxmlformats.org/presentationml/2006/ole">
             <mc:AlternateContent xmlns:mc="http://schemas.openxmlformats.org/markup-compatibility/2006">
               <mc:Choice xmlns:v="urn:schemas-microsoft-com:vml" Requires="v">
-                <p:oleObj spid="_x0000_s29799" r:id="rId6" imgW="558800" imgH="457200" progId="Equation.3">
+                <p:oleObj spid="_x0000_s29815" r:id="rId6" imgW="558800" imgH="457200" progId="Equation.3">
                   <p:embed/>
                 </p:oleObj>
               </mc:Choice>
@@ -35497,7 +35763,7 @@
           <a:graphicData uri="http://schemas.openxmlformats.org/presentationml/2006/ole">
             <mc:AlternateContent xmlns:mc="http://schemas.openxmlformats.org/markup-compatibility/2006">
               <mc:Choice xmlns:v="urn:schemas-microsoft-com:vml" Requires="v">
-                <p:oleObj spid="_x0000_s29800" name="方程式" r:id="rId8" imgW="520560" imgH="177480" progId="Equation.3">
+                <p:oleObj spid="_x0000_s29816" name="方程式" r:id="rId8" imgW="520560" imgH="177480" progId="Equation.3">
                   <p:embed/>
                 </p:oleObj>
               </mc:Choice>
@@ -35559,7 +35825,7 @@
           <a:graphicData uri="http://schemas.openxmlformats.org/presentationml/2006/ole">
             <mc:AlternateContent xmlns:mc="http://schemas.openxmlformats.org/markup-compatibility/2006">
               <mc:Choice xmlns:v="urn:schemas-microsoft-com:vml" Requires="v">
-                <p:oleObj spid="_x0000_s29801" name="方程式" r:id="rId10" imgW="1320480" imgH="457200" progId="Equation.3">
+                <p:oleObj spid="_x0000_s29817" name="方程式" r:id="rId10" imgW="1320480" imgH="457200" progId="Equation.3">
                   <p:embed/>
                 </p:oleObj>
               </mc:Choice>
@@ -35745,7 +36011,7 @@
             <a:graphicData uri="http://schemas.openxmlformats.org/presentationml/2006/ole">
               <mc:AlternateContent xmlns:mc="http://schemas.openxmlformats.org/markup-compatibility/2006">
                 <mc:Choice xmlns:v="urn:schemas-microsoft-com:vml" Requires="v">
-                  <p:oleObj spid="_x0000_s26260" name="方程式" r:id="rId3" imgW="1155600" imgH="291960" progId="Equation.3">
+                  <p:oleObj spid="_x0000_s26344" name="方程式" r:id="rId3" imgW="1155600" imgH="291960" progId="Equation.3">
                     <p:embed/>
                   </p:oleObj>
                 </mc:Choice>
@@ -35822,7 +36088,7 @@
             <a:graphicData uri="http://schemas.openxmlformats.org/presentationml/2006/ole">
               <mc:AlternateContent xmlns:mc="http://schemas.openxmlformats.org/markup-compatibility/2006">
                 <mc:Choice xmlns:v="urn:schemas-microsoft-com:vml" Requires="v">
-                  <p:oleObj spid="_x0000_s26261" name="公式" r:id="rId5" imgW="1079032" imgH="266584" progId="Equation.3">
+                  <p:oleObj spid="_x0000_s26345" name="公式" r:id="rId5" imgW="1079032" imgH="266584" progId="Equation.3">
                     <p:embed/>
                   </p:oleObj>
                 </mc:Choice>
@@ -35912,7 +36178,7 @@
           <a:graphicData uri="http://schemas.openxmlformats.org/presentationml/2006/ole">
             <mc:AlternateContent xmlns:mc="http://schemas.openxmlformats.org/markup-compatibility/2006">
               <mc:Choice xmlns:v="urn:schemas-microsoft-com:vml" Requires="v">
-                <p:oleObj spid="_x0000_s26262" name="公式" r:id="rId7" imgW="114151" imgH="215619" progId="Equation.3">
+                <p:oleObj spid="_x0000_s26346" name="公式" r:id="rId7" imgW="114151" imgH="215619" progId="Equation.3">
                   <p:embed/>
                 </p:oleObj>
               </mc:Choice>
@@ -35983,7 +36249,7 @@
           <a:graphicData uri="http://schemas.openxmlformats.org/presentationml/2006/ole">
             <mc:AlternateContent xmlns:mc="http://schemas.openxmlformats.org/markup-compatibility/2006">
               <mc:Choice xmlns:v="urn:schemas-microsoft-com:vml" Requires="v">
-                <p:oleObj spid="_x0000_s26263" name="方程式" r:id="rId9" imgW="787320" imgH="203040" progId="Equation.3">
+                <p:oleObj spid="_x0000_s26347" name="方程式" r:id="rId9" imgW="787320" imgH="203040" progId="Equation.3">
                   <p:embed/>
                 </p:oleObj>
               </mc:Choice>
@@ -36047,7 +36313,7 @@
           <a:graphicData uri="http://schemas.openxmlformats.org/presentationml/2006/ole">
             <mc:AlternateContent xmlns:mc="http://schemas.openxmlformats.org/markup-compatibility/2006">
               <mc:Choice xmlns:v="urn:schemas-microsoft-com:vml" Requires="v">
-                <p:oleObj spid="_x0000_s26264" name="公式" r:id="rId11" imgW="1143000" imgH="647700" progId="Equation.3">
+                <p:oleObj spid="_x0000_s26348" name="公式" r:id="rId11" imgW="1143000" imgH="647700" progId="Equation.3">
                   <p:embed/>
                 </p:oleObj>
               </mc:Choice>
@@ -36228,7 +36494,7 @@
           <a:graphicData uri="http://schemas.openxmlformats.org/presentationml/2006/ole">
             <mc:AlternateContent xmlns:mc="http://schemas.openxmlformats.org/markup-compatibility/2006">
               <mc:Choice xmlns:v="urn:schemas-microsoft-com:vml" Requires="v">
-                <p:oleObj spid="_x0000_s26265" name="方程式" r:id="rId13" imgW="1396800" imgH="711000" progId="Equation.3">
+                <p:oleObj spid="_x0000_s26349" name="方程式" r:id="rId13" imgW="1396800" imgH="711000" progId="Equation.3">
                   <p:embed/>
                 </p:oleObj>
               </mc:Choice>
@@ -36292,7 +36558,7 @@
           <a:graphicData uri="http://schemas.openxmlformats.org/presentationml/2006/ole">
             <mc:AlternateContent xmlns:mc="http://schemas.openxmlformats.org/markup-compatibility/2006">
               <mc:Choice xmlns:v="urn:schemas-microsoft-com:vml" Requires="v">
-                <p:oleObj spid="_x0000_s26266" name="公式" r:id="rId15" imgW="1447800" imgH="647700" progId="Equation.3">
+                <p:oleObj spid="_x0000_s26350" name="公式" r:id="rId15" imgW="1447800" imgH="647700" progId="Equation.3">
                   <p:embed/>
                 </p:oleObj>
               </mc:Choice>
@@ -36428,7 +36694,7 @@
             <a:graphicData uri="http://schemas.openxmlformats.org/presentationml/2006/ole">
               <mc:AlternateContent xmlns:mc="http://schemas.openxmlformats.org/markup-compatibility/2006">
                 <mc:Choice xmlns:v="urn:schemas-microsoft-com:vml" Requires="v">
-                  <p:oleObj spid="_x0000_s26267" name="公式" r:id="rId17" imgW="152517" imgH="209468" progId="Equation.3">
+                  <p:oleObj spid="_x0000_s26351" name="公式" r:id="rId17" imgW="152517" imgH="209468" progId="Equation.3">
                     <p:embed/>
                   </p:oleObj>
                 </mc:Choice>
@@ -36511,7 +36777,7 @@
             <a:graphicData uri="http://schemas.openxmlformats.org/presentationml/2006/ole">
               <mc:AlternateContent xmlns:mc="http://schemas.openxmlformats.org/markup-compatibility/2006">
                 <mc:Choice xmlns:v="urn:schemas-microsoft-com:vml" Requires="v">
-                  <p:oleObj spid="_x0000_s26268" name="Equation" r:id="rId19" imgW="152517" imgH="209468" progId="Equation.3">
+                  <p:oleObj spid="_x0000_s26352" name="Equation" r:id="rId19" imgW="152517" imgH="209468" progId="Equation.3">
                     <p:embed/>
                   </p:oleObj>
                 </mc:Choice>
@@ -36594,7 +36860,7 @@
             <a:graphicData uri="http://schemas.openxmlformats.org/presentationml/2006/ole">
               <mc:AlternateContent xmlns:mc="http://schemas.openxmlformats.org/markup-compatibility/2006">
                 <mc:Choice xmlns:v="urn:schemas-microsoft-com:vml" Requires="v">
-                  <p:oleObj spid="_x0000_s26269" name="Equation" r:id="rId21" imgW="152517" imgH="209468" progId="Equation.3">
+                  <p:oleObj spid="_x0000_s26353" name="Equation" r:id="rId21" imgW="152517" imgH="209468" progId="Equation.3">
                     <p:embed/>
                   </p:oleObj>
                 </mc:Choice>
@@ -36881,7 +37147,7 @@
             <a:graphicData uri="http://schemas.openxmlformats.org/presentationml/2006/ole">
               <mc:AlternateContent xmlns:mc="http://schemas.openxmlformats.org/markup-compatibility/2006">
                 <mc:Choice xmlns:v="urn:schemas-microsoft-com:vml" Requires="v">
-                  <p:oleObj spid="_x0000_s26270" name="Equation" r:id="rId23" imgW="114185" imgH="152512" progId="Equation.3">
+                  <p:oleObj spid="_x0000_s26354" name="Equation" r:id="rId23" imgW="114185" imgH="152512" progId="Equation.3">
                     <p:embed/>
                   </p:oleObj>
                 </mc:Choice>
@@ -37423,7 +37689,7 @@
             <a:graphicData uri="http://schemas.openxmlformats.org/presentationml/2006/ole">
               <mc:AlternateContent xmlns:mc="http://schemas.openxmlformats.org/markup-compatibility/2006">
                 <mc:Choice xmlns:v="urn:schemas-microsoft-com:vml" Requires="v">
-                  <p:oleObj spid="_x0000_s26271" name="Equation" r:id="rId25" imgW="152517" imgH="209468" progId="Equation.3">
+                  <p:oleObj spid="_x0000_s26355" name="Equation" r:id="rId25" imgW="152517" imgH="209468" progId="Equation.3">
                     <p:embed/>
                   </p:oleObj>
                 </mc:Choice>
@@ -37506,7 +37772,7 @@
             <a:graphicData uri="http://schemas.openxmlformats.org/presentationml/2006/ole">
               <mc:AlternateContent xmlns:mc="http://schemas.openxmlformats.org/markup-compatibility/2006">
                 <mc:Choice xmlns:v="urn:schemas-microsoft-com:vml" Requires="v">
-                  <p:oleObj spid="_x0000_s26272" name="Equation" r:id="rId27" imgW="152517" imgH="209468" progId="Equation.3">
+                  <p:oleObj spid="_x0000_s26356" name="Equation" r:id="rId27" imgW="152517" imgH="209468" progId="Equation.3">
                     <p:embed/>
                   </p:oleObj>
                 </mc:Choice>
@@ -37589,7 +37855,7 @@
             <a:graphicData uri="http://schemas.openxmlformats.org/presentationml/2006/ole">
               <mc:AlternateContent xmlns:mc="http://schemas.openxmlformats.org/markup-compatibility/2006">
                 <mc:Choice xmlns:v="urn:schemas-microsoft-com:vml" Requires="v">
-                  <p:oleObj spid="_x0000_s26273" name="Equation" r:id="rId29" imgW="152517" imgH="209468" progId="Equation.3">
+                  <p:oleObj spid="_x0000_s26357" name="Equation" r:id="rId29" imgW="152517" imgH="209468" progId="Equation.3">
                     <p:embed/>
                   </p:oleObj>
                 </mc:Choice>
@@ -37842,7 +38108,7 @@
             <a:graphicData uri="http://schemas.openxmlformats.org/presentationml/2006/ole">
               <mc:AlternateContent xmlns:mc="http://schemas.openxmlformats.org/markup-compatibility/2006">
                 <mc:Choice xmlns:v="urn:schemas-microsoft-com:vml" Requires="v">
-                  <p:oleObj spid="_x0000_s26274" name="公式" r:id="rId31" imgW="142799" imgH="209468" progId="Equation.3">
+                  <p:oleObj spid="_x0000_s26358" name="公式" r:id="rId31" imgW="142799" imgH="209468" progId="Equation.3">
                     <p:embed/>
                   </p:oleObj>
                 </mc:Choice>
@@ -37925,7 +38191,7 @@
             <a:graphicData uri="http://schemas.openxmlformats.org/presentationml/2006/ole">
               <mc:AlternateContent xmlns:mc="http://schemas.openxmlformats.org/markup-compatibility/2006">
                 <mc:Choice xmlns:v="urn:schemas-microsoft-com:vml" Requires="v">
-                  <p:oleObj spid="_x0000_s26275" name="Equation" r:id="rId33" imgW="142799" imgH="209468" progId="Equation.3">
+                  <p:oleObj spid="_x0000_s26359" name="Equation" r:id="rId33" imgW="142799" imgH="209468" progId="Equation.3">
                     <p:embed/>
                   </p:oleObj>
                 </mc:Choice>
@@ -38008,7 +38274,7 @@
             <a:graphicData uri="http://schemas.openxmlformats.org/presentationml/2006/ole">
               <mc:AlternateContent xmlns:mc="http://schemas.openxmlformats.org/markup-compatibility/2006">
                 <mc:Choice xmlns:v="urn:schemas-microsoft-com:vml" Requires="v">
-                  <p:oleObj spid="_x0000_s26276" name="Equation" r:id="rId35" imgW="142799" imgH="209468" progId="Equation.3">
+                  <p:oleObj spid="_x0000_s26360" name="Equation" r:id="rId35" imgW="142799" imgH="209468" progId="Equation.3">
                     <p:embed/>
                   </p:oleObj>
                 </mc:Choice>
@@ -38197,7 +38463,7 @@
             <a:graphicData uri="http://schemas.openxmlformats.org/presentationml/2006/ole">
               <mc:AlternateContent xmlns:mc="http://schemas.openxmlformats.org/markup-compatibility/2006">
                 <mc:Choice xmlns:v="urn:schemas-microsoft-com:vml" Requires="v">
-                  <p:oleObj spid="_x0000_s26277" name="Equation" r:id="rId37" imgW="114185" imgH="152512" progId="Equation.3">
+                  <p:oleObj spid="_x0000_s26361" name="Equation" r:id="rId37" imgW="114185" imgH="152512" progId="Equation.3">
                     <p:embed/>
                   </p:oleObj>
                 </mc:Choice>
@@ -38280,7 +38546,7 @@
             <a:graphicData uri="http://schemas.openxmlformats.org/presentationml/2006/ole">
               <mc:AlternateContent xmlns:mc="http://schemas.openxmlformats.org/markup-compatibility/2006">
                 <mc:Choice xmlns:v="urn:schemas-microsoft-com:vml" Requires="v">
-                  <p:oleObj spid="_x0000_s26278" name="Equation" r:id="rId39" imgW="142799" imgH="209468" progId="Equation.3">
+                  <p:oleObj spid="_x0000_s26362" name="Equation" r:id="rId39" imgW="142799" imgH="209468" progId="Equation.3">
                     <p:embed/>
                   </p:oleObj>
                 </mc:Choice>
@@ -38363,7 +38629,7 @@
             <a:graphicData uri="http://schemas.openxmlformats.org/presentationml/2006/ole">
               <mc:AlternateContent xmlns:mc="http://schemas.openxmlformats.org/markup-compatibility/2006">
                 <mc:Choice xmlns:v="urn:schemas-microsoft-com:vml" Requires="v">
-                  <p:oleObj spid="_x0000_s26279" name="Equation" r:id="rId41" imgW="152517" imgH="209468" progId="Equation.3">
+                  <p:oleObj spid="_x0000_s26363" name="Equation" r:id="rId41" imgW="152517" imgH="209468" progId="Equation.3">
                     <p:embed/>
                   </p:oleObj>
                 </mc:Choice>
@@ -38446,7 +38712,7 @@
             <a:graphicData uri="http://schemas.openxmlformats.org/presentationml/2006/ole">
               <mc:AlternateContent xmlns:mc="http://schemas.openxmlformats.org/markup-compatibility/2006">
                 <mc:Choice xmlns:v="urn:schemas-microsoft-com:vml" Requires="v">
-                  <p:oleObj spid="_x0000_s26280" name="Equation" r:id="rId43" imgW="142799" imgH="209468" progId="Equation.3">
+                  <p:oleObj spid="_x0000_s26364" name="Equation" r:id="rId43" imgW="142799" imgH="209468" progId="Equation.3">
                     <p:embed/>
                   </p:oleObj>
                 </mc:Choice>
@@ -38832,7 +39098,7 @@
           <a:graphicData uri="http://schemas.openxmlformats.org/presentationml/2006/ole">
             <mc:AlternateContent xmlns:mc="http://schemas.openxmlformats.org/markup-compatibility/2006">
               <mc:Choice xmlns:v="urn:schemas-microsoft-com:vml" Requires="v">
-                <p:oleObj spid="_x0000_s12100" name="方程式" r:id="rId4" imgW="1295280" imgH="266400" progId="Equation.3">
+                <p:oleObj spid="_x0000_s12128" name="方程式" r:id="rId4" imgW="1295280" imgH="266400" progId="Equation.3">
                   <p:embed/>
                 </p:oleObj>
               </mc:Choice>
@@ -38896,7 +39162,7 @@
           <a:graphicData uri="http://schemas.openxmlformats.org/presentationml/2006/ole">
             <mc:AlternateContent xmlns:mc="http://schemas.openxmlformats.org/markup-compatibility/2006">
               <mc:Choice xmlns:v="urn:schemas-microsoft-com:vml" Requires="v">
-                <p:oleObj spid="_x0000_s12101" name="方程式" r:id="rId6" imgW="596880" imgH="266400" progId="Equation.3">
+                <p:oleObj spid="_x0000_s12129" name="方程式" r:id="rId6" imgW="596880" imgH="266400" progId="Equation.3">
                   <p:embed/>
                 </p:oleObj>
               </mc:Choice>
@@ -38960,7 +39226,7 @@
           <a:graphicData uri="http://schemas.openxmlformats.org/presentationml/2006/ole">
             <mc:AlternateContent xmlns:mc="http://schemas.openxmlformats.org/markup-compatibility/2006">
               <mc:Choice xmlns:v="urn:schemas-microsoft-com:vml" Requires="v">
-                <p:oleObj spid="_x0000_s12102" name="方程式" r:id="rId8" imgW="342720" imgH="203040" progId="Equation.3">
+                <p:oleObj spid="_x0000_s12130" name="方程式" r:id="rId8" imgW="342720" imgH="203040" progId="Equation.3">
                   <p:embed/>
                 </p:oleObj>
               </mc:Choice>
@@ -39024,7 +39290,7 @@
           <a:graphicData uri="http://schemas.openxmlformats.org/presentationml/2006/ole">
             <mc:AlternateContent xmlns:mc="http://schemas.openxmlformats.org/markup-compatibility/2006">
               <mc:Choice xmlns:v="urn:schemas-microsoft-com:vml" Requires="v">
-                <p:oleObj spid="_x0000_s12103" name="公式" r:id="rId10" imgW="253780" imgH="203024" progId="Equation.3">
+                <p:oleObj spid="_x0000_s12131" name="公式" r:id="rId10" imgW="253780" imgH="203024" progId="Equation.3">
                   <p:embed/>
                 </p:oleObj>
               </mc:Choice>
@@ -39094,7 +39360,7 @@
           <a:graphicData uri="http://schemas.openxmlformats.org/presentationml/2006/ole">
             <mc:AlternateContent xmlns:mc="http://schemas.openxmlformats.org/markup-compatibility/2006">
               <mc:Choice xmlns:v="urn:schemas-microsoft-com:vml" Requires="v">
-                <p:oleObj spid="_x0000_s12104" name="方程式" r:id="rId12" imgW="787320" imgH="203040" progId="Equation.3">
+                <p:oleObj spid="_x0000_s12132" name="方程式" r:id="rId12" imgW="787320" imgH="203040" progId="Equation.3">
                   <p:embed/>
                 </p:oleObj>
               </mc:Choice>
@@ -39158,7 +39424,7 @@
           <a:graphicData uri="http://schemas.openxmlformats.org/presentationml/2006/ole">
             <mc:AlternateContent xmlns:mc="http://schemas.openxmlformats.org/markup-compatibility/2006">
               <mc:Choice xmlns:v="urn:schemas-microsoft-com:vml" Requires="v">
-                <p:oleObj spid="_x0000_s12105" name="方程式" r:id="rId14" imgW="749160" imgH="266400" progId="Equation.3">
+                <p:oleObj spid="_x0000_s12133" name="方程式" r:id="rId14" imgW="749160" imgH="266400" progId="Equation.3">
                   <p:embed/>
                 </p:oleObj>
               </mc:Choice>
@@ -39222,7 +39488,7 @@
           <a:graphicData uri="http://schemas.openxmlformats.org/presentationml/2006/ole">
             <mc:AlternateContent xmlns:mc="http://schemas.openxmlformats.org/markup-compatibility/2006">
               <mc:Choice xmlns:v="urn:schemas-microsoft-com:vml" Requires="v">
-                <p:oleObj spid="_x0000_s12106" name="方程式" r:id="rId16" imgW="558720" imgH="203040" progId="Equation.3">
+                <p:oleObj spid="_x0000_s12134" name="方程式" r:id="rId16" imgW="558720" imgH="203040" progId="Equation.3">
                   <p:embed/>
                 </p:oleObj>
               </mc:Choice>
@@ -39821,7 +40087,7 @@
           <a:graphicData uri="http://schemas.openxmlformats.org/presentationml/2006/ole">
             <mc:AlternateContent xmlns:mc="http://schemas.openxmlformats.org/markup-compatibility/2006">
               <mc:Choice xmlns:v="urn:schemas-microsoft-com:vml" Requires="v">
-                <p:oleObj spid="_x0000_s36869" name="方程式" r:id="rId4" imgW="1206360" imgH="711000" progId="Equation.3">
+                <p:oleObj spid="_x0000_s36905" name="方程式" r:id="rId4" imgW="1206360" imgH="711000" progId="Equation.3">
                   <p:embed/>
                 </p:oleObj>
               </mc:Choice>
@@ -39879,7 +40145,7 @@
           <a:graphicData uri="http://schemas.openxmlformats.org/presentationml/2006/ole">
             <mc:AlternateContent xmlns:mc="http://schemas.openxmlformats.org/markup-compatibility/2006">
               <mc:Choice xmlns:v="urn:schemas-microsoft-com:vml" Requires="v">
-                <p:oleObj spid="_x0000_s36870" name="公式" r:id="rId6" imgW="253780" imgH="203024" progId="Equation.3">
+                <p:oleObj spid="_x0000_s36906" name="公式" r:id="rId6" imgW="253780" imgH="203024" progId="Equation.3">
                   <p:embed/>
                 </p:oleObj>
               </mc:Choice>
@@ -39968,7 +40234,7 @@
           <a:graphicData uri="http://schemas.openxmlformats.org/presentationml/2006/ole">
             <mc:AlternateContent xmlns:mc="http://schemas.openxmlformats.org/markup-compatibility/2006">
               <mc:Choice xmlns:v="urn:schemas-microsoft-com:vml" Requires="v">
-                <p:oleObj spid="_x0000_s36871" name="方程式" r:id="rId8" imgW="761760" imgH="203040" progId="Equation.3">
+                <p:oleObj spid="_x0000_s36907" name="方程式" r:id="rId8" imgW="761760" imgH="203040" progId="Equation.3">
                   <p:embed/>
                 </p:oleObj>
               </mc:Choice>
@@ -40234,7 +40500,7 @@
           <a:graphicData uri="http://schemas.openxmlformats.org/presentationml/2006/ole">
             <mc:AlternateContent xmlns:mc="http://schemas.openxmlformats.org/markup-compatibility/2006">
               <mc:Choice xmlns:v="urn:schemas-microsoft-com:vml" Requires="v">
-                <p:oleObj spid="_x0000_s36872" name="公式" r:id="rId10" imgW="152517" imgH="228634" progId="Equation.3">
+                <p:oleObj spid="_x0000_s36908" name="公式" r:id="rId10" imgW="152517" imgH="228634" progId="Equation.3">
                   <p:embed/>
                 </p:oleObj>
               </mc:Choice>
@@ -40304,7 +40570,7 @@
           <a:graphicData uri="http://schemas.openxmlformats.org/presentationml/2006/ole">
             <mc:AlternateContent xmlns:mc="http://schemas.openxmlformats.org/markup-compatibility/2006">
               <mc:Choice xmlns:v="urn:schemas-microsoft-com:vml" Requires="v">
-                <p:oleObj spid="_x0000_s36873" name="公式" r:id="rId12" imgW="152517" imgH="219186" progId="Equation.3">
+                <p:oleObj spid="_x0000_s36909" name="公式" r:id="rId12" imgW="152517" imgH="219186" progId="Equation.3">
                   <p:embed/>
                 </p:oleObj>
               </mc:Choice>
@@ -40374,7 +40640,7 @@
           <a:graphicData uri="http://schemas.openxmlformats.org/presentationml/2006/ole">
             <mc:AlternateContent xmlns:mc="http://schemas.openxmlformats.org/markup-compatibility/2006">
               <mc:Choice xmlns:v="urn:schemas-microsoft-com:vml" Requires="v">
-                <p:oleObj spid="_x0000_s36874" name="公式" r:id="rId14" imgW="152517" imgH="219186" progId="Equation.3">
+                <p:oleObj spid="_x0000_s36910" name="公式" r:id="rId14" imgW="152517" imgH="219186" progId="Equation.3">
                   <p:embed/>
                 </p:oleObj>
               </mc:Choice>
@@ -40750,7 +41016,7 @@
           <a:graphicData uri="http://schemas.openxmlformats.org/presentationml/2006/ole">
             <mc:AlternateContent xmlns:mc="http://schemas.openxmlformats.org/markup-compatibility/2006">
               <mc:Choice xmlns:v="urn:schemas-microsoft-com:vml" Requires="v">
-                <p:oleObj spid="_x0000_s36875" name="公式" r:id="rId16" imgW="142799" imgH="209468" progId="Equation.3">
+                <p:oleObj spid="_x0000_s36911" name="公式" r:id="rId16" imgW="142799" imgH="209468" progId="Equation.3">
                   <p:embed/>
                 </p:oleObj>
               </mc:Choice>
@@ -40820,7 +41086,7 @@
           <a:graphicData uri="http://schemas.openxmlformats.org/presentationml/2006/ole">
             <mc:AlternateContent xmlns:mc="http://schemas.openxmlformats.org/markup-compatibility/2006">
               <mc:Choice xmlns:v="urn:schemas-microsoft-com:vml" Requires="v">
-                <p:oleObj spid="_x0000_s36876" name="Equation" r:id="rId18" imgW="142799" imgH="209468" progId="Equation.3">
+                <p:oleObj spid="_x0000_s36912" name="Equation" r:id="rId18" imgW="142799" imgH="209468" progId="Equation.3">
                   <p:embed/>
                 </p:oleObj>
               </mc:Choice>
@@ -40890,7 +41156,7 @@
           <a:graphicData uri="http://schemas.openxmlformats.org/presentationml/2006/ole">
             <mc:AlternateContent xmlns:mc="http://schemas.openxmlformats.org/markup-compatibility/2006">
               <mc:Choice xmlns:v="urn:schemas-microsoft-com:vml" Requires="v">
-                <p:oleObj spid="_x0000_s36877" name="Equation" r:id="rId20" imgW="142799" imgH="209468" progId="Equation.3">
+                <p:oleObj spid="_x0000_s36913" name="Equation" r:id="rId20" imgW="142799" imgH="209468" progId="Equation.3">
                   <p:embed/>
                 </p:oleObj>
               </mc:Choice>
@@ -41075,7 +41341,7 @@
           <a:graphicData uri="http://schemas.openxmlformats.org/presentationml/2006/ole">
             <mc:AlternateContent xmlns:mc="http://schemas.openxmlformats.org/markup-compatibility/2006">
               <mc:Choice xmlns:v="urn:schemas-microsoft-com:vml" Requires="v">
-                <p:oleObj spid="_x0000_s27061" name="方程式" r:id="rId4" imgW="723600" imgH="228600" progId="Equation.3">
+                <p:oleObj spid="_x0000_s27117" name="方程式" r:id="rId4" imgW="723600" imgH="228600" progId="Equation.3">
                   <p:embed/>
                 </p:oleObj>
               </mc:Choice>
@@ -41168,7 +41434,7 @@
             <a:graphicData uri="http://schemas.openxmlformats.org/presentationml/2006/ole">
               <mc:AlternateContent xmlns:mc="http://schemas.openxmlformats.org/markup-compatibility/2006">
                 <mc:Choice xmlns:v="urn:schemas-microsoft-com:vml" Requires="v">
-                  <p:oleObj spid="_x0000_s27062" name="公式" r:id="rId6" imgW="2082800" imgH="266700" progId="Equation.3">
+                  <p:oleObj spid="_x0000_s27118" name="公式" r:id="rId6" imgW="2082800" imgH="266700" progId="Equation.3">
                     <p:embed/>
                   </p:oleObj>
                 </mc:Choice>
@@ -41302,7 +41568,7 @@
             <a:graphicData uri="http://schemas.openxmlformats.org/presentationml/2006/ole">
               <mc:AlternateContent xmlns:mc="http://schemas.openxmlformats.org/markup-compatibility/2006">
                 <mc:Choice xmlns:v="urn:schemas-microsoft-com:vml" Requires="v">
-                  <p:oleObj spid="_x0000_s27063" name="Equation" r:id="rId8" imgW="152334" imgH="190417" progId="Equation.3">
+                  <p:oleObj spid="_x0000_s27119" name="Equation" r:id="rId8" imgW="152334" imgH="190417" progId="Equation.3">
                     <p:embed/>
                   </p:oleObj>
                 </mc:Choice>
@@ -41385,7 +41651,7 @@
             <a:graphicData uri="http://schemas.openxmlformats.org/presentationml/2006/ole">
               <mc:AlternateContent xmlns:mc="http://schemas.openxmlformats.org/markup-compatibility/2006">
                 <mc:Choice xmlns:v="urn:schemas-microsoft-com:vml" Requires="v">
-                  <p:oleObj spid="_x0000_s27064" name="Equation" r:id="rId10" imgW="164957" imgH="241091" progId="Equation.3">
+                  <p:oleObj spid="_x0000_s27120" name="Equation" r:id="rId10" imgW="164957" imgH="241091" progId="Equation.3">
                     <p:embed/>
                   </p:oleObj>
                 </mc:Choice>
@@ -41485,7 +41751,7 @@
           <a:graphicData uri="http://schemas.openxmlformats.org/presentationml/2006/ole">
             <mc:AlternateContent xmlns:mc="http://schemas.openxmlformats.org/markup-compatibility/2006">
               <mc:Choice xmlns:v="urn:schemas-microsoft-com:vml" Requires="v">
-                <p:oleObj spid="_x0000_s27065" name="方程式" r:id="rId12" imgW="1612800" imgH="711000" progId="Equation.3">
+                <p:oleObj spid="_x0000_s27121" name="方程式" r:id="rId12" imgW="1612800" imgH="711000" progId="Equation.3">
                   <p:embed/>
                 </p:oleObj>
               </mc:Choice>
@@ -41568,7 +41834,7 @@
           <a:graphicData uri="http://schemas.openxmlformats.org/presentationml/2006/ole">
             <mc:AlternateContent xmlns:mc="http://schemas.openxmlformats.org/markup-compatibility/2006">
               <mc:Choice xmlns:v="urn:schemas-microsoft-com:vml" Requires="v">
-                <p:oleObj spid="_x0000_s27066" name="方程式" r:id="rId14" imgW="1422360" imgH="253800" progId="Equation.3">
+                <p:oleObj spid="_x0000_s27122" name="方程式" r:id="rId14" imgW="1422360" imgH="253800" progId="Equation.3">
                   <p:embed/>
                 </p:oleObj>
               </mc:Choice>
@@ -41651,7 +41917,7 @@
           <a:graphicData uri="http://schemas.openxmlformats.org/presentationml/2006/ole">
             <mc:AlternateContent xmlns:mc="http://schemas.openxmlformats.org/markup-compatibility/2006">
               <mc:Choice xmlns:v="urn:schemas-microsoft-com:vml" Requires="v">
-                <p:oleObj spid="_x0000_s27067" name="公式" r:id="rId16" imgW="444307" imgH="241195" progId="Equation.3">
+                <p:oleObj spid="_x0000_s27123" name="公式" r:id="rId16" imgW="444307" imgH="241195" progId="Equation.3">
                   <p:embed/>
                 </p:oleObj>
               </mc:Choice>
@@ -41740,7 +42006,7 @@
           <a:graphicData uri="http://schemas.openxmlformats.org/presentationml/2006/ole">
             <mc:AlternateContent xmlns:mc="http://schemas.openxmlformats.org/markup-compatibility/2006">
               <mc:Choice xmlns:v="urn:schemas-microsoft-com:vml" Requires="v">
-                <p:oleObj spid="_x0000_s27068" name="公式" r:id="rId18" imgW="876300" imgH="241300" progId="Equation.3">
+                <p:oleObj spid="_x0000_s27124" name="公式" r:id="rId18" imgW="876300" imgH="241300" progId="Equation.3">
                   <p:embed/>
                 </p:oleObj>
               </mc:Choice>
@@ -41829,7 +42095,7 @@
           <a:graphicData uri="http://schemas.openxmlformats.org/presentationml/2006/ole">
             <mc:AlternateContent xmlns:mc="http://schemas.openxmlformats.org/markup-compatibility/2006">
               <mc:Choice xmlns:v="urn:schemas-microsoft-com:vml" Requires="v">
-                <p:oleObj spid="_x0000_s27069" name="方程式" r:id="rId20" imgW="2806560" imgH="482400" progId="Equation.3">
+                <p:oleObj spid="_x0000_s27125" name="方程式" r:id="rId20" imgW="2806560" imgH="482400" progId="Equation.3">
                   <p:embed/>
                 </p:oleObj>
               </mc:Choice>
@@ -42095,7 +42361,7 @@
           <a:graphicData uri="http://schemas.openxmlformats.org/presentationml/2006/ole">
             <mc:AlternateContent xmlns:mc="http://schemas.openxmlformats.org/markup-compatibility/2006">
               <mc:Choice xmlns:v="urn:schemas-microsoft-com:vml" Requires="v">
-                <p:oleObj spid="_x0000_s27070" name="方程式" r:id="rId22" imgW="1587240" imgH="711000" progId="Equation.3">
+                <p:oleObj spid="_x0000_s27126" name="方程式" r:id="rId22" imgW="1587240" imgH="711000" progId="Equation.3">
                   <p:embed/>
                 </p:oleObj>
               </mc:Choice>
@@ -42188,7 +42454,7 @@
           <a:graphicData uri="http://schemas.openxmlformats.org/presentationml/2006/ole">
             <mc:AlternateContent xmlns:mc="http://schemas.openxmlformats.org/markup-compatibility/2006">
               <mc:Choice xmlns:v="urn:schemas-microsoft-com:vml" Requires="v">
-                <p:oleObj spid="_x0000_s27071" name="方程式" r:id="rId24" imgW="2476440" imgH="507960" progId="Equation.3">
+                <p:oleObj spid="_x0000_s27127" name="方程式" r:id="rId24" imgW="2476440" imgH="507960" progId="Equation.3">
                   <p:embed/>
                 </p:oleObj>
               </mc:Choice>
@@ -42601,7 +42867,7 @@
           <a:graphicData uri="http://schemas.openxmlformats.org/presentationml/2006/ole">
             <mc:AlternateContent xmlns:mc="http://schemas.openxmlformats.org/markup-compatibility/2006">
               <mc:Choice xmlns:v="urn:schemas-microsoft-com:vml" Requires="v">
-                <p:oleObj spid="_x0000_s27072" name="公式" r:id="rId26" imgW="583947" imgH="253890" progId="Equation.3">
+                <p:oleObj spid="_x0000_s27128" name="公式" r:id="rId26" imgW="583947" imgH="253890" progId="Equation.3">
                   <p:embed/>
                 </p:oleObj>
               </mc:Choice>
@@ -42690,7 +42956,7 @@
           <a:graphicData uri="http://schemas.openxmlformats.org/presentationml/2006/ole">
             <mc:AlternateContent xmlns:mc="http://schemas.openxmlformats.org/markup-compatibility/2006">
               <mc:Choice xmlns:v="urn:schemas-microsoft-com:vml" Requires="v">
-                <p:oleObj spid="_x0000_s27073" name="公式" r:id="rId28" imgW="748975" imgH="215806" progId="Equation.3">
+                <p:oleObj spid="_x0000_s27129" name="公式" r:id="rId28" imgW="748975" imgH="215806" progId="Equation.3">
                   <p:embed/>
                 </p:oleObj>
               </mc:Choice>
@@ -42779,7 +43045,7 @@
           <a:graphicData uri="http://schemas.openxmlformats.org/presentationml/2006/ole">
             <mc:AlternateContent xmlns:mc="http://schemas.openxmlformats.org/markup-compatibility/2006">
               <mc:Choice xmlns:v="urn:schemas-microsoft-com:vml" Requires="v">
-                <p:oleObj spid="_x0000_s27074" name="公式" r:id="rId30" imgW="736600" imgH="228600" progId="Equation.3">
+                <p:oleObj spid="_x0000_s27130" name="公式" r:id="rId30" imgW="736600" imgH="228600" progId="Equation.3">
                   <p:embed/>
                 </p:oleObj>
               </mc:Choice>
